--- a/congrlang.pptx
+++ b/congrlang.pptx
@@ -125,7 +125,7 @@
 <file path=ppt/revisionInfo.xml><?xml version="1.0" encoding="utf-8"?>
 <p1510:revInfo xmlns:a="http://schemas.openxmlformats.org/drawingml/2006/main" xmlns:r="http://schemas.openxmlformats.org/officeDocument/2006/relationships" xmlns:p1510="http://schemas.microsoft.com/office/powerpoint/2015/10/main">
   <p1510:revLst>
-    <p1510:client id="{1829BA35-5CAC-4DC2-A547-CB71A6C40FF1}" v="5027" dt="2022-12-24T23:18:52.927"/>
+    <p1510:client id="{1829BA35-5CAC-4DC2-A547-CB71A6C40FF1}" v="8286" dt="2022-12-25T12:54:58.213"/>
   </p1510:revLst>
 </p1510:revInfo>
 </file>
@@ -135,12 +135,12 @@
   <pc:docChgLst>
     <pc:chgData name="이예주" userId="b627a05d-d457-425d-97ed-887cc9a3c15f" providerId="ADAL" clId="{1829BA35-5CAC-4DC2-A547-CB71A6C40FF1}"/>
     <pc:docChg chg="undo custSel addSld modSld sldOrd">
-      <pc:chgData name="이예주" userId="b627a05d-d457-425d-97ed-887cc9a3c15f" providerId="ADAL" clId="{1829BA35-5CAC-4DC2-A547-CB71A6C40FF1}" dt="2022-12-24T23:18:52.927" v="5288" actId="20577"/>
+      <pc:chgData name="이예주" userId="b627a05d-d457-425d-97ed-887cc9a3c15f" providerId="ADAL" clId="{1829BA35-5CAC-4DC2-A547-CB71A6C40FF1}" dt="2022-12-25T12:54:58.213" v="8865" actId="20577"/>
       <pc:docMkLst>
         <pc:docMk/>
       </pc:docMkLst>
-      <pc:sldChg chg="modSp modAnim">
-        <pc:chgData name="이예주" userId="b627a05d-d457-425d-97ed-887cc9a3c15f" providerId="ADAL" clId="{1829BA35-5CAC-4DC2-A547-CB71A6C40FF1}" dt="2022-12-24T19:21:07.690" v="2012" actId="20577"/>
+      <pc:sldChg chg="modSp modTransition modAnim">
+        <pc:chgData name="이예주" userId="b627a05d-d457-425d-97ed-887cc9a3c15f" providerId="ADAL" clId="{1829BA35-5CAC-4DC2-A547-CB71A6C40FF1}" dt="2022-12-25T10:02:48.918" v="6990"/>
         <pc:sldMkLst>
           <pc:docMk/>
           <pc:sldMk cId="1037435668" sldId="256"/>
@@ -154,43 +154,83 @@
           </ac:spMkLst>
         </pc:spChg>
       </pc:sldChg>
-      <pc:sldChg chg="modAnim">
-        <pc:chgData name="이예주" userId="b627a05d-d457-425d-97ed-887cc9a3c15f" providerId="ADAL" clId="{1829BA35-5CAC-4DC2-A547-CB71A6C40FF1}" dt="2022-12-24T10:38:33.906" v="1910"/>
+      <pc:sldChg chg="modSp modTransition modAnim">
+        <pc:chgData name="이예주" userId="b627a05d-d457-425d-97ed-887cc9a3c15f" providerId="ADAL" clId="{1829BA35-5CAC-4DC2-A547-CB71A6C40FF1}" dt="2022-12-25T11:07:58.528" v="7556" actId="12"/>
         <pc:sldMkLst>
           <pc:docMk/>
           <pc:sldMk cId="1841082999" sldId="257"/>
         </pc:sldMkLst>
+        <pc:spChg chg="mod">
+          <ac:chgData name="이예주" userId="b627a05d-d457-425d-97ed-887cc9a3c15f" providerId="ADAL" clId="{1829BA35-5CAC-4DC2-A547-CB71A6C40FF1}" dt="2022-12-25T11:07:58.528" v="7556" actId="12"/>
+          <ac:spMkLst>
+            <pc:docMk/>
+            <pc:sldMk cId="1841082999" sldId="257"/>
+            <ac:spMk id="7" creationId="{81E2D8A8-EF7F-7743-65E1-0A0E4CC5E713}"/>
+          </ac:spMkLst>
+        </pc:spChg>
+        <pc:spChg chg="mod">
+          <ac:chgData name="이예주" userId="b627a05d-d457-425d-97ed-887cc9a3c15f" providerId="ADAL" clId="{1829BA35-5CAC-4DC2-A547-CB71A6C40FF1}" dt="2022-12-25T11:06:51.077" v="7548"/>
+          <ac:spMkLst>
+            <pc:docMk/>
+            <pc:sldMk cId="1841082999" sldId="257"/>
+            <ac:spMk id="8" creationId="{0BB99DFF-5ACC-1912-1A5A-45423352A760}"/>
+          </ac:spMkLst>
+        </pc:spChg>
       </pc:sldChg>
-      <pc:sldChg chg="modAnim">
-        <pc:chgData name="이예주" userId="b627a05d-d457-425d-97ed-887cc9a3c15f" providerId="ADAL" clId="{1829BA35-5CAC-4DC2-A547-CB71A6C40FF1}" dt="2022-12-24T10:37:11.632" v="1900"/>
+      <pc:sldChg chg="modSp modTransition modAnim">
+        <pc:chgData name="이예주" userId="b627a05d-d457-425d-97ed-887cc9a3c15f" providerId="ADAL" clId="{1829BA35-5CAC-4DC2-A547-CB71A6C40FF1}" dt="2022-12-25T11:07:37.612" v="7552" actId="12"/>
         <pc:sldMkLst>
           <pc:docMk/>
           <pc:sldMk cId="3147902426" sldId="258"/>
         </pc:sldMkLst>
+        <pc:spChg chg="mod">
+          <ac:chgData name="이예주" userId="b627a05d-d457-425d-97ed-887cc9a3c15f" providerId="ADAL" clId="{1829BA35-5CAC-4DC2-A547-CB71A6C40FF1}" dt="2022-12-25T11:07:37.612" v="7552" actId="12"/>
+          <ac:spMkLst>
+            <pc:docMk/>
+            <pc:sldMk cId="3147902426" sldId="258"/>
+            <ac:spMk id="4" creationId="{DEF29BCC-7C4C-6464-1B0A-093139CC1221}"/>
+          </ac:spMkLst>
+        </pc:spChg>
+        <pc:spChg chg="mod">
+          <ac:chgData name="이예주" userId="b627a05d-d457-425d-97ed-887cc9a3c15f" providerId="ADAL" clId="{1829BA35-5CAC-4DC2-A547-CB71A6C40FF1}" dt="2022-12-25T11:06:27.124" v="7542"/>
+          <ac:spMkLst>
+            <pc:docMk/>
+            <pc:sldMk cId="3147902426" sldId="258"/>
+            <ac:spMk id="5" creationId="{4ED7D936-2772-F97E-F213-58F61BF68AD3}"/>
+          </ac:spMkLst>
+        </pc:spChg>
       </pc:sldChg>
-      <pc:sldChg chg="modSp modAnim">
-        <pc:chgData name="이예주" userId="b627a05d-d457-425d-97ed-887cc9a3c15f" providerId="ADAL" clId="{1829BA35-5CAC-4DC2-A547-CB71A6C40FF1}" dt="2022-12-24T10:37:28.251" v="1903"/>
+      <pc:sldChg chg="modSp modTransition modAnim">
+        <pc:chgData name="이예주" userId="b627a05d-d457-425d-97ed-887cc9a3c15f" providerId="ADAL" clId="{1829BA35-5CAC-4DC2-A547-CB71A6C40FF1}" dt="2022-12-25T11:07:42.805" v="7553" actId="12"/>
         <pc:sldMkLst>
           <pc:docMk/>
           <pc:sldMk cId="1730894798" sldId="259"/>
         </pc:sldMkLst>
         <pc:spChg chg="mod">
-          <ac:chgData name="이예주" userId="b627a05d-d457-425d-97ed-887cc9a3c15f" providerId="ADAL" clId="{1829BA35-5CAC-4DC2-A547-CB71A6C40FF1}" dt="2022-12-24T09:26:33.807" v="692" actId="20577"/>
+          <ac:chgData name="이예주" userId="b627a05d-d457-425d-97ed-887cc9a3c15f" providerId="ADAL" clId="{1829BA35-5CAC-4DC2-A547-CB71A6C40FF1}" dt="2022-12-25T11:07:42.805" v="7553" actId="12"/>
           <ac:spMkLst>
             <pc:docMk/>
             <pc:sldMk cId="1730894798" sldId="259"/>
             <ac:spMk id="3" creationId="{8AACC597-3729-14FB-85AC-2869E4515444}"/>
           </ac:spMkLst>
         </pc:spChg>
+        <pc:spChg chg="mod">
+          <ac:chgData name="이예주" userId="b627a05d-d457-425d-97ed-887cc9a3c15f" providerId="ADAL" clId="{1829BA35-5CAC-4DC2-A547-CB71A6C40FF1}" dt="2022-12-25T11:06:34.039" v="7544"/>
+          <ac:spMkLst>
+            <pc:docMk/>
+            <pc:sldMk cId="1730894798" sldId="259"/>
+            <ac:spMk id="4" creationId="{F91ED0E4-2F99-63C2-0990-38752ECCF870}"/>
+          </ac:spMkLst>
+        </pc:spChg>
       </pc:sldChg>
-      <pc:sldChg chg="addSp delSp modSp mod modClrScheme delAnim modAnim chgLayout">
-        <pc:chgData name="이예주" userId="b627a05d-d457-425d-97ed-887cc9a3c15f" providerId="ADAL" clId="{1829BA35-5CAC-4DC2-A547-CB71A6C40FF1}" dt="2022-12-24T22:53:29.468" v="4999" actId="113"/>
+      <pc:sldChg chg="addSp delSp modSp mod modTransition modClrScheme delAnim modAnim chgLayout">
+        <pc:chgData name="이예주" userId="b627a05d-d457-425d-97ed-887cc9a3c15f" providerId="ADAL" clId="{1829BA35-5CAC-4DC2-A547-CB71A6C40FF1}" dt="2022-12-25T11:08:22.984" v="7559" actId="12"/>
         <pc:sldMkLst>
           <pc:docMk/>
           <pc:sldMk cId="3585746662" sldId="260"/>
         </pc:sldMkLst>
         <pc:spChg chg="mod ord">
-          <ac:chgData name="이예주" userId="b627a05d-d457-425d-97ed-887cc9a3c15f" providerId="ADAL" clId="{1829BA35-5CAC-4DC2-A547-CB71A6C40FF1}" dt="2022-12-24T22:51:31.413" v="4948" actId="20577"/>
+          <ac:chgData name="이예주" userId="b627a05d-d457-425d-97ed-887cc9a3c15f" providerId="ADAL" clId="{1829BA35-5CAC-4DC2-A547-CB71A6C40FF1}" dt="2022-12-25T07:41:56.096" v="5834" actId="20577"/>
           <ac:spMkLst>
             <pc:docMk/>
             <pc:sldMk cId="3585746662" sldId="260"/>
@@ -198,7 +238,7 @@
           </ac:spMkLst>
         </pc:spChg>
         <pc:spChg chg="mod ord">
-          <ac:chgData name="이예주" userId="b627a05d-d457-425d-97ed-887cc9a3c15f" providerId="ADAL" clId="{1829BA35-5CAC-4DC2-A547-CB71A6C40FF1}" dt="2022-12-24T22:53:29.468" v="4999" actId="113"/>
+          <ac:chgData name="이예주" userId="b627a05d-d457-425d-97ed-887cc9a3c15f" providerId="ADAL" clId="{1829BA35-5CAC-4DC2-A547-CB71A6C40FF1}" dt="2022-12-25T11:08:22.984" v="7559" actId="12"/>
           <ac:spMkLst>
             <pc:docMk/>
             <pc:sldMk cId="3585746662" sldId="260"/>
@@ -246,14 +286,22 @@
           </ac:picMkLst>
         </pc:picChg>
       </pc:sldChg>
-      <pc:sldChg chg="modSp mod modAnim">
-        <pc:chgData name="이예주" userId="b627a05d-d457-425d-97ed-887cc9a3c15f" providerId="ADAL" clId="{1829BA35-5CAC-4DC2-A547-CB71A6C40FF1}" dt="2022-12-24T10:38:51.194" v="1913"/>
+      <pc:sldChg chg="modSp mod modTransition modAnim">
+        <pc:chgData name="이예주" userId="b627a05d-d457-425d-97ed-887cc9a3c15f" providerId="ADAL" clId="{1829BA35-5CAC-4DC2-A547-CB71A6C40FF1}" dt="2022-12-25T11:08:08.947" v="7557" actId="12"/>
         <pc:sldMkLst>
           <pc:docMk/>
           <pc:sldMk cId="4279575502" sldId="261"/>
         </pc:sldMkLst>
         <pc:spChg chg="mod">
-          <ac:chgData name="이예주" userId="b627a05d-d457-425d-97ed-887cc9a3c15f" providerId="ADAL" clId="{1829BA35-5CAC-4DC2-A547-CB71A6C40FF1}" dt="2022-12-24T09:28:35.221" v="788" actId="20577"/>
+          <ac:chgData name="이예주" userId="b627a05d-d457-425d-97ed-887cc9a3c15f" providerId="ADAL" clId="{1829BA35-5CAC-4DC2-A547-CB71A6C40FF1}" dt="2022-12-25T11:08:08.947" v="7557" actId="12"/>
+          <ac:spMkLst>
+            <pc:docMk/>
+            <pc:sldMk cId="4279575502" sldId="261"/>
+            <ac:spMk id="3" creationId="{8B17E6FB-7D77-ABD8-ED41-193F9CE2F3DF}"/>
+          </ac:spMkLst>
+        </pc:spChg>
+        <pc:spChg chg="mod">
+          <ac:chgData name="이예주" userId="b627a05d-d457-425d-97ed-887cc9a3c15f" providerId="ADAL" clId="{1829BA35-5CAC-4DC2-A547-CB71A6C40FF1}" dt="2022-12-25T11:06:59.799" v="7549"/>
           <ac:spMkLst>
             <pc:docMk/>
             <pc:sldMk cId="4279575502" sldId="261"/>
@@ -261,21 +309,37 @@
           </ac:spMkLst>
         </pc:spChg>
       </pc:sldChg>
-      <pc:sldChg chg="modAnim">
-        <pc:chgData name="이예주" userId="b627a05d-d457-425d-97ed-887cc9a3c15f" providerId="ADAL" clId="{1829BA35-5CAC-4DC2-A547-CB71A6C40FF1}" dt="2022-12-24T10:37:56.514" v="1906"/>
+      <pc:sldChg chg="modSp modTransition modAnim">
+        <pc:chgData name="이예주" userId="b627a05d-d457-425d-97ed-887cc9a3c15f" providerId="ADAL" clId="{1829BA35-5CAC-4DC2-A547-CB71A6C40FF1}" dt="2022-12-25T11:07:47.284" v="7554" actId="12"/>
         <pc:sldMkLst>
           <pc:docMk/>
           <pc:sldMk cId="441744172" sldId="262"/>
         </pc:sldMkLst>
+        <pc:spChg chg="mod">
+          <ac:chgData name="이예주" userId="b627a05d-d457-425d-97ed-887cc9a3c15f" providerId="ADAL" clId="{1829BA35-5CAC-4DC2-A547-CB71A6C40FF1}" dt="2022-12-25T11:07:47.284" v="7554" actId="12"/>
+          <ac:spMkLst>
+            <pc:docMk/>
+            <pc:sldMk cId="441744172" sldId="262"/>
+            <ac:spMk id="3" creationId="{31748FD7-FB32-CAE9-072B-5A96194ACFD1}"/>
+          </ac:spMkLst>
+        </pc:spChg>
+        <pc:spChg chg="mod">
+          <ac:chgData name="이예주" userId="b627a05d-d457-425d-97ed-887cc9a3c15f" providerId="ADAL" clId="{1829BA35-5CAC-4DC2-A547-CB71A6C40FF1}" dt="2022-12-25T11:06:40.842" v="7546"/>
+          <ac:spMkLst>
+            <pc:docMk/>
+            <pc:sldMk cId="441744172" sldId="262"/>
+            <ac:spMk id="4" creationId="{0EA988A3-94C3-BE99-032C-5FAB3364A3A3}"/>
+          </ac:spMkLst>
+        </pc:spChg>
       </pc:sldChg>
-      <pc:sldChg chg="modSp modAnim">
-        <pc:chgData name="이예주" userId="b627a05d-d457-425d-97ed-887cc9a3c15f" providerId="ADAL" clId="{1829BA35-5CAC-4DC2-A547-CB71A6C40FF1}" dt="2022-12-24T10:38:11.378" v="1907"/>
+      <pc:sldChg chg="modSp modTransition modAnim">
+        <pc:chgData name="이예주" userId="b627a05d-d457-425d-97ed-887cc9a3c15f" providerId="ADAL" clId="{1829BA35-5CAC-4DC2-A547-CB71A6C40FF1}" dt="2022-12-25T11:07:52.098" v="7555" actId="12"/>
         <pc:sldMkLst>
           <pc:docMk/>
           <pc:sldMk cId="1305919826" sldId="263"/>
         </pc:sldMkLst>
         <pc:spChg chg="mod">
-          <ac:chgData name="이예주" userId="b627a05d-d457-425d-97ed-887cc9a3c15f" providerId="ADAL" clId="{1829BA35-5CAC-4DC2-A547-CB71A6C40FF1}" dt="2022-12-24T09:25:50.484" v="684" actId="20577"/>
+          <ac:chgData name="이예주" userId="b627a05d-d457-425d-97ed-887cc9a3c15f" providerId="ADAL" clId="{1829BA35-5CAC-4DC2-A547-CB71A6C40FF1}" dt="2022-12-25T11:07:52.098" v="7555" actId="12"/>
           <ac:spMkLst>
             <pc:docMk/>
             <pc:sldMk cId="1305919826" sldId="263"/>
@@ -283,8 +347,8 @@
           </ac:spMkLst>
         </pc:spChg>
       </pc:sldChg>
-      <pc:sldChg chg="delSp modSp new mod modClrScheme modAnim chgLayout">
-        <pc:chgData name="이예주" userId="b627a05d-d457-425d-97ed-887cc9a3c15f" providerId="ADAL" clId="{1829BA35-5CAC-4DC2-A547-CB71A6C40FF1}" dt="2022-12-24T21:06:17.391" v="2495"/>
+      <pc:sldChg chg="delSp modSp new mod modTransition modClrScheme modAnim chgLayout">
+        <pc:chgData name="이예주" userId="b627a05d-d457-425d-97ed-887cc9a3c15f" providerId="ADAL" clId="{1829BA35-5CAC-4DC2-A547-CB71A6C40FF1}" dt="2022-12-25T10:03:37.537" v="7005"/>
         <pc:sldMkLst>
           <pc:docMk/>
           <pc:sldMk cId="3266048978" sldId="264"/>
@@ -314,8 +378,8 @@
           </ac:spMkLst>
         </pc:spChg>
       </pc:sldChg>
-      <pc:sldChg chg="modSp add mod ord modAnim">
-        <pc:chgData name="이예주" userId="b627a05d-d457-425d-97ed-887cc9a3c15f" providerId="ADAL" clId="{1829BA35-5CAC-4DC2-A547-CB71A6C40FF1}" dt="2022-12-24T21:11:55.133" v="2676"/>
+      <pc:sldChg chg="modSp add mod ord modTransition modAnim">
+        <pc:chgData name="이예주" userId="b627a05d-d457-425d-97ed-887cc9a3c15f" providerId="ADAL" clId="{1829BA35-5CAC-4DC2-A547-CB71A6C40FF1}" dt="2022-12-25T11:08:15.954" v="7558" actId="12"/>
         <pc:sldMkLst>
           <pc:docMk/>
           <pc:sldMk cId="635459666" sldId="265"/>
@@ -328,27 +392,59 @@
             <ac:spMk id="2" creationId="{2E2E8794-54C9-4CA6-1A39-28C65AE4B9E7}"/>
           </ac:spMkLst>
         </pc:spChg>
+        <pc:spChg chg="mod">
+          <ac:chgData name="이예주" userId="b627a05d-d457-425d-97ed-887cc9a3c15f" providerId="ADAL" clId="{1829BA35-5CAC-4DC2-A547-CB71A6C40FF1}" dt="2022-12-25T11:08:15.954" v="7558" actId="12"/>
+          <ac:spMkLst>
+            <pc:docMk/>
+            <pc:sldMk cId="635459666" sldId="265"/>
+            <ac:spMk id="3" creationId="{8AACC597-3729-14FB-85AC-2869E4515444}"/>
+          </ac:spMkLst>
+        </pc:spChg>
+        <pc:spChg chg="mod">
+          <ac:chgData name="이예주" userId="b627a05d-d457-425d-97ed-887cc9a3c15f" providerId="ADAL" clId="{1829BA35-5CAC-4DC2-A547-CB71A6C40FF1}" dt="2022-12-25T11:07:07.329" v="7550"/>
+          <ac:spMkLst>
+            <pc:docMk/>
+            <pc:sldMk cId="635459666" sldId="265"/>
+            <ac:spMk id="4" creationId="{F91ED0E4-2F99-63C2-0990-38752ECCF870}"/>
+          </ac:spMkLst>
+        </pc:spChg>
       </pc:sldChg>
-      <pc:sldChg chg="modSp new mod">
-        <pc:chgData name="이예주" userId="b627a05d-d457-425d-97ed-887cc9a3c15f" providerId="ADAL" clId="{1829BA35-5CAC-4DC2-A547-CB71A6C40FF1}" dt="2022-12-24T23:18:52.927" v="5288" actId="20577"/>
+      <pc:sldChg chg="addSp modSp new mod modTransition modClrScheme modAnim chgLayout">
+        <pc:chgData name="이예주" userId="b627a05d-d457-425d-97ed-887cc9a3c15f" providerId="ADAL" clId="{1829BA35-5CAC-4DC2-A547-CB71A6C40FF1}" dt="2022-12-25T12:54:58.213" v="8865" actId="20577"/>
         <pc:sldMkLst>
           <pc:docMk/>
           <pc:sldMk cId="1054957075" sldId="266"/>
         </pc:sldMkLst>
-        <pc:spChg chg="mod">
-          <ac:chgData name="이예주" userId="b627a05d-d457-425d-97ed-887cc9a3c15f" providerId="ADAL" clId="{1829BA35-5CAC-4DC2-A547-CB71A6C40FF1}" dt="2022-12-24T22:51:42.707" v="4998" actId="20577"/>
+        <pc:spChg chg="mod ord">
+          <ac:chgData name="이예주" userId="b627a05d-d457-425d-97ed-887cc9a3c15f" providerId="ADAL" clId="{1829BA35-5CAC-4DC2-A547-CB71A6C40FF1}" dt="2022-12-25T10:21:32.147" v="7236" actId="700"/>
           <ac:spMkLst>
             <pc:docMk/>
             <pc:sldMk cId="1054957075" sldId="266"/>
             <ac:spMk id="2" creationId="{F914E7BF-CABB-BBCC-B903-9B86454BBAAE}"/>
           </ac:spMkLst>
         </pc:spChg>
-        <pc:spChg chg="mod">
-          <ac:chgData name="이예주" userId="b627a05d-d457-425d-97ed-887cc9a3c15f" providerId="ADAL" clId="{1829BA35-5CAC-4DC2-A547-CB71A6C40FF1}" dt="2022-12-24T23:18:52.927" v="5288" actId="20577"/>
+        <pc:spChg chg="mod ord">
+          <ac:chgData name="이예주" userId="b627a05d-d457-425d-97ed-887cc9a3c15f" providerId="ADAL" clId="{1829BA35-5CAC-4DC2-A547-CB71A6C40FF1}" dt="2022-12-25T12:34:29.013" v="8108" actId="20577"/>
           <ac:spMkLst>
             <pc:docMk/>
             <pc:sldMk cId="1054957075" sldId="266"/>
             <ac:spMk id="3" creationId="{1A3E9564-DD2C-0C3D-F237-0730DA880779}"/>
+          </ac:spMkLst>
+        </pc:spChg>
+        <pc:spChg chg="add mod ord">
+          <ac:chgData name="이예주" userId="b627a05d-d457-425d-97ed-887cc9a3c15f" providerId="ADAL" clId="{1829BA35-5CAC-4DC2-A547-CB71A6C40FF1}" dt="2022-12-25T12:54:58.213" v="8865" actId="20577"/>
+          <ac:spMkLst>
+            <pc:docMk/>
+            <pc:sldMk cId="1054957075" sldId="266"/>
+            <ac:spMk id="4" creationId="{2985D211-A52F-13DC-F09A-2FF9725F1024}"/>
+          </ac:spMkLst>
+        </pc:spChg>
+        <pc:spChg chg="add mod">
+          <ac:chgData name="이예주" userId="b627a05d-d457-425d-97ed-887cc9a3c15f" providerId="ADAL" clId="{1829BA35-5CAC-4DC2-A547-CB71A6C40FF1}" dt="2022-12-25T12:40:25.674" v="8300" actId="207"/>
+          <ac:spMkLst>
+            <pc:docMk/>
+            <pc:sldMk cId="1054957075" sldId="266"/>
+            <ac:spMk id="5" creationId="{FD81EFDD-282B-59F1-5E49-A7BF081E701F}"/>
           </ac:spMkLst>
         </pc:spChg>
       </pc:sldChg>
@@ -4305,6 +4401,9 @@
   <p:clrMapOvr>
     <a:masterClrMapping/>
   </p:clrMapOvr>
+  <p:transition spd="slow">
+    <p:push/>
+  </p:transition>
   <p:timing>
     <p:tnLst>
       <p:par>
@@ -4487,13 +4586,8 @@
           <a:p>
             <a:r>
               <a:rPr lang="ko-KR" altLang="en-US" dirty="0"/>
-              <a:t>다양한 굴절이 가능한 이유 </a:t>
-            </a:r>
-            <a:r>
-              <a:rPr lang="en-US" altLang="ko-KR" dirty="0"/>
-              <a:t>– 1/2</a:t>
-            </a:r>
-            <a:endParaRPr lang="ko-KR" altLang="en-US" dirty="0"/>
+              <a:t>다양한 굴절이 가능한 원리</a:t>
+            </a:r>
           </a:p>
         </p:txBody>
       </p:sp>
@@ -4520,6 +4614,10 @@
               <a:bodyPr/>
               <a:lstStyle/>
               <a:p>
+                <a:pPr marL="342900" indent="-342900">
+                  <a:buFont typeface="+mj-lt"/>
+                  <a:buAutoNum type="arabicPeriod"/>
+                </a:pPr>
                 <a:r>
                   <a:rPr lang="ko-KR" altLang="en-US" dirty="0"/>
                   <a:t>베주 항등식</a:t>
@@ -4621,6 +4719,10 @@
                 </a:r>
               </a:p>
               <a:p>
+                <a:pPr marL="342900" indent="-342900">
+                  <a:buFont typeface="+mj-lt"/>
+                  <a:buAutoNum type="arabicPeriod"/>
+                </a:pPr>
                 <a14:m>
                   <m:oMath xmlns:m="http://schemas.openxmlformats.org/officeDocument/2006/math">
                     <m:func>
@@ -4737,6 +4839,10 @@
                 </a:r>
               </a:p>
               <a:p>
+                <a:pPr marL="342900" indent="-342900">
+                  <a:buFont typeface="+mj-lt"/>
+                  <a:buAutoNum type="arabicPeriod"/>
+                </a:pPr>
                 <a:r>
                   <a:rPr lang="ko-KR" altLang="en-US" dirty="0" err="1"/>
                   <a:t>오일러</a:t>
@@ -4790,6 +4896,10 @@
                 </a:r>
               </a:p>
               <a:p>
+                <a:pPr marL="342900" indent="-342900">
+                  <a:buFont typeface="+mj-lt"/>
+                  <a:buAutoNum type="arabicPeriod"/>
+                </a:pPr>
                 <a:r>
                   <a:rPr lang="ko-KR" altLang="en-US" dirty="0">
                     <a:solidFill>
@@ -4938,6 +5048,10 @@
                 </a:r>
               </a:p>
               <a:p>
+                <a:pPr marL="342900" indent="-342900">
+                  <a:buFont typeface="+mj-lt"/>
+                  <a:buAutoNum type="arabicPeriod"/>
+                </a:pPr>
                 <a:r>
                   <a:rPr lang="ko-KR" altLang="en-US" dirty="0">
                     <a:solidFill>
@@ -5050,50 +5164,296 @@
                 </a:r>
               </a:p>
               <a:p>
+                <a:pPr marL="342900" indent="-342900">
+                  <a:buFont typeface="+mj-lt"/>
+                  <a:buAutoNum type="arabicPeriod"/>
+                </a:pPr>
                 <a:r>
                   <a:rPr lang="ko-KR" altLang="en-US" dirty="0"/>
-                  <a:t>그렇다면 </a:t>
-                </a:r>
-                <a:r>
-                  <a:rPr lang="ko-KR" altLang="en-US" b="1" dirty="0"/>
-                  <a:t>거듭제곱해서 </a:t>
+                  <a:t>한편 </a:t>
                 </a:r>
                 <a14:m>
                   <m:oMath xmlns:m="http://schemas.openxmlformats.org/officeDocument/2006/math">
                     <m:r>
-                      <a:rPr lang="en-US" altLang="ko-KR" b="1" i="1" smtClean="0">
+                      <a:rPr lang="en-US" altLang="ko-KR" b="0" i="1" smtClean="0">
                         <a:latin typeface="Cambria Math" panose="02040503050406030204" pitchFamily="18" charset="0"/>
                       </a:rPr>
-                      <m:t>𝒏</m:t>
+                      <m:t>𝑏</m:t>
+                    </m:r>
+                    <m:r>
+                      <a:rPr lang="en-US" altLang="ko-KR" b="0" i="1" smtClean="0">
+                        <a:latin typeface="Cambria Math" panose="02040503050406030204" pitchFamily="18" charset="0"/>
+                      </a:rPr>
+                      <m:t>∈</m:t>
+                    </m:r>
+                    <m:r>
+                      <a:rPr lang="en-US" altLang="ko-KR" b="0" i="1" smtClean="0">
+                        <a:latin typeface="Cambria Math" panose="02040503050406030204" pitchFamily="18" charset="0"/>
+                      </a:rPr>
+                      <m:t>ℚ</m:t>
                     </m:r>
                   </m:oMath>
                 </a14:m>
                 <a:r>
+                  <a:rPr lang="ko-KR" altLang="en-US" dirty="0"/>
+                  <a:t>일 때 </a:t>
+                </a:r>
+                <a14:m>
+                  <m:oMath xmlns:m="http://schemas.openxmlformats.org/officeDocument/2006/math">
+                    <m:sSup>
+                      <m:sSupPr>
+                        <m:ctrlPr>
+                          <a:rPr lang="en-US" altLang="ko-KR" b="0" i="1" smtClean="0">
+                            <a:latin typeface="Cambria Math" panose="02040503050406030204" pitchFamily="18" charset="0"/>
+                          </a:rPr>
+                        </m:ctrlPr>
+                      </m:sSupPr>
+                      <m:e>
+                        <m:r>
+                          <a:rPr lang="en-US" altLang="ko-KR" b="0" i="1" smtClean="0">
+                            <a:latin typeface="Cambria Math" panose="02040503050406030204" pitchFamily="18" charset="0"/>
+                          </a:rPr>
+                          <m:t>𝑥</m:t>
+                        </m:r>
+                      </m:e>
+                      <m:sup>
+                        <m:r>
+                          <a:rPr lang="en-US" altLang="ko-KR" b="0" i="1" smtClean="0">
+                            <a:latin typeface="Cambria Math" panose="02040503050406030204" pitchFamily="18" charset="0"/>
+                          </a:rPr>
+                          <m:t>𝑏</m:t>
+                        </m:r>
+                      </m:sup>
+                    </m:sSup>
+                    <m:r>
+                      <a:rPr lang="en-US" altLang="ko-KR" b="0" i="1" smtClean="0">
+                        <a:latin typeface="Cambria Math" panose="02040503050406030204" pitchFamily="18" charset="0"/>
+                      </a:rPr>
+                      <m:t>≡1 </m:t>
+                    </m:r>
+                    <m:d>
+                      <m:dPr>
+                        <m:ctrlPr>
+                          <a:rPr lang="en-US" altLang="ko-KR" b="0" i="1" smtClean="0">
+                            <a:latin typeface="Cambria Math" panose="02040503050406030204" pitchFamily="18" charset="0"/>
+                          </a:rPr>
+                        </m:ctrlPr>
+                      </m:dPr>
+                      <m:e>
+                        <m:r>
+                          <m:rPr>
+                            <m:sty m:val="p"/>
+                          </m:rPr>
+                          <a:rPr lang="en-US" altLang="ko-KR" b="0" i="1" smtClean="0">
+                            <a:latin typeface="Cambria Math" panose="02040503050406030204" pitchFamily="18" charset="0"/>
+                          </a:rPr>
+                          <m:t>mod</m:t>
+                        </m:r>
+                        <m:r>
+                          <a:rPr lang="en-US" altLang="ko-KR" b="0" i="1" smtClean="0">
+                            <a:latin typeface="Cambria Math" panose="02040503050406030204" pitchFamily="18" charset="0"/>
+                          </a:rPr>
+                          <m:t> </m:t>
+                        </m:r>
+                        <m:r>
+                          <a:rPr lang="en-US" altLang="ko-KR" b="0" i="1" smtClean="0">
+                            <a:latin typeface="Cambria Math" panose="02040503050406030204" pitchFamily="18" charset="0"/>
+                          </a:rPr>
+                          <m:t>𝑛</m:t>
+                        </m:r>
+                      </m:e>
+                    </m:d>
+                  </m:oMath>
+                </a14:m>
+                <a:r>
+                  <a:rPr lang="ko-KR" altLang="en-US" dirty="0"/>
+                  <a:t>의 해는 반드시 </a:t>
+                </a:r>
+                <a14:m>
+                  <m:oMath xmlns:m="http://schemas.openxmlformats.org/officeDocument/2006/math">
+                    <m:r>
+                      <a:rPr lang="en-US" altLang="ko-KR" b="0" i="1" smtClean="0">
+                        <a:latin typeface="Cambria Math" panose="02040503050406030204" pitchFamily="18" charset="0"/>
+                      </a:rPr>
+                      <m:t>±1</m:t>
+                    </m:r>
+                  </m:oMath>
+                </a14:m>
+                <a:r>
+                  <a:rPr lang="ko-KR" altLang="en-US" dirty="0"/>
+                  <a:t>임</a:t>
+                </a:r>
+                <a:r>
+                  <a:rPr lang="en-US" altLang="ko-KR" dirty="0"/>
+                  <a:t>.</a:t>
+                </a:r>
+              </a:p>
+              <a:p>
+                <a:pPr marL="342900" indent="-342900">
+                  <a:buFont typeface="+mj-lt"/>
+                  <a:buAutoNum type="arabicPeriod"/>
+                </a:pPr>
+                <a:r>
                   <a:rPr lang="ko-KR" altLang="en-US" b="1" dirty="0"/>
-                  <a:t>으로</a:t>
+                  <a:t>그렇다면 </a:t>
+                </a:r>
+                <a14:m>
+                  <m:oMath xmlns:m="http://schemas.openxmlformats.org/officeDocument/2006/math">
+                    <m:func>
+                      <m:funcPr>
+                        <m:ctrlPr>
+                          <a:rPr lang="en-US" altLang="ko-KR" b="1" i="1" smtClean="0">
+                            <a:latin typeface="Cambria Math" panose="02040503050406030204" pitchFamily="18" charset="0"/>
+                          </a:rPr>
+                        </m:ctrlPr>
+                      </m:funcPr>
+                      <m:fName>
+                        <m:r>
+                          <a:rPr lang="en-US" altLang="ko-KR" b="1" i="0" smtClean="0">
+                            <a:latin typeface="Cambria Math" panose="02040503050406030204" pitchFamily="18" charset="0"/>
+                          </a:rPr>
+                          <m:t>𝐦𝐢𝐧</m:t>
+                        </m:r>
+                      </m:fName>
+                      <m:e>
+                        <m:d>
+                          <m:dPr>
+                            <m:begChr m:val="{"/>
+                            <m:endChr m:val="}"/>
+                            <m:ctrlPr>
+                              <a:rPr lang="en-US" altLang="ko-KR" b="1" i="1" smtClean="0">
+                                <a:latin typeface="Cambria Math" panose="02040503050406030204" pitchFamily="18" charset="0"/>
+                              </a:rPr>
+                            </m:ctrlPr>
+                          </m:dPr>
+                          <m:e>
+                            <m:r>
+                              <a:rPr lang="en-US" altLang="ko-KR" b="1" i="1" smtClean="0">
+                                <a:latin typeface="Cambria Math" panose="02040503050406030204" pitchFamily="18" charset="0"/>
+                              </a:rPr>
+                              <m:t>𝒃</m:t>
+                            </m:r>
+                            <m:r>
+                              <a:rPr lang="en-US" altLang="ko-KR" b="1" i="1" smtClean="0">
+                                <a:latin typeface="Cambria Math" panose="02040503050406030204" pitchFamily="18" charset="0"/>
+                              </a:rPr>
+                              <m:t>&gt;</m:t>
+                            </m:r>
+                            <m:r>
+                              <a:rPr lang="en-US" altLang="ko-KR" b="1" i="1" smtClean="0">
+                                <a:latin typeface="Cambria Math" panose="02040503050406030204" pitchFamily="18" charset="0"/>
+                              </a:rPr>
+                              <m:t>𝟎</m:t>
+                            </m:r>
+                          </m:e>
+                          <m:e>
+                            <m:sSup>
+                              <m:sSupPr>
+                                <m:ctrlPr>
+                                  <a:rPr lang="en-US" altLang="ko-KR" b="1" i="1" smtClean="0">
+                                    <a:latin typeface="Cambria Math" panose="02040503050406030204" pitchFamily="18" charset="0"/>
+                                  </a:rPr>
+                                </m:ctrlPr>
+                              </m:sSupPr>
+                              <m:e>
+                                <m:r>
+                                  <a:rPr lang="en-US" altLang="ko-KR" b="1" i="1" smtClean="0">
+                                    <a:latin typeface="Cambria Math" panose="02040503050406030204" pitchFamily="18" charset="0"/>
+                                  </a:rPr>
+                                  <m:t>𝒂</m:t>
+                                </m:r>
+                              </m:e>
+                              <m:sup>
+                                <m:r>
+                                  <a:rPr lang="en-US" altLang="ko-KR" b="1" i="1" smtClean="0">
+                                    <a:latin typeface="Cambria Math" panose="02040503050406030204" pitchFamily="18" charset="0"/>
+                                  </a:rPr>
+                                  <m:t>𝒃</m:t>
+                                </m:r>
+                              </m:sup>
+                            </m:sSup>
+                            <m:r>
+                              <a:rPr lang="en-US" altLang="ko-KR" b="1" i="1" smtClean="0">
+                                <a:latin typeface="Cambria Math" panose="02040503050406030204" pitchFamily="18" charset="0"/>
+                              </a:rPr>
+                              <m:t>≡</m:t>
+                            </m:r>
+                            <m:r>
+                              <a:rPr lang="en-US" altLang="ko-KR" b="1" i="1" smtClean="0">
+                                <a:latin typeface="Cambria Math" panose="02040503050406030204" pitchFamily="18" charset="0"/>
+                              </a:rPr>
+                              <m:t>𝟏</m:t>
+                            </m:r>
+                            <m:d>
+                              <m:dPr>
+                                <m:ctrlPr>
+                                  <a:rPr lang="en-US" altLang="ko-KR" b="1" i="1" smtClean="0">
+                                    <a:latin typeface="Cambria Math" panose="02040503050406030204" pitchFamily="18" charset="0"/>
+                                  </a:rPr>
+                                </m:ctrlPr>
+                              </m:dPr>
+                              <m:e>
+                                <m:r>
+                                  <a:rPr lang="en-US" altLang="ko-KR" b="1" i="1" smtClean="0">
+                                    <a:latin typeface="Cambria Math" panose="02040503050406030204" pitchFamily="18" charset="0"/>
+                                  </a:rPr>
+                                  <m:t>𝒎𝒐𝒅</m:t>
+                                </m:r>
+                                <m:r>
+                                  <a:rPr lang="en-US" altLang="ko-KR" b="1" i="1" smtClean="0">
+                                    <a:latin typeface="Cambria Math" panose="02040503050406030204" pitchFamily="18" charset="0"/>
+                                  </a:rPr>
+                                  <m:t> </m:t>
+                                </m:r>
+                                <m:r>
+                                  <a:rPr lang="en-US" altLang="ko-KR" b="1" i="1" smtClean="0">
+                                    <a:latin typeface="Cambria Math" panose="02040503050406030204" pitchFamily="18" charset="0"/>
+                                  </a:rPr>
+                                  <m:t>𝒏</m:t>
+                                </m:r>
+                              </m:e>
+                            </m:d>
+                          </m:e>
+                        </m:d>
+                      </m:e>
+                    </m:func>
+                    <m:r>
+                      <a:rPr lang="en-US" altLang="ko-KR" b="1" i="1" smtClean="0">
+                        <a:latin typeface="Cambria Math" panose="02040503050406030204" pitchFamily="18" charset="0"/>
+                      </a:rPr>
+                      <m:t>≠</m:t>
+                    </m:r>
+                    <m:r>
+                      <a:rPr lang="en-US" altLang="ko-KR" b="1" i="1" smtClean="0">
+                        <a:latin typeface="Cambria Math" panose="02040503050406030204" pitchFamily="18" charset="0"/>
+                      </a:rPr>
+                      <m:t>𝝓</m:t>
+                    </m:r>
+                    <m:d>
+                      <m:dPr>
+                        <m:ctrlPr>
+                          <a:rPr lang="en-US" altLang="ko-KR" b="1" i="1" smtClean="0">
+                            <a:latin typeface="Cambria Math" panose="02040503050406030204" pitchFamily="18" charset="0"/>
+                          </a:rPr>
+                        </m:ctrlPr>
+                      </m:dPr>
+                      <m:e>
+                        <m:r>
+                          <a:rPr lang="en-US" altLang="ko-KR" b="1" i="1" smtClean="0">
+                            <a:latin typeface="Cambria Math" panose="02040503050406030204" pitchFamily="18" charset="0"/>
+                          </a:rPr>
+                          <m:t>𝒏</m:t>
+                        </m:r>
+                      </m:e>
+                    </m:d>
+                  </m:oMath>
+                </a14:m>
+                <a:r>
+                  <a:rPr lang="ko-KR" altLang="en-US" b="1" dirty="0"/>
+                  <a:t>일 수도 있지 않을까</a:t>
                 </a:r>
                 <a:r>
                   <a:rPr lang="en-US" altLang="ko-KR" b="1" dirty="0"/>
-                  <a:t> </a:t>
-                </a:r>
-                <a:r>
-                  <a:rPr lang="ko-KR" altLang="en-US" b="1" dirty="0"/>
-                  <a:t>나눈 나머지가 </a:t>
-                </a:r>
-                <a:r>
-                  <a:rPr lang="en-US" altLang="ko-KR" b="1" dirty="0"/>
-                  <a:t>1</a:t>
-                </a:r>
-                <a:r>
-                  <a:rPr lang="ko-KR" altLang="en-US" b="1" dirty="0"/>
-                  <a:t>이 되는 경우</a:t>
-                </a:r>
-                <a:r>
-                  <a:rPr lang="ko-KR" altLang="en-US" dirty="0"/>
-                  <a:t>라면 어떨까</a:t>
-                </a:r>
-                <a:r>
-                  <a:rPr lang="en-US" altLang="ko-KR" dirty="0"/>
                   <a:t>?</a:t>
                 </a:r>
               </a:p>
@@ -5121,7 +5481,7 @@
               <a:blipFill>
                 <a:blip r:embed="rId2"/>
                 <a:stretch>
-                  <a:fillRect l="-355" t="-157"/>
+                  <a:fillRect l="-474" t="-157"/>
                 </a:stretch>
               </a:blipFill>
             </p:spPr>
@@ -5150,6 +5510,9 @@
   <p:clrMapOvr>
     <a:masterClrMapping/>
   </p:clrMapOvr>
+  <p:transition spd="slow">
+    <p:push/>
+  </p:transition>
   <p:timing>
     <p:tnLst>
       <p:par>
@@ -5524,6 +5887,67 @@
                       </p:childTnLst>
                     </p:cTn>
                   </p:par>
+                  <p:par>
+                    <p:cTn id="33" fill="hold">
+                      <p:stCondLst>
+                        <p:cond delay="indefinite"/>
+                      </p:stCondLst>
+                      <p:childTnLst>
+                        <p:par>
+                          <p:cTn id="34" fill="hold">
+                            <p:stCondLst>
+                              <p:cond delay="0"/>
+                            </p:stCondLst>
+                            <p:childTnLst>
+                              <p:par>
+                                <p:cTn id="35" presetID="22" presetClass="entr" presetSubtype="8" fill="hold" grpId="0" nodeType="clickEffect">
+                                  <p:stCondLst>
+                                    <p:cond delay="0"/>
+                                  </p:stCondLst>
+                                  <p:childTnLst>
+                                    <p:set>
+                                      <p:cBhvr>
+                                        <p:cTn id="36" dur="1" fill="hold">
+                                          <p:stCondLst>
+                                            <p:cond delay="0"/>
+                                          </p:stCondLst>
+                                        </p:cTn>
+                                        <p:tgtEl>
+                                          <p:spTgt spid="5">
+                                            <p:txEl>
+                                              <p:pRg st="6" end="6"/>
+                                            </p:txEl>
+                                          </p:spTgt>
+                                        </p:tgtEl>
+                                        <p:attrNameLst>
+                                          <p:attrName>style.visibility</p:attrName>
+                                        </p:attrNameLst>
+                                      </p:cBhvr>
+                                      <p:to>
+                                        <p:strVal val="visible"/>
+                                      </p:to>
+                                    </p:set>
+                                    <p:animEffect transition="in" filter="wipe(left)">
+                                      <p:cBhvr>
+                                        <p:cTn id="37" dur="500"/>
+                                        <p:tgtEl>
+                                          <p:spTgt spid="5">
+                                            <p:txEl>
+                                              <p:pRg st="6" end="6"/>
+                                            </p:txEl>
+                                          </p:spTgt>
+                                        </p:tgtEl>
+                                      </p:cBhvr>
+                                    </p:animEffect>
+                                  </p:childTnLst>
+                                </p:cTn>
+                              </p:par>
+                            </p:childTnLst>
+                          </p:cTn>
+                        </p:par>
+                      </p:childTnLst>
+                    </p:cTn>
+                  </p:par>
                 </p:childTnLst>
               </p:cTn>
               <p:prevCondLst>
@@ -5592,13 +6016,8 @@
           <a:p>
             <a:r>
               <a:rPr lang="ko-KR" altLang="en-US" dirty="0"/>
-              <a:t>다양한 굴절이 가능한 이유 </a:t>
-            </a:r>
-            <a:r>
-              <a:rPr lang="en-US" altLang="ko-KR" dirty="0"/>
-              <a:t>– 2/2</a:t>
-            </a:r>
-            <a:endParaRPr lang="ko-KR" altLang="en-US" dirty="0"/>
+              <a:t>한계</a:t>
+            </a:r>
           </a:p>
         </p:txBody>
       </p:sp>
@@ -5617,14 +6036,489 @@
                 <a:spLocks noGrp="1"/>
               </p:cNvSpPr>
               <p:nvPr>
-                <p:ph idx="1"/>
+                <p:ph sz="half" idx="1"/>
               </p:nvPr>
             </p:nvSpPr>
             <p:spPr/>
             <p:txBody>
+              <a:bodyPr>
+                <a:normAutofit/>
+              </a:bodyPr>
+              <a:lstStyle/>
+              <a:p>
+                <a:pPr marL="342900" indent="-342900">
+                  <a:buFont typeface="+mj-lt"/>
+                  <a:buAutoNum type="arabicPeriod"/>
+                </a:pPr>
+                <a14:m>
+                  <m:oMath xmlns:m="http://schemas.openxmlformats.org/officeDocument/2006/math">
+                    <m:sSup>
+                      <m:sSupPr>
+                        <m:ctrlPr>
+                          <a:rPr lang="en-US" altLang="ko-KR" b="0" i="1" smtClean="0">
+                            <a:latin typeface="Cambria Math" panose="02040503050406030204" pitchFamily="18" charset="0"/>
+                          </a:rPr>
+                        </m:ctrlPr>
+                      </m:sSupPr>
+                      <m:e>
+                        <m:r>
+                          <a:rPr lang="en-US" altLang="ko-KR" b="0" i="1" smtClean="0">
+                            <a:latin typeface="Cambria Math" panose="02040503050406030204" pitchFamily="18" charset="0"/>
+                          </a:rPr>
+                          <m:t>𝑎</m:t>
+                        </m:r>
+                      </m:e>
+                      <m:sup>
+                        <m:r>
+                          <a:rPr lang="en-US" altLang="ko-KR" b="0" i="1" smtClean="0">
+                            <a:latin typeface="Cambria Math" panose="02040503050406030204" pitchFamily="18" charset="0"/>
+                          </a:rPr>
+                          <m:t>𝑏</m:t>
+                        </m:r>
+                      </m:sup>
+                    </m:sSup>
+                    <m:r>
+                      <a:rPr lang="en-US" altLang="ko-KR" b="0" i="1" smtClean="0">
+                        <a:latin typeface="Cambria Math" panose="02040503050406030204" pitchFamily="18" charset="0"/>
+                      </a:rPr>
+                      <m:t>≡1</m:t>
+                    </m:r>
+                    <m:d>
+                      <m:dPr>
+                        <m:ctrlPr>
+                          <a:rPr lang="en-US" altLang="ko-KR" b="0" i="1" smtClean="0">
+                            <a:latin typeface="Cambria Math" panose="02040503050406030204" pitchFamily="18" charset="0"/>
+                          </a:rPr>
+                        </m:ctrlPr>
+                      </m:dPr>
+                      <m:e>
+                        <m:r>
+                          <m:rPr>
+                            <m:sty m:val="p"/>
+                          </m:rPr>
+                          <a:rPr lang="en-US" altLang="ko-KR" b="0" i="1" smtClean="0">
+                            <a:latin typeface="Cambria Math" panose="02040503050406030204" pitchFamily="18" charset="0"/>
+                          </a:rPr>
+                          <m:t>mod</m:t>
+                        </m:r>
+                        <m:r>
+                          <a:rPr lang="en-US" altLang="ko-KR" b="0" i="1" smtClean="0">
+                            <a:latin typeface="Cambria Math" panose="02040503050406030204" pitchFamily="18" charset="0"/>
+                          </a:rPr>
+                          <m:t> </m:t>
+                        </m:r>
+                        <m:r>
+                          <a:rPr lang="en-US" altLang="ko-KR" b="0" i="1" smtClean="0">
+                            <a:latin typeface="Cambria Math" panose="02040503050406030204" pitchFamily="18" charset="0"/>
+                          </a:rPr>
+                          <m:t>𝑛</m:t>
+                        </m:r>
+                      </m:e>
+                    </m:d>
+                  </m:oMath>
+                </a14:m>
+                <a:r>
+                  <a:rPr lang="ko-KR" altLang="en-US" dirty="0"/>
+                  <a:t>일 때</a:t>
+                </a:r>
+                <a:r>
+                  <a:rPr lang="en-US" altLang="ko-KR" dirty="0"/>
+                  <a:t>, </a:t>
+                </a:r>
+                <a14:m>
+                  <m:oMath xmlns:m="http://schemas.openxmlformats.org/officeDocument/2006/math">
+                    <m:r>
+                      <a:rPr lang="en-US" altLang="ko-KR" b="0" i="1" smtClean="0">
+                        <a:latin typeface="Cambria Math" panose="02040503050406030204" pitchFamily="18" charset="0"/>
+                      </a:rPr>
+                      <m:t>𝑏</m:t>
+                    </m:r>
+                  </m:oMath>
+                </a14:m>
+                <a:r>
+                  <a:rPr lang="ko-KR" altLang="en-US" dirty="0"/>
+                  <a:t>에 대입할 수 있는 최소한의 자연수가 법 </a:t>
+                </a:r>
+                <a14:m>
+                  <m:oMath xmlns:m="http://schemas.openxmlformats.org/officeDocument/2006/math">
+                    <m:r>
+                      <a:rPr lang="en-US" altLang="ko-KR" b="0" i="1" smtClean="0">
+                        <a:latin typeface="Cambria Math" panose="02040503050406030204" pitchFamily="18" charset="0"/>
+                      </a:rPr>
+                      <m:t>𝑛</m:t>
+                    </m:r>
+                  </m:oMath>
+                </a14:m>
+                <a:r>
+                  <a:rPr lang="ko-KR" altLang="en-US" dirty="0"/>
+                  <a:t>에 대한 </a:t>
+                </a:r>
+                <a14:m>
+                  <m:oMath xmlns:m="http://schemas.openxmlformats.org/officeDocument/2006/math">
+                    <m:r>
+                      <a:rPr lang="en-US" altLang="ko-KR" b="0" i="1" smtClean="0">
+                        <a:latin typeface="Cambria Math" panose="02040503050406030204" pitchFamily="18" charset="0"/>
+                      </a:rPr>
+                      <m:t>𝑎</m:t>
+                    </m:r>
+                  </m:oMath>
+                </a14:m>
+                <a:r>
+                  <a:rPr lang="ko-KR" altLang="en-US" dirty="0"/>
+                  <a:t>의 </a:t>
+                </a:r>
+                <a:r>
+                  <a:rPr lang="ko-KR" altLang="en-US" b="1" dirty="0"/>
+                  <a:t>위수</a:t>
+                </a:r>
+                <a:r>
+                  <a:rPr lang="en-US" altLang="ko-KR" dirty="0"/>
+                  <a:t>.</a:t>
+                </a:r>
+              </a:p>
+              <a:p>
+                <a:pPr marL="342900" indent="-342900">
+                  <a:buFont typeface="+mj-lt"/>
+                  <a:buAutoNum type="arabicPeriod"/>
+                </a:pPr>
+                <a:r>
+                  <a:rPr lang="ko-KR" altLang="en-US" dirty="0"/>
+                  <a:t>그 위수가 </a:t>
+                </a:r>
+                <a14:m>
+                  <m:oMath xmlns:m="http://schemas.openxmlformats.org/officeDocument/2006/math">
+                    <m:r>
+                      <a:rPr lang="en-US" altLang="ko-KR" b="0" i="1" smtClean="0">
+                        <a:latin typeface="Cambria Math" panose="02040503050406030204" pitchFamily="18" charset="0"/>
+                      </a:rPr>
+                      <m:t>𝜙</m:t>
+                    </m:r>
+                    <m:d>
+                      <m:dPr>
+                        <m:ctrlPr>
+                          <a:rPr lang="en-US" altLang="ko-KR" b="0" i="1" smtClean="0">
+                            <a:latin typeface="Cambria Math" panose="02040503050406030204" pitchFamily="18" charset="0"/>
+                          </a:rPr>
+                        </m:ctrlPr>
+                      </m:dPr>
+                      <m:e>
+                        <m:r>
+                          <a:rPr lang="en-US" altLang="ko-KR" b="0" i="1" smtClean="0">
+                            <a:latin typeface="Cambria Math" panose="02040503050406030204" pitchFamily="18" charset="0"/>
+                          </a:rPr>
+                          <m:t>𝑛</m:t>
+                        </m:r>
+                      </m:e>
+                    </m:d>
+                  </m:oMath>
+                </a14:m>
+                <a:r>
+                  <a:rPr lang="ko-KR" altLang="en-US" dirty="0"/>
+                  <a:t>일 때 </a:t>
+                </a:r>
+                <a14:m>
+                  <m:oMath xmlns:m="http://schemas.openxmlformats.org/officeDocument/2006/math">
+                    <m:r>
+                      <a:rPr lang="en-US" altLang="ko-KR" b="0" i="1" smtClean="0">
+                        <a:latin typeface="Cambria Math" panose="02040503050406030204" pitchFamily="18" charset="0"/>
+                      </a:rPr>
+                      <m:t>𝑎</m:t>
+                    </m:r>
+                  </m:oMath>
+                </a14:m>
+                <a:r>
+                  <a:rPr lang="ko-KR" altLang="en-US" dirty="0"/>
+                  <a:t>를 법 </a:t>
+                </a:r>
+                <a14:m>
+                  <m:oMath xmlns:m="http://schemas.openxmlformats.org/officeDocument/2006/math">
+                    <m:r>
+                      <a:rPr lang="en-US" altLang="ko-KR" b="0" i="1" smtClean="0">
+                        <a:latin typeface="Cambria Math" panose="02040503050406030204" pitchFamily="18" charset="0"/>
+                      </a:rPr>
+                      <m:t>𝑛</m:t>
+                    </m:r>
+                  </m:oMath>
+                </a14:m>
+                <a:r>
+                  <a:rPr lang="ko-KR" altLang="en-US" dirty="0"/>
+                  <a:t>에 대한 </a:t>
+                </a:r>
+                <a:r>
+                  <a:rPr lang="ko-KR" altLang="en-US" b="1" dirty="0"/>
+                  <a:t>원시근</a:t>
+                </a:r>
+                <a:r>
+                  <a:rPr lang="ko-KR" altLang="en-US" dirty="0"/>
+                  <a:t>이라고 한다</a:t>
+                </a:r>
+                <a:r>
+                  <a:rPr lang="en-US" altLang="ko-KR" dirty="0"/>
+                  <a:t>.</a:t>
+                </a:r>
+              </a:p>
+              <a:p>
+                <a:pPr marL="342900" indent="-342900">
+                  <a:buFont typeface="+mj-lt"/>
+                  <a:buAutoNum type="arabicPeriod"/>
+                </a:pPr>
+                <a:r>
+                  <a:rPr lang="ko-KR" altLang="en-US" dirty="0"/>
+                  <a:t>그런데 원시근이 존재할 필요충분조건은</a:t>
+                </a:r>
+                <a:r>
+                  <a:rPr lang="en-US" altLang="ko-KR" dirty="0"/>
+                  <a:t> </a:t>
+                </a:r>
+                <a14:m>
+                  <m:oMath xmlns:m="http://schemas.openxmlformats.org/officeDocument/2006/math">
+                    <m:r>
+                      <a:rPr lang="en-US" altLang="ko-KR" i="1">
+                        <a:latin typeface="Cambria Math" panose="02040503050406030204" pitchFamily="18" charset="0"/>
+                      </a:rPr>
+                      <m:t>𝑝</m:t>
+                    </m:r>
+                  </m:oMath>
+                </a14:m>
+                <a:r>
+                  <a:rPr lang="ko-KR" altLang="en-US" dirty="0"/>
+                  <a:t>가 홀수인 소수이며 임의의 </a:t>
+                </a:r>
+                <a14:m>
+                  <m:oMath xmlns:m="http://schemas.openxmlformats.org/officeDocument/2006/math">
+                    <m:r>
+                      <a:rPr lang="en-US" altLang="ko-KR" i="1">
+                        <a:latin typeface="Cambria Math" panose="02040503050406030204" pitchFamily="18" charset="0"/>
+                      </a:rPr>
+                      <m:t>𝑘</m:t>
+                    </m:r>
+                  </m:oMath>
+                </a14:m>
+                <a:r>
+                  <a:rPr lang="ko-KR" altLang="en-US" dirty="0"/>
+                  <a:t>에 대하여</a:t>
+                </a:r>
+                <a:r>
+                  <a:rPr lang="en-US" altLang="ko-KR" dirty="0"/>
+                  <a:t> </a:t>
+                </a:r>
+                <a14:m>
+                  <m:oMath xmlns:m="http://schemas.openxmlformats.org/officeDocument/2006/math">
+                    <m:r>
+                      <a:rPr lang="en-US" altLang="ko-KR" b="0" i="1" smtClean="0">
+                        <a:latin typeface="Cambria Math" panose="02040503050406030204" pitchFamily="18" charset="0"/>
+                      </a:rPr>
+                      <m:t>𝑛</m:t>
+                    </m:r>
+                  </m:oMath>
+                </a14:m>
+                <a:r>
+                  <a:rPr lang="ko-KR" altLang="en-US" dirty="0"/>
+                  <a:t>이 </a:t>
+                </a:r>
+                <a14:m>
+                  <m:oMath xmlns:m="http://schemas.openxmlformats.org/officeDocument/2006/math">
+                    <m:r>
+                      <a:rPr lang="en-US" altLang="ko-KR" b="0" i="1" smtClean="0">
+                        <a:latin typeface="Cambria Math" panose="02040503050406030204" pitchFamily="18" charset="0"/>
+                      </a:rPr>
+                      <m:t>2</m:t>
+                    </m:r>
+                  </m:oMath>
+                </a14:m>
+                <a:r>
+                  <a:rPr lang="en-US" altLang="ko-KR" dirty="0"/>
+                  <a:t>, </a:t>
+                </a:r>
+                <a14:m>
+                  <m:oMath xmlns:m="http://schemas.openxmlformats.org/officeDocument/2006/math">
+                    <m:r>
+                      <a:rPr lang="en-US" altLang="ko-KR" b="0" i="1" smtClean="0">
+                        <a:latin typeface="Cambria Math" panose="02040503050406030204" pitchFamily="18" charset="0"/>
+                      </a:rPr>
+                      <m:t>4</m:t>
+                    </m:r>
+                  </m:oMath>
+                </a14:m>
+                <a:r>
+                  <a:rPr lang="en-US" altLang="ko-KR" dirty="0"/>
+                  <a:t>, </a:t>
+                </a:r>
+                <a14:m>
+                  <m:oMath xmlns:m="http://schemas.openxmlformats.org/officeDocument/2006/math">
+                    <m:sSup>
+                      <m:sSupPr>
+                        <m:ctrlPr>
+                          <a:rPr lang="en-US" altLang="ko-KR" b="0" i="1" smtClean="0">
+                            <a:latin typeface="Cambria Math" panose="02040503050406030204" pitchFamily="18" charset="0"/>
+                          </a:rPr>
+                        </m:ctrlPr>
+                      </m:sSupPr>
+                      <m:e>
+                        <m:r>
+                          <a:rPr lang="en-US" altLang="ko-KR" b="0" i="1" smtClean="0">
+                            <a:latin typeface="Cambria Math" panose="02040503050406030204" pitchFamily="18" charset="0"/>
+                          </a:rPr>
+                          <m:t>𝑝</m:t>
+                        </m:r>
+                      </m:e>
+                      <m:sup>
+                        <m:r>
+                          <a:rPr lang="en-US" altLang="ko-KR" b="0" i="1" smtClean="0">
+                            <a:latin typeface="Cambria Math" panose="02040503050406030204" pitchFamily="18" charset="0"/>
+                          </a:rPr>
+                          <m:t>𝑘</m:t>
+                        </m:r>
+                      </m:sup>
+                    </m:sSup>
+                  </m:oMath>
+                </a14:m>
+                <a:r>
+                  <a:rPr lang="en-US" altLang="ko-KR" dirty="0"/>
+                  <a:t>, </a:t>
+                </a:r>
+                <a14:m>
+                  <m:oMath xmlns:m="http://schemas.openxmlformats.org/officeDocument/2006/math">
+                    <m:r>
+                      <a:rPr lang="en-US" altLang="ko-KR" b="0" i="1" smtClean="0">
+                        <a:latin typeface="Cambria Math" panose="02040503050406030204" pitchFamily="18" charset="0"/>
+                      </a:rPr>
+                      <m:t>2</m:t>
+                    </m:r>
+                    <m:sSup>
+                      <m:sSupPr>
+                        <m:ctrlPr>
+                          <a:rPr lang="en-US" altLang="ko-KR" b="0" i="1" smtClean="0">
+                            <a:latin typeface="Cambria Math" panose="02040503050406030204" pitchFamily="18" charset="0"/>
+                          </a:rPr>
+                        </m:ctrlPr>
+                      </m:sSupPr>
+                      <m:e>
+                        <m:r>
+                          <a:rPr lang="en-US" altLang="ko-KR" b="0" i="1" smtClean="0">
+                            <a:latin typeface="Cambria Math" panose="02040503050406030204" pitchFamily="18" charset="0"/>
+                          </a:rPr>
+                          <m:t>𝑝</m:t>
+                        </m:r>
+                      </m:e>
+                      <m:sup>
+                        <m:r>
+                          <a:rPr lang="en-US" altLang="ko-KR" b="0" i="1" smtClean="0">
+                            <a:latin typeface="Cambria Math" panose="02040503050406030204" pitchFamily="18" charset="0"/>
+                          </a:rPr>
+                          <m:t>𝑘</m:t>
+                        </m:r>
+                      </m:sup>
+                    </m:sSup>
+                  </m:oMath>
+                </a14:m>
+                <a:r>
+                  <a:rPr lang="ko-KR" altLang="en-US" dirty="0"/>
+                  <a:t> 꼴 중 하나라는 것이다</a:t>
+                </a:r>
+                <a:r>
+                  <a:rPr lang="en-US" altLang="ko-KR" dirty="0"/>
+                  <a:t>.</a:t>
+                </a:r>
+              </a:p>
+              <a:p>
+                <a:pPr marL="342900" indent="-342900">
+                  <a:buFont typeface="+mj-lt"/>
+                  <a:buAutoNum type="arabicPeriod"/>
+                </a:pPr>
+                <a:r>
+                  <a:rPr lang="ko-KR" altLang="en-US" dirty="0"/>
+                  <a:t>사용되는 제수는 서로 다른 여러 소수들의 곱이므로 위 </a:t>
+                </a:r>
+                <a:r>
+                  <a:rPr lang="en-US" altLang="ko-KR" dirty="0"/>
+                  <a:t>4</a:t>
+                </a:r>
+                <a:r>
+                  <a:rPr lang="ko-KR" altLang="en-US" dirty="0"/>
+                  <a:t>개 꼴 중 어느 하나에도 해당하지 않는다</a:t>
+                </a:r>
+                <a:r>
+                  <a:rPr lang="en-US" altLang="ko-KR" dirty="0"/>
+                  <a:t>.</a:t>
+                </a:r>
+              </a:p>
+            </p:txBody>
+          </p:sp>
+        </mc:Choice>
+        <mc:Fallback>
+          <p:sp>
+            <p:nvSpPr>
+              <p:cNvPr id="3" name="내용 개체 틀 2">
+                <a:extLst>
+                  <a:ext uri="{FF2B5EF4-FFF2-40B4-BE49-F238E27FC236}">
+                    <a16:creationId xmlns:a16="http://schemas.microsoft.com/office/drawing/2014/main" id="{1A3E9564-DD2C-0C3D-F237-0730DA880779}"/>
+                  </a:ext>
+                </a:extLst>
+              </p:cNvPr>
+              <p:cNvSpPr>
+                <a:spLocks noGrp="1" noRot="1" noChangeAspect="1" noMove="1" noResize="1" noEditPoints="1" noAdjustHandles="1" noChangeArrowheads="1" noChangeShapeType="1" noTextEdit="1"/>
+              </p:cNvSpPr>
+              <p:nvPr>
+                <p:ph sz="half" idx="1"/>
+              </p:nvPr>
+            </p:nvSpPr>
+            <p:spPr>
+              <a:blipFill>
+                <a:blip r:embed="rId2"/>
+                <a:stretch>
+                  <a:fillRect l="-962" t="-157"/>
+                </a:stretch>
+              </a:blipFill>
+            </p:spPr>
+            <p:txBody>
               <a:bodyPr/>
               <a:lstStyle/>
               <a:p>
+                <a:r>
+                  <a:rPr lang="ko-KR" altLang="en-US">
+                    <a:noFill/>
+                  </a:rPr>
+                  <a:t> </a:t>
+                </a:r>
+              </a:p>
+            </p:txBody>
+          </p:sp>
+        </mc:Fallback>
+      </mc:AlternateContent>
+      <mc:AlternateContent xmlns:mc="http://schemas.openxmlformats.org/markup-compatibility/2006">
+        <mc:Choice xmlns:a14="http://schemas.microsoft.com/office/drawing/2010/main" Requires="a14">
+          <p:sp>
+            <p:nvSpPr>
+              <p:cNvPr id="4" name="내용 개체 틀 3">
+                <a:extLst>
+                  <a:ext uri="{FF2B5EF4-FFF2-40B4-BE49-F238E27FC236}">
+                    <a16:creationId xmlns:a16="http://schemas.microsoft.com/office/drawing/2014/main" id="{2985D211-A52F-13DC-F09A-2FF9725F1024}"/>
+                  </a:ext>
+                </a:extLst>
+              </p:cNvPr>
+              <p:cNvSpPr>
+                <a:spLocks noGrp="1"/>
+              </p:cNvSpPr>
+              <p:nvPr>
+                <p:ph sz="half" idx="2"/>
+              </p:nvPr>
+            </p:nvSpPr>
+            <p:spPr/>
+            <p:txBody>
+              <a:bodyPr>
+                <a:normAutofit/>
+              </a:bodyPr>
+              <a:lstStyle/>
+              <a:p>
+                <a:pPr marL="342900" indent="-342900">
+                  <a:buFont typeface="+mj-lt"/>
+                  <a:buAutoNum type="arabicPeriod" startAt="5"/>
+                </a:pPr>
+                <a:r>
+                  <a:rPr lang="ko-KR" altLang="en-US" dirty="0"/>
+                  <a:t>오일러 정리에 의해 </a:t>
+                </a:r>
                 <a14:m>
                   <m:oMath xmlns:m="http://schemas.openxmlformats.org/officeDocument/2006/math">
                     <m:func>
@@ -5682,110 +6576,55 @@
                       <a:rPr lang="en-US" altLang="ko-KR" b="0" i="1" smtClean="0">
                         <a:latin typeface="Cambria Math" panose="02040503050406030204" pitchFamily="18" charset="0"/>
                       </a:rPr>
-                      <m:t>=1</m:t>
+                      <m:t>=1⇒</m:t>
                     </m:r>
-                  </m:oMath>
-                </a14:m>
-                <a:endParaRPr lang="en-US" altLang="ko-KR" dirty="0"/>
-              </a:p>
-              <a:p>
-                <a:r>
-                  <a:rPr lang="ko-KR" altLang="en-US" dirty="0" err="1"/>
-                  <a:t>베주</a:t>
-                </a:r>
-                <a:r>
-                  <a:rPr lang="ko-KR" altLang="en-US" dirty="0"/>
-                  <a:t> 항등식에 의해 </a:t>
-                </a:r>
-                <a14:m>
-                  <m:oMath xmlns:m="http://schemas.openxmlformats.org/officeDocument/2006/math">
+                    <m:sSup>
+                      <m:sSupPr>
+                        <m:ctrlPr>
+                          <a:rPr lang="en-US" altLang="ko-KR" b="0" i="1" smtClean="0">
+                            <a:latin typeface="Cambria Math" panose="02040503050406030204" pitchFamily="18" charset="0"/>
+                          </a:rPr>
+                        </m:ctrlPr>
+                      </m:sSupPr>
+                      <m:e>
+                        <m:r>
+                          <a:rPr lang="en-US" altLang="ko-KR" b="0" i="1" smtClean="0">
+                            <a:latin typeface="Cambria Math" panose="02040503050406030204" pitchFamily="18" charset="0"/>
+                          </a:rPr>
+                          <m:t>𝑎</m:t>
+                        </m:r>
+                      </m:e>
+                      <m:sup>
+                        <m:r>
+                          <a:rPr lang="en-US" altLang="ko-KR" b="0" i="1" smtClean="0">
+                            <a:latin typeface="Cambria Math" panose="02040503050406030204" pitchFamily="18" charset="0"/>
+                          </a:rPr>
+                          <m:t>𝜙</m:t>
+                        </m:r>
+                        <m:d>
+                          <m:dPr>
+                            <m:ctrlPr>
+                              <a:rPr lang="en-US" altLang="ko-KR" b="0" i="1" smtClean="0">
+                                <a:latin typeface="Cambria Math" panose="02040503050406030204" pitchFamily="18" charset="0"/>
+                              </a:rPr>
+                            </m:ctrlPr>
+                          </m:dPr>
+                          <m:e>
+                            <m:r>
+                              <a:rPr lang="en-US" altLang="ko-KR" b="0" i="1" smtClean="0">
+                                <a:latin typeface="Cambria Math" panose="02040503050406030204" pitchFamily="18" charset="0"/>
+                              </a:rPr>
+                              <m:t>𝑛</m:t>
+                            </m:r>
+                          </m:e>
+                        </m:d>
+                      </m:sup>
+                    </m:sSup>
                     <m:r>
                       <a:rPr lang="en-US" altLang="ko-KR" b="0" i="1" smtClean="0">
                         <a:latin typeface="Cambria Math" panose="02040503050406030204" pitchFamily="18" charset="0"/>
                       </a:rPr>
-                      <m:t>𝑎𝑥</m:t>
-                    </m:r>
-                    <m:r>
-                      <a:rPr lang="en-US" altLang="ko-KR" b="0" i="1" smtClean="0">
-                        <a:latin typeface="Cambria Math" panose="02040503050406030204" pitchFamily="18" charset="0"/>
-                      </a:rPr>
-                      <m:t>+</m:t>
-                    </m:r>
-                    <m:r>
-                      <a:rPr lang="en-US" altLang="ko-KR" b="0" i="1" smtClean="0">
-                        <a:latin typeface="Cambria Math" panose="02040503050406030204" pitchFamily="18" charset="0"/>
-                      </a:rPr>
-                      <m:t>𝑛𝑦</m:t>
-                    </m:r>
-                    <m:r>
-                      <a:rPr lang="en-US" altLang="ko-KR" b="0" i="1" smtClean="0">
-                        <a:latin typeface="Cambria Math" panose="02040503050406030204" pitchFamily="18" charset="0"/>
-                      </a:rPr>
-                      <m:t>=</m:t>
-                    </m:r>
-                    <m:r>
-                      <a:rPr lang="en-US" altLang="ko-KR" b="0" i="1" smtClean="0">
-                        <a:latin typeface="Cambria Math" panose="02040503050406030204" pitchFamily="18" charset="0"/>
-                      </a:rPr>
-                      <m:t>𝑄𝑛</m:t>
-                    </m:r>
-                    <m:r>
-                      <a:rPr lang="en-US" altLang="ko-KR" b="0" i="1" smtClean="0">
-                        <a:latin typeface="Cambria Math" panose="02040503050406030204" pitchFamily="18" charset="0"/>
-                      </a:rPr>
-                      <m:t>+1=1</m:t>
-                    </m:r>
-                  </m:oMath>
-                </a14:m>
-                <a:r>
-                  <a:rPr lang="en-US" altLang="ko-KR" dirty="0"/>
-                  <a:t>.</a:t>
-                </a:r>
-              </a:p>
-              <a:p>
-                <a:r>
-                  <a:rPr lang="ko-KR" altLang="en-US" dirty="0"/>
-                  <a:t>법 </a:t>
-                </a:r>
-                <a14:m>
-                  <m:oMath xmlns:m="http://schemas.openxmlformats.org/officeDocument/2006/math">
-                    <m:r>
-                      <a:rPr lang="en-US" altLang="ko-KR" b="0" i="1" smtClean="0">
-                        <a:latin typeface="Cambria Math" panose="02040503050406030204" pitchFamily="18" charset="0"/>
-                      </a:rPr>
-                      <m:t>𝑛</m:t>
-                    </m:r>
-                  </m:oMath>
-                </a14:m>
-                <a:r>
-                  <a:rPr lang="ko-KR" altLang="en-US" dirty="0"/>
-                  <a:t>에 대한 </a:t>
-                </a:r>
-                <a:r>
-                  <a:rPr lang="ko-KR" altLang="en-US" dirty="0" err="1"/>
-                  <a:t>합동식</a:t>
-                </a:r>
-                <a:r>
-                  <a:rPr lang="ko-KR" altLang="en-US" dirty="0"/>
-                  <a:t> 변형</a:t>
-                </a:r>
-                <a:r>
-                  <a:rPr lang="en-US" altLang="ko-KR" dirty="0"/>
-                  <a:t>: </a:t>
-                </a:r>
-                <a14:m>
-                  <m:oMath xmlns:m="http://schemas.openxmlformats.org/officeDocument/2006/math">
-                    <m:r>
-                      <a:rPr lang="en-US" altLang="ko-KR" b="0" i="1" smtClean="0">
-                        <a:latin typeface="Cambria Math" panose="02040503050406030204" pitchFamily="18" charset="0"/>
-                      </a:rPr>
-                      <m:t>𝑎𝑥</m:t>
-                    </m:r>
-                    <m:r>
-                      <a:rPr lang="en-US" altLang="ko-KR" b="0" i="1" smtClean="0">
-                        <a:latin typeface="Cambria Math" panose="02040503050406030204" pitchFamily="18" charset="0"/>
-                      </a:rPr>
-                      <m:t>≡1 </m:t>
+                      <m:t>≡1</m:t>
                     </m:r>
                     <m:d>
                       <m:dPr>
@@ -5825,7 +6664,6 @@
                   <a:rPr lang="en-US" altLang="ko-KR" dirty="0"/>
                   <a:t>.</a:t>
                 </a:r>
-                <a:endParaRPr lang="ko-KR" altLang="en-US" dirty="0"/>
               </a:p>
             </p:txBody>
           </p:sp>
@@ -5833,10 +6671,10 @@
         <mc:Fallback>
           <p:sp>
             <p:nvSpPr>
-              <p:cNvPr id="3" name="내용 개체 틀 2">
+              <p:cNvPr id="4" name="내용 개체 틀 3">
                 <a:extLst>
                   <a:ext uri="{FF2B5EF4-FFF2-40B4-BE49-F238E27FC236}">
-                    <a16:creationId xmlns:a16="http://schemas.microsoft.com/office/drawing/2014/main" id="{1A3E9564-DD2C-0C3D-F237-0730DA880779}"/>
+                    <a16:creationId xmlns:a16="http://schemas.microsoft.com/office/drawing/2014/main" id="{2985D211-A52F-13DC-F09A-2FF9725F1024}"/>
                   </a:ext>
                 </a:extLst>
               </p:cNvPr>
@@ -5844,14 +6682,14 @@
                 <a:spLocks noGrp="1" noRot="1" noChangeAspect="1" noMove="1" noResize="1" noEditPoints="1" noAdjustHandles="1" noChangeArrowheads="1" noChangeShapeType="1" noTextEdit="1"/>
               </p:cNvSpPr>
               <p:nvPr>
-                <p:ph idx="1"/>
+                <p:ph sz="half" idx="2"/>
               </p:nvPr>
             </p:nvSpPr>
             <p:spPr>
               <a:blipFill>
-                <a:blip r:embed="rId2"/>
+                <a:blip r:embed="rId3"/>
                 <a:stretch>
-                  <a:fillRect l="-355"/>
+                  <a:fillRect l="-963"/>
                 </a:stretch>
               </a:blipFill>
             </p:spPr>
@@ -5870,6 +6708,97 @@
           </p:sp>
         </mc:Fallback>
       </mc:AlternateContent>
+      <p:sp>
+        <p:nvSpPr>
+          <p:cNvPr id="5" name="폭발: 8pt 4">
+            <a:extLst>
+              <a:ext uri="{FF2B5EF4-FFF2-40B4-BE49-F238E27FC236}">
+                <a16:creationId xmlns:a16="http://schemas.microsoft.com/office/drawing/2014/main" id="{FD81EFDD-282B-59F1-5E49-A7BF081E701F}"/>
+              </a:ext>
+            </a:extLst>
+          </p:cNvPr>
+          <p:cNvSpPr/>
+          <p:nvPr/>
+        </p:nvSpPr>
+        <p:spPr>
+          <a:xfrm rot="20700000">
+            <a:off x="3403806" y="388896"/>
+            <a:ext cx="2528596" cy="1597090"/>
+          </a:xfrm>
+          <a:prstGeom prst="irregularSeal1">
+            <a:avLst/>
+          </a:prstGeom>
+          <a:gradFill flip="none" rotWithShape="1">
+            <a:gsLst>
+              <a:gs pos="0">
+                <a:srgbClr val="FF0000">
+                  <a:shade val="30000"/>
+                  <a:satMod val="115000"/>
+                </a:srgbClr>
+              </a:gs>
+              <a:gs pos="50000">
+                <a:srgbClr val="FF0000">
+                  <a:shade val="67500"/>
+                  <a:satMod val="115000"/>
+                </a:srgbClr>
+              </a:gs>
+              <a:gs pos="100000">
+                <a:srgbClr val="FF0000">
+                  <a:shade val="100000"/>
+                  <a:satMod val="115000"/>
+                </a:srgbClr>
+              </a:gs>
+            </a:gsLst>
+            <a:path path="circle">
+              <a:fillToRect l="50000" t="50000" r="50000" b="50000"/>
+            </a:path>
+            <a:tileRect/>
+          </a:gradFill>
+        </p:spPr>
+        <p:style>
+          <a:lnRef idx="2">
+            <a:schemeClr val="accent1">
+              <a:shade val="50000"/>
+            </a:schemeClr>
+          </a:lnRef>
+          <a:fillRef idx="1">
+            <a:schemeClr val="accent1"/>
+          </a:fillRef>
+          <a:effectRef idx="0">
+            <a:schemeClr val="accent1"/>
+          </a:effectRef>
+          <a:fontRef idx="minor">
+            <a:schemeClr val="lt1"/>
+          </a:fontRef>
+        </p:style>
+        <p:txBody>
+          <a:bodyPr rtlCol="0" anchor="ctr"/>
+          <a:lstStyle/>
+          <a:p>
+            <a:pPr algn="ctr"/>
+            <a:r>
+              <a:rPr lang="ko-KR" altLang="en-US" dirty="0"/>
+              <a:t>고마워요</a:t>
+            </a:r>
+            <a:r>
+              <a:rPr lang="en-US" altLang="ko-KR" dirty="0"/>
+              <a:t>,</a:t>
+            </a:r>
+          </a:p>
+          <a:p>
+            <a:pPr algn="ctr"/>
+            <a:r>
+              <a:rPr lang="ko-KR" altLang="en-US" dirty="0" err="1"/>
+              <a:t>렌보</a:t>
+            </a:r>
+            <a:r>
+              <a:rPr lang="en-US" altLang="ko-KR" dirty="0"/>
+              <a:t>!</a:t>
+            </a:r>
+            <a:endParaRPr lang="ko-KR" altLang="en-US" dirty="0"/>
+          </a:p>
+        </p:txBody>
+      </p:sp>
     </p:spTree>
     <p:extLst>
       <p:ext uri="{BB962C8B-B14F-4D97-AF65-F5344CB8AC3E}">
@@ -5880,6 +6809,448 @@
   <p:clrMapOvr>
     <a:masterClrMapping/>
   </p:clrMapOvr>
+  <p:transition spd="slow">
+    <p:push/>
+  </p:transition>
+  <p:timing>
+    <p:tnLst>
+      <p:par>
+        <p:cTn id="1" dur="indefinite" restart="never" nodeType="tmRoot">
+          <p:childTnLst>
+            <p:seq concurrent="1" nextAc="seek">
+              <p:cTn id="2" dur="indefinite" nodeType="mainSeq">
+                <p:childTnLst>
+                  <p:par>
+                    <p:cTn id="3" fill="hold">
+                      <p:stCondLst>
+                        <p:cond delay="indefinite"/>
+                      </p:stCondLst>
+                      <p:childTnLst>
+                        <p:par>
+                          <p:cTn id="4" fill="hold">
+                            <p:stCondLst>
+                              <p:cond delay="0"/>
+                            </p:stCondLst>
+                            <p:childTnLst>
+                              <p:par>
+                                <p:cTn id="5" presetID="22" presetClass="entr" presetSubtype="8" fill="hold" grpId="0" nodeType="clickEffect">
+                                  <p:stCondLst>
+                                    <p:cond delay="0"/>
+                                  </p:stCondLst>
+                                  <p:childTnLst>
+                                    <p:set>
+                                      <p:cBhvr>
+                                        <p:cTn id="6" dur="1" fill="hold">
+                                          <p:stCondLst>
+                                            <p:cond delay="0"/>
+                                          </p:stCondLst>
+                                        </p:cTn>
+                                        <p:tgtEl>
+                                          <p:spTgt spid="3">
+                                            <p:txEl>
+                                              <p:pRg st="0" end="0"/>
+                                            </p:txEl>
+                                          </p:spTgt>
+                                        </p:tgtEl>
+                                        <p:attrNameLst>
+                                          <p:attrName>style.visibility</p:attrName>
+                                        </p:attrNameLst>
+                                      </p:cBhvr>
+                                      <p:to>
+                                        <p:strVal val="visible"/>
+                                      </p:to>
+                                    </p:set>
+                                    <p:animEffect transition="in" filter="wipe(left)">
+                                      <p:cBhvr>
+                                        <p:cTn id="7" dur="500"/>
+                                        <p:tgtEl>
+                                          <p:spTgt spid="3">
+                                            <p:txEl>
+                                              <p:pRg st="0" end="0"/>
+                                            </p:txEl>
+                                          </p:spTgt>
+                                        </p:tgtEl>
+                                      </p:cBhvr>
+                                    </p:animEffect>
+                                  </p:childTnLst>
+                                </p:cTn>
+                              </p:par>
+                            </p:childTnLst>
+                          </p:cTn>
+                        </p:par>
+                      </p:childTnLst>
+                    </p:cTn>
+                  </p:par>
+                  <p:par>
+                    <p:cTn id="8" fill="hold">
+                      <p:stCondLst>
+                        <p:cond delay="indefinite"/>
+                      </p:stCondLst>
+                      <p:childTnLst>
+                        <p:par>
+                          <p:cTn id="9" fill="hold">
+                            <p:stCondLst>
+                              <p:cond delay="0"/>
+                            </p:stCondLst>
+                            <p:childTnLst>
+                              <p:par>
+                                <p:cTn id="10" presetID="22" presetClass="entr" presetSubtype="8" fill="hold" grpId="0" nodeType="clickEffect">
+                                  <p:stCondLst>
+                                    <p:cond delay="0"/>
+                                  </p:stCondLst>
+                                  <p:childTnLst>
+                                    <p:set>
+                                      <p:cBhvr>
+                                        <p:cTn id="11" dur="1" fill="hold">
+                                          <p:stCondLst>
+                                            <p:cond delay="0"/>
+                                          </p:stCondLst>
+                                        </p:cTn>
+                                        <p:tgtEl>
+                                          <p:spTgt spid="3">
+                                            <p:txEl>
+                                              <p:pRg st="1" end="1"/>
+                                            </p:txEl>
+                                          </p:spTgt>
+                                        </p:tgtEl>
+                                        <p:attrNameLst>
+                                          <p:attrName>style.visibility</p:attrName>
+                                        </p:attrNameLst>
+                                      </p:cBhvr>
+                                      <p:to>
+                                        <p:strVal val="visible"/>
+                                      </p:to>
+                                    </p:set>
+                                    <p:animEffect transition="in" filter="wipe(left)">
+                                      <p:cBhvr>
+                                        <p:cTn id="12" dur="500"/>
+                                        <p:tgtEl>
+                                          <p:spTgt spid="3">
+                                            <p:txEl>
+                                              <p:pRg st="1" end="1"/>
+                                            </p:txEl>
+                                          </p:spTgt>
+                                        </p:tgtEl>
+                                      </p:cBhvr>
+                                    </p:animEffect>
+                                  </p:childTnLst>
+                                </p:cTn>
+                              </p:par>
+                            </p:childTnLst>
+                          </p:cTn>
+                        </p:par>
+                      </p:childTnLst>
+                    </p:cTn>
+                  </p:par>
+                  <p:par>
+                    <p:cTn id="13" fill="hold">
+                      <p:stCondLst>
+                        <p:cond delay="indefinite"/>
+                      </p:stCondLst>
+                      <p:childTnLst>
+                        <p:par>
+                          <p:cTn id="14" fill="hold">
+                            <p:stCondLst>
+                              <p:cond delay="0"/>
+                            </p:stCondLst>
+                            <p:childTnLst>
+                              <p:par>
+                                <p:cTn id="15" presetID="22" presetClass="entr" presetSubtype="8" fill="hold" grpId="0" nodeType="clickEffect">
+                                  <p:stCondLst>
+                                    <p:cond delay="0"/>
+                                  </p:stCondLst>
+                                  <p:childTnLst>
+                                    <p:set>
+                                      <p:cBhvr>
+                                        <p:cTn id="16" dur="1" fill="hold">
+                                          <p:stCondLst>
+                                            <p:cond delay="0"/>
+                                          </p:stCondLst>
+                                        </p:cTn>
+                                        <p:tgtEl>
+                                          <p:spTgt spid="3">
+                                            <p:txEl>
+                                              <p:pRg st="2" end="2"/>
+                                            </p:txEl>
+                                          </p:spTgt>
+                                        </p:tgtEl>
+                                        <p:attrNameLst>
+                                          <p:attrName>style.visibility</p:attrName>
+                                        </p:attrNameLst>
+                                      </p:cBhvr>
+                                      <p:to>
+                                        <p:strVal val="visible"/>
+                                      </p:to>
+                                    </p:set>
+                                    <p:animEffect transition="in" filter="wipe(left)">
+                                      <p:cBhvr>
+                                        <p:cTn id="17" dur="500"/>
+                                        <p:tgtEl>
+                                          <p:spTgt spid="3">
+                                            <p:txEl>
+                                              <p:pRg st="2" end="2"/>
+                                            </p:txEl>
+                                          </p:spTgt>
+                                        </p:tgtEl>
+                                      </p:cBhvr>
+                                    </p:animEffect>
+                                  </p:childTnLst>
+                                </p:cTn>
+                              </p:par>
+                            </p:childTnLst>
+                          </p:cTn>
+                        </p:par>
+                      </p:childTnLst>
+                    </p:cTn>
+                  </p:par>
+                  <p:par>
+                    <p:cTn id="18" fill="hold">
+                      <p:stCondLst>
+                        <p:cond delay="indefinite"/>
+                      </p:stCondLst>
+                      <p:childTnLst>
+                        <p:par>
+                          <p:cTn id="19" fill="hold">
+                            <p:stCondLst>
+                              <p:cond delay="0"/>
+                            </p:stCondLst>
+                            <p:childTnLst>
+                              <p:par>
+                                <p:cTn id="20" presetID="22" presetClass="entr" presetSubtype="8" fill="hold" grpId="0" nodeType="clickEffect">
+                                  <p:stCondLst>
+                                    <p:cond delay="0"/>
+                                  </p:stCondLst>
+                                  <p:childTnLst>
+                                    <p:set>
+                                      <p:cBhvr>
+                                        <p:cTn id="21" dur="1" fill="hold">
+                                          <p:stCondLst>
+                                            <p:cond delay="0"/>
+                                          </p:stCondLst>
+                                        </p:cTn>
+                                        <p:tgtEl>
+                                          <p:spTgt spid="3">
+                                            <p:txEl>
+                                              <p:pRg st="3" end="3"/>
+                                            </p:txEl>
+                                          </p:spTgt>
+                                        </p:tgtEl>
+                                        <p:attrNameLst>
+                                          <p:attrName>style.visibility</p:attrName>
+                                        </p:attrNameLst>
+                                      </p:cBhvr>
+                                      <p:to>
+                                        <p:strVal val="visible"/>
+                                      </p:to>
+                                    </p:set>
+                                    <p:animEffect transition="in" filter="wipe(left)">
+                                      <p:cBhvr>
+                                        <p:cTn id="22" dur="500"/>
+                                        <p:tgtEl>
+                                          <p:spTgt spid="3">
+                                            <p:txEl>
+                                              <p:pRg st="3" end="3"/>
+                                            </p:txEl>
+                                          </p:spTgt>
+                                        </p:tgtEl>
+                                      </p:cBhvr>
+                                    </p:animEffect>
+                                  </p:childTnLst>
+                                </p:cTn>
+                              </p:par>
+                            </p:childTnLst>
+                          </p:cTn>
+                        </p:par>
+                      </p:childTnLst>
+                    </p:cTn>
+                  </p:par>
+                  <p:par>
+                    <p:cTn id="23" fill="hold">
+                      <p:stCondLst>
+                        <p:cond delay="indefinite"/>
+                      </p:stCondLst>
+                      <p:childTnLst>
+                        <p:par>
+                          <p:cTn id="24" fill="hold">
+                            <p:stCondLst>
+                              <p:cond delay="0"/>
+                            </p:stCondLst>
+                            <p:childTnLst>
+                              <p:par>
+                                <p:cTn id="25" presetID="22" presetClass="entr" presetSubtype="8" fill="hold" grpId="0" nodeType="clickEffect">
+                                  <p:stCondLst>
+                                    <p:cond delay="0"/>
+                                  </p:stCondLst>
+                                  <p:childTnLst>
+                                    <p:set>
+                                      <p:cBhvr>
+                                        <p:cTn id="26" dur="1" fill="hold">
+                                          <p:stCondLst>
+                                            <p:cond delay="0"/>
+                                          </p:stCondLst>
+                                        </p:cTn>
+                                        <p:tgtEl>
+                                          <p:spTgt spid="4">
+                                            <p:txEl>
+                                              <p:pRg st="0" end="0"/>
+                                            </p:txEl>
+                                          </p:spTgt>
+                                        </p:tgtEl>
+                                        <p:attrNameLst>
+                                          <p:attrName>style.visibility</p:attrName>
+                                        </p:attrNameLst>
+                                      </p:cBhvr>
+                                      <p:to>
+                                        <p:strVal val="visible"/>
+                                      </p:to>
+                                    </p:set>
+                                    <p:animEffect transition="in" filter="wipe(left)">
+                                      <p:cBhvr>
+                                        <p:cTn id="27" dur="500"/>
+                                        <p:tgtEl>
+                                          <p:spTgt spid="4">
+                                            <p:txEl>
+                                              <p:pRg st="0" end="0"/>
+                                            </p:txEl>
+                                          </p:spTgt>
+                                        </p:tgtEl>
+                                      </p:cBhvr>
+                                    </p:animEffect>
+                                  </p:childTnLst>
+                                </p:cTn>
+                              </p:par>
+                            </p:childTnLst>
+                          </p:cTn>
+                        </p:par>
+                      </p:childTnLst>
+                    </p:cTn>
+                  </p:par>
+                  <p:par>
+                    <p:cTn id="28" fill="hold">
+                      <p:stCondLst>
+                        <p:cond delay="indefinite"/>
+                      </p:stCondLst>
+                      <p:childTnLst>
+                        <p:par>
+                          <p:cTn id="29" fill="hold">
+                            <p:stCondLst>
+                              <p:cond delay="0"/>
+                            </p:stCondLst>
+                            <p:childTnLst>
+                              <p:par>
+                                <p:cTn id="30" presetID="53" presetClass="entr" presetSubtype="16" fill="hold" grpId="0" nodeType="clickEffect">
+                                  <p:stCondLst>
+                                    <p:cond delay="0"/>
+                                  </p:stCondLst>
+                                  <p:childTnLst>
+                                    <p:set>
+                                      <p:cBhvr>
+                                        <p:cTn id="31" dur="1" fill="hold">
+                                          <p:stCondLst>
+                                            <p:cond delay="0"/>
+                                          </p:stCondLst>
+                                        </p:cTn>
+                                        <p:tgtEl>
+                                          <p:spTgt spid="5"/>
+                                        </p:tgtEl>
+                                        <p:attrNameLst>
+                                          <p:attrName>style.visibility</p:attrName>
+                                        </p:attrNameLst>
+                                      </p:cBhvr>
+                                      <p:to>
+                                        <p:strVal val="visible"/>
+                                      </p:to>
+                                    </p:set>
+                                    <p:anim calcmode="lin" valueType="num">
+                                      <p:cBhvr>
+                                        <p:cTn id="32" dur="500" fill="hold"/>
+                                        <p:tgtEl>
+                                          <p:spTgt spid="5"/>
+                                        </p:tgtEl>
+                                        <p:attrNameLst>
+                                          <p:attrName>ppt_w</p:attrName>
+                                        </p:attrNameLst>
+                                      </p:cBhvr>
+                                      <p:tavLst>
+                                        <p:tav tm="0">
+                                          <p:val>
+                                            <p:fltVal val="0"/>
+                                          </p:val>
+                                        </p:tav>
+                                        <p:tav tm="100000">
+                                          <p:val>
+                                            <p:strVal val="#ppt_w"/>
+                                          </p:val>
+                                        </p:tav>
+                                      </p:tavLst>
+                                    </p:anim>
+                                    <p:anim calcmode="lin" valueType="num">
+                                      <p:cBhvr>
+                                        <p:cTn id="33" dur="500" fill="hold"/>
+                                        <p:tgtEl>
+                                          <p:spTgt spid="5"/>
+                                        </p:tgtEl>
+                                        <p:attrNameLst>
+                                          <p:attrName>ppt_h</p:attrName>
+                                        </p:attrNameLst>
+                                      </p:cBhvr>
+                                      <p:tavLst>
+                                        <p:tav tm="0">
+                                          <p:val>
+                                            <p:fltVal val="0"/>
+                                          </p:val>
+                                        </p:tav>
+                                        <p:tav tm="100000">
+                                          <p:val>
+                                            <p:strVal val="#ppt_h"/>
+                                          </p:val>
+                                        </p:tav>
+                                      </p:tavLst>
+                                    </p:anim>
+                                    <p:animEffect transition="in" filter="fade">
+                                      <p:cBhvr>
+                                        <p:cTn id="34" dur="500"/>
+                                        <p:tgtEl>
+                                          <p:spTgt spid="5"/>
+                                        </p:tgtEl>
+                                      </p:cBhvr>
+                                    </p:animEffect>
+                                  </p:childTnLst>
+                                </p:cTn>
+                              </p:par>
+                            </p:childTnLst>
+                          </p:cTn>
+                        </p:par>
+                      </p:childTnLst>
+                    </p:cTn>
+                  </p:par>
+                </p:childTnLst>
+              </p:cTn>
+              <p:prevCondLst>
+                <p:cond evt="onPrev" delay="0">
+                  <p:tgtEl>
+                    <p:sldTgt/>
+                  </p:tgtEl>
+                </p:cond>
+              </p:prevCondLst>
+              <p:nextCondLst>
+                <p:cond evt="onNext" delay="0">
+                  <p:tgtEl>
+                    <p:sldTgt/>
+                  </p:tgtEl>
+                </p:cond>
+              </p:nextCondLst>
+            </p:seq>
+          </p:childTnLst>
+        </p:cTn>
+      </p:par>
+    </p:tnLst>
+    <p:bldLst>
+      <p:bldP spid="3" grpId="0" uiExpand="1" build="p"/>
+      <p:bldP spid="4" grpId="0" build="p"/>
+      <p:bldP spid="5" grpId="0" animBg="1"/>
+    </p:bldLst>
+  </p:timing>
 </p:sld>
 </file>
 
@@ -5951,9 +7322,13 @@
         </p:nvSpPr>
         <p:spPr/>
         <p:txBody>
-          <a:bodyPr anchor="ctr"/>
+          <a:bodyPr anchor="t"/>
           <a:lstStyle/>
           <a:p>
+            <a:pPr marL="342900" indent="-342900">
+              <a:buFont typeface="+mj-lt"/>
+              <a:buAutoNum type="arabicPeriod"/>
+            </a:pPr>
             <a:r>
               <a:rPr lang="ko-KR" altLang="en-US" b="1" dirty="0"/>
               <a:t>시계 산술</a:t>
@@ -5972,6 +7347,10 @@
             </a:r>
           </a:p>
           <a:p>
+            <a:pPr marL="342900" indent="-342900">
+              <a:buFont typeface="+mj-lt"/>
+              <a:buAutoNum type="arabicPeriod"/>
+            </a:pPr>
             <a:r>
               <a:rPr lang="ko-KR" altLang="en-US" dirty="0"/>
               <a:t>시계 산술</a:t>
@@ -5990,9 +7369,13 @@
             </a:r>
           </a:p>
           <a:p>
+            <a:pPr marL="342900" indent="-342900">
+              <a:buFont typeface="+mj-lt"/>
+              <a:buAutoNum type="arabicPeriod"/>
+            </a:pPr>
             <a:r>
               <a:rPr lang="ko-KR" altLang="en-US" dirty="0"/>
-              <a:t>정수에만 다룰 수 있음</a:t>
+              <a:t>정수만 다룰 수 있음</a:t>
             </a:r>
             <a:r>
               <a:rPr lang="en-US" altLang="ko-KR" dirty="0"/>
@@ -6002,8 +7385,8 @@
           </a:p>
         </p:txBody>
       </p:sp>
-      <mc:AlternateContent xmlns:mc="http://schemas.openxmlformats.org/markup-compatibility/2006" xmlns:a14="http://schemas.microsoft.com/office/drawing/2010/main">
-        <mc:Choice Requires="a14">
+      <mc:AlternateContent xmlns:mc="http://schemas.openxmlformats.org/markup-compatibility/2006">
+        <mc:Choice xmlns:a14="http://schemas.microsoft.com/office/drawing/2010/main" Requires="a14">
           <p:sp>
             <p:nvSpPr>
               <p:cNvPr id="5" name="내용 개체 틀 4">
@@ -6022,7 +7405,7 @@
             </p:nvSpPr>
             <p:spPr/>
             <p:txBody>
-              <a:bodyPr anchor="ctr"/>
+              <a:bodyPr anchor="t"/>
               <a:lstStyle/>
               <a:p>
                 <a:pPr marL="0" indent="0" algn="ctr">
@@ -6168,7 +7551,7 @@
             </p:txBody>
           </p:sp>
         </mc:Choice>
-        <mc:Fallback xmlns="">
+        <mc:Fallback>
           <p:sp>
             <p:nvSpPr>
               <p:cNvPr id="5" name="내용 개체 틀 4">
@@ -6218,6 +7601,9 @@
   <p:clrMapOvr>
     <a:masterClrMapping/>
   </p:clrMapOvr>
+  <p:transition spd="slow">
+    <p:push/>
+  </p:transition>
   <p:timing>
     <p:tnLst>
       <p:par>
@@ -6239,7 +7625,7 @@
                             </p:stCondLst>
                             <p:childTnLst>
                               <p:par>
-                                <p:cTn id="5" presetID="42" presetClass="entr" presetSubtype="0" fill="hold" nodeType="clickEffect">
+                                <p:cTn id="5" presetID="22" presetClass="entr" presetSubtype="8" fill="hold" grpId="0" nodeType="clickEffect">
                                   <p:stCondLst>
                                     <p:cond delay="0"/>
                                   </p:stCondLst>
@@ -6266,9 +7652,9 @@
                                         <p:strVal val="visible"/>
                                       </p:to>
                                     </p:set>
-                                    <p:animEffect transition="in" filter="fade">
+                                    <p:animEffect transition="in" filter="wipe(left)">
                                       <p:cBhvr>
-                                        <p:cTn id="7" dur="1000"/>
+                                        <p:cTn id="7" dur="500"/>
                                         <p:tgtEl>
                                           <p:spTgt spid="4">
                                             <p:txEl>
@@ -6278,60 +7664,6 @@
                                         </p:tgtEl>
                                       </p:cBhvr>
                                     </p:animEffect>
-                                    <p:anim calcmode="lin" valueType="num">
-                                      <p:cBhvr>
-                                        <p:cTn id="8" dur="1000" fill="hold"/>
-                                        <p:tgtEl>
-                                          <p:spTgt spid="4">
-                                            <p:txEl>
-                                              <p:pRg st="0" end="0"/>
-                                            </p:txEl>
-                                          </p:spTgt>
-                                        </p:tgtEl>
-                                        <p:attrNameLst>
-                                          <p:attrName>ppt_x</p:attrName>
-                                        </p:attrNameLst>
-                                      </p:cBhvr>
-                                      <p:tavLst>
-                                        <p:tav tm="0">
-                                          <p:val>
-                                            <p:strVal val="#ppt_x"/>
-                                          </p:val>
-                                        </p:tav>
-                                        <p:tav tm="100000">
-                                          <p:val>
-                                            <p:strVal val="#ppt_x"/>
-                                          </p:val>
-                                        </p:tav>
-                                      </p:tavLst>
-                                    </p:anim>
-                                    <p:anim calcmode="lin" valueType="num">
-                                      <p:cBhvr>
-                                        <p:cTn id="9" dur="1000" fill="hold"/>
-                                        <p:tgtEl>
-                                          <p:spTgt spid="4">
-                                            <p:txEl>
-                                              <p:pRg st="0" end="0"/>
-                                            </p:txEl>
-                                          </p:spTgt>
-                                        </p:tgtEl>
-                                        <p:attrNameLst>
-                                          <p:attrName>ppt_y</p:attrName>
-                                        </p:attrNameLst>
-                                      </p:cBhvr>
-                                      <p:tavLst>
-                                        <p:tav tm="0">
-                                          <p:val>
-                                            <p:strVal val="#ppt_y+.1"/>
-                                          </p:val>
-                                        </p:tav>
-                                        <p:tav tm="100000">
-                                          <p:val>
-                                            <p:strVal val="#ppt_y"/>
-                                          </p:val>
-                                        </p:tav>
-                                      </p:tavLst>
-                                    </p:anim>
                                   </p:childTnLst>
                                 </p:cTn>
                               </p:par>
@@ -6342,26 +7674,26 @@
                     </p:cTn>
                   </p:par>
                   <p:par>
-                    <p:cTn id="10" fill="hold">
+                    <p:cTn id="8" fill="hold">
                       <p:stCondLst>
                         <p:cond delay="indefinite"/>
                       </p:stCondLst>
                       <p:childTnLst>
                         <p:par>
-                          <p:cTn id="11" fill="hold">
+                          <p:cTn id="9" fill="hold">
                             <p:stCondLst>
                               <p:cond delay="0"/>
                             </p:stCondLst>
                             <p:childTnLst>
                               <p:par>
-                                <p:cTn id="12" presetID="42" presetClass="entr" presetSubtype="0" fill="hold" nodeType="clickEffect">
+                                <p:cTn id="10" presetID="22" presetClass="entr" presetSubtype="8" fill="hold" grpId="0" nodeType="clickEffect">
                                   <p:stCondLst>
                                     <p:cond delay="0"/>
                                   </p:stCondLst>
                                   <p:childTnLst>
                                     <p:set>
                                       <p:cBhvr>
-                                        <p:cTn id="13" dur="1" fill="hold">
+                                        <p:cTn id="11" dur="1" fill="hold">
                                           <p:stCondLst>
                                             <p:cond delay="0"/>
                                           </p:stCondLst>
@@ -6381,9 +7713,9 @@
                                         <p:strVal val="visible"/>
                                       </p:to>
                                     </p:set>
-                                    <p:animEffect transition="in" filter="fade">
+                                    <p:animEffect transition="in" filter="wipe(left)">
                                       <p:cBhvr>
-                                        <p:cTn id="14" dur="1000"/>
+                                        <p:cTn id="12" dur="500"/>
                                         <p:tgtEl>
                                           <p:spTgt spid="4">
                                             <p:txEl>
@@ -6393,60 +7725,6 @@
                                         </p:tgtEl>
                                       </p:cBhvr>
                                     </p:animEffect>
-                                    <p:anim calcmode="lin" valueType="num">
-                                      <p:cBhvr>
-                                        <p:cTn id="15" dur="1000" fill="hold"/>
-                                        <p:tgtEl>
-                                          <p:spTgt spid="4">
-                                            <p:txEl>
-                                              <p:pRg st="1" end="1"/>
-                                            </p:txEl>
-                                          </p:spTgt>
-                                        </p:tgtEl>
-                                        <p:attrNameLst>
-                                          <p:attrName>ppt_x</p:attrName>
-                                        </p:attrNameLst>
-                                      </p:cBhvr>
-                                      <p:tavLst>
-                                        <p:tav tm="0">
-                                          <p:val>
-                                            <p:strVal val="#ppt_x"/>
-                                          </p:val>
-                                        </p:tav>
-                                        <p:tav tm="100000">
-                                          <p:val>
-                                            <p:strVal val="#ppt_x"/>
-                                          </p:val>
-                                        </p:tav>
-                                      </p:tavLst>
-                                    </p:anim>
-                                    <p:anim calcmode="lin" valueType="num">
-                                      <p:cBhvr>
-                                        <p:cTn id="16" dur="1000" fill="hold"/>
-                                        <p:tgtEl>
-                                          <p:spTgt spid="4">
-                                            <p:txEl>
-                                              <p:pRg st="1" end="1"/>
-                                            </p:txEl>
-                                          </p:spTgt>
-                                        </p:tgtEl>
-                                        <p:attrNameLst>
-                                          <p:attrName>ppt_y</p:attrName>
-                                        </p:attrNameLst>
-                                      </p:cBhvr>
-                                      <p:tavLst>
-                                        <p:tav tm="0">
-                                          <p:val>
-                                            <p:strVal val="#ppt_y+.1"/>
-                                          </p:val>
-                                        </p:tav>
-                                        <p:tav tm="100000">
-                                          <p:val>
-                                            <p:strVal val="#ppt_y"/>
-                                          </p:val>
-                                        </p:tav>
-                                      </p:tavLst>
-                                    </p:anim>
                                   </p:childTnLst>
                                 </p:cTn>
                               </p:par>
@@ -6457,26 +7735,26 @@
                     </p:cTn>
                   </p:par>
                   <p:par>
-                    <p:cTn id="17" fill="hold">
+                    <p:cTn id="13" fill="hold">
                       <p:stCondLst>
                         <p:cond delay="indefinite"/>
                       </p:stCondLst>
                       <p:childTnLst>
                         <p:par>
-                          <p:cTn id="18" fill="hold">
+                          <p:cTn id="14" fill="hold">
                             <p:stCondLst>
                               <p:cond delay="0"/>
                             </p:stCondLst>
                             <p:childTnLst>
                               <p:par>
-                                <p:cTn id="19" presetID="42" presetClass="entr" presetSubtype="0" fill="hold" nodeType="clickEffect">
+                                <p:cTn id="15" presetID="22" presetClass="entr" presetSubtype="8" fill="hold" grpId="0" nodeType="clickEffect">
                                   <p:stCondLst>
                                     <p:cond delay="0"/>
                                   </p:stCondLst>
                                   <p:childTnLst>
                                     <p:set>
                                       <p:cBhvr>
-                                        <p:cTn id="20" dur="1" fill="hold">
+                                        <p:cTn id="16" dur="1" fill="hold">
                                           <p:stCondLst>
                                             <p:cond delay="0"/>
                                           </p:stCondLst>
@@ -6496,9 +7774,9 @@
                                         <p:strVal val="visible"/>
                                       </p:to>
                                     </p:set>
-                                    <p:animEffect transition="in" filter="fade">
+                                    <p:animEffect transition="in" filter="wipe(left)">
                                       <p:cBhvr>
-                                        <p:cTn id="21" dur="1000"/>
+                                        <p:cTn id="17" dur="500"/>
                                         <p:tgtEl>
                                           <p:spTgt spid="4">
                                             <p:txEl>
@@ -6508,60 +7786,6 @@
                                         </p:tgtEl>
                                       </p:cBhvr>
                                     </p:animEffect>
-                                    <p:anim calcmode="lin" valueType="num">
-                                      <p:cBhvr>
-                                        <p:cTn id="22" dur="1000" fill="hold"/>
-                                        <p:tgtEl>
-                                          <p:spTgt spid="4">
-                                            <p:txEl>
-                                              <p:pRg st="2" end="2"/>
-                                            </p:txEl>
-                                          </p:spTgt>
-                                        </p:tgtEl>
-                                        <p:attrNameLst>
-                                          <p:attrName>ppt_x</p:attrName>
-                                        </p:attrNameLst>
-                                      </p:cBhvr>
-                                      <p:tavLst>
-                                        <p:tav tm="0">
-                                          <p:val>
-                                            <p:strVal val="#ppt_x"/>
-                                          </p:val>
-                                        </p:tav>
-                                        <p:tav tm="100000">
-                                          <p:val>
-                                            <p:strVal val="#ppt_x"/>
-                                          </p:val>
-                                        </p:tav>
-                                      </p:tavLst>
-                                    </p:anim>
-                                    <p:anim calcmode="lin" valueType="num">
-                                      <p:cBhvr>
-                                        <p:cTn id="23" dur="1000" fill="hold"/>
-                                        <p:tgtEl>
-                                          <p:spTgt spid="4">
-                                            <p:txEl>
-                                              <p:pRg st="2" end="2"/>
-                                            </p:txEl>
-                                          </p:spTgt>
-                                        </p:tgtEl>
-                                        <p:attrNameLst>
-                                          <p:attrName>ppt_y</p:attrName>
-                                        </p:attrNameLst>
-                                      </p:cBhvr>
-                                      <p:tavLst>
-                                        <p:tav tm="0">
-                                          <p:val>
-                                            <p:strVal val="#ppt_y+.1"/>
-                                          </p:val>
-                                        </p:tav>
-                                        <p:tav tm="100000">
-                                          <p:val>
-                                            <p:strVal val="#ppt_y"/>
-                                          </p:val>
-                                        </p:tav>
-                                      </p:tavLst>
-                                    </p:anim>
                                   </p:childTnLst>
                                 </p:cTn>
                               </p:par>
@@ -6572,26 +7796,26 @@
                     </p:cTn>
                   </p:par>
                   <p:par>
-                    <p:cTn id="24" fill="hold">
+                    <p:cTn id="18" fill="hold">
                       <p:stCondLst>
                         <p:cond delay="indefinite"/>
                       </p:stCondLst>
                       <p:childTnLst>
                         <p:par>
-                          <p:cTn id="25" fill="hold">
+                          <p:cTn id="19" fill="hold">
                             <p:stCondLst>
                               <p:cond delay="0"/>
                             </p:stCondLst>
                             <p:childTnLst>
                               <p:par>
-                                <p:cTn id="26" presetID="22" presetClass="entr" presetSubtype="8" fill="hold" grpId="0" nodeType="clickEffect">
+                                <p:cTn id="20" presetID="22" presetClass="entr" presetSubtype="8" fill="hold" grpId="0" nodeType="clickEffect">
                                   <p:stCondLst>
                                     <p:cond delay="0"/>
                                   </p:stCondLst>
                                   <p:childTnLst>
                                     <p:set>
                                       <p:cBhvr>
-                                        <p:cTn id="27" dur="1" fill="hold">
+                                        <p:cTn id="21" dur="1" fill="hold">
                                           <p:stCondLst>
                                             <p:cond delay="0"/>
                                           </p:stCondLst>
@@ -6613,7 +7837,7 @@
                                     </p:set>
                                     <p:animEffect transition="in" filter="wipe(left)">
                                       <p:cBhvr>
-                                        <p:cTn id="28" dur="500"/>
+                                        <p:cTn id="22" dur="500"/>
                                         <p:tgtEl>
                                           <p:spTgt spid="5">
                                             <p:txEl>
@@ -6633,26 +7857,26 @@
                     </p:cTn>
                   </p:par>
                   <p:par>
-                    <p:cTn id="29" fill="hold">
+                    <p:cTn id="23" fill="hold">
                       <p:stCondLst>
                         <p:cond delay="indefinite"/>
                       </p:stCondLst>
                       <p:childTnLst>
                         <p:par>
-                          <p:cTn id="30" fill="hold">
+                          <p:cTn id="24" fill="hold">
                             <p:stCondLst>
                               <p:cond delay="0"/>
                             </p:stCondLst>
                             <p:childTnLst>
                               <p:par>
-                                <p:cTn id="31" presetID="22" presetClass="entr" presetSubtype="8" fill="hold" grpId="0" nodeType="clickEffect">
+                                <p:cTn id="25" presetID="22" presetClass="entr" presetSubtype="8" fill="hold" grpId="0" nodeType="clickEffect">
                                   <p:stCondLst>
                                     <p:cond delay="0"/>
                                   </p:stCondLst>
                                   <p:childTnLst>
                                     <p:set>
                                       <p:cBhvr>
-                                        <p:cTn id="32" dur="1" fill="hold">
+                                        <p:cTn id="26" dur="1" fill="hold">
                                           <p:stCondLst>
                                             <p:cond delay="0"/>
                                           </p:stCondLst>
@@ -6674,7 +7898,7 @@
                                     </p:set>
                                     <p:animEffect transition="in" filter="wipe(left)">
                                       <p:cBhvr>
-                                        <p:cTn id="33" dur="500"/>
+                                        <p:cTn id="27" dur="500"/>
                                         <p:tgtEl>
                                           <p:spTgt spid="5">
                                             <p:txEl>
@@ -6694,26 +7918,26 @@
                     </p:cTn>
                   </p:par>
                   <p:par>
-                    <p:cTn id="34" fill="hold">
+                    <p:cTn id="28" fill="hold">
                       <p:stCondLst>
                         <p:cond delay="indefinite"/>
                       </p:stCondLst>
                       <p:childTnLst>
                         <p:par>
-                          <p:cTn id="35" fill="hold">
+                          <p:cTn id="29" fill="hold">
                             <p:stCondLst>
                               <p:cond delay="0"/>
                             </p:stCondLst>
                             <p:childTnLst>
                               <p:par>
-                                <p:cTn id="36" presetID="22" presetClass="entr" presetSubtype="8" fill="hold" grpId="0" nodeType="clickEffect">
+                                <p:cTn id="30" presetID="22" presetClass="entr" presetSubtype="8" fill="hold" grpId="0" nodeType="clickEffect">
                                   <p:stCondLst>
                                     <p:cond delay="0"/>
                                   </p:stCondLst>
                                   <p:childTnLst>
                                     <p:set>
                                       <p:cBhvr>
-                                        <p:cTn id="37" dur="1" fill="hold">
+                                        <p:cTn id="31" dur="1" fill="hold">
                                           <p:stCondLst>
                                             <p:cond delay="0"/>
                                           </p:stCondLst>
@@ -6735,7 +7959,7 @@
                                     </p:set>
                                     <p:animEffect transition="in" filter="wipe(left)">
                                       <p:cBhvr>
-                                        <p:cTn id="38" dur="500"/>
+                                        <p:cTn id="32" dur="500"/>
                                         <p:tgtEl>
                                           <p:spTgt spid="5">
                                             <p:txEl>
@@ -6776,6 +8000,7 @@
       </p:par>
     </p:tnLst>
     <p:bldLst>
+      <p:bldP spid="4" grpId="0" build="p"/>
       <p:bldP spid="5" grpId="0" build="p"/>
     </p:bldLst>
   </p:timing>
@@ -6840,8 +8065,8 @@
           </a:p>
         </p:txBody>
       </p:sp>
-      <mc:AlternateContent xmlns:mc="http://schemas.openxmlformats.org/markup-compatibility/2006" xmlns:a14="http://schemas.microsoft.com/office/drawing/2010/main">
-        <mc:Choice Requires="a14">
+      <mc:AlternateContent xmlns:mc="http://schemas.openxmlformats.org/markup-compatibility/2006">
+        <mc:Choice xmlns:a14="http://schemas.microsoft.com/office/drawing/2010/main" Requires="a14">
           <p:sp>
             <p:nvSpPr>
               <p:cNvPr id="3" name="내용 개체 틀 2">
@@ -6860,9 +8085,13 @@
             </p:nvSpPr>
             <p:spPr/>
             <p:txBody>
-              <a:bodyPr anchor="ctr"/>
+              <a:bodyPr anchor="t"/>
               <a:lstStyle/>
               <a:p>
+                <a:pPr marL="342900" indent="-342900">
+                  <a:buFont typeface="+mj-lt"/>
+                  <a:buAutoNum type="arabicPeriod"/>
+                </a:pPr>
                 <a14:m>
                   <m:oMath xmlns:m="http://schemas.openxmlformats.org/officeDocument/2006/math">
                     <m:r>
@@ -6911,6 +8140,10 @@
                 <a:endParaRPr lang="en-US" altLang="ko-KR" dirty="0"/>
               </a:p>
               <a:p>
+                <a:pPr marL="342900" indent="-342900">
+                  <a:buFont typeface="+mj-lt"/>
+                  <a:buAutoNum type="arabicPeriod"/>
+                </a:pPr>
                 <a:r>
                   <a:rPr lang="ko-KR" altLang="en-US" dirty="0"/>
                   <a:t>나누어지는 수의 밑과 나누는 수가 서로 소일 때</a:t>
@@ -6967,7 +8200,7 @@
             </p:txBody>
           </p:sp>
         </mc:Choice>
-        <mc:Fallback xmlns="">
+        <mc:Fallback>
           <p:sp>
             <p:nvSpPr>
               <p:cNvPr id="3" name="내용 개체 틀 2">
@@ -6988,7 +8221,7 @@
               <a:blipFill>
                 <a:blip r:embed="rId2"/>
                 <a:stretch>
-                  <a:fillRect l="-721"/>
+                  <a:fillRect l="-962" t="-157"/>
                 </a:stretch>
               </a:blipFill>
             </p:spPr>
@@ -7007,8 +8240,8 @@
           </p:sp>
         </mc:Fallback>
       </mc:AlternateContent>
-      <mc:AlternateContent xmlns:mc="http://schemas.openxmlformats.org/markup-compatibility/2006" xmlns:a14="http://schemas.microsoft.com/office/drawing/2010/main">
-        <mc:Choice Requires="a14">
+      <mc:AlternateContent xmlns:mc="http://schemas.openxmlformats.org/markup-compatibility/2006">
+        <mc:Choice xmlns:a14="http://schemas.microsoft.com/office/drawing/2010/main" Requires="a14">
           <p:sp>
             <p:nvSpPr>
               <p:cNvPr id="4" name="내용 개체 틀 3">
@@ -7027,7 +8260,7 @@
             </p:nvSpPr>
             <p:spPr/>
             <p:txBody>
-              <a:bodyPr anchor="ctr">
+              <a:bodyPr anchor="t">
                 <a:normAutofit/>
               </a:bodyPr>
               <a:lstStyle/>
@@ -7129,7 +8362,7 @@
             </p:txBody>
           </p:sp>
         </mc:Choice>
-        <mc:Fallback xmlns="">
+        <mc:Fallback>
           <p:sp>
             <p:nvSpPr>
               <p:cNvPr id="4" name="내용 개체 틀 3">
@@ -7179,6 +8412,9 @@
   <p:clrMapOvr>
     <a:masterClrMapping/>
   </p:clrMapOvr>
+  <p:transition spd="slow">
+    <p:push/>
+  </p:transition>
   <p:timing>
     <p:tnLst>
       <p:par>
@@ -7200,7 +8436,7 @@
                             </p:stCondLst>
                             <p:childTnLst>
                               <p:par>
-                                <p:cTn id="5" presetID="42" presetClass="entr" presetSubtype="0" fill="hold" grpId="0" nodeType="clickEffect">
+                                <p:cTn id="5" presetID="22" presetClass="entr" presetSubtype="8" fill="hold" grpId="0" nodeType="clickEffect">
                                   <p:stCondLst>
                                     <p:cond delay="0"/>
                                   </p:stCondLst>
@@ -7227,9 +8463,9 @@
                                         <p:strVal val="visible"/>
                                       </p:to>
                                     </p:set>
-                                    <p:animEffect transition="in" filter="fade">
+                                    <p:animEffect transition="in" filter="wipe(left)">
                                       <p:cBhvr>
-                                        <p:cTn id="7" dur="1000"/>
+                                        <p:cTn id="7" dur="500"/>
                                         <p:tgtEl>
                                           <p:spTgt spid="3">
                                             <p:txEl>
@@ -7239,60 +8475,6 @@
                                         </p:tgtEl>
                                       </p:cBhvr>
                                     </p:animEffect>
-                                    <p:anim calcmode="lin" valueType="num">
-                                      <p:cBhvr>
-                                        <p:cTn id="8" dur="1000" fill="hold"/>
-                                        <p:tgtEl>
-                                          <p:spTgt spid="3">
-                                            <p:txEl>
-                                              <p:pRg st="0" end="0"/>
-                                            </p:txEl>
-                                          </p:spTgt>
-                                        </p:tgtEl>
-                                        <p:attrNameLst>
-                                          <p:attrName>ppt_x</p:attrName>
-                                        </p:attrNameLst>
-                                      </p:cBhvr>
-                                      <p:tavLst>
-                                        <p:tav tm="0">
-                                          <p:val>
-                                            <p:strVal val="#ppt_x"/>
-                                          </p:val>
-                                        </p:tav>
-                                        <p:tav tm="100000">
-                                          <p:val>
-                                            <p:strVal val="#ppt_x"/>
-                                          </p:val>
-                                        </p:tav>
-                                      </p:tavLst>
-                                    </p:anim>
-                                    <p:anim calcmode="lin" valueType="num">
-                                      <p:cBhvr>
-                                        <p:cTn id="9" dur="1000" fill="hold"/>
-                                        <p:tgtEl>
-                                          <p:spTgt spid="3">
-                                            <p:txEl>
-                                              <p:pRg st="0" end="0"/>
-                                            </p:txEl>
-                                          </p:spTgt>
-                                        </p:tgtEl>
-                                        <p:attrNameLst>
-                                          <p:attrName>ppt_y</p:attrName>
-                                        </p:attrNameLst>
-                                      </p:cBhvr>
-                                      <p:tavLst>
-                                        <p:tav tm="0">
-                                          <p:val>
-                                            <p:strVal val="#ppt_y+.1"/>
-                                          </p:val>
-                                        </p:tav>
-                                        <p:tav tm="100000">
-                                          <p:val>
-                                            <p:strVal val="#ppt_y"/>
-                                          </p:val>
-                                        </p:tav>
-                                      </p:tavLst>
-                                    </p:anim>
                                   </p:childTnLst>
                                 </p:cTn>
                               </p:par>
@@ -7303,26 +8485,26 @@
                     </p:cTn>
                   </p:par>
                   <p:par>
-                    <p:cTn id="10" fill="hold">
+                    <p:cTn id="8" fill="hold">
                       <p:stCondLst>
                         <p:cond delay="indefinite"/>
                       </p:stCondLst>
                       <p:childTnLst>
                         <p:par>
-                          <p:cTn id="11" fill="hold">
+                          <p:cTn id="9" fill="hold">
                             <p:stCondLst>
                               <p:cond delay="0"/>
                             </p:stCondLst>
                             <p:childTnLst>
                               <p:par>
-                                <p:cTn id="12" presetID="42" presetClass="entr" presetSubtype="0" fill="hold" grpId="0" nodeType="clickEffect">
+                                <p:cTn id="10" presetID="22" presetClass="entr" presetSubtype="8" fill="hold" grpId="0" nodeType="clickEffect">
                                   <p:stCondLst>
                                     <p:cond delay="0"/>
                                   </p:stCondLst>
                                   <p:childTnLst>
                                     <p:set>
                                       <p:cBhvr>
-                                        <p:cTn id="13" dur="1" fill="hold">
+                                        <p:cTn id="11" dur="1" fill="hold">
                                           <p:stCondLst>
                                             <p:cond delay="0"/>
                                           </p:stCondLst>
@@ -7342,9 +8524,9 @@
                                         <p:strVal val="visible"/>
                                       </p:to>
                                     </p:set>
-                                    <p:animEffect transition="in" filter="fade">
+                                    <p:animEffect transition="in" filter="wipe(left)">
                                       <p:cBhvr>
-                                        <p:cTn id="14" dur="1000"/>
+                                        <p:cTn id="12" dur="500"/>
                                         <p:tgtEl>
                                           <p:spTgt spid="3">
                                             <p:txEl>
@@ -7354,60 +8536,6 @@
                                         </p:tgtEl>
                                       </p:cBhvr>
                                     </p:animEffect>
-                                    <p:anim calcmode="lin" valueType="num">
-                                      <p:cBhvr>
-                                        <p:cTn id="15" dur="1000" fill="hold"/>
-                                        <p:tgtEl>
-                                          <p:spTgt spid="3">
-                                            <p:txEl>
-                                              <p:pRg st="1" end="1"/>
-                                            </p:txEl>
-                                          </p:spTgt>
-                                        </p:tgtEl>
-                                        <p:attrNameLst>
-                                          <p:attrName>ppt_x</p:attrName>
-                                        </p:attrNameLst>
-                                      </p:cBhvr>
-                                      <p:tavLst>
-                                        <p:tav tm="0">
-                                          <p:val>
-                                            <p:strVal val="#ppt_x"/>
-                                          </p:val>
-                                        </p:tav>
-                                        <p:tav tm="100000">
-                                          <p:val>
-                                            <p:strVal val="#ppt_x"/>
-                                          </p:val>
-                                        </p:tav>
-                                      </p:tavLst>
-                                    </p:anim>
-                                    <p:anim calcmode="lin" valueType="num">
-                                      <p:cBhvr>
-                                        <p:cTn id="16" dur="1000" fill="hold"/>
-                                        <p:tgtEl>
-                                          <p:spTgt spid="3">
-                                            <p:txEl>
-                                              <p:pRg st="1" end="1"/>
-                                            </p:txEl>
-                                          </p:spTgt>
-                                        </p:tgtEl>
-                                        <p:attrNameLst>
-                                          <p:attrName>ppt_y</p:attrName>
-                                        </p:attrNameLst>
-                                      </p:cBhvr>
-                                      <p:tavLst>
-                                        <p:tav tm="0">
-                                          <p:val>
-                                            <p:strVal val="#ppt_y+.1"/>
-                                          </p:val>
-                                        </p:tav>
-                                        <p:tav tm="100000">
-                                          <p:val>
-                                            <p:strVal val="#ppt_y"/>
-                                          </p:val>
-                                        </p:tav>
-                                      </p:tavLst>
-                                    </p:anim>
                                   </p:childTnLst>
                                 </p:cTn>
                               </p:par>
@@ -7418,26 +8546,26 @@
                     </p:cTn>
                   </p:par>
                   <p:par>
-                    <p:cTn id="17" fill="hold">
+                    <p:cTn id="13" fill="hold">
                       <p:stCondLst>
                         <p:cond delay="indefinite"/>
                       </p:stCondLst>
                       <p:childTnLst>
                         <p:par>
-                          <p:cTn id="18" fill="hold">
+                          <p:cTn id="14" fill="hold">
                             <p:stCondLst>
                               <p:cond delay="0"/>
                             </p:stCondLst>
                             <p:childTnLst>
                               <p:par>
-                                <p:cTn id="19" presetID="22" presetClass="entr" presetSubtype="8" fill="hold" grpId="0" nodeType="clickEffect">
+                                <p:cTn id="15" presetID="22" presetClass="entr" presetSubtype="8" fill="hold" grpId="0" nodeType="clickEffect">
                                   <p:stCondLst>
                                     <p:cond delay="0"/>
                                   </p:stCondLst>
                                   <p:childTnLst>
                                     <p:set>
                                       <p:cBhvr>
-                                        <p:cTn id="20" dur="1" fill="hold">
+                                        <p:cTn id="16" dur="1" fill="hold">
                                           <p:stCondLst>
                                             <p:cond delay="0"/>
                                           </p:stCondLst>
@@ -7459,7 +8587,7 @@
                                     </p:set>
                                     <p:animEffect transition="in" filter="wipe(left)">
                                       <p:cBhvr>
-                                        <p:cTn id="21" dur="500"/>
+                                        <p:cTn id="17" dur="500"/>
                                         <p:tgtEl>
                                           <p:spTgt spid="4">
                                             <p:txEl>
@@ -7579,9 +8707,13 @@
         </p:nvSpPr>
         <p:spPr/>
         <p:txBody>
-          <a:bodyPr anchor="ctr"/>
+          <a:bodyPr anchor="t"/>
           <a:lstStyle/>
           <a:p>
+            <a:pPr marL="342900" indent="-342900">
+              <a:buFont typeface="+mj-lt"/>
+              <a:buAutoNum type="arabicPeriod"/>
+            </a:pPr>
             <a:r>
               <a:rPr lang="ko-KR" altLang="en-US" dirty="0"/>
               <a:t>연립합동식의 해를 구하는 방법</a:t>
@@ -7594,8 +8726,8 @@
           </a:p>
         </p:txBody>
       </p:sp>
-      <mc:AlternateContent xmlns:mc="http://schemas.openxmlformats.org/markup-compatibility/2006" xmlns:a14="http://schemas.microsoft.com/office/drawing/2010/main">
-        <mc:Choice Requires="a14">
+      <mc:AlternateContent xmlns:mc="http://schemas.openxmlformats.org/markup-compatibility/2006">
+        <mc:Choice xmlns:a14="http://schemas.microsoft.com/office/drawing/2010/main" Requires="a14">
           <p:sp>
             <p:nvSpPr>
               <p:cNvPr id="4" name="내용 개체 틀 3">
@@ -7614,7 +8746,7 @@
             </p:nvSpPr>
             <p:spPr/>
             <p:txBody>
-              <a:bodyPr anchor="ctr"/>
+              <a:bodyPr anchor="t"/>
               <a:lstStyle/>
               <a:p>
                 <a:pPr marL="0" indent="0" algn="ctr">
@@ -7972,7 +9104,7 @@
             </p:txBody>
           </p:sp>
         </mc:Choice>
-        <mc:Fallback xmlns="">
+        <mc:Fallback>
           <p:sp>
             <p:nvSpPr>
               <p:cNvPr id="4" name="내용 개체 틀 3">
@@ -8022,6 +9154,9 @@
   <p:clrMapOvr>
     <a:masterClrMapping/>
   </p:clrMapOvr>
+  <p:transition spd="slow">
+    <p:push/>
+  </p:transition>
   <p:timing>
     <p:tnLst>
       <p:par>
@@ -8043,7 +9178,7 @@
                             </p:stCondLst>
                             <p:childTnLst>
                               <p:par>
-                                <p:cTn id="5" presetID="42" presetClass="entr" presetSubtype="0" fill="hold" grpId="0" nodeType="clickEffect">
+                                <p:cTn id="5" presetID="22" presetClass="entr" presetSubtype="8" fill="hold" grpId="0" nodeType="clickEffect">
                                   <p:stCondLst>
                                     <p:cond delay="0"/>
                                   </p:stCondLst>
@@ -8070,9 +9205,9 @@
                                         <p:strVal val="visible"/>
                                       </p:to>
                                     </p:set>
-                                    <p:animEffect transition="in" filter="fade">
+                                    <p:animEffect transition="in" filter="wipe(left)">
                                       <p:cBhvr>
-                                        <p:cTn id="7" dur="1000"/>
+                                        <p:cTn id="7" dur="500"/>
                                         <p:tgtEl>
                                           <p:spTgt spid="3">
                                             <p:txEl>
@@ -8082,60 +9217,6 @@
                                         </p:tgtEl>
                                       </p:cBhvr>
                                     </p:animEffect>
-                                    <p:anim calcmode="lin" valueType="num">
-                                      <p:cBhvr>
-                                        <p:cTn id="8" dur="1000" fill="hold"/>
-                                        <p:tgtEl>
-                                          <p:spTgt spid="3">
-                                            <p:txEl>
-                                              <p:pRg st="0" end="0"/>
-                                            </p:txEl>
-                                          </p:spTgt>
-                                        </p:tgtEl>
-                                        <p:attrNameLst>
-                                          <p:attrName>ppt_x</p:attrName>
-                                        </p:attrNameLst>
-                                      </p:cBhvr>
-                                      <p:tavLst>
-                                        <p:tav tm="0">
-                                          <p:val>
-                                            <p:strVal val="#ppt_x"/>
-                                          </p:val>
-                                        </p:tav>
-                                        <p:tav tm="100000">
-                                          <p:val>
-                                            <p:strVal val="#ppt_x"/>
-                                          </p:val>
-                                        </p:tav>
-                                      </p:tavLst>
-                                    </p:anim>
-                                    <p:anim calcmode="lin" valueType="num">
-                                      <p:cBhvr>
-                                        <p:cTn id="9" dur="1000" fill="hold"/>
-                                        <p:tgtEl>
-                                          <p:spTgt spid="3">
-                                            <p:txEl>
-                                              <p:pRg st="0" end="0"/>
-                                            </p:txEl>
-                                          </p:spTgt>
-                                        </p:tgtEl>
-                                        <p:attrNameLst>
-                                          <p:attrName>ppt_y</p:attrName>
-                                        </p:attrNameLst>
-                                      </p:cBhvr>
-                                      <p:tavLst>
-                                        <p:tav tm="0">
-                                          <p:val>
-                                            <p:strVal val="#ppt_y+.1"/>
-                                          </p:val>
-                                        </p:tav>
-                                        <p:tav tm="100000">
-                                          <p:val>
-                                            <p:strVal val="#ppt_y"/>
-                                          </p:val>
-                                        </p:tav>
-                                      </p:tavLst>
-                                    </p:anim>
                                   </p:childTnLst>
                                 </p:cTn>
                               </p:par>
@@ -8146,26 +9227,26 @@
                     </p:cTn>
                   </p:par>
                   <p:par>
-                    <p:cTn id="10" fill="hold">
+                    <p:cTn id="8" fill="hold">
                       <p:stCondLst>
                         <p:cond delay="indefinite"/>
                       </p:stCondLst>
                       <p:childTnLst>
                         <p:par>
-                          <p:cTn id="11" fill="hold">
+                          <p:cTn id="9" fill="hold">
                             <p:stCondLst>
                               <p:cond delay="0"/>
                             </p:stCondLst>
                             <p:childTnLst>
                               <p:par>
-                                <p:cTn id="12" presetID="22" presetClass="entr" presetSubtype="1" fill="hold" grpId="0" nodeType="clickEffect">
+                                <p:cTn id="10" presetID="22" presetClass="entr" presetSubtype="8" fill="hold" grpId="0" nodeType="clickEffect">
                                   <p:stCondLst>
                                     <p:cond delay="0"/>
                                   </p:stCondLst>
                                   <p:childTnLst>
                                     <p:set>
                                       <p:cBhvr>
-                                        <p:cTn id="13" dur="1" fill="hold">
+                                        <p:cTn id="11" dur="1" fill="hold">
                                           <p:stCondLst>
                                             <p:cond delay="0"/>
                                           </p:stCondLst>
@@ -8185,9 +9266,9 @@
                                         <p:strVal val="visible"/>
                                       </p:to>
                                     </p:set>
-                                    <p:animEffect transition="in" filter="wipe(up)">
+                                    <p:animEffect transition="in" filter="wipe(left)">
                                       <p:cBhvr>
-                                        <p:cTn id="14" dur="500"/>
+                                        <p:cTn id="12" dur="500"/>
                                         <p:tgtEl>
                                           <p:spTgt spid="4">
                                             <p:txEl>
@@ -8207,26 +9288,26 @@
                     </p:cTn>
                   </p:par>
                   <p:par>
-                    <p:cTn id="15" fill="hold">
+                    <p:cTn id="13" fill="hold">
                       <p:stCondLst>
                         <p:cond delay="indefinite"/>
                       </p:stCondLst>
                       <p:childTnLst>
                         <p:par>
-                          <p:cTn id="16" fill="hold">
+                          <p:cTn id="14" fill="hold">
                             <p:stCondLst>
                               <p:cond delay="0"/>
                             </p:stCondLst>
                             <p:childTnLst>
                               <p:par>
-                                <p:cTn id="17" presetID="22" presetClass="entr" presetSubtype="1" fill="hold" grpId="0" nodeType="clickEffect">
+                                <p:cTn id="15" presetID="22" presetClass="entr" presetSubtype="8" fill="hold" grpId="0" nodeType="clickEffect">
                                   <p:stCondLst>
                                     <p:cond delay="0"/>
                                   </p:stCondLst>
                                   <p:childTnLst>
                                     <p:set>
                                       <p:cBhvr>
-                                        <p:cTn id="18" dur="1" fill="hold">
+                                        <p:cTn id="16" dur="1" fill="hold">
                                           <p:stCondLst>
                                             <p:cond delay="0"/>
                                           </p:stCondLst>
@@ -8246,9 +9327,9 @@
                                         <p:strVal val="visible"/>
                                       </p:to>
                                     </p:set>
-                                    <p:animEffect transition="in" filter="wipe(up)">
+                                    <p:animEffect transition="in" filter="wipe(left)">
                                       <p:cBhvr>
-                                        <p:cTn id="19" dur="500"/>
+                                        <p:cTn id="17" dur="500"/>
                                         <p:tgtEl>
                                           <p:spTgt spid="4">
                                             <p:txEl>
@@ -8362,6 +9443,10 @@
           <a:bodyPr/>
           <a:lstStyle/>
           <a:p>
+            <a:pPr marL="342900" indent="-342900">
+              <a:buFont typeface="+mj-lt"/>
+              <a:buAutoNum type="arabicPeriod"/>
+            </a:pPr>
             <a:r>
               <a:rPr lang="ko-KR" altLang="en-US" dirty="0"/>
               <a:t>카페 채팅방에서 놀다 보면</a:t>
@@ -8380,6 +9465,10 @@
             </a:r>
           </a:p>
           <a:p>
+            <a:pPr marL="342900" indent="-342900">
+              <a:buFont typeface="+mj-lt"/>
+              <a:buAutoNum type="arabicPeriod"/>
+            </a:pPr>
             <a:r>
               <a:rPr lang="ko-KR" altLang="en-US" dirty="0"/>
               <a:t>회원 </a:t>
@@ -8430,6 +9519,10 @@
             </a:r>
           </a:p>
           <a:p>
+            <a:pPr marL="342900" indent="-342900">
+              <a:buFont typeface="+mj-lt"/>
+              <a:buAutoNum type="arabicPeriod"/>
+            </a:pPr>
             <a:r>
               <a:rPr lang="ko-KR" altLang="en-US" dirty="0"/>
               <a:t>필자 또한 경쟁심을 느낌</a:t>
@@ -8440,6 +9533,10 @@
             </a:r>
           </a:p>
           <a:p>
+            <a:pPr marL="342900" indent="-342900">
+              <a:buFont typeface="+mj-lt"/>
+              <a:buAutoNum type="arabicPeriod"/>
+            </a:pPr>
             <a:r>
               <a:rPr lang="ko-KR" altLang="en-US" dirty="0"/>
               <a:t>그렇다고 완전 불규칙 언어는 의미가 없음</a:t>
@@ -8450,6 +9547,10 @@
             </a:r>
           </a:p>
           <a:p>
+            <a:pPr marL="342900" indent="-342900">
+              <a:buFont typeface="+mj-lt"/>
+              <a:buAutoNum type="arabicPeriod"/>
+            </a:pPr>
             <a:r>
               <a:rPr lang="ko-KR" altLang="en-US" b="1" dirty="0">
                 <a:solidFill>
@@ -8484,6 +9585,9 @@
   <p:clrMapOvr>
     <a:masterClrMapping/>
   </p:clrMapOvr>
+  <p:transition spd="slow">
+    <p:push/>
+  </p:transition>
   <p:timing>
     <p:tnLst>
       <p:par>
@@ -8505,7 +9609,7 @@
                             </p:stCondLst>
                             <p:childTnLst>
                               <p:par>
-                                <p:cTn id="5" presetID="42" presetClass="entr" presetSubtype="0" fill="hold" grpId="0" nodeType="clickEffect">
+                                <p:cTn id="5" presetID="22" presetClass="entr" presetSubtype="8" fill="hold" grpId="0" nodeType="clickEffect">
                                   <p:stCondLst>
                                     <p:cond delay="0"/>
                                   </p:stCondLst>
@@ -8532,9 +9636,9 @@
                                         <p:strVal val="visible"/>
                                       </p:to>
                                     </p:set>
-                                    <p:animEffect transition="in" filter="fade">
+                                    <p:animEffect transition="in" filter="wipe(left)">
                                       <p:cBhvr>
-                                        <p:cTn id="7" dur="1000"/>
+                                        <p:cTn id="7" dur="500"/>
                                         <p:tgtEl>
                                           <p:spTgt spid="5">
                                             <p:txEl>
@@ -8544,60 +9648,6 @@
                                         </p:tgtEl>
                                       </p:cBhvr>
                                     </p:animEffect>
-                                    <p:anim calcmode="lin" valueType="num">
-                                      <p:cBhvr>
-                                        <p:cTn id="8" dur="1000" fill="hold"/>
-                                        <p:tgtEl>
-                                          <p:spTgt spid="5">
-                                            <p:txEl>
-                                              <p:pRg st="0" end="0"/>
-                                            </p:txEl>
-                                          </p:spTgt>
-                                        </p:tgtEl>
-                                        <p:attrNameLst>
-                                          <p:attrName>ppt_x</p:attrName>
-                                        </p:attrNameLst>
-                                      </p:cBhvr>
-                                      <p:tavLst>
-                                        <p:tav tm="0">
-                                          <p:val>
-                                            <p:strVal val="#ppt_x"/>
-                                          </p:val>
-                                        </p:tav>
-                                        <p:tav tm="100000">
-                                          <p:val>
-                                            <p:strVal val="#ppt_x"/>
-                                          </p:val>
-                                        </p:tav>
-                                      </p:tavLst>
-                                    </p:anim>
-                                    <p:anim calcmode="lin" valueType="num">
-                                      <p:cBhvr>
-                                        <p:cTn id="9" dur="1000" fill="hold"/>
-                                        <p:tgtEl>
-                                          <p:spTgt spid="5">
-                                            <p:txEl>
-                                              <p:pRg st="0" end="0"/>
-                                            </p:txEl>
-                                          </p:spTgt>
-                                        </p:tgtEl>
-                                        <p:attrNameLst>
-                                          <p:attrName>ppt_y</p:attrName>
-                                        </p:attrNameLst>
-                                      </p:cBhvr>
-                                      <p:tavLst>
-                                        <p:tav tm="0">
-                                          <p:val>
-                                            <p:strVal val="#ppt_y+.1"/>
-                                          </p:val>
-                                        </p:tav>
-                                        <p:tav tm="100000">
-                                          <p:val>
-                                            <p:strVal val="#ppt_y"/>
-                                          </p:val>
-                                        </p:tav>
-                                      </p:tavLst>
-                                    </p:anim>
                                   </p:childTnLst>
                                 </p:cTn>
                               </p:par>
@@ -8608,26 +9658,26 @@
                     </p:cTn>
                   </p:par>
                   <p:par>
-                    <p:cTn id="10" fill="hold">
+                    <p:cTn id="8" fill="hold">
                       <p:stCondLst>
                         <p:cond delay="indefinite"/>
                       </p:stCondLst>
                       <p:childTnLst>
                         <p:par>
-                          <p:cTn id="11" fill="hold">
+                          <p:cTn id="9" fill="hold">
                             <p:stCondLst>
                               <p:cond delay="0"/>
                             </p:stCondLst>
                             <p:childTnLst>
                               <p:par>
-                                <p:cTn id="12" presetID="42" presetClass="entr" presetSubtype="0" fill="hold" grpId="0" nodeType="clickEffect">
+                                <p:cTn id="10" presetID="22" presetClass="entr" presetSubtype="8" fill="hold" grpId="0" nodeType="clickEffect">
                                   <p:stCondLst>
                                     <p:cond delay="0"/>
                                   </p:stCondLst>
                                   <p:childTnLst>
                                     <p:set>
                                       <p:cBhvr>
-                                        <p:cTn id="13" dur="1" fill="hold">
+                                        <p:cTn id="11" dur="1" fill="hold">
                                           <p:stCondLst>
                                             <p:cond delay="0"/>
                                           </p:stCondLst>
@@ -8647,9 +9697,9 @@
                                         <p:strVal val="visible"/>
                                       </p:to>
                                     </p:set>
-                                    <p:animEffect transition="in" filter="fade">
+                                    <p:animEffect transition="in" filter="wipe(left)">
                                       <p:cBhvr>
-                                        <p:cTn id="14" dur="1000"/>
+                                        <p:cTn id="12" dur="500"/>
                                         <p:tgtEl>
                                           <p:spTgt spid="5">
                                             <p:txEl>
@@ -8659,60 +9709,6 @@
                                         </p:tgtEl>
                                       </p:cBhvr>
                                     </p:animEffect>
-                                    <p:anim calcmode="lin" valueType="num">
-                                      <p:cBhvr>
-                                        <p:cTn id="15" dur="1000" fill="hold"/>
-                                        <p:tgtEl>
-                                          <p:spTgt spid="5">
-                                            <p:txEl>
-                                              <p:pRg st="1" end="1"/>
-                                            </p:txEl>
-                                          </p:spTgt>
-                                        </p:tgtEl>
-                                        <p:attrNameLst>
-                                          <p:attrName>ppt_x</p:attrName>
-                                        </p:attrNameLst>
-                                      </p:cBhvr>
-                                      <p:tavLst>
-                                        <p:tav tm="0">
-                                          <p:val>
-                                            <p:strVal val="#ppt_x"/>
-                                          </p:val>
-                                        </p:tav>
-                                        <p:tav tm="100000">
-                                          <p:val>
-                                            <p:strVal val="#ppt_x"/>
-                                          </p:val>
-                                        </p:tav>
-                                      </p:tavLst>
-                                    </p:anim>
-                                    <p:anim calcmode="lin" valueType="num">
-                                      <p:cBhvr>
-                                        <p:cTn id="16" dur="1000" fill="hold"/>
-                                        <p:tgtEl>
-                                          <p:spTgt spid="5">
-                                            <p:txEl>
-                                              <p:pRg st="1" end="1"/>
-                                            </p:txEl>
-                                          </p:spTgt>
-                                        </p:tgtEl>
-                                        <p:attrNameLst>
-                                          <p:attrName>ppt_y</p:attrName>
-                                        </p:attrNameLst>
-                                      </p:cBhvr>
-                                      <p:tavLst>
-                                        <p:tav tm="0">
-                                          <p:val>
-                                            <p:strVal val="#ppt_y+.1"/>
-                                          </p:val>
-                                        </p:tav>
-                                        <p:tav tm="100000">
-                                          <p:val>
-                                            <p:strVal val="#ppt_y"/>
-                                          </p:val>
-                                        </p:tav>
-                                      </p:tavLst>
-                                    </p:anim>
                                   </p:childTnLst>
                                 </p:cTn>
                               </p:par>
@@ -8723,26 +9719,26 @@
                     </p:cTn>
                   </p:par>
                   <p:par>
-                    <p:cTn id="17" fill="hold">
+                    <p:cTn id="13" fill="hold">
                       <p:stCondLst>
                         <p:cond delay="indefinite"/>
                       </p:stCondLst>
                       <p:childTnLst>
                         <p:par>
-                          <p:cTn id="18" fill="hold">
+                          <p:cTn id="14" fill="hold">
                             <p:stCondLst>
                               <p:cond delay="0"/>
                             </p:stCondLst>
                             <p:childTnLst>
                               <p:par>
-                                <p:cTn id="19" presetID="42" presetClass="entr" presetSubtype="0" fill="hold" grpId="0" nodeType="clickEffect">
+                                <p:cTn id="15" presetID="22" presetClass="entr" presetSubtype="8" fill="hold" grpId="0" nodeType="clickEffect">
                                   <p:stCondLst>
                                     <p:cond delay="0"/>
                                   </p:stCondLst>
                                   <p:childTnLst>
                                     <p:set>
                                       <p:cBhvr>
-                                        <p:cTn id="20" dur="1" fill="hold">
+                                        <p:cTn id="16" dur="1" fill="hold">
                                           <p:stCondLst>
                                             <p:cond delay="0"/>
                                           </p:stCondLst>
@@ -8762,9 +9758,9 @@
                                         <p:strVal val="visible"/>
                                       </p:to>
                                     </p:set>
-                                    <p:animEffect transition="in" filter="fade">
+                                    <p:animEffect transition="in" filter="wipe(left)">
                                       <p:cBhvr>
-                                        <p:cTn id="21" dur="1000"/>
+                                        <p:cTn id="17" dur="500"/>
                                         <p:tgtEl>
                                           <p:spTgt spid="5">
                                             <p:txEl>
@@ -8774,60 +9770,6 @@
                                         </p:tgtEl>
                                       </p:cBhvr>
                                     </p:animEffect>
-                                    <p:anim calcmode="lin" valueType="num">
-                                      <p:cBhvr>
-                                        <p:cTn id="22" dur="1000" fill="hold"/>
-                                        <p:tgtEl>
-                                          <p:spTgt spid="5">
-                                            <p:txEl>
-                                              <p:pRg st="2" end="2"/>
-                                            </p:txEl>
-                                          </p:spTgt>
-                                        </p:tgtEl>
-                                        <p:attrNameLst>
-                                          <p:attrName>ppt_x</p:attrName>
-                                        </p:attrNameLst>
-                                      </p:cBhvr>
-                                      <p:tavLst>
-                                        <p:tav tm="0">
-                                          <p:val>
-                                            <p:strVal val="#ppt_x"/>
-                                          </p:val>
-                                        </p:tav>
-                                        <p:tav tm="100000">
-                                          <p:val>
-                                            <p:strVal val="#ppt_x"/>
-                                          </p:val>
-                                        </p:tav>
-                                      </p:tavLst>
-                                    </p:anim>
-                                    <p:anim calcmode="lin" valueType="num">
-                                      <p:cBhvr>
-                                        <p:cTn id="23" dur="1000" fill="hold"/>
-                                        <p:tgtEl>
-                                          <p:spTgt spid="5">
-                                            <p:txEl>
-                                              <p:pRg st="2" end="2"/>
-                                            </p:txEl>
-                                          </p:spTgt>
-                                        </p:tgtEl>
-                                        <p:attrNameLst>
-                                          <p:attrName>ppt_y</p:attrName>
-                                        </p:attrNameLst>
-                                      </p:cBhvr>
-                                      <p:tavLst>
-                                        <p:tav tm="0">
-                                          <p:val>
-                                            <p:strVal val="#ppt_y+.1"/>
-                                          </p:val>
-                                        </p:tav>
-                                        <p:tav tm="100000">
-                                          <p:val>
-                                            <p:strVal val="#ppt_y"/>
-                                          </p:val>
-                                        </p:tav>
-                                      </p:tavLst>
-                                    </p:anim>
                                   </p:childTnLst>
                                 </p:cTn>
                               </p:par>
@@ -8838,26 +9780,26 @@
                     </p:cTn>
                   </p:par>
                   <p:par>
-                    <p:cTn id="24" fill="hold">
+                    <p:cTn id="18" fill="hold">
                       <p:stCondLst>
                         <p:cond delay="indefinite"/>
                       </p:stCondLst>
                       <p:childTnLst>
                         <p:par>
-                          <p:cTn id="25" fill="hold">
+                          <p:cTn id="19" fill="hold">
                             <p:stCondLst>
                               <p:cond delay="0"/>
                             </p:stCondLst>
                             <p:childTnLst>
                               <p:par>
-                                <p:cTn id="26" presetID="42" presetClass="entr" presetSubtype="0" fill="hold" grpId="0" nodeType="clickEffect">
+                                <p:cTn id="20" presetID="22" presetClass="entr" presetSubtype="8" fill="hold" grpId="0" nodeType="clickEffect">
                                   <p:stCondLst>
                                     <p:cond delay="0"/>
                                   </p:stCondLst>
                                   <p:childTnLst>
                                     <p:set>
                                       <p:cBhvr>
-                                        <p:cTn id="27" dur="1" fill="hold">
+                                        <p:cTn id="21" dur="1" fill="hold">
                                           <p:stCondLst>
                                             <p:cond delay="0"/>
                                           </p:stCondLst>
@@ -8877,9 +9819,9 @@
                                         <p:strVal val="visible"/>
                                       </p:to>
                                     </p:set>
-                                    <p:animEffect transition="in" filter="fade">
+                                    <p:animEffect transition="in" filter="wipe(left)">
                                       <p:cBhvr>
-                                        <p:cTn id="28" dur="1000"/>
+                                        <p:cTn id="22" dur="500"/>
                                         <p:tgtEl>
                                           <p:spTgt spid="5">
                                             <p:txEl>
@@ -8889,60 +9831,6 @@
                                         </p:tgtEl>
                                       </p:cBhvr>
                                     </p:animEffect>
-                                    <p:anim calcmode="lin" valueType="num">
-                                      <p:cBhvr>
-                                        <p:cTn id="29" dur="1000" fill="hold"/>
-                                        <p:tgtEl>
-                                          <p:spTgt spid="5">
-                                            <p:txEl>
-                                              <p:pRg st="3" end="3"/>
-                                            </p:txEl>
-                                          </p:spTgt>
-                                        </p:tgtEl>
-                                        <p:attrNameLst>
-                                          <p:attrName>ppt_x</p:attrName>
-                                        </p:attrNameLst>
-                                      </p:cBhvr>
-                                      <p:tavLst>
-                                        <p:tav tm="0">
-                                          <p:val>
-                                            <p:strVal val="#ppt_x"/>
-                                          </p:val>
-                                        </p:tav>
-                                        <p:tav tm="100000">
-                                          <p:val>
-                                            <p:strVal val="#ppt_x"/>
-                                          </p:val>
-                                        </p:tav>
-                                      </p:tavLst>
-                                    </p:anim>
-                                    <p:anim calcmode="lin" valueType="num">
-                                      <p:cBhvr>
-                                        <p:cTn id="30" dur="1000" fill="hold"/>
-                                        <p:tgtEl>
-                                          <p:spTgt spid="5">
-                                            <p:txEl>
-                                              <p:pRg st="3" end="3"/>
-                                            </p:txEl>
-                                          </p:spTgt>
-                                        </p:tgtEl>
-                                        <p:attrNameLst>
-                                          <p:attrName>ppt_y</p:attrName>
-                                        </p:attrNameLst>
-                                      </p:cBhvr>
-                                      <p:tavLst>
-                                        <p:tav tm="0">
-                                          <p:val>
-                                            <p:strVal val="#ppt_y+.1"/>
-                                          </p:val>
-                                        </p:tav>
-                                        <p:tav tm="100000">
-                                          <p:val>
-                                            <p:strVal val="#ppt_y"/>
-                                          </p:val>
-                                        </p:tav>
-                                      </p:tavLst>
-                                    </p:anim>
                                   </p:childTnLst>
                                 </p:cTn>
                               </p:par>
@@ -8953,26 +9841,26 @@
                     </p:cTn>
                   </p:par>
                   <p:par>
-                    <p:cTn id="31" fill="hold">
+                    <p:cTn id="23" fill="hold">
                       <p:stCondLst>
                         <p:cond delay="indefinite"/>
                       </p:stCondLst>
                       <p:childTnLst>
                         <p:par>
-                          <p:cTn id="32" fill="hold">
+                          <p:cTn id="24" fill="hold">
                             <p:stCondLst>
                               <p:cond delay="0"/>
                             </p:stCondLst>
                             <p:childTnLst>
                               <p:par>
-                                <p:cTn id="33" presetID="42" presetClass="entr" presetSubtype="0" fill="hold" grpId="0" nodeType="clickEffect">
+                                <p:cTn id="25" presetID="22" presetClass="entr" presetSubtype="8" fill="hold" grpId="0" nodeType="clickEffect">
                                   <p:stCondLst>
                                     <p:cond delay="0"/>
                                   </p:stCondLst>
                                   <p:childTnLst>
                                     <p:set>
                                       <p:cBhvr>
-                                        <p:cTn id="34" dur="1" fill="hold">
+                                        <p:cTn id="26" dur="1" fill="hold">
                                           <p:stCondLst>
                                             <p:cond delay="0"/>
                                           </p:stCondLst>
@@ -8992,9 +9880,9 @@
                                         <p:strVal val="visible"/>
                                       </p:to>
                                     </p:set>
-                                    <p:animEffect transition="in" filter="fade">
+                                    <p:animEffect transition="in" filter="wipe(left)">
                                       <p:cBhvr>
-                                        <p:cTn id="35" dur="1000"/>
+                                        <p:cTn id="27" dur="500"/>
                                         <p:tgtEl>
                                           <p:spTgt spid="5">
                                             <p:txEl>
@@ -9004,60 +9892,6 @@
                                         </p:tgtEl>
                                       </p:cBhvr>
                                     </p:animEffect>
-                                    <p:anim calcmode="lin" valueType="num">
-                                      <p:cBhvr>
-                                        <p:cTn id="36" dur="1000" fill="hold"/>
-                                        <p:tgtEl>
-                                          <p:spTgt spid="5">
-                                            <p:txEl>
-                                              <p:pRg st="4" end="4"/>
-                                            </p:txEl>
-                                          </p:spTgt>
-                                        </p:tgtEl>
-                                        <p:attrNameLst>
-                                          <p:attrName>ppt_x</p:attrName>
-                                        </p:attrNameLst>
-                                      </p:cBhvr>
-                                      <p:tavLst>
-                                        <p:tav tm="0">
-                                          <p:val>
-                                            <p:strVal val="#ppt_x"/>
-                                          </p:val>
-                                        </p:tav>
-                                        <p:tav tm="100000">
-                                          <p:val>
-                                            <p:strVal val="#ppt_x"/>
-                                          </p:val>
-                                        </p:tav>
-                                      </p:tavLst>
-                                    </p:anim>
-                                    <p:anim calcmode="lin" valueType="num">
-                                      <p:cBhvr>
-                                        <p:cTn id="37" dur="1000" fill="hold"/>
-                                        <p:tgtEl>
-                                          <p:spTgt spid="5">
-                                            <p:txEl>
-                                              <p:pRg st="4" end="4"/>
-                                            </p:txEl>
-                                          </p:spTgt>
-                                        </p:tgtEl>
-                                        <p:attrNameLst>
-                                          <p:attrName>ppt_y</p:attrName>
-                                        </p:attrNameLst>
-                                      </p:cBhvr>
-                                      <p:tavLst>
-                                        <p:tav tm="0">
-                                          <p:val>
-                                            <p:strVal val="#ppt_y+.1"/>
-                                          </p:val>
-                                        </p:tav>
-                                        <p:tav tm="100000">
-                                          <p:val>
-                                            <p:strVal val="#ppt_y"/>
-                                          </p:val>
-                                        </p:tav>
-                                      </p:tavLst>
-                                    </p:anim>
                                   </p:childTnLst>
                                 </p:cTn>
                               </p:par>
@@ -9144,8 +9978,8 @@
           </a:p>
         </p:txBody>
       </p:sp>
-      <mc:AlternateContent xmlns:mc="http://schemas.openxmlformats.org/markup-compatibility/2006" xmlns:a14="http://schemas.microsoft.com/office/drawing/2010/main">
-        <mc:Choice Requires="a14">
+      <mc:AlternateContent xmlns:mc="http://schemas.openxmlformats.org/markup-compatibility/2006">
+        <mc:Choice xmlns:a14="http://schemas.microsoft.com/office/drawing/2010/main" Requires="a14">
           <p:sp>
             <p:nvSpPr>
               <p:cNvPr id="7" name="내용 개체 틀 6">
@@ -9164,11 +9998,15 @@
             </p:nvSpPr>
             <p:spPr/>
             <p:txBody>
-              <a:bodyPr anchor="ctr">
+              <a:bodyPr anchor="t">
                 <a:normAutofit/>
               </a:bodyPr>
               <a:lstStyle/>
               <a:p>
+                <a:pPr marL="457200" indent="-457200">
+                  <a:buFont typeface="+mj-lt"/>
+                  <a:buAutoNum type="arabicPeriod"/>
+                </a:pPr>
                 <a:r>
                   <a:rPr lang="ko-KR" altLang="en-US" sz="2000" dirty="0"/>
                   <a:t>형태론 및 문장론이 합동식에 의하는 언어</a:t>
@@ -9179,6 +10017,10 @@
                 </a:r>
               </a:p>
               <a:p>
+                <a:pPr marL="457200" indent="-457200">
+                  <a:buFont typeface="+mj-lt"/>
+                  <a:buAutoNum type="arabicPeriod"/>
+                </a:pPr>
                 <a:r>
                   <a:rPr lang="ko-KR" altLang="en-US" sz="2000" b="0" dirty="0"/>
                   <a:t>단어 </a:t>
@@ -9246,6 +10088,10 @@
                 </a:r>
               </a:p>
               <a:p>
+                <a:pPr marL="457200" indent="-457200">
+                  <a:buFont typeface="+mj-lt"/>
+                  <a:buAutoNum type="arabicPeriod"/>
+                </a:pPr>
                 <a14:m>
                   <m:oMath xmlns:m="http://schemas.openxmlformats.org/officeDocument/2006/math">
                     <m:sSup>
@@ -9323,7 +10169,7 @@
             </p:txBody>
           </p:sp>
         </mc:Choice>
-        <mc:Fallback xmlns="">
+        <mc:Fallback>
           <p:sp>
             <p:nvSpPr>
               <p:cNvPr id="7" name="내용 개체 틀 6">
@@ -9344,7 +10190,7 @@
               <a:blipFill>
                 <a:blip r:embed="rId2"/>
                 <a:stretch>
-                  <a:fillRect l="-1082" r="-1442"/>
+                  <a:fillRect l="-1202" t="-157"/>
                 </a:stretch>
               </a:blipFill>
             </p:spPr>
@@ -9363,8 +10209,8 @@
           </p:sp>
         </mc:Fallback>
       </mc:AlternateContent>
-      <mc:AlternateContent xmlns:mc="http://schemas.openxmlformats.org/markup-compatibility/2006" xmlns:a14="http://schemas.microsoft.com/office/drawing/2010/main">
-        <mc:Choice Requires="a14">
+      <mc:AlternateContent xmlns:mc="http://schemas.openxmlformats.org/markup-compatibility/2006">
+        <mc:Choice xmlns:a14="http://schemas.microsoft.com/office/drawing/2010/main" Requires="a14">
           <p:sp>
             <p:nvSpPr>
               <p:cNvPr id="8" name="내용 개체 틀 7">
@@ -9383,7 +10229,7 @@
             </p:nvSpPr>
             <p:spPr/>
             <p:txBody>
-              <a:bodyPr anchor="ctr">
+              <a:bodyPr anchor="t">
                 <a:normAutofit/>
               </a:bodyPr>
               <a:lstStyle/>
@@ -9469,7 +10315,7 @@
             </p:txBody>
           </p:sp>
         </mc:Choice>
-        <mc:Fallback xmlns="">
+        <mc:Fallback>
           <p:sp>
             <p:nvSpPr>
               <p:cNvPr id="8" name="내용 개체 틀 7">
@@ -9519,6 +10365,9 @@
   <p:clrMapOvr>
     <a:masterClrMapping/>
   </p:clrMapOvr>
+  <p:transition spd="slow">
+    <p:push/>
+  </p:transition>
   <p:timing>
     <p:tnLst>
       <p:par>
@@ -9540,7 +10389,7 @@
                             </p:stCondLst>
                             <p:childTnLst>
                               <p:par>
-                                <p:cTn id="5" presetID="42" presetClass="entr" presetSubtype="0" fill="hold" grpId="0" nodeType="clickEffect">
+                                <p:cTn id="5" presetID="22" presetClass="entr" presetSubtype="8" fill="hold" grpId="0" nodeType="clickEffect">
                                   <p:stCondLst>
                                     <p:cond delay="0"/>
                                   </p:stCondLst>
@@ -9567,9 +10416,9 @@
                                         <p:strVal val="visible"/>
                                       </p:to>
                                     </p:set>
-                                    <p:animEffect transition="in" filter="fade">
+                                    <p:animEffect transition="in" filter="wipe(left)">
                                       <p:cBhvr>
-                                        <p:cTn id="7" dur="1000"/>
+                                        <p:cTn id="7" dur="500"/>
                                         <p:tgtEl>
                                           <p:spTgt spid="7">
                                             <p:txEl>
@@ -9579,60 +10428,6 @@
                                         </p:tgtEl>
                                       </p:cBhvr>
                                     </p:animEffect>
-                                    <p:anim calcmode="lin" valueType="num">
-                                      <p:cBhvr>
-                                        <p:cTn id="8" dur="1000" fill="hold"/>
-                                        <p:tgtEl>
-                                          <p:spTgt spid="7">
-                                            <p:txEl>
-                                              <p:pRg st="0" end="0"/>
-                                            </p:txEl>
-                                          </p:spTgt>
-                                        </p:tgtEl>
-                                        <p:attrNameLst>
-                                          <p:attrName>ppt_x</p:attrName>
-                                        </p:attrNameLst>
-                                      </p:cBhvr>
-                                      <p:tavLst>
-                                        <p:tav tm="0">
-                                          <p:val>
-                                            <p:strVal val="#ppt_x"/>
-                                          </p:val>
-                                        </p:tav>
-                                        <p:tav tm="100000">
-                                          <p:val>
-                                            <p:strVal val="#ppt_x"/>
-                                          </p:val>
-                                        </p:tav>
-                                      </p:tavLst>
-                                    </p:anim>
-                                    <p:anim calcmode="lin" valueType="num">
-                                      <p:cBhvr>
-                                        <p:cTn id="9" dur="1000" fill="hold"/>
-                                        <p:tgtEl>
-                                          <p:spTgt spid="7">
-                                            <p:txEl>
-                                              <p:pRg st="0" end="0"/>
-                                            </p:txEl>
-                                          </p:spTgt>
-                                        </p:tgtEl>
-                                        <p:attrNameLst>
-                                          <p:attrName>ppt_y</p:attrName>
-                                        </p:attrNameLst>
-                                      </p:cBhvr>
-                                      <p:tavLst>
-                                        <p:tav tm="0">
-                                          <p:val>
-                                            <p:strVal val="#ppt_y+.1"/>
-                                          </p:val>
-                                        </p:tav>
-                                        <p:tav tm="100000">
-                                          <p:val>
-                                            <p:strVal val="#ppt_y"/>
-                                          </p:val>
-                                        </p:tav>
-                                      </p:tavLst>
-                                    </p:anim>
                                   </p:childTnLst>
                                 </p:cTn>
                               </p:par>
@@ -9643,26 +10438,26 @@
                     </p:cTn>
                   </p:par>
                   <p:par>
-                    <p:cTn id="10" fill="hold">
+                    <p:cTn id="8" fill="hold">
                       <p:stCondLst>
                         <p:cond delay="indefinite"/>
                       </p:stCondLst>
                       <p:childTnLst>
                         <p:par>
-                          <p:cTn id="11" fill="hold">
+                          <p:cTn id="9" fill="hold">
                             <p:stCondLst>
                               <p:cond delay="0"/>
                             </p:stCondLst>
                             <p:childTnLst>
                               <p:par>
-                                <p:cTn id="12" presetID="42" presetClass="entr" presetSubtype="0" fill="hold" grpId="0" nodeType="clickEffect">
+                                <p:cTn id="10" presetID="22" presetClass="entr" presetSubtype="8" fill="hold" grpId="0" nodeType="clickEffect">
                                   <p:stCondLst>
                                     <p:cond delay="0"/>
                                   </p:stCondLst>
                                   <p:childTnLst>
                                     <p:set>
                                       <p:cBhvr>
-                                        <p:cTn id="13" dur="1" fill="hold">
+                                        <p:cTn id="11" dur="1" fill="hold">
                                           <p:stCondLst>
                                             <p:cond delay="0"/>
                                           </p:stCondLst>
@@ -9682,9 +10477,9 @@
                                         <p:strVal val="visible"/>
                                       </p:to>
                                     </p:set>
-                                    <p:animEffect transition="in" filter="fade">
+                                    <p:animEffect transition="in" filter="wipe(left)">
                                       <p:cBhvr>
-                                        <p:cTn id="14" dur="1000"/>
+                                        <p:cTn id="12" dur="500"/>
                                         <p:tgtEl>
                                           <p:spTgt spid="7">
                                             <p:txEl>
@@ -9694,60 +10489,6 @@
                                         </p:tgtEl>
                                       </p:cBhvr>
                                     </p:animEffect>
-                                    <p:anim calcmode="lin" valueType="num">
-                                      <p:cBhvr>
-                                        <p:cTn id="15" dur="1000" fill="hold"/>
-                                        <p:tgtEl>
-                                          <p:spTgt spid="7">
-                                            <p:txEl>
-                                              <p:pRg st="1" end="1"/>
-                                            </p:txEl>
-                                          </p:spTgt>
-                                        </p:tgtEl>
-                                        <p:attrNameLst>
-                                          <p:attrName>ppt_x</p:attrName>
-                                        </p:attrNameLst>
-                                      </p:cBhvr>
-                                      <p:tavLst>
-                                        <p:tav tm="0">
-                                          <p:val>
-                                            <p:strVal val="#ppt_x"/>
-                                          </p:val>
-                                        </p:tav>
-                                        <p:tav tm="100000">
-                                          <p:val>
-                                            <p:strVal val="#ppt_x"/>
-                                          </p:val>
-                                        </p:tav>
-                                      </p:tavLst>
-                                    </p:anim>
-                                    <p:anim calcmode="lin" valueType="num">
-                                      <p:cBhvr>
-                                        <p:cTn id="16" dur="1000" fill="hold"/>
-                                        <p:tgtEl>
-                                          <p:spTgt spid="7">
-                                            <p:txEl>
-                                              <p:pRg st="1" end="1"/>
-                                            </p:txEl>
-                                          </p:spTgt>
-                                        </p:tgtEl>
-                                        <p:attrNameLst>
-                                          <p:attrName>ppt_y</p:attrName>
-                                        </p:attrNameLst>
-                                      </p:cBhvr>
-                                      <p:tavLst>
-                                        <p:tav tm="0">
-                                          <p:val>
-                                            <p:strVal val="#ppt_y+.1"/>
-                                          </p:val>
-                                        </p:tav>
-                                        <p:tav tm="100000">
-                                          <p:val>
-                                            <p:strVal val="#ppt_y"/>
-                                          </p:val>
-                                        </p:tav>
-                                      </p:tavLst>
-                                    </p:anim>
                                   </p:childTnLst>
                                 </p:cTn>
                               </p:par>
@@ -9758,26 +10499,26 @@
                     </p:cTn>
                   </p:par>
                   <p:par>
-                    <p:cTn id="17" fill="hold">
+                    <p:cTn id="13" fill="hold">
                       <p:stCondLst>
                         <p:cond delay="indefinite"/>
                       </p:stCondLst>
                       <p:childTnLst>
                         <p:par>
-                          <p:cTn id="18" fill="hold">
+                          <p:cTn id="14" fill="hold">
                             <p:stCondLst>
                               <p:cond delay="0"/>
                             </p:stCondLst>
                             <p:childTnLst>
                               <p:par>
-                                <p:cTn id="19" presetID="42" presetClass="entr" presetSubtype="0" fill="hold" grpId="0" nodeType="clickEffect">
+                                <p:cTn id="15" presetID="22" presetClass="entr" presetSubtype="8" fill="hold" grpId="0" nodeType="clickEffect">
                                   <p:stCondLst>
                                     <p:cond delay="0"/>
                                   </p:stCondLst>
                                   <p:childTnLst>
                                     <p:set>
                                       <p:cBhvr>
-                                        <p:cTn id="20" dur="1" fill="hold">
+                                        <p:cTn id="16" dur="1" fill="hold">
                                           <p:stCondLst>
                                             <p:cond delay="0"/>
                                           </p:stCondLst>
@@ -9797,9 +10538,9 @@
                                         <p:strVal val="visible"/>
                                       </p:to>
                                     </p:set>
-                                    <p:animEffect transition="in" filter="fade">
+                                    <p:animEffect transition="in" filter="wipe(left)">
                                       <p:cBhvr>
-                                        <p:cTn id="21" dur="1000"/>
+                                        <p:cTn id="17" dur="500"/>
                                         <p:tgtEl>
                                           <p:spTgt spid="7">
                                             <p:txEl>
@@ -9809,60 +10550,6 @@
                                         </p:tgtEl>
                                       </p:cBhvr>
                                     </p:animEffect>
-                                    <p:anim calcmode="lin" valueType="num">
-                                      <p:cBhvr>
-                                        <p:cTn id="22" dur="1000" fill="hold"/>
-                                        <p:tgtEl>
-                                          <p:spTgt spid="7">
-                                            <p:txEl>
-                                              <p:pRg st="2" end="2"/>
-                                            </p:txEl>
-                                          </p:spTgt>
-                                        </p:tgtEl>
-                                        <p:attrNameLst>
-                                          <p:attrName>ppt_x</p:attrName>
-                                        </p:attrNameLst>
-                                      </p:cBhvr>
-                                      <p:tavLst>
-                                        <p:tav tm="0">
-                                          <p:val>
-                                            <p:strVal val="#ppt_x"/>
-                                          </p:val>
-                                        </p:tav>
-                                        <p:tav tm="100000">
-                                          <p:val>
-                                            <p:strVal val="#ppt_x"/>
-                                          </p:val>
-                                        </p:tav>
-                                      </p:tavLst>
-                                    </p:anim>
-                                    <p:anim calcmode="lin" valueType="num">
-                                      <p:cBhvr>
-                                        <p:cTn id="23" dur="1000" fill="hold"/>
-                                        <p:tgtEl>
-                                          <p:spTgt spid="7">
-                                            <p:txEl>
-                                              <p:pRg st="2" end="2"/>
-                                            </p:txEl>
-                                          </p:spTgt>
-                                        </p:tgtEl>
-                                        <p:attrNameLst>
-                                          <p:attrName>ppt_y</p:attrName>
-                                        </p:attrNameLst>
-                                      </p:cBhvr>
-                                      <p:tavLst>
-                                        <p:tav tm="0">
-                                          <p:val>
-                                            <p:strVal val="#ppt_y+.1"/>
-                                          </p:val>
-                                        </p:tav>
-                                        <p:tav tm="100000">
-                                          <p:val>
-                                            <p:strVal val="#ppt_y"/>
-                                          </p:val>
-                                        </p:tav>
-                                      </p:tavLst>
-                                    </p:anim>
                                   </p:childTnLst>
                                 </p:cTn>
                               </p:par>
@@ -9873,26 +10560,26 @@
                     </p:cTn>
                   </p:par>
                   <p:par>
-                    <p:cTn id="24" fill="hold">
+                    <p:cTn id="18" fill="hold">
                       <p:stCondLst>
                         <p:cond delay="indefinite"/>
                       </p:stCondLst>
                       <p:childTnLst>
                         <p:par>
-                          <p:cTn id="25" fill="hold">
+                          <p:cTn id="19" fill="hold">
                             <p:stCondLst>
                               <p:cond delay="0"/>
                             </p:stCondLst>
                             <p:childTnLst>
                               <p:par>
-                                <p:cTn id="26" presetID="22" presetClass="entr" presetSubtype="8" fill="hold" grpId="0" nodeType="clickEffect">
+                                <p:cTn id="20" presetID="22" presetClass="entr" presetSubtype="8" fill="hold" grpId="0" nodeType="clickEffect">
                                   <p:stCondLst>
                                     <p:cond delay="0"/>
                                   </p:stCondLst>
                                   <p:childTnLst>
                                     <p:set>
                                       <p:cBhvr>
-                                        <p:cTn id="27" dur="1" fill="hold">
+                                        <p:cTn id="21" dur="1" fill="hold">
                                           <p:stCondLst>
                                             <p:cond delay="0"/>
                                           </p:stCondLst>
@@ -9914,7 +10601,7 @@
                                     </p:set>
                                     <p:animEffect transition="in" filter="wipe(left)">
                                       <p:cBhvr>
-                                        <p:cTn id="28" dur="500"/>
+                                        <p:cTn id="22" dur="500"/>
                                         <p:tgtEl>
                                           <p:spTgt spid="8">
                                             <p:txEl>
@@ -10029,9 +10716,13 @@
         </p:nvSpPr>
         <p:spPr/>
         <p:txBody>
-          <a:bodyPr anchor="ctr"/>
+          <a:bodyPr anchor="t"/>
           <a:lstStyle/>
           <a:p>
+            <a:pPr marL="342900" indent="-342900">
+              <a:buFont typeface="+mj-lt"/>
+              <a:buAutoNum type="arabicPeriod"/>
+            </a:pPr>
             <a:r>
               <a:rPr lang="ko-KR" altLang="en-US" dirty="0"/>
               <a:t>각 문장 성분에 서로 다른 소수 할당</a:t>
@@ -10042,6 +10733,10 @@
             </a:r>
           </a:p>
           <a:p>
+            <a:pPr marL="342900" indent="-342900">
+              <a:buFont typeface="+mj-lt"/>
+              <a:buAutoNum type="arabicPeriod"/>
+            </a:pPr>
             <a:r>
               <a:rPr lang="ko-KR" altLang="en-US" dirty="0"/>
               <a:t>각 굴절을 그에 할당된 소수로 나눈 나머지로 간주하고 중국인의 나머지 정리를 활용</a:t>
@@ -10052,6 +10747,10 @@
             </a:r>
           </a:p>
           <a:p>
+            <a:pPr marL="342900" indent="-342900">
+              <a:buFont typeface="+mj-lt"/>
+              <a:buAutoNum type="arabicPeriod"/>
+            </a:pPr>
             <a:r>
               <a:rPr lang="ko-KR" altLang="en-US" dirty="0"/>
               <a:t>연립합동식의 해와 할당된 소수들의 곱을 한 쌍으로 묶어 한 문장으로 구사</a:t>
@@ -10062,6 +10761,10 @@
             </a:r>
           </a:p>
           <a:p>
+            <a:pPr marL="342900" indent="-342900">
+              <a:buFont typeface="+mj-lt"/>
+              <a:buAutoNum type="arabicPeriod"/>
+            </a:pPr>
             <a:r>
               <a:rPr lang="ko-KR" altLang="en-US" dirty="0"/>
               <a:t>소수들은 일정한 정렬이 존재하여 무엇이 어떤 문장 성분에 해당하는지 구분할 수 있다</a:t>
@@ -10074,8 +10777,8 @@
           </a:p>
         </p:txBody>
       </p:sp>
-      <mc:AlternateContent xmlns:mc="http://schemas.openxmlformats.org/markup-compatibility/2006" xmlns:a14="http://schemas.microsoft.com/office/drawing/2010/main">
-        <mc:Choice Requires="a14">
+      <mc:AlternateContent xmlns:mc="http://schemas.openxmlformats.org/markup-compatibility/2006">
+        <mc:Choice xmlns:a14="http://schemas.microsoft.com/office/drawing/2010/main" Requires="a14">
           <p:sp>
             <p:nvSpPr>
               <p:cNvPr id="4" name="내용 개체 틀 3">
@@ -10094,7 +10797,7 @@
             </p:nvSpPr>
             <p:spPr/>
             <p:txBody>
-              <a:bodyPr anchor="ctr"/>
+              <a:bodyPr anchor="t"/>
               <a:lstStyle/>
               <a:p>
                 <a:pPr marL="0" indent="0" algn="ctr">
@@ -10420,7 +11123,7 @@
             </p:txBody>
           </p:sp>
         </mc:Choice>
-        <mc:Fallback xmlns="">
+        <mc:Fallback>
           <p:sp>
             <p:nvSpPr>
               <p:cNvPr id="4" name="내용 개체 틀 3">
@@ -10470,6 +11173,9 @@
   <p:clrMapOvr>
     <a:masterClrMapping/>
   </p:clrMapOvr>
+  <p:transition spd="slow">
+    <p:push/>
+  </p:transition>
   <p:timing>
     <p:tnLst>
       <p:par>
@@ -10491,7 +11197,7 @@
                             </p:stCondLst>
                             <p:childTnLst>
                               <p:par>
-                                <p:cTn id="5" presetID="42" presetClass="entr" presetSubtype="0" fill="hold" grpId="0" nodeType="clickEffect">
+                                <p:cTn id="5" presetID="22" presetClass="entr" presetSubtype="8" fill="hold" grpId="0" nodeType="clickEffect">
                                   <p:stCondLst>
                                     <p:cond delay="0"/>
                                   </p:stCondLst>
@@ -10518,9 +11224,9 @@
                                         <p:strVal val="visible"/>
                                       </p:to>
                                     </p:set>
-                                    <p:animEffect transition="in" filter="fade">
+                                    <p:animEffect transition="in" filter="wipe(left)">
                                       <p:cBhvr>
-                                        <p:cTn id="7" dur="1000"/>
+                                        <p:cTn id="7" dur="500"/>
                                         <p:tgtEl>
                                           <p:spTgt spid="3">
                                             <p:txEl>
@@ -10530,60 +11236,6 @@
                                         </p:tgtEl>
                                       </p:cBhvr>
                                     </p:animEffect>
-                                    <p:anim calcmode="lin" valueType="num">
-                                      <p:cBhvr>
-                                        <p:cTn id="8" dur="1000" fill="hold"/>
-                                        <p:tgtEl>
-                                          <p:spTgt spid="3">
-                                            <p:txEl>
-                                              <p:pRg st="0" end="0"/>
-                                            </p:txEl>
-                                          </p:spTgt>
-                                        </p:tgtEl>
-                                        <p:attrNameLst>
-                                          <p:attrName>ppt_x</p:attrName>
-                                        </p:attrNameLst>
-                                      </p:cBhvr>
-                                      <p:tavLst>
-                                        <p:tav tm="0">
-                                          <p:val>
-                                            <p:strVal val="#ppt_x"/>
-                                          </p:val>
-                                        </p:tav>
-                                        <p:tav tm="100000">
-                                          <p:val>
-                                            <p:strVal val="#ppt_x"/>
-                                          </p:val>
-                                        </p:tav>
-                                      </p:tavLst>
-                                    </p:anim>
-                                    <p:anim calcmode="lin" valueType="num">
-                                      <p:cBhvr>
-                                        <p:cTn id="9" dur="1000" fill="hold"/>
-                                        <p:tgtEl>
-                                          <p:spTgt spid="3">
-                                            <p:txEl>
-                                              <p:pRg st="0" end="0"/>
-                                            </p:txEl>
-                                          </p:spTgt>
-                                        </p:tgtEl>
-                                        <p:attrNameLst>
-                                          <p:attrName>ppt_y</p:attrName>
-                                        </p:attrNameLst>
-                                      </p:cBhvr>
-                                      <p:tavLst>
-                                        <p:tav tm="0">
-                                          <p:val>
-                                            <p:strVal val="#ppt_y+.1"/>
-                                          </p:val>
-                                        </p:tav>
-                                        <p:tav tm="100000">
-                                          <p:val>
-                                            <p:strVal val="#ppt_y"/>
-                                          </p:val>
-                                        </p:tav>
-                                      </p:tavLst>
-                                    </p:anim>
                                   </p:childTnLst>
                                 </p:cTn>
                               </p:par>
@@ -10594,26 +11246,26 @@
                     </p:cTn>
                   </p:par>
                   <p:par>
-                    <p:cTn id="10" fill="hold">
+                    <p:cTn id="8" fill="hold">
                       <p:stCondLst>
                         <p:cond delay="indefinite"/>
                       </p:stCondLst>
                       <p:childTnLst>
                         <p:par>
-                          <p:cTn id="11" fill="hold">
+                          <p:cTn id="9" fill="hold">
                             <p:stCondLst>
                               <p:cond delay="0"/>
                             </p:stCondLst>
                             <p:childTnLst>
                               <p:par>
-                                <p:cTn id="12" presetID="42" presetClass="entr" presetSubtype="0" fill="hold" grpId="0" nodeType="clickEffect">
+                                <p:cTn id="10" presetID="22" presetClass="entr" presetSubtype="8" fill="hold" grpId="0" nodeType="clickEffect">
                                   <p:stCondLst>
                                     <p:cond delay="0"/>
                                   </p:stCondLst>
                                   <p:childTnLst>
                                     <p:set>
                                       <p:cBhvr>
-                                        <p:cTn id="13" dur="1" fill="hold">
+                                        <p:cTn id="11" dur="1" fill="hold">
                                           <p:stCondLst>
                                             <p:cond delay="0"/>
                                           </p:stCondLst>
@@ -10633,9 +11285,9 @@
                                         <p:strVal val="visible"/>
                                       </p:to>
                                     </p:set>
-                                    <p:animEffect transition="in" filter="fade">
+                                    <p:animEffect transition="in" filter="wipe(left)">
                                       <p:cBhvr>
-                                        <p:cTn id="14" dur="1000"/>
+                                        <p:cTn id="12" dur="500"/>
                                         <p:tgtEl>
                                           <p:spTgt spid="3">
                                             <p:txEl>
@@ -10645,60 +11297,6 @@
                                         </p:tgtEl>
                                       </p:cBhvr>
                                     </p:animEffect>
-                                    <p:anim calcmode="lin" valueType="num">
-                                      <p:cBhvr>
-                                        <p:cTn id="15" dur="1000" fill="hold"/>
-                                        <p:tgtEl>
-                                          <p:spTgt spid="3">
-                                            <p:txEl>
-                                              <p:pRg st="1" end="1"/>
-                                            </p:txEl>
-                                          </p:spTgt>
-                                        </p:tgtEl>
-                                        <p:attrNameLst>
-                                          <p:attrName>ppt_x</p:attrName>
-                                        </p:attrNameLst>
-                                      </p:cBhvr>
-                                      <p:tavLst>
-                                        <p:tav tm="0">
-                                          <p:val>
-                                            <p:strVal val="#ppt_x"/>
-                                          </p:val>
-                                        </p:tav>
-                                        <p:tav tm="100000">
-                                          <p:val>
-                                            <p:strVal val="#ppt_x"/>
-                                          </p:val>
-                                        </p:tav>
-                                      </p:tavLst>
-                                    </p:anim>
-                                    <p:anim calcmode="lin" valueType="num">
-                                      <p:cBhvr>
-                                        <p:cTn id="16" dur="1000" fill="hold"/>
-                                        <p:tgtEl>
-                                          <p:spTgt spid="3">
-                                            <p:txEl>
-                                              <p:pRg st="1" end="1"/>
-                                            </p:txEl>
-                                          </p:spTgt>
-                                        </p:tgtEl>
-                                        <p:attrNameLst>
-                                          <p:attrName>ppt_y</p:attrName>
-                                        </p:attrNameLst>
-                                      </p:cBhvr>
-                                      <p:tavLst>
-                                        <p:tav tm="0">
-                                          <p:val>
-                                            <p:strVal val="#ppt_y+.1"/>
-                                          </p:val>
-                                        </p:tav>
-                                        <p:tav tm="100000">
-                                          <p:val>
-                                            <p:strVal val="#ppt_y"/>
-                                          </p:val>
-                                        </p:tav>
-                                      </p:tavLst>
-                                    </p:anim>
                                   </p:childTnLst>
                                 </p:cTn>
                               </p:par>
@@ -10709,26 +11307,26 @@
                     </p:cTn>
                   </p:par>
                   <p:par>
-                    <p:cTn id="17" fill="hold">
+                    <p:cTn id="13" fill="hold">
                       <p:stCondLst>
                         <p:cond delay="indefinite"/>
                       </p:stCondLst>
                       <p:childTnLst>
                         <p:par>
-                          <p:cTn id="18" fill="hold">
+                          <p:cTn id="14" fill="hold">
                             <p:stCondLst>
                               <p:cond delay="0"/>
                             </p:stCondLst>
                             <p:childTnLst>
                               <p:par>
-                                <p:cTn id="19" presetID="42" presetClass="entr" presetSubtype="0" fill="hold" grpId="0" nodeType="clickEffect">
+                                <p:cTn id="15" presetID="22" presetClass="entr" presetSubtype="8" fill="hold" grpId="0" nodeType="clickEffect">
                                   <p:stCondLst>
                                     <p:cond delay="0"/>
                                   </p:stCondLst>
                                   <p:childTnLst>
                                     <p:set>
                                       <p:cBhvr>
-                                        <p:cTn id="20" dur="1" fill="hold">
+                                        <p:cTn id="16" dur="1" fill="hold">
                                           <p:stCondLst>
                                             <p:cond delay="0"/>
                                           </p:stCondLst>
@@ -10748,9 +11346,9 @@
                                         <p:strVal val="visible"/>
                                       </p:to>
                                     </p:set>
-                                    <p:animEffect transition="in" filter="fade">
+                                    <p:animEffect transition="in" filter="wipe(left)">
                                       <p:cBhvr>
-                                        <p:cTn id="21" dur="1000"/>
+                                        <p:cTn id="17" dur="500"/>
                                         <p:tgtEl>
                                           <p:spTgt spid="3">
                                             <p:txEl>
@@ -10760,60 +11358,6 @@
                                         </p:tgtEl>
                                       </p:cBhvr>
                                     </p:animEffect>
-                                    <p:anim calcmode="lin" valueType="num">
-                                      <p:cBhvr>
-                                        <p:cTn id="22" dur="1000" fill="hold"/>
-                                        <p:tgtEl>
-                                          <p:spTgt spid="3">
-                                            <p:txEl>
-                                              <p:pRg st="2" end="2"/>
-                                            </p:txEl>
-                                          </p:spTgt>
-                                        </p:tgtEl>
-                                        <p:attrNameLst>
-                                          <p:attrName>ppt_x</p:attrName>
-                                        </p:attrNameLst>
-                                      </p:cBhvr>
-                                      <p:tavLst>
-                                        <p:tav tm="0">
-                                          <p:val>
-                                            <p:strVal val="#ppt_x"/>
-                                          </p:val>
-                                        </p:tav>
-                                        <p:tav tm="100000">
-                                          <p:val>
-                                            <p:strVal val="#ppt_x"/>
-                                          </p:val>
-                                        </p:tav>
-                                      </p:tavLst>
-                                    </p:anim>
-                                    <p:anim calcmode="lin" valueType="num">
-                                      <p:cBhvr>
-                                        <p:cTn id="23" dur="1000" fill="hold"/>
-                                        <p:tgtEl>
-                                          <p:spTgt spid="3">
-                                            <p:txEl>
-                                              <p:pRg st="2" end="2"/>
-                                            </p:txEl>
-                                          </p:spTgt>
-                                        </p:tgtEl>
-                                        <p:attrNameLst>
-                                          <p:attrName>ppt_y</p:attrName>
-                                        </p:attrNameLst>
-                                      </p:cBhvr>
-                                      <p:tavLst>
-                                        <p:tav tm="0">
-                                          <p:val>
-                                            <p:strVal val="#ppt_y+.1"/>
-                                          </p:val>
-                                        </p:tav>
-                                        <p:tav tm="100000">
-                                          <p:val>
-                                            <p:strVal val="#ppt_y"/>
-                                          </p:val>
-                                        </p:tav>
-                                      </p:tavLst>
-                                    </p:anim>
                                   </p:childTnLst>
                                 </p:cTn>
                               </p:par>
@@ -10824,26 +11368,26 @@
                     </p:cTn>
                   </p:par>
                   <p:par>
-                    <p:cTn id="24" fill="hold">
+                    <p:cTn id="18" fill="hold">
                       <p:stCondLst>
                         <p:cond delay="indefinite"/>
                       </p:stCondLst>
                       <p:childTnLst>
                         <p:par>
-                          <p:cTn id="25" fill="hold">
+                          <p:cTn id="19" fill="hold">
                             <p:stCondLst>
                               <p:cond delay="0"/>
                             </p:stCondLst>
                             <p:childTnLst>
                               <p:par>
-                                <p:cTn id="26" presetID="42" presetClass="entr" presetSubtype="0" fill="hold" grpId="0" nodeType="clickEffect">
+                                <p:cTn id="20" presetID="22" presetClass="entr" presetSubtype="8" fill="hold" grpId="0" nodeType="clickEffect">
                                   <p:stCondLst>
                                     <p:cond delay="0"/>
                                   </p:stCondLst>
                                   <p:childTnLst>
                                     <p:set>
                                       <p:cBhvr>
-                                        <p:cTn id="27" dur="1" fill="hold">
+                                        <p:cTn id="21" dur="1" fill="hold">
                                           <p:stCondLst>
                                             <p:cond delay="0"/>
                                           </p:stCondLst>
@@ -10863,9 +11407,9 @@
                                         <p:strVal val="visible"/>
                                       </p:to>
                                     </p:set>
-                                    <p:animEffect transition="in" filter="fade">
+                                    <p:animEffect transition="in" filter="wipe(left)">
                                       <p:cBhvr>
-                                        <p:cTn id="28" dur="1000"/>
+                                        <p:cTn id="22" dur="500"/>
                                         <p:tgtEl>
                                           <p:spTgt spid="3">
                                             <p:txEl>
@@ -10875,60 +11419,6 @@
                                         </p:tgtEl>
                                       </p:cBhvr>
                                     </p:animEffect>
-                                    <p:anim calcmode="lin" valueType="num">
-                                      <p:cBhvr>
-                                        <p:cTn id="29" dur="1000" fill="hold"/>
-                                        <p:tgtEl>
-                                          <p:spTgt spid="3">
-                                            <p:txEl>
-                                              <p:pRg st="3" end="3"/>
-                                            </p:txEl>
-                                          </p:spTgt>
-                                        </p:tgtEl>
-                                        <p:attrNameLst>
-                                          <p:attrName>ppt_x</p:attrName>
-                                        </p:attrNameLst>
-                                      </p:cBhvr>
-                                      <p:tavLst>
-                                        <p:tav tm="0">
-                                          <p:val>
-                                            <p:strVal val="#ppt_x"/>
-                                          </p:val>
-                                        </p:tav>
-                                        <p:tav tm="100000">
-                                          <p:val>
-                                            <p:strVal val="#ppt_x"/>
-                                          </p:val>
-                                        </p:tav>
-                                      </p:tavLst>
-                                    </p:anim>
-                                    <p:anim calcmode="lin" valueType="num">
-                                      <p:cBhvr>
-                                        <p:cTn id="30" dur="1000" fill="hold"/>
-                                        <p:tgtEl>
-                                          <p:spTgt spid="3">
-                                            <p:txEl>
-                                              <p:pRg st="3" end="3"/>
-                                            </p:txEl>
-                                          </p:spTgt>
-                                        </p:tgtEl>
-                                        <p:attrNameLst>
-                                          <p:attrName>ppt_y</p:attrName>
-                                        </p:attrNameLst>
-                                      </p:cBhvr>
-                                      <p:tavLst>
-                                        <p:tav tm="0">
-                                          <p:val>
-                                            <p:strVal val="#ppt_y+.1"/>
-                                          </p:val>
-                                        </p:tav>
-                                        <p:tav tm="100000">
-                                          <p:val>
-                                            <p:strVal val="#ppt_y"/>
-                                          </p:val>
-                                        </p:tav>
-                                      </p:tavLst>
-                                    </p:anim>
                                   </p:childTnLst>
                                 </p:cTn>
                               </p:par>
@@ -10939,26 +11429,26 @@
                     </p:cTn>
                   </p:par>
                   <p:par>
-                    <p:cTn id="31" fill="hold">
+                    <p:cTn id="23" fill="hold">
                       <p:stCondLst>
                         <p:cond delay="indefinite"/>
                       </p:stCondLst>
                       <p:childTnLst>
                         <p:par>
-                          <p:cTn id="32" fill="hold">
+                          <p:cTn id="24" fill="hold">
                             <p:stCondLst>
                               <p:cond delay="0"/>
                             </p:stCondLst>
                             <p:childTnLst>
                               <p:par>
-                                <p:cTn id="33" presetID="22" presetClass="entr" presetSubtype="1" fill="hold" grpId="0" nodeType="clickEffect">
+                                <p:cTn id="25" presetID="22" presetClass="entr" presetSubtype="8" fill="hold" grpId="0" nodeType="clickEffect">
                                   <p:stCondLst>
                                     <p:cond delay="0"/>
                                   </p:stCondLst>
                                   <p:childTnLst>
                                     <p:set>
                                       <p:cBhvr>
-                                        <p:cTn id="34" dur="1" fill="hold">
+                                        <p:cTn id="26" dur="1" fill="hold">
                                           <p:stCondLst>
                                             <p:cond delay="0"/>
                                           </p:stCondLst>
@@ -10978,9 +11468,9 @@
                                         <p:strVal val="visible"/>
                                       </p:to>
                                     </p:set>
-                                    <p:animEffect transition="in" filter="wipe(up)">
+                                    <p:animEffect transition="in" filter="wipe(left)">
                                       <p:cBhvr>
-                                        <p:cTn id="35" dur="500"/>
+                                        <p:cTn id="27" dur="500"/>
                                         <p:tgtEl>
                                           <p:spTgt spid="4">
                                             <p:txEl>
@@ -11000,26 +11490,26 @@
                     </p:cTn>
                   </p:par>
                   <p:par>
-                    <p:cTn id="36" fill="hold">
+                    <p:cTn id="28" fill="hold">
                       <p:stCondLst>
                         <p:cond delay="indefinite"/>
                       </p:stCondLst>
                       <p:childTnLst>
                         <p:par>
-                          <p:cTn id="37" fill="hold">
+                          <p:cTn id="29" fill="hold">
                             <p:stCondLst>
                               <p:cond delay="0"/>
                             </p:stCondLst>
                             <p:childTnLst>
                               <p:par>
-                                <p:cTn id="38" presetID="22" presetClass="entr" presetSubtype="1" fill="hold" grpId="0" nodeType="clickEffect">
+                                <p:cTn id="30" presetID="22" presetClass="entr" presetSubtype="8" fill="hold" grpId="0" nodeType="clickEffect">
                                   <p:stCondLst>
                                     <p:cond delay="0"/>
                                   </p:stCondLst>
                                   <p:childTnLst>
                                     <p:set>
                                       <p:cBhvr>
-                                        <p:cTn id="39" dur="1" fill="hold">
+                                        <p:cTn id="31" dur="1" fill="hold">
                                           <p:stCondLst>
                                             <p:cond delay="0"/>
                                           </p:stCondLst>
@@ -11039,9 +11529,9 @@
                                         <p:strVal val="visible"/>
                                       </p:to>
                                     </p:set>
-                                    <p:animEffect transition="in" filter="wipe(up)">
+                                    <p:animEffect transition="in" filter="wipe(left)">
                                       <p:cBhvr>
-                                        <p:cTn id="40" dur="500"/>
+                                        <p:cTn id="32" dur="500"/>
                                         <p:tgtEl>
                                           <p:spTgt spid="4">
                                             <p:txEl>
@@ -11143,8 +11633,8 @@
           </a:p>
         </p:txBody>
       </p:sp>
-      <mc:AlternateContent xmlns:mc="http://schemas.openxmlformats.org/markup-compatibility/2006">
-        <mc:Choice xmlns:a14="http://schemas.microsoft.com/office/drawing/2010/main" Requires="a14">
+      <mc:AlternateContent xmlns:mc="http://schemas.openxmlformats.org/markup-compatibility/2006" xmlns:a14="http://schemas.microsoft.com/office/drawing/2010/main">
+        <mc:Choice Requires="a14">
           <p:sp>
             <p:nvSpPr>
               <p:cNvPr id="3" name="내용 개체 틀 2">
@@ -11394,7 +11884,7 @@
             </p:txBody>
           </p:sp>
         </mc:Choice>
-        <mc:Fallback>
+        <mc:Fallback xmlns="">
           <p:sp>
             <p:nvSpPr>
               <p:cNvPr id="3" name="내용 개체 틀 2">
@@ -11444,6 +11934,9 @@
   <p:clrMapOvr>
     <a:masterClrMapping/>
   </p:clrMapOvr>
+  <p:transition spd="slow">
+    <p:push/>
+  </p:transition>
   <p:timing>
     <p:tnLst>
       <p:par>
@@ -11465,7 +11958,7 @@
                             </p:stCondLst>
                             <p:childTnLst>
                               <p:par>
-                                <p:cTn id="5" presetID="42" presetClass="entr" presetSubtype="0" fill="hold" grpId="0" nodeType="clickEffect">
+                                <p:cTn id="5" presetID="22" presetClass="entr" presetSubtype="8" fill="hold" grpId="0" nodeType="clickEffect">
                                   <p:stCondLst>
                                     <p:cond delay="0"/>
                                   </p:stCondLst>
@@ -11492,9 +11985,9 @@
                                         <p:strVal val="visible"/>
                                       </p:to>
                                     </p:set>
-                                    <p:animEffect transition="in" filter="fade">
+                                    <p:animEffect transition="in" filter="wipe(left)">
                                       <p:cBhvr>
-                                        <p:cTn id="7" dur="1000"/>
+                                        <p:cTn id="7" dur="500"/>
                                         <p:tgtEl>
                                           <p:spTgt spid="3">
                                             <p:txEl>
@@ -11504,60 +11997,6 @@
                                         </p:tgtEl>
                                       </p:cBhvr>
                                     </p:animEffect>
-                                    <p:anim calcmode="lin" valueType="num">
-                                      <p:cBhvr>
-                                        <p:cTn id="8" dur="1000" fill="hold"/>
-                                        <p:tgtEl>
-                                          <p:spTgt spid="3">
-                                            <p:txEl>
-                                              <p:pRg st="0" end="0"/>
-                                            </p:txEl>
-                                          </p:spTgt>
-                                        </p:tgtEl>
-                                        <p:attrNameLst>
-                                          <p:attrName>ppt_x</p:attrName>
-                                        </p:attrNameLst>
-                                      </p:cBhvr>
-                                      <p:tavLst>
-                                        <p:tav tm="0">
-                                          <p:val>
-                                            <p:strVal val="#ppt_x"/>
-                                          </p:val>
-                                        </p:tav>
-                                        <p:tav tm="100000">
-                                          <p:val>
-                                            <p:strVal val="#ppt_x"/>
-                                          </p:val>
-                                        </p:tav>
-                                      </p:tavLst>
-                                    </p:anim>
-                                    <p:anim calcmode="lin" valueType="num">
-                                      <p:cBhvr>
-                                        <p:cTn id="9" dur="1000" fill="hold"/>
-                                        <p:tgtEl>
-                                          <p:spTgt spid="3">
-                                            <p:txEl>
-                                              <p:pRg st="0" end="0"/>
-                                            </p:txEl>
-                                          </p:spTgt>
-                                        </p:tgtEl>
-                                        <p:attrNameLst>
-                                          <p:attrName>ppt_y</p:attrName>
-                                        </p:attrNameLst>
-                                      </p:cBhvr>
-                                      <p:tavLst>
-                                        <p:tav tm="0">
-                                          <p:val>
-                                            <p:strVal val="#ppt_y+.1"/>
-                                          </p:val>
-                                        </p:tav>
-                                        <p:tav tm="100000">
-                                          <p:val>
-                                            <p:strVal val="#ppt_y"/>
-                                          </p:val>
-                                        </p:tav>
-                                      </p:tavLst>
-                                    </p:anim>
                                   </p:childTnLst>
                                 </p:cTn>
                               </p:par>
@@ -11568,26 +12007,26 @@
                     </p:cTn>
                   </p:par>
                   <p:par>
-                    <p:cTn id="10" fill="hold">
+                    <p:cTn id="8" fill="hold">
                       <p:stCondLst>
                         <p:cond delay="indefinite"/>
                       </p:stCondLst>
                       <p:childTnLst>
                         <p:par>
-                          <p:cTn id="11" fill="hold">
+                          <p:cTn id="9" fill="hold">
                             <p:stCondLst>
                               <p:cond delay="0"/>
                             </p:stCondLst>
                             <p:childTnLst>
                               <p:par>
-                                <p:cTn id="12" presetID="42" presetClass="entr" presetSubtype="0" fill="hold" grpId="0" nodeType="clickEffect">
+                                <p:cTn id="10" presetID="22" presetClass="entr" presetSubtype="8" fill="hold" grpId="0" nodeType="clickEffect">
                                   <p:stCondLst>
                                     <p:cond delay="0"/>
                                   </p:stCondLst>
                                   <p:childTnLst>
                                     <p:set>
                                       <p:cBhvr>
-                                        <p:cTn id="13" dur="1" fill="hold">
+                                        <p:cTn id="11" dur="1" fill="hold">
                                           <p:stCondLst>
                                             <p:cond delay="0"/>
                                           </p:stCondLst>
@@ -11607,9 +12046,9 @@
                                         <p:strVal val="visible"/>
                                       </p:to>
                                     </p:set>
-                                    <p:animEffect transition="in" filter="fade">
+                                    <p:animEffect transition="in" filter="wipe(left)">
                                       <p:cBhvr>
-                                        <p:cTn id="14" dur="1000"/>
+                                        <p:cTn id="12" dur="500"/>
                                         <p:tgtEl>
                                           <p:spTgt spid="3">
                                             <p:txEl>
@@ -11619,60 +12058,6 @@
                                         </p:tgtEl>
                                       </p:cBhvr>
                                     </p:animEffect>
-                                    <p:anim calcmode="lin" valueType="num">
-                                      <p:cBhvr>
-                                        <p:cTn id="15" dur="1000" fill="hold"/>
-                                        <p:tgtEl>
-                                          <p:spTgt spid="3">
-                                            <p:txEl>
-                                              <p:pRg st="1" end="1"/>
-                                            </p:txEl>
-                                          </p:spTgt>
-                                        </p:tgtEl>
-                                        <p:attrNameLst>
-                                          <p:attrName>ppt_x</p:attrName>
-                                        </p:attrNameLst>
-                                      </p:cBhvr>
-                                      <p:tavLst>
-                                        <p:tav tm="0">
-                                          <p:val>
-                                            <p:strVal val="#ppt_x"/>
-                                          </p:val>
-                                        </p:tav>
-                                        <p:tav tm="100000">
-                                          <p:val>
-                                            <p:strVal val="#ppt_x"/>
-                                          </p:val>
-                                        </p:tav>
-                                      </p:tavLst>
-                                    </p:anim>
-                                    <p:anim calcmode="lin" valueType="num">
-                                      <p:cBhvr>
-                                        <p:cTn id="16" dur="1000" fill="hold"/>
-                                        <p:tgtEl>
-                                          <p:spTgt spid="3">
-                                            <p:txEl>
-                                              <p:pRg st="1" end="1"/>
-                                            </p:txEl>
-                                          </p:spTgt>
-                                        </p:tgtEl>
-                                        <p:attrNameLst>
-                                          <p:attrName>ppt_y</p:attrName>
-                                        </p:attrNameLst>
-                                      </p:cBhvr>
-                                      <p:tavLst>
-                                        <p:tav tm="0">
-                                          <p:val>
-                                            <p:strVal val="#ppt_y+.1"/>
-                                          </p:val>
-                                        </p:tav>
-                                        <p:tav tm="100000">
-                                          <p:val>
-                                            <p:strVal val="#ppt_y"/>
-                                          </p:val>
-                                        </p:tav>
-                                      </p:tavLst>
-                                    </p:anim>
                                   </p:childTnLst>
                                 </p:cTn>
                               </p:par>
@@ -11683,26 +12068,26 @@
                     </p:cTn>
                   </p:par>
                   <p:par>
-                    <p:cTn id="17" fill="hold">
+                    <p:cTn id="13" fill="hold">
                       <p:stCondLst>
                         <p:cond delay="indefinite"/>
                       </p:stCondLst>
                       <p:childTnLst>
                         <p:par>
-                          <p:cTn id="18" fill="hold">
+                          <p:cTn id="14" fill="hold">
                             <p:stCondLst>
                               <p:cond delay="0"/>
                             </p:stCondLst>
                             <p:childTnLst>
                               <p:par>
-                                <p:cTn id="19" presetID="42" presetClass="entr" presetSubtype="0" fill="hold" grpId="0" nodeType="clickEffect">
+                                <p:cTn id="15" presetID="22" presetClass="entr" presetSubtype="8" fill="hold" grpId="0" nodeType="clickEffect">
                                   <p:stCondLst>
                                     <p:cond delay="0"/>
                                   </p:stCondLst>
                                   <p:childTnLst>
                                     <p:set>
                                       <p:cBhvr>
-                                        <p:cTn id="20" dur="1" fill="hold">
+                                        <p:cTn id="16" dur="1" fill="hold">
                                           <p:stCondLst>
                                             <p:cond delay="0"/>
                                           </p:stCondLst>
@@ -11722,9 +12107,9 @@
                                         <p:strVal val="visible"/>
                                       </p:to>
                                     </p:set>
-                                    <p:animEffect transition="in" filter="fade">
+                                    <p:animEffect transition="in" filter="wipe(left)">
                                       <p:cBhvr>
-                                        <p:cTn id="21" dur="1000"/>
+                                        <p:cTn id="17" dur="500"/>
                                         <p:tgtEl>
                                           <p:spTgt spid="3">
                                             <p:txEl>
@@ -11734,60 +12119,6 @@
                                         </p:tgtEl>
                                       </p:cBhvr>
                                     </p:animEffect>
-                                    <p:anim calcmode="lin" valueType="num">
-                                      <p:cBhvr>
-                                        <p:cTn id="22" dur="1000" fill="hold"/>
-                                        <p:tgtEl>
-                                          <p:spTgt spid="3">
-                                            <p:txEl>
-                                              <p:pRg st="2" end="2"/>
-                                            </p:txEl>
-                                          </p:spTgt>
-                                        </p:tgtEl>
-                                        <p:attrNameLst>
-                                          <p:attrName>ppt_x</p:attrName>
-                                        </p:attrNameLst>
-                                      </p:cBhvr>
-                                      <p:tavLst>
-                                        <p:tav tm="0">
-                                          <p:val>
-                                            <p:strVal val="#ppt_x"/>
-                                          </p:val>
-                                        </p:tav>
-                                        <p:tav tm="100000">
-                                          <p:val>
-                                            <p:strVal val="#ppt_x"/>
-                                          </p:val>
-                                        </p:tav>
-                                      </p:tavLst>
-                                    </p:anim>
-                                    <p:anim calcmode="lin" valueType="num">
-                                      <p:cBhvr>
-                                        <p:cTn id="23" dur="1000" fill="hold"/>
-                                        <p:tgtEl>
-                                          <p:spTgt spid="3">
-                                            <p:txEl>
-                                              <p:pRg st="2" end="2"/>
-                                            </p:txEl>
-                                          </p:spTgt>
-                                        </p:tgtEl>
-                                        <p:attrNameLst>
-                                          <p:attrName>ppt_y</p:attrName>
-                                        </p:attrNameLst>
-                                      </p:cBhvr>
-                                      <p:tavLst>
-                                        <p:tav tm="0">
-                                          <p:val>
-                                            <p:strVal val="#ppt_y+.1"/>
-                                          </p:val>
-                                        </p:tav>
-                                        <p:tav tm="100000">
-                                          <p:val>
-                                            <p:strVal val="#ppt_y"/>
-                                          </p:val>
-                                        </p:tav>
-                                      </p:tavLst>
-                                    </p:anim>
                                   </p:childTnLst>
                                 </p:cTn>
                               </p:par>
@@ -11911,9 +12242,13 @@
             </p:nvSpPr>
             <p:spPr/>
             <p:txBody>
-              <a:bodyPr anchor="ctr"/>
+              <a:bodyPr anchor="t"/>
               <a:lstStyle/>
               <a:p>
+                <a:pPr marL="342900" indent="-342900">
+                  <a:buFont typeface="+mj-lt"/>
+                  <a:buAutoNum type="arabicPeriod"/>
+                </a:pPr>
                 <a14:m>
                   <m:oMath xmlns:m="http://schemas.openxmlformats.org/officeDocument/2006/math">
                     <m:r>
@@ -11962,6 +12297,10 @@
                 <a:endParaRPr lang="en-US" altLang="ko-KR" dirty="0"/>
               </a:p>
               <a:p>
+                <a:pPr marL="342900" indent="-342900">
+                  <a:buFont typeface="+mj-lt"/>
+                  <a:buAutoNum type="arabicPeriod"/>
+                </a:pPr>
                 <a:r>
                   <a:rPr lang="ko-KR" altLang="en-US" dirty="0"/>
                   <a:t>나누어지는 수의 밑과 나누는 수가 서로 소일 때</a:t>
@@ -12039,7 +12378,7 @@
               <a:blipFill>
                 <a:blip r:embed="rId2"/>
                 <a:stretch>
-                  <a:fillRect l="-721"/>
+                  <a:fillRect l="-962" t="-157"/>
                 </a:stretch>
               </a:blipFill>
             </p:spPr>
@@ -12078,7 +12417,7 @@
             </p:nvSpPr>
             <p:spPr/>
             <p:txBody>
-              <a:bodyPr anchor="ctr">
+              <a:bodyPr anchor="t">
                 <a:normAutofit/>
               </a:bodyPr>
               <a:lstStyle/>
@@ -12230,6 +12569,218 @@
   <p:clrMapOvr>
     <a:masterClrMapping/>
   </p:clrMapOvr>
+  <p:transition spd="slow">
+    <p:push/>
+  </p:transition>
+  <p:timing>
+    <p:tnLst>
+      <p:par>
+        <p:cTn id="1" dur="indefinite" restart="never" nodeType="tmRoot">
+          <p:childTnLst>
+            <p:seq concurrent="1" nextAc="seek">
+              <p:cTn id="2" dur="indefinite" nodeType="mainSeq">
+                <p:childTnLst>
+                  <p:par>
+                    <p:cTn id="3" fill="hold">
+                      <p:stCondLst>
+                        <p:cond delay="indefinite"/>
+                      </p:stCondLst>
+                      <p:childTnLst>
+                        <p:par>
+                          <p:cTn id="4" fill="hold">
+                            <p:stCondLst>
+                              <p:cond delay="0"/>
+                            </p:stCondLst>
+                            <p:childTnLst>
+                              <p:par>
+                                <p:cTn id="5" presetID="16" presetClass="emph" presetSubtype="0" fill="hold" grpId="0" nodeType="clickEffect">
+                                  <p:stCondLst>
+                                    <p:cond delay="0"/>
+                                  </p:stCondLst>
+                                  <p:iterate type="lt">
+                                    <p:tmPct val="4000"/>
+                                  </p:iterate>
+                                  <p:childTnLst>
+                                    <p:set>
+                                      <p:cBhvr override="childStyle">
+                                        <p:cTn id="6" dur="500" fill="hold"/>
+                                        <p:tgtEl>
+                                          <p:spTgt spid="3">
+                                            <p:txEl>
+                                              <p:pRg st="0" end="0"/>
+                                            </p:txEl>
+                                          </p:spTgt>
+                                        </p:tgtEl>
+                                        <p:attrNameLst>
+                                          <p:attrName>style.color</p:attrName>
+                                        </p:attrNameLst>
+                                      </p:cBhvr>
+                                      <p:to>
+                                        <p:clrVal>
+                                          <a:srgbClr val="FF0000"/>
+                                        </p:clrVal>
+                                      </p:to>
+                                    </p:set>
+                                    <p:set>
+                                      <p:cBhvr>
+                                        <p:cTn id="7" dur="500" fill="hold"/>
+                                        <p:tgtEl>
+                                          <p:spTgt spid="3">
+                                            <p:txEl>
+                                              <p:pRg st="0" end="0"/>
+                                            </p:txEl>
+                                          </p:spTgt>
+                                        </p:tgtEl>
+                                        <p:attrNameLst>
+                                          <p:attrName>fillcolor</p:attrName>
+                                        </p:attrNameLst>
+                                      </p:cBhvr>
+                                      <p:to>
+                                        <p:clrVal>
+                                          <a:srgbClr val="FF0000"/>
+                                        </p:clrVal>
+                                      </p:to>
+                                    </p:set>
+                                    <p:set>
+                                      <p:cBhvr>
+                                        <p:cTn id="8" dur="500" fill="hold"/>
+                                        <p:tgtEl>
+                                          <p:spTgt spid="3">
+                                            <p:txEl>
+                                              <p:pRg st="0" end="0"/>
+                                            </p:txEl>
+                                          </p:spTgt>
+                                        </p:tgtEl>
+                                        <p:attrNameLst>
+                                          <p:attrName>fill.type</p:attrName>
+                                        </p:attrNameLst>
+                                      </p:cBhvr>
+                                      <p:to>
+                                        <p:strVal val="solid"/>
+                                      </p:to>
+                                    </p:set>
+                                  </p:childTnLst>
+                                </p:cTn>
+                              </p:par>
+                            </p:childTnLst>
+                          </p:cTn>
+                        </p:par>
+                      </p:childTnLst>
+                    </p:cTn>
+                  </p:par>
+                  <p:par>
+                    <p:cTn id="9" fill="hold">
+                      <p:stCondLst>
+                        <p:cond delay="indefinite"/>
+                      </p:stCondLst>
+                      <p:childTnLst>
+                        <p:par>
+                          <p:cTn id="10" fill="hold">
+                            <p:stCondLst>
+                              <p:cond delay="0"/>
+                            </p:stCondLst>
+                            <p:childTnLst>
+                              <p:par>
+                                <p:cTn id="11" presetID="16" presetClass="emph" presetSubtype="0" fill="hold" grpId="0" nodeType="clickEffect">
+                                  <p:stCondLst>
+                                    <p:cond delay="0"/>
+                                  </p:stCondLst>
+                                  <p:iterate type="lt">
+                                    <p:tmPct val="4000"/>
+                                  </p:iterate>
+                                  <p:childTnLst>
+                                    <p:set>
+                                      <p:cBhvr override="childStyle">
+                                        <p:cTn id="12" dur="500" fill="hold"/>
+                                        <p:tgtEl>
+                                          <p:spTgt spid="3">
+                                            <p:txEl>
+                                              <p:pRg st="1" end="1"/>
+                                            </p:txEl>
+                                          </p:spTgt>
+                                        </p:tgtEl>
+                                        <p:attrNameLst>
+                                          <p:attrName>style.color</p:attrName>
+                                        </p:attrNameLst>
+                                      </p:cBhvr>
+                                      <p:to>
+                                        <p:clrVal>
+                                          <a:srgbClr val="FF0000"/>
+                                        </p:clrVal>
+                                      </p:to>
+                                    </p:set>
+                                    <p:set>
+                                      <p:cBhvr>
+                                        <p:cTn id="13" dur="500" fill="hold"/>
+                                        <p:tgtEl>
+                                          <p:spTgt spid="3">
+                                            <p:txEl>
+                                              <p:pRg st="1" end="1"/>
+                                            </p:txEl>
+                                          </p:spTgt>
+                                        </p:tgtEl>
+                                        <p:attrNameLst>
+                                          <p:attrName>fillcolor</p:attrName>
+                                        </p:attrNameLst>
+                                      </p:cBhvr>
+                                      <p:to>
+                                        <p:clrVal>
+                                          <a:srgbClr val="FF0000"/>
+                                        </p:clrVal>
+                                      </p:to>
+                                    </p:set>
+                                    <p:set>
+                                      <p:cBhvr>
+                                        <p:cTn id="14" dur="500" fill="hold"/>
+                                        <p:tgtEl>
+                                          <p:spTgt spid="3">
+                                            <p:txEl>
+                                              <p:pRg st="1" end="1"/>
+                                            </p:txEl>
+                                          </p:spTgt>
+                                        </p:tgtEl>
+                                        <p:attrNameLst>
+                                          <p:attrName>fill.type</p:attrName>
+                                        </p:attrNameLst>
+                                      </p:cBhvr>
+                                      <p:to>
+                                        <p:strVal val="solid"/>
+                                      </p:to>
+                                    </p:set>
+                                  </p:childTnLst>
+                                </p:cTn>
+                              </p:par>
+                            </p:childTnLst>
+                          </p:cTn>
+                        </p:par>
+                      </p:childTnLst>
+                    </p:cTn>
+                  </p:par>
+                </p:childTnLst>
+              </p:cTn>
+              <p:prevCondLst>
+                <p:cond evt="onPrev" delay="0">
+                  <p:tgtEl>
+                    <p:sldTgt/>
+                  </p:tgtEl>
+                </p:cond>
+              </p:prevCondLst>
+              <p:nextCondLst>
+                <p:cond evt="onNext" delay="0">
+                  <p:tgtEl>
+                    <p:sldTgt/>
+                  </p:tgtEl>
+                </p:cond>
+              </p:nextCondLst>
+            </p:seq>
+          </p:childTnLst>
+        </p:cTn>
+      </p:par>
+    </p:tnLst>
+    <p:bldLst>
+      <p:bldP spid="3" grpId="0" build="p"/>
+    </p:bldLst>
+  </p:timing>
 </p:sld>
 </file>
 

--- a/congrlang.pptx
+++ b/congrlang.pptx
@@ -6,16 +6,22 @@
   </p:sldMasterIdLst>
   <p:sldIdLst>
     <p:sldId id="256" r:id="rId2"/>
-    <p:sldId id="258" r:id="rId3"/>
-    <p:sldId id="259" r:id="rId4"/>
-    <p:sldId id="262" r:id="rId5"/>
-    <p:sldId id="263" r:id="rId6"/>
-    <p:sldId id="257" r:id="rId7"/>
-    <p:sldId id="261" r:id="rId8"/>
-    <p:sldId id="264" r:id="rId9"/>
-    <p:sldId id="265" r:id="rId10"/>
-    <p:sldId id="260" r:id="rId11"/>
-    <p:sldId id="266" r:id="rId12"/>
+    <p:sldId id="269" r:id="rId3"/>
+    <p:sldId id="258" r:id="rId4"/>
+    <p:sldId id="259" r:id="rId5"/>
+    <p:sldId id="262" r:id="rId6"/>
+    <p:sldId id="263" r:id="rId7"/>
+    <p:sldId id="257" r:id="rId8"/>
+    <p:sldId id="261" r:id="rId9"/>
+    <p:sldId id="264" r:id="rId10"/>
+    <p:sldId id="265" r:id="rId11"/>
+    <p:sldId id="260" r:id="rId12"/>
+    <p:sldId id="266" r:id="rId13"/>
+    <p:sldId id="267" r:id="rId14"/>
+    <p:sldId id="270" r:id="rId15"/>
+    <p:sldId id="268" r:id="rId16"/>
+    <p:sldId id="271" r:id="rId17"/>
+    <p:sldId id="272" r:id="rId18"/>
   </p:sldIdLst>
   <p:sldSz cx="12192000" cy="6858000"/>
   <p:notesSz cx="6858000" cy="9144000"/>
@@ -125,7 +131,7 @@
 <file path=ppt/revisionInfo.xml><?xml version="1.0" encoding="utf-8"?>
 <p1510:revInfo xmlns:a="http://schemas.openxmlformats.org/drawingml/2006/main" xmlns:r="http://schemas.openxmlformats.org/officeDocument/2006/relationships" xmlns:p1510="http://schemas.microsoft.com/office/powerpoint/2015/10/main">
   <p1510:revLst>
-    <p1510:client id="{1829BA35-5CAC-4DC2-A547-CB71A6C40FF1}" v="8286" dt="2022-12-25T12:54:58.213"/>
+    <p1510:client id="{1829BA35-5CAC-4DC2-A547-CB71A6C40FF1}" v="11507" dt="2022-12-26T13:12:23.431"/>
   </p1510:revLst>
 </p1510:revInfo>
 </file>
@@ -135,16 +141,24 @@
   <pc:docChgLst>
     <pc:chgData name="이예주" userId="b627a05d-d457-425d-97ed-887cc9a3c15f" providerId="ADAL" clId="{1829BA35-5CAC-4DC2-A547-CB71A6C40FF1}"/>
     <pc:docChg chg="undo custSel addSld modSld sldOrd">
-      <pc:chgData name="이예주" userId="b627a05d-d457-425d-97ed-887cc9a3c15f" providerId="ADAL" clId="{1829BA35-5CAC-4DC2-A547-CB71A6C40FF1}" dt="2022-12-25T12:54:58.213" v="8865" actId="20577"/>
+      <pc:chgData name="이예주" userId="b627a05d-d457-425d-97ed-887cc9a3c15f" providerId="ADAL" clId="{1829BA35-5CAC-4DC2-A547-CB71A6C40FF1}" dt="2022-12-26T13:12:23.431" v="14854"/>
       <pc:docMkLst>
         <pc:docMk/>
       </pc:docMkLst>
       <pc:sldChg chg="modSp modTransition modAnim">
-        <pc:chgData name="이예주" userId="b627a05d-d457-425d-97ed-887cc9a3c15f" providerId="ADAL" clId="{1829BA35-5CAC-4DC2-A547-CB71A6C40FF1}" dt="2022-12-25T10:02:48.918" v="6990"/>
+        <pc:chgData name="이예주" userId="b627a05d-d457-425d-97ed-887cc9a3c15f" providerId="ADAL" clId="{1829BA35-5CAC-4DC2-A547-CB71A6C40FF1}" dt="2022-12-26T13:10:40.100" v="14833"/>
         <pc:sldMkLst>
           <pc:docMk/>
           <pc:sldMk cId="1037435668" sldId="256"/>
         </pc:sldMkLst>
+        <pc:spChg chg="mod">
+          <ac:chgData name="이예주" userId="b627a05d-d457-425d-97ed-887cc9a3c15f" providerId="ADAL" clId="{1829BA35-5CAC-4DC2-A547-CB71A6C40FF1}" dt="2022-12-26T12:54:28.347" v="13981" actId="20577"/>
+          <ac:spMkLst>
+            <pc:docMk/>
+            <pc:sldMk cId="1037435668" sldId="256"/>
+            <ac:spMk id="2" creationId="{7E76DDBD-994F-C6CE-119D-CC39588934F4}"/>
+          </ac:spMkLst>
+        </pc:spChg>
         <pc:spChg chg="mod">
           <ac:chgData name="이예주" userId="b627a05d-d457-425d-97ed-887cc9a3c15f" providerId="ADAL" clId="{1829BA35-5CAC-4DC2-A547-CB71A6C40FF1}" dt="2022-12-24T19:21:07.690" v="2012" actId="20577"/>
           <ac:spMkLst>
@@ -154,14 +168,22 @@
           </ac:spMkLst>
         </pc:spChg>
       </pc:sldChg>
-      <pc:sldChg chg="modSp modTransition modAnim">
-        <pc:chgData name="이예주" userId="b627a05d-d457-425d-97ed-887cc9a3c15f" providerId="ADAL" clId="{1829BA35-5CAC-4DC2-A547-CB71A6C40FF1}" dt="2022-12-25T11:07:58.528" v="7556" actId="12"/>
+      <pc:sldChg chg="modSp mod modTransition modAnim">
+        <pc:chgData name="이예주" userId="b627a05d-d457-425d-97ed-887cc9a3c15f" providerId="ADAL" clId="{1829BA35-5CAC-4DC2-A547-CB71A6C40FF1}" dt="2022-12-26T13:10:40.100" v="14833"/>
         <pc:sldMkLst>
           <pc:docMk/>
           <pc:sldMk cId="1841082999" sldId="257"/>
         </pc:sldMkLst>
         <pc:spChg chg="mod">
-          <ac:chgData name="이예주" userId="b627a05d-d457-425d-97ed-887cc9a3c15f" providerId="ADAL" clId="{1829BA35-5CAC-4DC2-A547-CB71A6C40FF1}" dt="2022-12-25T11:07:58.528" v="7556" actId="12"/>
+          <ac:chgData name="이예주" userId="b627a05d-d457-425d-97ed-887cc9a3c15f" providerId="ADAL" clId="{1829BA35-5CAC-4DC2-A547-CB71A6C40FF1}" dt="2022-12-26T12:54:50.236" v="13985" actId="20577"/>
+          <ac:spMkLst>
+            <pc:docMk/>
+            <pc:sldMk cId="1841082999" sldId="257"/>
+            <ac:spMk id="6" creationId="{362B69D2-12FC-1FD5-5421-F7DB47B69AE4}"/>
+          </ac:spMkLst>
+        </pc:spChg>
+        <pc:spChg chg="mod">
+          <ac:chgData name="이예주" userId="b627a05d-d457-425d-97ed-887cc9a3c15f" providerId="ADAL" clId="{1829BA35-5CAC-4DC2-A547-CB71A6C40FF1}" dt="2022-12-26T12:28:58.031" v="12771" actId="6549"/>
           <ac:spMkLst>
             <pc:docMk/>
             <pc:sldMk cId="1841082999" sldId="257"/>
@@ -178,7 +200,7 @@
         </pc:spChg>
       </pc:sldChg>
       <pc:sldChg chg="modSp modTransition modAnim">
-        <pc:chgData name="이예주" userId="b627a05d-d457-425d-97ed-887cc9a3c15f" providerId="ADAL" clId="{1829BA35-5CAC-4DC2-A547-CB71A6C40FF1}" dt="2022-12-25T11:07:37.612" v="7552" actId="12"/>
+        <pc:chgData name="이예주" userId="b627a05d-d457-425d-97ed-887cc9a3c15f" providerId="ADAL" clId="{1829BA35-5CAC-4DC2-A547-CB71A6C40FF1}" dt="2022-12-26T13:10:40.100" v="14833"/>
         <pc:sldMkLst>
           <pc:docMk/>
           <pc:sldMk cId="3147902426" sldId="258"/>
@@ -201,13 +223,13 @@
         </pc:spChg>
       </pc:sldChg>
       <pc:sldChg chg="modSp modTransition modAnim">
-        <pc:chgData name="이예주" userId="b627a05d-d457-425d-97ed-887cc9a3c15f" providerId="ADAL" clId="{1829BA35-5CAC-4DC2-A547-CB71A6C40FF1}" dt="2022-12-25T11:07:42.805" v="7553" actId="12"/>
+        <pc:chgData name="이예주" userId="b627a05d-d457-425d-97ed-887cc9a3c15f" providerId="ADAL" clId="{1829BA35-5CAC-4DC2-A547-CB71A6C40FF1}" dt="2022-12-26T13:10:40.100" v="14833"/>
         <pc:sldMkLst>
           <pc:docMk/>
           <pc:sldMk cId="1730894798" sldId="259"/>
         </pc:sldMkLst>
         <pc:spChg chg="mod">
-          <ac:chgData name="이예주" userId="b627a05d-d457-425d-97ed-887cc9a3c15f" providerId="ADAL" clId="{1829BA35-5CAC-4DC2-A547-CB71A6C40FF1}" dt="2022-12-25T11:07:42.805" v="7553" actId="12"/>
+          <ac:chgData name="이예주" userId="b627a05d-d457-425d-97ed-887cc9a3c15f" providerId="ADAL" clId="{1829BA35-5CAC-4DC2-A547-CB71A6C40FF1}" dt="2022-12-26T12:21:02.318" v="12208" actId="20577"/>
           <ac:spMkLst>
             <pc:docMk/>
             <pc:sldMk cId="1730894798" sldId="259"/>
@@ -224,7 +246,7 @@
         </pc:spChg>
       </pc:sldChg>
       <pc:sldChg chg="addSp delSp modSp mod modTransition modClrScheme delAnim modAnim chgLayout">
-        <pc:chgData name="이예주" userId="b627a05d-d457-425d-97ed-887cc9a3c15f" providerId="ADAL" clId="{1829BA35-5CAC-4DC2-A547-CB71A6C40FF1}" dt="2022-12-25T11:08:22.984" v="7559" actId="12"/>
+        <pc:chgData name="이예주" userId="b627a05d-d457-425d-97ed-887cc9a3c15f" providerId="ADAL" clId="{1829BA35-5CAC-4DC2-A547-CB71A6C40FF1}" dt="2022-12-26T13:10:40.100" v="14833"/>
         <pc:sldMkLst>
           <pc:docMk/>
           <pc:sldMk cId="3585746662" sldId="260"/>
@@ -238,7 +260,7 @@
           </ac:spMkLst>
         </pc:spChg>
         <pc:spChg chg="mod ord">
-          <ac:chgData name="이예주" userId="b627a05d-d457-425d-97ed-887cc9a3c15f" providerId="ADAL" clId="{1829BA35-5CAC-4DC2-A547-CB71A6C40FF1}" dt="2022-12-25T11:08:22.984" v="7559" actId="12"/>
+          <ac:chgData name="이예주" userId="b627a05d-d457-425d-97ed-887cc9a3c15f" providerId="ADAL" clId="{1829BA35-5CAC-4DC2-A547-CB71A6C40FF1}" dt="2022-12-26T09:52:36.594" v="9580" actId="20577"/>
           <ac:spMkLst>
             <pc:docMk/>
             <pc:sldMk cId="3585746662" sldId="260"/>
@@ -287,11 +309,19 @@
         </pc:picChg>
       </pc:sldChg>
       <pc:sldChg chg="modSp mod modTransition modAnim">
-        <pc:chgData name="이예주" userId="b627a05d-d457-425d-97ed-887cc9a3c15f" providerId="ADAL" clId="{1829BA35-5CAC-4DC2-A547-CB71A6C40FF1}" dt="2022-12-25T11:08:08.947" v="7557" actId="12"/>
+        <pc:chgData name="이예주" userId="b627a05d-d457-425d-97ed-887cc9a3c15f" providerId="ADAL" clId="{1829BA35-5CAC-4DC2-A547-CB71A6C40FF1}" dt="2022-12-26T13:10:40.100" v="14833"/>
         <pc:sldMkLst>
           <pc:docMk/>
           <pc:sldMk cId="4279575502" sldId="261"/>
         </pc:sldMkLst>
+        <pc:spChg chg="mod">
+          <ac:chgData name="이예주" userId="b627a05d-d457-425d-97ed-887cc9a3c15f" providerId="ADAL" clId="{1829BA35-5CAC-4DC2-A547-CB71A6C40FF1}" dt="2022-12-26T12:54:54.303" v="13987" actId="6549"/>
+          <ac:spMkLst>
+            <pc:docMk/>
+            <pc:sldMk cId="4279575502" sldId="261"/>
+            <ac:spMk id="2" creationId="{227AD47C-D013-9847-0CF9-D345987296C0}"/>
+          </ac:spMkLst>
+        </pc:spChg>
         <pc:spChg chg="mod">
           <ac:chgData name="이예주" userId="b627a05d-d457-425d-97ed-887cc9a3c15f" providerId="ADAL" clId="{1829BA35-5CAC-4DC2-A547-CB71A6C40FF1}" dt="2022-12-25T11:08:08.947" v="7557" actId="12"/>
           <ac:spMkLst>
@@ -310,13 +340,13 @@
         </pc:spChg>
       </pc:sldChg>
       <pc:sldChg chg="modSp modTransition modAnim">
-        <pc:chgData name="이예주" userId="b627a05d-d457-425d-97ed-887cc9a3c15f" providerId="ADAL" clId="{1829BA35-5CAC-4DC2-A547-CB71A6C40FF1}" dt="2022-12-25T11:07:47.284" v="7554" actId="12"/>
+        <pc:chgData name="이예주" userId="b627a05d-d457-425d-97ed-887cc9a3c15f" providerId="ADAL" clId="{1829BA35-5CAC-4DC2-A547-CB71A6C40FF1}" dt="2022-12-26T13:10:40.100" v="14833"/>
         <pc:sldMkLst>
           <pc:docMk/>
           <pc:sldMk cId="441744172" sldId="262"/>
         </pc:sldMkLst>
         <pc:spChg chg="mod">
-          <ac:chgData name="이예주" userId="b627a05d-d457-425d-97ed-887cc9a3c15f" providerId="ADAL" clId="{1829BA35-5CAC-4DC2-A547-CB71A6C40FF1}" dt="2022-12-25T11:07:47.284" v="7554" actId="12"/>
+          <ac:chgData name="이예주" userId="b627a05d-d457-425d-97ed-887cc9a3c15f" providerId="ADAL" clId="{1829BA35-5CAC-4DC2-A547-CB71A6C40FF1}" dt="2022-12-26T12:25:38.688" v="12766" actId="20577"/>
           <ac:spMkLst>
             <pc:docMk/>
             <pc:sldMk cId="441744172" sldId="262"/>
@@ -332,12 +362,20 @@
           </ac:spMkLst>
         </pc:spChg>
       </pc:sldChg>
-      <pc:sldChg chg="modSp modTransition modAnim">
-        <pc:chgData name="이예주" userId="b627a05d-d457-425d-97ed-887cc9a3c15f" providerId="ADAL" clId="{1829BA35-5CAC-4DC2-A547-CB71A6C40FF1}" dt="2022-12-25T11:07:52.098" v="7555" actId="12"/>
+      <pc:sldChg chg="modSp mod modTransition modAnim">
+        <pc:chgData name="이예주" userId="b627a05d-d457-425d-97ed-887cc9a3c15f" providerId="ADAL" clId="{1829BA35-5CAC-4DC2-A547-CB71A6C40FF1}" dt="2022-12-26T13:10:40.100" v="14833"/>
         <pc:sldMkLst>
           <pc:docMk/>
           <pc:sldMk cId="1305919826" sldId="263"/>
         </pc:sldMkLst>
+        <pc:spChg chg="mod">
+          <ac:chgData name="이예주" userId="b627a05d-d457-425d-97ed-887cc9a3c15f" providerId="ADAL" clId="{1829BA35-5CAC-4DC2-A547-CB71A6C40FF1}" dt="2022-12-26T12:54:46.999" v="13983" actId="20577"/>
+          <ac:spMkLst>
+            <pc:docMk/>
+            <pc:sldMk cId="1305919826" sldId="263"/>
+            <ac:spMk id="2" creationId="{9010D52F-BA46-1203-805C-4C649C59BFA1}"/>
+          </ac:spMkLst>
+        </pc:spChg>
         <pc:spChg chg="mod">
           <ac:chgData name="이예주" userId="b627a05d-d457-425d-97ed-887cc9a3c15f" providerId="ADAL" clId="{1829BA35-5CAC-4DC2-A547-CB71A6C40FF1}" dt="2022-12-25T11:07:52.098" v="7555" actId="12"/>
           <ac:spMkLst>
@@ -348,7 +386,7 @@
         </pc:spChg>
       </pc:sldChg>
       <pc:sldChg chg="delSp modSp new mod modTransition modClrScheme modAnim chgLayout">
-        <pc:chgData name="이예주" userId="b627a05d-d457-425d-97ed-887cc9a3c15f" providerId="ADAL" clId="{1829BA35-5CAC-4DC2-A547-CB71A6C40FF1}" dt="2022-12-25T10:03:37.537" v="7005"/>
+        <pc:chgData name="이예주" userId="b627a05d-d457-425d-97ed-887cc9a3c15f" providerId="ADAL" clId="{1829BA35-5CAC-4DC2-A547-CB71A6C40FF1}" dt="2022-12-26T13:10:40.100" v="14833"/>
         <pc:sldMkLst>
           <pc:docMk/>
           <pc:sldMk cId="3266048978" sldId="264"/>
@@ -379,7 +417,7 @@
         </pc:spChg>
       </pc:sldChg>
       <pc:sldChg chg="modSp add mod ord modTransition modAnim">
-        <pc:chgData name="이예주" userId="b627a05d-d457-425d-97ed-887cc9a3c15f" providerId="ADAL" clId="{1829BA35-5CAC-4DC2-A547-CB71A6C40FF1}" dt="2022-12-25T11:08:15.954" v="7558" actId="12"/>
+        <pc:chgData name="이예주" userId="b627a05d-d457-425d-97ed-887cc9a3c15f" providerId="ADAL" clId="{1829BA35-5CAC-4DC2-A547-CB71A6C40FF1}" dt="2022-12-26T13:10:40.100" v="14833"/>
         <pc:sldMkLst>
           <pc:docMk/>
           <pc:sldMk cId="635459666" sldId="265"/>
@@ -393,7 +431,7 @@
           </ac:spMkLst>
         </pc:spChg>
         <pc:spChg chg="mod">
-          <ac:chgData name="이예주" userId="b627a05d-d457-425d-97ed-887cc9a3c15f" providerId="ADAL" clId="{1829BA35-5CAC-4DC2-A547-CB71A6C40FF1}" dt="2022-12-25T11:08:15.954" v="7558" actId="12"/>
+          <ac:chgData name="이예주" userId="b627a05d-d457-425d-97ed-887cc9a3c15f" providerId="ADAL" clId="{1829BA35-5CAC-4DC2-A547-CB71A6C40FF1}" dt="2022-12-26T12:37:50.066" v="12970" actId="6549"/>
           <ac:spMkLst>
             <pc:docMk/>
             <pc:sldMk cId="635459666" sldId="265"/>
@@ -409,14 +447,14 @@
           </ac:spMkLst>
         </pc:spChg>
       </pc:sldChg>
-      <pc:sldChg chg="addSp modSp new mod modTransition modClrScheme modAnim chgLayout">
-        <pc:chgData name="이예주" userId="b627a05d-d457-425d-97ed-887cc9a3c15f" providerId="ADAL" clId="{1829BA35-5CAC-4DC2-A547-CB71A6C40FF1}" dt="2022-12-25T12:54:58.213" v="8865" actId="20577"/>
+      <pc:sldChg chg="addSp delSp modSp new mod modTransition modClrScheme delAnim modAnim chgLayout">
+        <pc:chgData name="이예주" userId="b627a05d-d457-425d-97ed-887cc9a3c15f" providerId="ADAL" clId="{1829BA35-5CAC-4DC2-A547-CB71A6C40FF1}" dt="2022-12-26T13:10:40.100" v="14833"/>
         <pc:sldMkLst>
           <pc:docMk/>
           <pc:sldMk cId="1054957075" sldId="266"/>
         </pc:sldMkLst>
         <pc:spChg chg="mod ord">
-          <ac:chgData name="이예주" userId="b627a05d-d457-425d-97ed-887cc9a3c15f" providerId="ADAL" clId="{1829BA35-5CAC-4DC2-A547-CB71A6C40FF1}" dt="2022-12-25T10:21:32.147" v="7236" actId="700"/>
+          <ac:chgData name="이예주" userId="b627a05d-d457-425d-97ed-887cc9a3c15f" providerId="ADAL" clId="{1829BA35-5CAC-4DC2-A547-CB71A6C40FF1}" dt="2022-12-26T09:55:42.641" v="9956" actId="700"/>
           <ac:spMkLst>
             <pc:docMk/>
             <pc:sldMk cId="1054957075" sldId="266"/>
@@ -424,15 +462,15 @@
           </ac:spMkLst>
         </pc:spChg>
         <pc:spChg chg="mod ord">
-          <ac:chgData name="이예주" userId="b627a05d-d457-425d-97ed-887cc9a3c15f" providerId="ADAL" clId="{1829BA35-5CAC-4DC2-A547-CB71A6C40FF1}" dt="2022-12-25T12:34:29.013" v="8108" actId="20577"/>
+          <ac:chgData name="이예주" userId="b627a05d-d457-425d-97ed-887cc9a3c15f" providerId="ADAL" clId="{1829BA35-5CAC-4DC2-A547-CB71A6C40FF1}" dt="2022-12-26T11:15:04.544" v="10530" actId="20577"/>
           <ac:spMkLst>
             <pc:docMk/>
             <pc:sldMk cId="1054957075" sldId="266"/>
             <ac:spMk id="3" creationId="{1A3E9564-DD2C-0C3D-F237-0730DA880779}"/>
           </ac:spMkLst>
         </pc:spChg>
-        <pc:spChg chg="add mod ord">
-          <ac:chgData name="이예주" userId="b627a05d-d457-425d-97ed-887cc9a3c15f" providerId="ADAL" clId="{1829BA35-5CAC-4DC2-A547-CB71A6C40FF1}" dt="2022-12-25T12:54:58.213" v="8865" actId="20577"/>
+        <pc:spChg chg="add del mod ord">
+          <ac:chgData name="이예주" userId="b627a05d-d457-425d-97ed-887cc9a3c15f" providerId="ADAL" clId="{1829BA35-5CAC-4DC2-A547-CB71A6C40FF1}" dt="2022-12-26T09:55:42.641" v="9956" actId="700"/>
           <ac:spMkLst>
             <pc:docMk/>
             <pc:sldMk cId="1054957075" sldId="266"/>
@@ -440,11 +478,349 @@
           </ac:spMkLst>
         </pc:spChg>
         <pc:spChg chg="add mod">
-          <ac:chgData name="이예주" userId="b627a05d-d457-425d-97ed-887cc9a3c15f" providerId="ADAL" clId="{1829BA35-5CAC-4DC2-A547-CB71A6C40FF1}" dt="2022-12-25T12:40:25.674" v="8300" actId="207"/>
+          <ac:chgData name="이예주" userId="b627a05d-d457-425d-97ed-887cc9a3c15f" providerId="ADAL" clId="{1829BA35-5CAC-4DC2-A547-CB71A6C40FF1}" dt="2022-12-26T11:16:28.310" v="10551" actId="20577"/>
           <ac:spMkLst>
             <pc:docMk/>
             <pc:sldMk cId="1054957075" sldId="266"/>
             <ac:spMk id="5" creationId="{FD81EFDD-282B-59F1-5E49-A7BF081E701F}"/>
+          </ac:spMkLst>
+        </pc:spChg>
+      </pc:sldChg>
+      <pc:sldChg chg="modSp new mod modTransition modAnim">
+        <pc:chgData name="이예주" userId="b627a05d-d457-425d-97ed-887cc9a3c15f" providerId="ADAL" clId="{1829BA35-5CAC-4DC2-A547-CB71A6C40FF1}" dt="2022-12-26T13:10:40.100" v="14833"/>
+        <pc:sldMkLst>
+          <pc:docMk/>
+          <pc:sldMk cId="3120414312" sldId="267"/>
+        </pc:sldMkLst>
+        <pc:spChg chg="mod">
+          <ac:chgData name="이예주" userId="b627a05d-d457-425d-97ed-887cc9a3c15f" providerId="ADAL" clId="{1829BA35-5CAC-4DC2-A547-CB71A6C40FF1}" dt="2022-12-26T11:16:55.063" v="10571" actId="20577"/>
+          <ac:spMkLst>
+            <pc:docMk/>
+            <pc:sldMk cId="3120414312" sldId="267"/>
+            <ac:spMk id="2" creationId="{3084E042-3254-FFDE-6797-104F4E258560}"/>
+          </ac:spMkLst>
+        </pc:spChg>
+        <pc:spChg chg="mod">
+          <ac:chgData name="이예주" userId="b627a05d-d457-425d-97ed-887cc9a3c15f" providerId="ADAL" clId="{1829BA35-5CAC-4DC2-A547-CB71A6C40FF1}" dt="2022-12-26T12:55:08.246" v="13989" actId="20577"/>
+          <ac:spMkLst>
+            <pc:docMk/>
+            <pc:sldMk cId="3120414312" sldId="267"/>
+            <ac:spMk id="3" creationId="{28ED4005-BDFD-84EA-9566-A7081F10CB4B}"/>
+          </ac:spMkLst>
+        </pc:spChg>
+      </pc:sldChg>
+      <pc:sldChg chg="addSp modSp new mod modTransition modClrScheme modAnim chgLayout">
+        <pc:chgData name="이예주" userId="b627a05d-d457-425d-97ed-887cc9a3c15f" providerId="ADAL" clId="{1829BA35-5CAC-4DC2-A547-CB71A6C40FF1}" dt="2022-12-26T13:11:32.397" v="14837"/>
+        <pc:sldMkLst>
+          <pc:docMk/>
+          <pc:sldMk cId="1888828219" sldId="268"/>
+        </pc:sldMkLst>
+        <pc:spChg chg="mod ord">
+          <ac:chgData name="이예주" userId="b627a05d-d457-425d-97ed-887cc9a3c15f" providerId="ADAL" clId="{1829BA35-5CAC-4DC2-A547-CB71A6C40FF1}" dt="2022-12-26T12:38:38.334" v="13004" actId="20577"/>
+          <ac:spMkLst>
+            <pc:docMk/>
+            <pc:sldMk cId="1888828219" sldId="268"/>
+            <ac:spMk id="2" creationId="{7689B151-F221-2313-21AD-B51F8B41C5D7}"/>
+          </ac:spMkLst>
+        </pc:spChg>
+        <pc:spChg chg="mod ord">
+          <ac:chgData name="이예주" userId="b627a05d-d457-425d-97ed-887cc9a3c15f" providerId="ADAL" clId="{1829BA35-5CAC-4DC2-A547-CB71A6C40FF1}" dt="2022-12-26T12:55:33.448" v="13991" actId="20577"/>
+          <ac:spMkLst>
+            <pc:docMk/>
+            <pc:sldMk cId="1888828219" sldId="268"/>
+            <ac:spMk id="3" creationId="{B41AA4E0-F4AE-155C-071F-DCB6F3B4B206}"/>
+          </ac:spMkLst>
+        </pc:spChg>
+        <pc:spChg chg="add mod ord">
+          <ac:chgData name="이예주" userId="b627a05d-d457-425d-97ed-887cc9a3c15f" providerId="ADAL" clId="{1829BA35-5CAC-4DC2-A547-CB71A6C40FF1}" dt="2022-12-26T12:49:19.387" v="13733" actId="20577"/>
+          <ac:spMkLst>
+            <pc:docMk/>
+            <pc:sldMk cId="1888828219" sldId="268"/>
+            <ac:spMk id="4" creationId="{2C15614C-3D4E-5C76-E054-89A7C52DAACD}"/>
+          </ac:spMkLst>
+        </pc:spChg>
+      </pc:sldChg>
+      <pc:sldChg chg="addSp delSp modSp new mod modTransition setBg modClrScheme addAnim delAnim chgLayout">
+        <pc:chgData name="이예주" userId="b627a05d-d457-425d-97ed-887cc9a3c15f" providerId="ADAL" clId="{1829BA35-5CAC-4DC2-A547-CB71A6C40FF1}" dt="2022-12-26T13:10:40.100" v="14833"/>
+        <pc:sldMkLst>
+          <pc:docMk/>
+          <pc:sldMk cId="3217295091" sldId="269"/>
+        </pc:sldMkLst>
+        <pc:spChg chg="del mod ord">
+          <ac:chgData name="이예주" userId="b627a05d-d457-425d-97ed-887cc9a3c15f" providerId="ADAL" clId="{1829BA35-5CAC-4DC2-A547-CB71A6C40FF1}" dt="2022-12-26T12:18:10.986" v="12051" actId="700"/>
+          <ac:spMkLst>
+            <pc:docMk/>
+            <pc:sldMk cId="3217295091" sldId="269"/>
+            <ac:spMk id="2" creationId="{13CD579F-457C-372F-B981-B498B61327AB}"/>
+          </ac:spMkLst>
+        </pc:spChg>
+        <pc:spChg chg="del mod ord">
+          <ac:chgData name="이예주" userId="b627a05d-d457-425d-97ed-887cc9a3c15f" providerId="ADAL" clId="{1829BA35-5CAC-4DC2-A547-CB71A6C40FF1}" dt="2022-12-26T12:18:10.986" v="12051" actId="700"/>
+          <ac:spMkLst>
+            <pc:docMk/>
+            <pc:sldMk cId="3217295091" sldId="269"/>
+            <ac:spMk id="3" creationId="{48B8D4E2-42BB-D98C-92E6-BA6ED84D62B8}"/>
+          </ac:spMkLst>
+        </pc:spChg>
+        <pc:spChg chg="add mod ord">
+          <ac:chgData name="이예주" userId="b627a05d-d457-425d-97ed-887cc9a3c15f" providerId="ADAL" clId="{1829BA35-5CAC-4DC2-A547-CB71A6C40FF1}" dt="2022-12-26T12:18:59.257" v="12071" actId="26606"/>
+          <ac:spMkLst>
+            <pc:docMk/>
+            <pc:sldMk cId="3217295091" sldId="269"/>
+            <ac:spMk id="4" creationId="{561388B4-4EDA-BAB5-788A-443CBDFE4DA7}"/>
+          </ac:spMkLst>
+        </pc:spChg>
+        <pc:spChg chg="add mod ord">
+          <ac:chgData name="이예주" userId="b627a05d-d457-425d-97ed-887cc9a3c15f" providerId="ADAL" clId="{1829BA35-5CAC-4DC2-A547-CB71A6C40FF1}" dt="2022-12-26T12:19:51.198" v="12125" actId="20577"/>
+          <ac:spMkLst>
+            <pc:docMk/>
+            <pc:sldMk cId="3217295091" sldId="269"/>
+            <ac:spMk id="5" creationId="{B6F0B12C-B228-F259-2327-83C61102A8BD}"/>
+          </ac:spMkLst>
+        </pc:spChg>
+        <pc:spChg chg="add del">
+          <ac:chgData name="이예주" userId="b627a05d-d457-425d-97ed-887cc9a3c15f" providerId="ADAL" clId="{1829BA35-5CAC-4DC2-A547-CB71A6C40FF1}" dt="2022-12-26T12:18:57.499" v="12068" actId="26606"/>
+          <ac:spMkLst>
+            <pc:docMk/>
+            <pc:sldMk cId="3217295091" sldId="269"/>
+            <ac:spMk id="11" creationId="{0760E4C7-47B8-4356-ABCA-CC9C79E2D2B6}"/>
+          </ac:spMkLst>
+        </pc:spChg>
+        <pc:spChg chg="add del">
+          <ac:chgData name="이예주" userId="b627a05d-d457-425d-97ed-887cc9a3c15f" providerId="ADAL" clId="{1829BA35-5CAC-4DC2-A547-CB71A6C40FF1}" dt="2022-12-26T12:18:57.499" v="12068" actId="26606"/>
+          <ac:spMkLst>
+            <pc:docMk/>
+            <pc:sldMk cId="3217295091" sldId="269"/>
+            <ac:spMk id="13" creationId="{53174E83-2682-EA33-BF59-CACA1385E3E7}"/>
+          </ac:spMkLst>
+        </pc:spChg>
+        <pc:spChg chg="add del">
+          <ac:chgData name="이예주" userId="b627a05d-d457-425d-97ed-887cc9a3c15f" providerId="ADAL" clId="{1829BA35-5CAC-4DC2-A547-CB71A6C40FF1}" dt="2022-12-26T12:18:59.241" v="12070" actId="26606"/>
+          <ac:spMkLst>
+            <pc:docMk/>
+            <pc:sldMk cId="3217295091" sldId="269"/>
+            <ac:spMk id="17" creationId="{0760E4C7-47B8-4356-ABCA-CC9C79E2D2B6}"/>
+          </ac:spMkLst>
+        </pc:spChg>
+        <pc:spChg chg="add del">
+          <ac:chgData name="이예주" userId="b627a05d-d457-425d-97ed-887cc9a3c15f" providerId="ADAL" clId="{1829BA35-5CAC-4DC2-A547-CB71A6C40FF1}" dt="2022-12-26T12:18:59.241" v="12070" actId="26606"/>
+          <ac:spMkLst>
+            <pc:docMk/>
+            <pc:sldMk cId="3217295091" sldId="269"/>
+            <ac:spMk id="19" creationId="{3F0586C3-A19F-D214-ABDE-30AD5B6669E5}"/>
+          </ac:spMkLst>
+        </pc:spChg>
+        <pc:spChg chg="add">
+          <ac:chgData name="이예주" userId="b627a05d-d457-425d-97ed-887cc9a3c15f" providerId="ADAL" clId="{1829BA35-5CAC-4DC2-A547-CB71A6C40FF1}" dt="2022-12-26T12:18:59.257" v="12071" actId="26606"/>
+          <ac:spMkLst>
+            <pc:docMk/>
+            <pc:sldMk cId="3217295091" sldId="269"/>
+            <ac:spMk id="22" creationId="{0760E4C7-47B8-4356-ABCA-CC9C79E2D2B6}"/>
+          </ac:spMkLst>
+        </pc:spChg>
+        <pc:spChg chg="add">
+          <ac:chgData name="이예주" userId="b627a05d-d457-425d-97ed-887cc9a3c15f" providerId="ADAL" clId="{1829BA35-5CAC-4DC2-A547-CB71A6C40FF1}" dt="2022-12-26T12:18:59.257" v="12071" actId="26606"/>
+          <ac:spMkLst>
+            <pc:docMk/>
+            <pc:sldMk cId="3217295091" sldId="269"/>
+            <ac:spMk id="24" creationId="{ED0A0432-F95F-6441-CC5D-B6BB755FABF8}"/>
+          </ac:spMkLst>
+        </pc:spChg>
+        <pc:spChg chg="add">
+          <ac:chgData name="이예주" userId="b627a05d-d457-425d-97ed-887cc9a3c15f" providerId="ADAL" clId="{1829BA35-5CAC-4DC2-A547-CB71A6C40FF1}" dt="2022-12-26T12:18:59.257" v="12071" actId="26606"/>
+          <ac:spMkLst>
+            <pc:docMk/>
+            <pc:sldMk cId="3217295091" sldId="269"/>
+            <ac:spMk id="25" creationId="{3F0586C3-A19F-D214-ABDE-30AD5B6669E5}"/>
+          </ac:spMkLst>
+        </pc:spChg>
+        <pc:picChg chg="add del">
+          <ac:chgData name="이예주" userId="b627a05d-d457-425d-97ed-887cc9a3c15f" providerId="ADAL" clId="{1829BA35-5CAC-4DC2-A547-CB71A6C40FF1}" dt="2022-12-26T12:18:57.499" v="12068" actId="26606"/>
+          <ac:picMkLst>
+            <pc:docMk/>
+            <pc:sldMk cId="3217295091" sldId="269"/>
+            <ac:picMk id="7" creationId="{440B68F4-62C2-85F1-06A5-39C26FC54417}"/>
+          </ac:picMkLst>
+        </pc:picChg>
+        <pc:picChg chg="add del">
+          <ac:chgData name="이예주" userId="b627a05d-d457-425d-97ed-887cc9a3c15f" providerId="ADAL" clId="{1829BA35-5CAC-4DC2-A547-CB71A6C40FF1}" dt="2022-12-26T12:18:59.241" v="12070" actId="26606"/>
+          <ac:picMkLst>
+            <pc:docMk/>
+            <pc:sldMk cId="3217295091" sldId="269"/>
+            <ac:picMk id="18" creationId="{3E1D7EC3-310C-021A-B755-8B7D09B5A30D}"/>
+          </ac:picMkLst>
+        </pc:picChg>
+        <pc:picChg chg="add">
+          <ac:chgData name="이예주" userId="b627a05d-d457-425d-97ed-887cc9a3c15f" providerId="ADAL" clId="{1829BA35-5CAC-4DC2-A547-CB71A6C40FF1}" dt="2022-12-26T12:18:59.257" v="12071" actId="26606"/>
+          <ac:picMkLst>
+            <pc:docMk/>
+            <pc:sldMk cId="3217295091" sldId="269"/>
+            <ac:picMk id="23" creationId="{9677328A-C404-0319-8B2E-39B052E0CF14}"/>
+          </ac:picMkLst>
+        </pc:picChg>
+        <pc:cxnChg chg="add del">
+          <ac:chgData name="이예주" userId="b627a05d-d457-425d-97ed-887cc9a3c15f" providerId="ADAL" clId="{1829BA35-5CAC-4DC2-A547-CB71A6C40FF1}" dt="2022-12-26T12:18:57.499" v="12068" actId="26606"/>
+          <ac:cxnSpMkLst>
+            <pc:docMk/>
+            <pc:sldMk cId="3217295091" sldId="269"/>
+            <ac:cxnSpMk id="15" creationId="{8D8181E6-BF6C-7868-46D1-88E2970D08F9}"/>
+          </ac:cxnSpMkLst>
+        </pc:cxnChg>
+        <pc:cxnChg chg="add del">
+          <ac:chgData name="이예주" userId="b627a05d-d457-425d-97ed-887cc9a3c15f" providerId="ADAL" clId="{1829BA35-5CAC-4DC2-A547-CB71A6C40FF1}" dt="2022-12-26T12:18:59.241" v="12070" actId="26606"/>
+          <ac:cxnSpMkLst>
+            <pc:docMk/>
+            <pc:sldMk cId="3217295091" sldId="269"/>
+            <ac:cxnSpMk id="20" creationId="{414C5C93-B9E9-4392-ADCF-ABF21209DD56}"/>
+          </ac:cxnSpMkLst>
+        </pc:cxnChg>
+        <pc:cxnChg chg="add">
+          <ac:chgData name="이예주" userId="b627a05d-d457-425d-97ed-887cc9a3c15f" providerId="ADAL" clId="{1829BA35-5CAC-4DC2-A547-CB71A6C40FF1}" dt="2022-12-26T12:18:59.257" v="12071" actId="26606"/>
+          <ac:cxnSpMkLst>
+            <pc:docMk/>
+            <pc:sldMk cId="3217295091" sldId="269"/>
+            <ac:cxnSpMk id="26" creationId="{414C5C93-B9E9-4392-ADCF-ABF21209DD56}"/>
+          </ac:cxnSpMkLst>
+        </pc:cxnChg>
+      </pc:sldChg>
+      <pc:sldChg chg="addSp delSp modSp new mod modTransition setBg modClrScheme addAnim chgLayout">
+        <pc:chgData name="이예주" userId="b627a05d-d457-425d-97ed-887cc9a3c15f" providerId="ADAL" clId="{1829BA35-5CAC-4DC2-A547-CB71A6C40FF1}" dt="2022-12-26T13:10:40.100" v="14833"/>
+        <pc:sldMkLst>
+          <pc:docMk/>
+          <pc:sldMk cId="3554784421" sldId="270"/>
+        </pc:sldMkLst>
+        <pc:spChg chg="del mod ord">
+          <ac:chgData name="이예주" userId="b627a05d-d457-425d-97ed-887cc9a3c15f" providerId="ADAL" clId="{1829BA35-5CAC-4DC2-A547-CB71A6C40FF1}" dt="2022-12-26T12:34:58.314" v="12823" actId="700"/>
+          <ac:spMkLst>
+            <pc:docMk/>
+            <pc:sldMk cId="3554784421" sldId="270"/>
+            <ac:spMk id="2" creationId="{5EAA57B4-84F4-0311-DCCC-33C712AD8C93}"/>
+          </ac:spMkLst>
+        </pc:spChg>
+        <pc:spChg chg="del mod ord">
+          <ac:chgData name="이예주" userId="b627a05d-d457-425d-97ed-887cc9a3c15f" providerId="ADAL" clId="{1829BA35-5CAC-4DC2-A547-CB71A6C40FF1}" dt="2022-12-26T12:34:58.314" v="12823" actId="700"/>
+          <ac:spMkLst>
+            <pc:docMk/>
+            <pc:sldMk cId="3554784421" sldId="270"/>
+            <ac:spMk id="3" creationId="{577DF804-3723-4CF9-3523-21FF4428AA46}"/>
+          </ac:spMkLst>
+        </pc:spChg>
+        <pc:spChg chg="add mod ord">
+          <ac:chgData name="이예주" userId="b627a05d-d457-425d-97ed-887cc9a3c15f" providerId="ADAL" clId="{1829BA35-5CAC-4DC2-A547-CB71A6C40FF1}" dt="2022-12-26T12:35:39.115" v="12844" actId="26606"/>
+          <ac:spMkLst>
+            <pc:docMk/>
+            <pc:sldMk cId="3554784421" sldId="270"/>
+            <ac:spMk id="4" creationId="{75A327E7-20EE-E5B8-9C6E-D6B99235ECB0}"/>
+          </ac:spMkLst>
+        </pc:spChg>
+        <pc:spChg chg="add mod ord">
+          <ac:chgData name="이예주" userId="b627a05d-d457-425d-97ed-887cc9a3c15f" providerId="ADAL" clId="{1829BA35-5CAC-4DC2-A547-CB71A6C40FF1}" dt="2022-12-26T12:35:39.115" v="12844" actId="26606"/>
+          <ac:spMkLst>
+            <pc:docMk/>
+            <pc:sldMk cId="3554784421" sldId="270"/>
+            <ac:spMk id="5" creationId="{2244D22E-BF5A-AEAC-0778-62137778AB88}"/>
+          </ac:spMkLst>
+        </pc:spChg>
+        <pc:spChg chg="add">
+          <ac:chgData name="이예주" userId="b627a05d-d457-425d-97ed-887cc9a3c15f" providerId="ADAL" clId="{1829BA35-5CAC-4DC2-A547-CB71A6C40FF1}" dt="2022-12-26T12:35:39.115" v="12844" actId="26606"/>
+          <ac:spMkLst>
+            <pc:docMk/>
+            <pc:sldMk cId="3554784421" sldId="270"/>
+            <ac:spMk id="11" creationId="{0760E4C7-47B8-4356-ABCA-CC9C79E2D2B6}"/>
+          </ac:spMkLst>
+        </pc:spChg>
+        <pc:spChg chg="add">
+          <ac:chgData name="이예주" userId="b627a05d-d457-425d-97ed-887cc9a3c15f" providerId="ADAL" clId="{1829BA35-5CAC-4DC2-A547-CB71A6C40FF1}" dt="2022-12-26T12:35:39.115" v="12844" actId="26606"/>
+          <ac:spMkLst>
+            <pc:docMk/>
+            <pc:sldMk cId="3554784421" sldId="270"/>
+            <ac:spMk id="13" creationId="{ED0A0432-F95F-6441-CC5D-B6BB755FABF8}"/>
+          </ac:spMkLst>
+        </pc:spChg>
+        <pc:spChg chg="add">
+          <ac:chgData name="이예주" userId="b627a05d-d457-425d-97ed-887cc9a3c15f" providerId="ADAL" clId="{1829BA35-5CAC-4DC2-A547-CB71A6C40FF1}" dt="2022-12-26T12:35:39.115" v="12844" actId="26606"/>
+          <ac:spMkLst>
+            <pc:docMk/>
+            <pc:sldMk cId="3554784421" sldId="270"/>
+            <ac:spMk id="15" creationId="{3F0586C3-A19F-D214-ABDE-30AD5B6669E5}"/>
+          </ac:spMkLst>
+        </pc:spChg>
+        <pc:picChg chg="add">
+          <ac:chgData name="이예주" userId="b627a05d-d457-425d-97ed-887cc9a3c15f" providerId="ADAL" clId="{1829BA35-5CAC-4DC2-A547-CB71A6C40FF1}" dt="2022-12-26T12:35:39.115" v="12844" actId="26606"/>
+          <ac:picMkLst>
+            <pc:docMk/>
+            <pc:sldMk cId="3554784421" sldId="270"/>
+            <ac:picMk id="7" creationId="{6BA0DD11-9E68-543A-8016-D47E5AB030DC}"/>
+          </ac:picMkLst>
+        </pc:picChg>
+        <pc:cxnChg chg="add">
+          <ac:chgData name="이예주" userId="b627a05d-d457-425d-97ed-887cc9a3c15f" providerId="ADAL" clId="{1829BA35-5CAC-4DC2-A547-CB71A6C40FF1}" dt="2022-12-26T12:35:39.115" v="12844" actId="26606"/>
+          <ac:cxnSpMkLst>
+            <pc:docMk/>
+            <pc:sldMk cId="3554784421" sldId="270"/>
+            <ac:cxnSpMk id="17" creationId="{414C5C93-B9E9-4392-ADCF-ABF21209DD56}"/>
+          </ac:cxnSpMkLst>
+        </pc:cxnChg>
+      </pc:sldChg>
+      <pc:sldChg chg="modSp new mod modTransition modAnim">
+        <pc:chgData name="이예주" userId="b627a05d-d457-425d-97ed-887cc9a3c15f" providerId="ADAL" clId="{1829BA35-5CAC-4DC2-A547-CB71A6C40FF1}" dt="2022-12-26T13:12:16.118" v="14852"/>
+        <pc:sldMkLst>
+          <pc:docMk/>
+          <pc:sldMk cId="197938396" sldId="271"/>
+        </pc:sldMkLst>
+        <pc:spChg chg="mod">
+          <ac:chgData name="이예주" userId="b627a05d-d457-425d-97ed-887cc9a3c15f" providerId="ADAL" clId="{1829BA35-5CAC-4DC2-A547-CB71A6C40FF1}" dt="2022-12-26T13:03:15.550" v="14476" actId="20577"/>
+          <ac:spMkLst>
+            <pc:docMk/>
+            <pc:sldMk cId="197938396" sldId="271"/>
+            <ac:spMk id="2" creationId="{6DB74821-1D1E-3272-4DA9-F2E178DA7DBF}"/>
+          </ac:spMkLst>
+        </pc:spChg>
+        <pc:spChg chg="mod">
+          <ac:chgData name="이예주" userId="b627a05d-d457-425d-97ed-887cc9a3c15f" providerId="ADAL" clId="{1829BA35-5CAC-4DC2-A547-CB71A6C40FF1}" dt="2022-12-26T13:11:52.416" v="14847" actId="20577"/>
+          <ac:spMkLst>
+            <pc:docMk/>
+            <pc:sldMk cId="197938396" sldId="271"/>
+            <ac:spMk id="3" creationId="{23A012C4-AF79-688D-75A8-5CD0D2FF20AE}"/>
+          </ac:spMkLst>
+        </pc:spChg>
+        <pc:spChg chg="mod">
+          <ac:chgData name="이예주" userId="b627a05d-d457-425d-97ed-887cc9a3c15f" providerId="ADAL" clId="{1829BA35-5CAC-4DC2-A547-CB71A6C40FF1}" dt="2022-12-26T13:00:33.394" v="14467" actId="20577"/>
+          <ac:spMkLst>
+            <pc:docMk/>
+            <pc:sldMk cId="197938396" sldId="271"/>
+            <ac:spMk id="4" creationId="{C4B3CB12-50B0-4183-040B-732912CF871F}"/>
+          </ac:spMkLst>
+        </pc:spChg>
+      </pc:sldChg>
+      <pc:sldChg chg="delSp modSp new mod modTransition modClrScheme modAnim chgLayout">
+        <pc:chgData name="이예주" userId="b627a05d-d457-425d-97ed-887cc9a3c15f" providerId="ADAL" clId="{1829BA35-5CAC-4DC2-A547-CB71A6C40FF1}" dt="2022-12-26T13:12:23.431" v="14854"/>
+        <pc:sldMkLst>
+          <pc:docMk/>
+          <pc:sldMk cId="3502972535" sldId="272"/>
+        </pc:sldMkLst>
+        <pc:spChg chg="mod ord">
+          <ac:chgData name="이예주" userId="b627a05d-d457-425d-97ed-887cc9a3c15f" providerId="ADAL" clId="{1829BA35-5CAC-4DC2-A547-CB71A6C40FF1}" dt="2022-12-26T13:10:27.038" v="14831" actId="700"/>
+          <ac:spMkLst>
+            <pc:docMk/>
+            <pc:sldMk cId="3502972535" sldId="272"/>
+            <ac:spMk id="2" creationId="{CC099F54-DCC2-5CDE-98D7-865269E28199}"/>
+          </ac:spMkLst>
+        </pc:spChg>
+        <pc:spChg chg="mod ord">
+          <ac:chgData name="이예주" userId="b627a05d-d457-425d-97ed-887cc9a3c15f" providerId="ADAL" clId="{1829BA35-5CAC-4DC2-A547-CB71A6C40FF1}" dt="2022-12-26T13:10:27.038" v="14831" actId="700"/>
+          <ac:spMkLst>
+            <pc:docMk/>
+            <pc:sldMk cId="3502972535" sldId="272"/>
+            <ac:spMk id="3" creationId="{3BFAC0BB-B98C-2EF7-C739-AF51EC5F3548}"/>
+          </ac:spMkLst>
+        </pc:spChg>
+        <pc:spChg chg="del">
+          <ac:chgData name="이예주" userId="b627a05d-d457-425d-97ed-887cc9a3c15f" providerId="ADAL" clId="{1829BA35-5CAC-4DC2-A547-CB71A6C40FF1}" dt="2022-12-26T13:10:27.038" v="14831" actId="700"/>
+          <ac:spMkLst>
+            <pc:docMk/>
+            <pc:sldMk cId="3502972535" sldId="272"/>
+            <ac:spMk id="4" creationId="{2D675E91-5CF0-8820-1502-A4C1C4BD51FA}"/>
           </ac:spMkLst>
         </pc:spChg>
       </pc:sldChg>
@@ -604,7 +980,7 @@
           <a:p>
             <a:fld id="{9D0D92BC-42A9-434B-8530-ADBF4485E407}" type="datetimeFigureOut">
               <a:rPr lang="en-US" smtClean="0"/>
-              <a:t>12/25/2022</a:t>
+              <a:t>12/26/2022</a:t>
             </a:fld>
             <a:endParaRPr lang="en-US"/>
           </a:p>
@@ -855,7 +1231,7 @@
           <a:p>
             <a:fld id="{9D0D92BC-42A9-434B-8530-ADBF4485E407}" type="datetimeFigureOut">
               <a:rPr lang="en-US" smtClean="0"/>
-              <a:t>12/25/2022</a:t>
+              <a:t>12/26/2022</a:t>
             </a:fld>
             <a:endParaRPr lang="en-US"/>
           </a:p>
@@ -1063,7 +1439,7 @@
           <a:p>
             <a:fld id="{9D0D92BC-42A9-434B-8530-ADBF4485E407}" type="datetimeFigureOut">
               <a:rPr lang="en-US" smtClean="0"/>
-              <a:t>12/25/2022</a:t>
+              <a:t>12/26/2022</a:t>
             </a:fld>
             <a:endParaRPr lang="en-US"/>
           </a:p>
@@ -1261,7 +1637,7 @@
           <a:p>
             <a:fld id="{9D0D92BC-42A9-434B-8530-ADBF4485E407}" type="datetimeFigureOut">
               <a:rPr lang="en-US" smtClean="0"/>
-              <a:t>12/25/2022</a:t>
+              <a:t>12/26/2022</a:t>
             </a:fld>
             <a:endParaRPr lang="en-US"/>
           </a:p>
@@ -1541,7 +1917,7 @@
           <a:p>
             <a:fld id="{9D0D92BC-42A9-434B-8530-ADBF4485E407}" type="datetimeFigureOut">
               <a:rPr lang="en-US" smtClean="0"/>
-              <a:t>12/25/2022</a:t>
+              <a:t>12/26/2022</a:t>
             </a:fld>
             <a:endParaRPr lang="en-US"/>
           </a:p>
@@ -1849,7 +2225,7 @@
           <a:p>
             <a:fld id="{9D0D92BC-42A9-434B-8530-ADBF4485E407}" type="datetimeFigureOut">
               <a:rPr lang="en-US" smtClean="0"/>
-              <a:t>12/25/2022</a:t>
+              <a:t>12/26/2022</a:t>
             </a:fld>
             <a:endParaRPr lang="en-US"/>
           </a:p>
@@ -2269,7 +2645,7 @@
           <a:p>
             <a:fld id="{9D0D92BC-42A9-434B-8530-ADBF4485E407}" type="datetimeFigureOut">
               <a:rPr lang="en-US" smtClean="0"/>
-              <a:t>12/25/2022</a:t>
+              <a:t>12/26/2022</a:t>
             </a:fld>
             <a:endParaRPr lang="en-US"/>
           </a:p>
@@ -2501,7 +2877,7 @@
           <a:p>
             <a:fld id="{9D0D92BC-42A9-434B-8530-ADBF4485E407}" type="datetimeFigureOut">
               <a:rPr lang="en-US" smtClean="0"/>
-              <a:t>12/25/2022</a:t>
+              <a:t>12/26/2022</a:t>
             </a:fld>
             <a:endParaRPr lang="en-US"/>
           </a:p>
@@ -2614,7 +2990,7 @@
           <a:p>
             <a:fld id="{9D0D92BC-42A9-434B-8530-ADBF4485E407}" type="datetimeFigureOut">
               <a:rPr lang="en-US" smtClean="0"/>
-              <a:t>12/25/2022</a:t>
+              <a:t>12/26/2022</a:t>
             </a:fld>
             <a:endParaRPr lang="en-US"/>
           </a:p>
@@ -2931,7 +3307,7 @@
           <a:p>
             <a:fld id="{9D0D92BC-42A9-434B-8530-ADBF4485E407}" type="datetimeFigureOut">
               <a:rPr lang="en-US" smtClean="0"/>
-              <a:t>12/25/2022</a:t>
+              <a:t>12/26/2022</a:t>
             </a:fld>
             <a:endParaRPr lang="en-US"/>
           </a:p>
@@ -3223,7 +3599,7 @@
           <a:p>
             <a:fld id="{9D0D92BC-42A9-434B-8530-ADBF4485E407}" type="datetimeFigureOut">
               <a:rPr lang="en-US" smtClean="0"/>
-              <a:t>12/25/2022</a:t>
+              <a:t>12/26/2022</a:t>
             </a:fld>
             <a:endParaRPr lang="en-US"/>
           </a:p>
@@ -3530,7 +3906,7 @@
             <a:fld id="{9D0D92BC-42A9-434B-8530-ADBF4485E407}" type="datetimeFigureOut">
               <a:rPr lang="en-US" smtClean="0"/>
               <a:pPr/>
-              <a:t>12/25/2022</a:t>
+              <a:t>12/26/2022</a:t>
             </a:fld>
             <a:endParaRPr lang="en-US" dirty="0"/>
           </a:p>
@@ -4297,7 +4673,7 @@
             </a:r>
             <a:r>
               <a:rPr lang="ko-KR" altLang="en-US" dirty="0"/>
-              <a:t> 굴절 언어</a:t>
+              <a:t> 굴절어 이론</a:t>
             </a:r>
           </a:p>
         </p:txBody>
@@ -4547,6 +4923,638 @@
 </file>
 
 <file path=ppt/slides/slide10.xml><?xml version="1.0" encoding="utf-8"?>
+<p:sld xmlns:a="http://schemas.openxmlformats.org/drawingml/2006/main" xmlns:r="http://schemas.openxmlformats.org/officeDocument/2006/relationships" xmlns:p="http://schemas.openxmlformats.org/presentationml/2006/main">
+  <p:cSld>
+    <p:spTree>
+      <p:nvGrpSpPr>
+        <p:cNvPr id="1" name=""/>
+        <p:cNvGrpSpPr/>
+        <p:nvPr/>
+      </p:nvGrpSpPr>
+      <p:grpSpPr>
+        <a:xfrm>
+          <a:off x="0" y="0"/>
+          <a:ext cx="0" cy="0"/>
+          <a:chOff x="0" y="0"/>
+          <a:chExt cx="0" cy="0"/>
+        </a:xfrm>
+      </p:grpSpPr>
+      <p:sp>
+        <p:nvSpPr>
+          <p:cNvPr id="2" name="제목 1">
+            <a:extLst>
+              <a:ext uri="{FF2B5EF4-FFF2-40B4-BE49-F238E27FC236}">
+                <a16:creationId xmlns:a16="http://schemas.microsoft.com/office/drawing/2014/main" id="{2E2E8794-54C9-4CA6-1A39-28C65AE4B9E7}"/>
+              </a:ext>
+            </a:extLst>
+          </p:cNvPr>
+          <p:cNvSpPr>
+            <a:spLocks noGrp="1"/>
+          </p:cNvSpPr>
+          <p:nvPr>
+            <p:ph type="title"/>
+          </p:nvPr>
+        </p:nvSpPr>
+        <p:spPr/>
+        <p:txBody>
+          <a:bodyPr/>
+          <a:lstStyle/>
+          <a:p>
+            <a:r>
+              <a:rPr lang="ko-KR" altLang="en-US" dirty="0" err="1"/>
+              <a:t>오일러</a:t>
+            </a:r>
+            <a:r>
+              <a:rPr lang="ko-KR" altLang="en-US" dirty="0"/>
+              <a:t> </a:t>
+            </a:r>
+            <a:r>
+              <a:rPr lang="ko-KR" altLang="en-US" dirty="0" err="1"/>
+              <a:t>정리란</a:t>
+            </a:r>
+            <a:r>
+              <a:rPr lang="en-US" altLang="ko-KR" dirty="0"/>
+              <a:t>? (</a:t>
+            </a:r>
+            <a:r>
+              <a:rPr lang="ko-KR" altLang="en-US" dirty="0"/>
+              <a:t>복기</a:t>
+            </a:r>
+            <a:r>
+              <a:rPr lang="en-US" altLang="ko-KR" dirty="0"/>
+              <a:t>)</a:t>
+            </a:r>
+            <a:endParaRPr lang="ko-KR" altLang="en-US" dirty="0"/>
+          </a:p>
+        </p:txBody>
+      </p:sp>
+      <mc:AlternateContent xmlns:mc="http://schemas.openxmlformats.org/markup-compatibility/2006">
+        <mc:Choice xmlns:a14="http://schemas.microsoft.com/office/drawing/2010/main" Requires="a14">
+          <p:sp>
+            <p:nvSpPr>
+              <p:cNvPr id="3" name="내용 개체 틀 2">
+                <a:extLst>
+                  <a:ext uri="{FF2B5EF4-FFF2-40B4-BE49-F238E27FC236}">
+                    <a16:creationId xmlns:a16="http://schemas.microsoft.com/office/drawing/2014/main" id="{8AACC597-3729-14FB-85AC-2869E4515444}"/>
+                  </a:ext>
+                </a:extLst>
+              </p:cNvPr>
+              <p:cNvSpPr>
+                <a:spLocks noGrp="1"/>
+              </p:cNvSpPr>
+              <p:nvPr>
+                <p:ph sz="half" idx="1"/>
+              </p:nvPr>
+            </p:nvSpPr>
+            <p:spPr/>
+            <p:txBody>
+              <a:bodyPr anchor="t"/>
+              <a:lstStyle/>
+              <a:p>
+                <a:pPr marL="342900" indent="-342900">
+                  <a:buFont typeface="+mj-lt"/>
+                  <a:buAutoNum type="arabicPeriod"/>
+                </a:pPr>
+                <a14:m>
+                  <m:oMath xmlns:m="http://schemas.openxmlformats.org/officeDocument/2006/math">
+                    <m:r>
+                      <a:rPr lang="en-US" altLang="ko-KR" b="0" i="1" smtClean="0">
+                        <a:latin typeface="Cambria Math" panose="02040503050406030204" pitchFamily="18" charset="0"/>
+                      </a:rPr>
+                      <m:t>𝜙</m:t>
+                    </m:r>
+                    <m:d>
+                      <m:dPr>
+                        <m:ctrlPr>
+                          <a:rPr lang="en-US" altLang="ko-KR" b="0" i="1" smtClean="0">
+                            <a:latin typeface="Cambria Math" panose="02040503050406030204" pitchFamily="18" charset="0"/>
+                          </a:rPr>
+                        </m:ctrlPr>
+                      </m:dPr>
+                      <m:e>
+                        <m:r>
+                          <a:rPr lang="en-US" altLang="ko-KR" b="0" i="1" smtClean="0">
+                            <a:latin typeface="Cambria Math" panose="02040503050406030204" pitchFamily="18" charset="0"/>
+                          </a:rPr>
+                          <m:t>𝑛</m:t>
+                        </m:r>
+                      </m:e>
+                    </m:d>
+                  </m:oMath>
+                </a14:m>
+                <a:r>
+                  <a:rPr lang="en-US" altLang="ko-KR" dirty="0"/>
+                  <a:t>: </a:t>
+                </a:r>
+                <a14:m>
+                  <m:oMath xmlns:m="http://schemas.openxmlformats.org/officeDocument/2006/math">
+                    <m:r>
+                      <a:rPr lang="en-US" altLang="ko-KR" b="0" i="1" smtClean="0">
+                        <a:latin typeface="Cambria Math" panose="02040503050406030204" pitchFamily="18" charset="0"/>
+                      </a:rPr>
+                      <m:t>𝑛</m:t>
+                    </m:r>
+                  </m:oMath>
+                </a14:m>
+                <a:r>
+                  <a:rPr lang="ko-KR" altLang="en-US" dirty="0"/>
+                  <a:t>보다 작으면서 그와 서로 소인 자연수들의 개수</a:t>
+                </a:r>
+                <a:endParaRPr lang="en-US" altLang="ko-KR" dirty="0"/>
+              </a:p>
+              <a:p>
+                <a:pPr marL="342900" indent="-342900">
+                  <a:buFont typeface="+mj-lt"/>
+                  <a:buAutoNum type="arabicPeriod"/>
+                </a:pPr>
+                <a:r>
+                  <a:rPr lang="ko-KR" altLang="en-US" dirty="0"/>
+                  <a:t>피제수의 밑과 제수가 서로 소일 때</a:t>
+                </a:r>
+                <a:r>
+                  <a:rPr lang="en-US" altLang="ko-KR" dirty="0"/>
+                  <a:t>, </a:t>
+                </a:r>
+                <a:r>
+                  <a:rPr lang="ko-KR" altLang="en-US" dirty="0"/>
+                  <a:t>피제수의 밑을 </a:t>
+                </a:r>
+                <a14:m>
+                  <m:oMath xmlns:m="http://schemas.openxmlformats.org/officeDocument/2006/math">
+                    <m:r>
+                      <a:rPr lang="en-US" altLang="ko-KR" b="0" i="1" smtClean="0">
+                        <a:latin typeface="Cambria Math" panose="02040503050406030204" pitchFamily="18" charset="0"/>
+                      </a:rPr>
+                      <m:t>𝜙</m:t>
+                    </m:r>
+                    <m:d>
+                      <m:dPr>
+                        <m:ctrlPr>
+                          <a:rPr lang="en-US" altLang="ko-KR" b="0" i="1" smtClean="0">
+                            <a:latin typeface="Cambria Math" panose="02040503050406030204" pitchFamily="18" charset="0"/>
+                          </a:rPr>
+                        </m:ctrlPr>
+                      </m:dPr>
+                      <m:e>
+                        <m:r>
+                          <a:rPr lang="en-US" altLang="ko-KR" b="0" i="1" smtClean="0">
+                            <a:latin typeface="Cambria Math" panose="02040503050406030204" pitchFamily="18" charset="0"/>
+                          </a:rPr>
+                          <m:t>𝑛</m:t>
+                        </m:r>
+                      </m:e>
+                    </m:d>
+                  </m:oMath>
+                </a14:m>
+                <a:r>
+                  <a:rPr lang="ko-KR" altLang="en-US" dirty="0"/>
+                  <a:t>만큼 제곱한 수를 나누면 </a:t>
+                </a:r>
+                <a:r>
+                  <a:rPr lang="en-US" altLang="ko-KR" dirty="0"/>
+                  <a:t>1</a:t>
+                </a:r>
+                <a:r>
+                  <a:rPr lang="ko-KR" altLang="en-US" dirty="0"/>
+                  <a:t>이 된다는 정리</a:t>
+                </a:r>
+                <a:r>
+                  <a:rPr lang="en-US" altLang="ko-KR" dirty="0"/>
+                  <a:t>.</a:t>
+                </a:r>
+                <a:endParaRPr lang="ko-KR" altLang="en-US" dirty="0"/>
+              </a:p>
+            </p:txBody>
+          </p:sp>
+        </mc:Choice>
+        <mc:Fallback>
+          <p:sp>
+            <p:nvSpPr>
+              <p:cNvPr id="3" name="내용 개체 틀 2">
+                <a:extLst>
+                  <a:ext uri="{FF2B5EF4-FFF2-40B4-BE49-F238E27FC236}">
+                    <a16:creationId xmlns:a16="http://schemas.microsoft.com/office/drawing/2014/main" id="{8AACC597-3729-14FB-85AC-2869E4515444}"/>
+                  </a:ext>
+                </a:extLst>
+              </p:cNvPr>
+              <p:cNvSpPr>
+                <a:spLocks noGrp="1" noRot="1" noChangeAspect="1" noMove="1" noResize="1" noEditPoints="1" noAdjustHandles="1" noChangeArrowheads="1" noChangeShapeType="1" noTextEdit="1"/>
+              </p:cNvSpPr>
+              <p:nvPr>
+                <p:ph sz="half" idx="1"/>
+              </p:nvPr>
+            </p:nvSpPr>
+            <p:spPr>
+              <a:blipFill>
+                <a:blip r:embed="rId2"/>
+                <a:stretch>
+                  <a:fillRect l="-962" t="-157"/>
+                </a:stretch>
+              </a:blipFill>
+            </p:spPr>
+            <p:txBody>
+              <a:bodyPr/>
+              <a:lstStyle/>
+              <a:p>
+                <a:r>
+                  <a:rPr lang="ko-KR" altLang="en-US">
+                    <a:noFill/>
+                  </a:rPr>
+                  <a:t> </a:t>
+                </a:r>
+              </a:p>
+            </p:txBody>
+          </p:sp>
+        </mc:Fallback>
+      </mc:AlternateContent>
+      <mc:AlternateContent xmlns:mc="http://schemas.openxmlformats.org/markup-compatibility/2006" xmlns:a14="http://schemas.microsoft.com/office/drawing/2010/main">
+        <mc:Choice Requires="a14">
+          <p:sp>
+            <p:nvSpPr>
+              <p:cNvPr id="4" name="내용 개체 틀 3">
+                <a:extLst>
+                  <a:ext uri="{FF2B5EF4-FFF2-40B4-BE49-F238E27FC236}">
+                    <a16:creationId xmlns:a16="http://schemas.microsoft.com/office/drawing/2014/main" id="{F91ED0E4-2F99-63C2-0990-38752ECCF870}"/>
+                  </a:ext>
+                </a:extLst>
+              </p:cNvPr>
+              <p:cNvSpPr>
+                <a:spLocks noGrp="1"/>
+              </p:cNvSpPr>
+              <p:nvPr>
+                <p:ph sz="half" idx="2"/>
+              </p:nvPr>
+            </p:nvSpPr>
+            <p:spPr/>
+            <p:txBody>
+              <a:bodyPr anchor="t">
+                <a:normAutofit/>
+              </a:bodyPr>
+              <a:lstStyle/>
+              <a:p>
+                <a:pPr marL="0" indent="0" algn="ctr">
+                  <a:buNone/>
+                </a:pPr>
+                <a14:m>
+                  <m:oMathPara xmlns:m="http://schemas.openxmlformats.org/officeDocument/2006/math">
+                    <m:oMathParaPr>
+                      <m:jc m:val="centerGroup"/>
+                    </m:oMathParaPr>
+                    <m:oMath xmlns:m="http://schemas.openxmlformats.org/officeDocument/2006/math">
+                      <m:sSup>
+                        <m:sSupPr>
+                          <m:ctrlPr>
+                            <a:rPr lang="en-US" altLang="ko-KR" sz="4000" b="0" i="1" smtClean="0">
+                              <a:latin typeface="Cambria Math" panose="02040503050406030204" pitchFamily="18" charset="0"/>
+                            </a:rPr>
+                          </m:ctrlPr>
+                        </m:sSupPr>
+                        <m:e>
+                          <m:r>
+                            <a:rPr lang="en-US" altLang="ko-KR" sz="4000" b="0" i="1" smtClean="0">
+                              <a:latin typeface="Cambria Math" panose="02040503050406030204" pitchFamily="18" charset="0"/>
+                            </a:rPr>
+                            <m:t>𝑎</m:t>
+                          </m:r>
+                        </m:e>
+                        <m:sup>
+                          <m:r>
+                            <a:rPr lang="en-US" altLang="ko-KR" sz="4000" b="0" i="1" smtClean="0">
+                              <a:latin typeface="Cambria Math" panose="02040503050406030204" pitchFamily="18" charset="0"/>
+                            </a:rPr>
+                            <m:t>𝜙</m:t>
+                          </m:r>
+                          <m:d>
+                            <m:dPr>
+                              <m:ctrlPr>
+                                <a:rPr lang="en-US" altLang="ko-KR" sz="4000" b="0" i="1" smtClean="0">
+                                  <a:latin typeface="Cambria Math" panose="02040503050406030204" pitchFamily="18" charset="0"/>
+                                </a:rPr>
+                              </m:ctrlPr>
+                            </m:dPr>
+                            <m:e>
+                              <m:r>
+                                <a:rPr lang="en-US" altLang="ko-KR" sz="4000" b="0" i="1" smtClean="0">
+                                  <a:latin typeface="Cambria Math" panose="02040503050406030204" pitchFamily="18" charset="0"/>
+                                </a:rPr>
+                                <m:t>𝑛</m:t>
+                              </m:r>
+                            </m:e>
+                          </m:d>
+                        </m:sup>
+                      </m:sSup>
+                      <m:r>
+                        <a:rPr lang="en-US" altLang="ko-KR" sz="4000" b="0" i="1" smtClean="0">
+                          <a:latin typeface="Cambria Math" panose="02040503050406030204" pitchFamily="18" charset="0"/>
+                        </a:rPr>
+                        <m:t>≡1 </m:t>
+                      </m:r>
+                      <m:d>
+                        <m:dPr>
+                          <m:ctrlPr>
+                            <a:rPr lang="en-US" altLang="ko-KR" sz="4000" b="0" i="1" smtClean="0">
+                              <a:latin typeface="Cambria Math" panose="02040503050406030204" pitchFamily="18" charset="0"/>
+                            </a:rPr>
+                          </m:ctrlPr>
+                        </m:dPr>
+                        <m:e>
+                          <m:r>
+                            <m:rPr>
+                              <m:sty m:val="p"/>
+                            </m:rPr>
+                            <a:rPr lang="en-US" altLang="ko-KR" sz="4000" b="0" i="1" smtClean="0">
+                              <a:latin typeface="Cambria Math" panose="02040503050406030204" pitchFamily="18" charset="0"/>
+                            </a:rPr>
+                            <m:t>mod</m:t>
+                          </m:r>
+                          <m:r>
+                            <a:rPr lang="en-US" altLang="ko-KR" sz="4000" b="0" i="1" smtClean="0">
+                              <a:latin typeface="Cambria Math" panose="02040503050406030204" pitchFamily="18" charset="0"/>
+                            </a:rPr>
+                            <m:t> </m:t>
+                          </m:r>
+                          <m:r>
+                            <a:rPr lang="en-US" altLang="ko-KR" sz="4000" b="0" i="1" smtClean="0">
+                              <a:latin typeface="Cambria Math" panose="02040503050406030204" pitchFamily="18" charset="0"/>
+                            </a:rPr>
+                            <m:t>𝑛</m:t>
+                          </m:r>
+                        </m:e>
+                      </m:d>
+                    </m:oMath>
+                  </m:oMathPara>
+                </a14:m>
+                <a:endParaRPr lang="en-US" altLang="ko-KR" sz="4000" dirty="0"/>
+              </a:p>
+            </p:txBody>
+          </p:sp>
+        </mc:Choice>
+        <mc:Fallback xmlns="">
+          <p:sp>
+            <p:nvSpPr>
+              <p:cNvPr id="4" name="내용 개체 틀 3">
+                <a:extLst>
+                  <a:ext uri="{FF2B5EF4-FFF2-40B4-BE49-F238E27FC236}">
+                    <a16:creationId xmlns:a16="http://schemas.microsoft.com/office/drawing/2014/main" id="{F91ED0E4-2F99-63C2-0990-38752ECCF870}"/>
+                  </a:ext>
+                </a:extLst>
+              </p:cNvPr>
+              <p:cNvSpPr>
+                <a:spLocks noGrp="1" noRot="1" noChangeAspect="1" noMove="1" noResize="1" noEditPoints="1" noAdjustHandles="1" noChangeArrowheads="1" noChangeShapeType="1" noTextEdit="1"/>
+              </p:cNvSpPr>
+              <p:nvPr>
+                <p:ph sz="half" idx="2"/>
+              </p:nvPr>
+            </p:nvSpPr>
+            <p:spPr>
+              <a:blipFill>
+                <a:blip r:embed="rId3"/>
+                <a:stretch>
+                  <a:fillRect/>
+                </a:stretch>
+              </a:blipFill>
+            </p:spPr>
+            <p:txBody>
+              <a:bodyPr/>
+              <a:lstStyle/>
+              <a:p>
+                <a:r>
+                  <a:rPr lang="ko-KR" altLang="en-US">
+                    <a:noFill/>
+                  </a:rPr>
+                  <a:t> </a:t>
+                </a:r>
+              </a:p>
+            </p:txBody>
+          </p:sp>
+        </mc:Fallback>
+      </mc:AlternateContent>
+    </p:spTree>
+    <p:extLst>
+      <p:ext uri="{BB962C8B-B14F-4D97-AF65-F5344CB8AC3E}">
+        <p14:creationId xmlns:p14="http://schemas.microsoft.com/office/powerpoint/2010/main" val="635459666"/>
+      </p:ext>
+    </p:extLst>
+  </p:cSld>
+  <p:clrMapOvr>
+    <a:masterClrMapping/>
+  </p:clrMapOvr>
+  <p:transition spd="slow">
+    <p:push/>
+  </p:transition>
+  <p:timing>
+    <p:tnLst>
+      <p:par>
+        <p:cTn id="1" dur="indefinite" restart="never" nodeType="tmRoot">
+          <p:childTnLst>
+            <p:seq concurrent="1" nextAc="seek">
+              <p:cTn id="2" dur="indefinite" nodeType="mainSeq">
+                <p:childTnLst>
+                  <p:par>
+                    <p:cTn id="3" fill="hold">
+                      <p:stCondLst>
+                        <p:cond delay="indefinite"/>
+                      </p:stCondLst>
+                      <p:childTnLst>
+                        <p:par>
+                          <p:cTn id="4" fill="hold">
+                            <p:stCondLst>
+                              <p:cond delay="0"/>
+                            </p:stCondLst>
+                            <p:childTnLst>
+                              <p:par>
+                                <p:cTn id="5" presetID="16" presetClass="emph" presetSubtype="0" fill="hold" grpId="0" nodeType="clickEffect">
+                                  <p:stCondLst>
+                                    <p:cond delay="0"/>
+                                  </p:stCondLst>
+                                  <p:iterate type="lt">
+                                    <p:tmPct val="4000"/>
+                                  </p:iterate>
+                                  <p:childTnLst>
+                                    <p:set>
+                                      <p:cBhvr override="childStyle">
+                                        <p:cTn id="6" dur="500" fill="hold"/>
+                                        <p:tgtEl>
+                                          <p:spTgt spid="3">
+                                            <p:txEl>
+                                              <p:pRg st="0" end="0"/>
+                                            </p:txEl>
+                                          </p:spTgt>
+                                        </p:tgtEl>
+                                        <p:attrNameLst>
+                                          <p:attrName>style.color</p:attrName>
+                                        </p:attrNameLst>
+                                      </p:cBhvr>
+                                      <p:to>
+                                        <p:clrVal>
+                                          <a:srgbClr val="FF0000"/>
+                                        </p:clrVal>
+                                      </p:to>
+                                    </p:set>
+                                    <p:set>
+                                      <p:cBhvr>
+                                        <p:cTn id="7" dur="500" fill="hold"/>
+                                        <p:tgtEl>
+                                          <p:spTgt spid="3">
+                                            <p:txEl>
+                                              <p:pRg st="0" end="0"/>
+                                            </p:txEl>
+                                          </p:spTgt>
+                                        </p:tgtEl>
+                                        <p:attrNameLst>
+                                          <p:attrName>fillcolor</p:attrName>
+                                        </p:attrNameLst>
+                                      </p:cBhvr>
+                                      <p:to>
+                                        <p:clrVal>
+                                          <a:srgbClr val="FF0000"/>
+                                        </p:clrVal>
+                                      </p:to>
+                                    </p:set>
+                                    <p:set>
+                                      <p:cBhvr>
+                                        <p:cTn id="8" dur="500" fill="hold"/>
+                                        <p:tgtEl>
+                                          <p:spTgt spid="3">
+                                            <p:txEl>
+                                              <p:pRg st="0" end="0"/>
+                                            </p:txEl>
+                                          </p:spTgt>
+                                        </p:tgtEl>
+                                        <p:attrNameLst>
+                                          <p:attrName>fill.type</p:attrName>
+                                        </p:attrNameLst>
+                                      </p:cBhvr>
+                                      <p:to>
+                                        <p:strVal val="solid"/>
+                                      </p:to>
+                                    </p:set>
+                                  </p:childTnLst>
+                                </p:cTn>
+                              </p:par>
+                            </p:childTnLst>
+                          </p:cTn>
+                        </p:par>
+                      </p:childTnLst>
+                    </p:cTn>
+                  </p:par>
+                  <p:par>
+                    <p:cTn id="9" fill="hold">
+                      <p:stCondLst>
+                        <p:cond delay="indefinite"/>
+                      </p:stCondLst>
+                      <p:childTnLst>
+                        <p:par>
+                          <p:cTn id="10" fill="hold">
+                            <p:stCondLst>
+                              <p:cond delay="0"/>
+                            </p:stCondLst>
+                            <p:childTnLst>
+                              <p:par>
+                                <p:cTn id="11" presetID="16" presetClass="emph" presetSubtype="0" fill="hold" grpId="0" nodeType="clickEffect">
+                                  <p:stCondLst>
+                                    <p:cond delay="0"/>
+                                  </p:stCondLst>
+                                  <p:iterate type="lt">
+                                    <p:tmPct val="4000"/>
+                                  </p:iterate>
+                                  <p:childTnLst>
+                                    <p:set>
+                                      <p:cBhvr override="childStyle">
+                                        <p:cTn id="12" dur="500" fill="hold"/>
+                                        <p:tgtEl>
+                                          <p:spTgt spid="3">
+                                            <p:txEl>
+                                              <p:pRg st="1" end="1"/>
+                                            </p:txEl>
+                                          </p:spTgt>
+                                        </p:tgtEl>
+                                        <p:attrNameLst>
+                                          <p:attrName>style.color</p:attrName>
+                                        </p:attrNameLst>
+                                      </p:cBhvr>
+                                      <p:to>
+                                        <p:clrVal>
+                                          <a:srgbClr val="FF0000"/>
+                                        </p:clrVal>
+                                      </p:to>
+                                    </p:set>
+                                    <p:set>
+                                      <p:cBhvr>
+                                        <p:cTn id="13" dur="500" fill="hold"/>
+                                        <p:tgtEl>
+                                          <p:spTgt spid="3">
+                                            <p:txEl>
+                                              <p:pRg st="1" end="1"/>
+                                            </p:txEl>
+                                          </p:spTgt>
+                                        </p:tgtEl>
+                                        <p:attrNameLst>
+                                          <p:attrName>fillcolor</p:attrName>
+                                        </p:attrNameLst>
+                                      </p:cBhvr>
+                                      <p:to>
+                                        <p:clrVal>
+                                          <a:srgbClr val="FF0000"/>
+                                        </p:clrVal>
+                                      </p:to>
+                                    </p:set>
+                                    <p:set>
+                                      <p:cBhvr>
+                                        <p:cTn id="14" dur="500" fill="hold"/>
+                                        <p:tgtEl>
+                                          <p:spTgt spid="3">
+                                            <p:txEl>
+                                              <p:pRg st="1" end="1"/>
+                                            </p:txEl>
+                                          </p:spTgt>
+                                        </p:tgtEl>
+                                        <p:attrNameLst>
+                                          <p:attrName>fill.type</p:attrName>
+                                        </p:attrNameLst>
+                                      </p:cBhvr>
+                                      <p:to>
+                                        <p:strVal val="solid"/>
+                                      </p:to>
+                                    </p:set>
+                                  </p:childTnLst>
+                                </p:cTn>
+                              </p:par>
+                            </p:childTnLst>
+                          </p:cTn>
+                        </p:par>
+                      </p:childTnLst>
+                    </p:cTn>
+                  </p:par>
+                </p:childTnLst>
+              </p:cTn>
+              <p:prevCondLst>
+                <p:cond evt="onPrev" delay="0">
+                  <p:tgtEl>
+                    <p:sldTgt/>
+                  </p:tgtEl>
+                </p:cond>
+              </p:prevCondLst>
+              <p:nextCondLst>
+                <p:cond evt="onNext" delay="0">
+                  <p:tgtEl>
+                    <p:sldTgt/>
+                  </p:tgtEl>
+                </p:cond>
+              </p:nextCondLst>
+            </p:seq>
+          </p:childTnLst>
+        </p:cTn>
+      </p:par>
+    </p:tnLst>
+    <p:bldLst>
+      <p:bldP spid="3" grpId="0" build="p"/>
+    </p:bldLst>
+  </p:timing>
+</p:sld>
+</file>
+
+<file path=ppt/slides/slide11.xml><?xml version="1.0" encoding="utf-8"?>
 <p:sld xmlns:a="http://schemas.openxmlformats.org/drawingml/2006/main" xmlns:r="http://schemas.openxmlformats.org/officeDocument/2006/relationships" xmlns:p="http://schemas.openxmlformats.org/presentationml/2006/main">
   <p:cSld>
     <p:spTree>
@@ -5169,133 +6177,8 @@
                   <a:buAutoNum type="arabicPeriod"/>
                 </a:pPr>
                 <a:r>
-                  <a:rPr lang="ko-KR" altLang="en-US" dirty="0"/>
-                  <a:t>한편 </a:t>
-                </a:r>
-                <a14:m>
-                  <m:oMath xmlns:m="http://schemas.openxmlformats.org/officeDocument/2006/math">
-                    <m:r>
-                      <a:rPr lang="en-US" altLang="ko-KR" b="0" i="1" smtClean="0">
-                        <a:latin typeface="Cambria Math" panose="02040503050406030204" pitchFamily="18" charset="0"/>
-                      </a:rPr>
-                      <m:t>𝑏</m:t>
-                    </m:r>
-                    <m:r>
-                      <a:rPr lang="en-US" altLang="ko-KR" b="0" i="1" smtClean="0">
-                        <a:latin typeface="Cambria Math" panose="02040503050406030204" pitchFamily="18" charset="0"/>
-                      </a:rPr>
-                      <m:t>∈</m:t>
-                    </m:r>
-                    <m:r>
-                      <a:rPr lang="en-US" altLang="ko-KR" b="0" i="1" smtClean="0">
-                        <a:latin typeface="Cambria Math" panose="02040503050406030204" pitchFamily="18" charset="0"/>
-                      </a:rPr>
-                      <m:t>ℚ</m:t>
-                    </m:r>
-                  </m:oMath>
-                </a14:m>
-                <a:r>
-                  <a:rPr lang="ko-KR" altLang="en-US" dirty="0"/>
-                  <a:t>일 때 </a:t>
-                </a:r>
-                <a14:m>
-                  <m:oMath xmlns:m="http://schemas.openxmlformats.org/officeDocument/2006/math">
-                    <m:sSup>
-                      <m:sSupPr>
-                        <m:ctrlPr>
-                          <a:rPr lang="en-US" altLang="ko-KR" b="0" i="1" smtClean="0">
-                            <a:latin typeface="Cambria Math" panose="02040503050406030204" pitchFamily="18" charset="0"/>
-                          </a:rPr>
-                        </m:ctrlPr>
-                      </m:sSupPr>
-                      <m:e>
-                        <m:r>
-                          <a:rPr lang="en-US" altLang="ko-KR" b="0" i="1" smtClean="0">
-                            <a:latin typeface="Cambria Math" panose="02040503050406030204" pitchFamily="18" charset="0"/>
-                          </a:rPr>
-                          <m:t>𝑥</m:t>
-                        </m:r>
-                      </m:e>
-                      <m:sup>
-                        <m:r>
-                          <a:rPr lang="en-US" altLang="ko-KR" b="0" i="1" smtClean="0">
-                            <a:latin typeface="Cambria Math" panose="02040503050406030204" pitchFamily="18" charset="0"/>
-                          </a:rPr>
-                          <m:t>𝑏</m:t>
-                        </m:r>
-                      </m:sup>
-                    </m:sSup>
-                    <m:r>
-                      <a:rPr lang="en-US" altLang="ko-KR" b="0" i="1" smtClean="0">
-                        <a:latin typeface="Cambria Math" panose="02040503050406030204" pitchFamily="18" charset="0"/>
-                      </a:rPr>
-                      <m:t>≡1 </m:t>
-                    </m:r>
-                    <m:d>
-                      <m:dPr>
-                        <m:ctrlPr>
-                          <a:rPr lang="en-US" altLang="ko-KR" b="0" i="1" smtClean="0">
-                            <a:latin typeface="Cambria Math" panose="02040503050406030204" pitchFamily="18" charset="0"/>
-                          </a:rPr>
-                        </m:ctrlPr>
-                      </m:dPr>
-                      <m:e>
-                        <m:r>
-                          <m:rPr>
-                            <m:sty m:val="p"/>
-                          </m:rPr>
-                          <a:rPr lang="en-US" altLang="ko-KR" b="0" i="1" smtClean="0">
-                            <a:latin typeface="Cambria Math" panose="02040503050406030204" pitchFamily="18" charset="0"/>
-                          </a:rPr>
-                          <m:t>mod</m:t>
-                        </m:r>
-                        <m:r>
-                          <a:rPr lang="en-US" altLang="ko-KR" b="0" i="1" smtClean="0">
-                            <a:latin typeface="Cambria Math" panose="02040503050406030204" pitchFamily="18" charset="0"/>
-                          </a:rPr>
-                          <m:t> </m:t>
-                        </m:r>
-                        <m:r>
-                          <a:rPr lang="en-US" altLang="ko-KR" b="0" i="1" smtClean="0">
-                            <a:latin typeface="Cambria Math" panose="02040503050406030204" pitchFamily="18" charset="0"/>
-                          </a:rPr>
-                          <m:t>𝑛</m:t>
-                        </m:r>
-                      </m:e>
-                    </m:d>
-                  </m:oMath>
-                </a14:m>
-                <a:r>
-                  <a:rPr lang="ko-KR" altLang="en-US" dirty="0"/>
-                  <a:t>의 해는 반드시 </a:t>
-                </a:r>
-                <a14:m>
-                  <m:oMath xmlns:m="http://schemas.openxmlformats.org/officeDocument/2006/math">
-                    <m:r>
-                      <a:rPr lang="en-US" altLang="ko-KR" b="0" i="1" smtClean="0">
-                        <a:latin typeface="Cambria Math" panose="02040503050406030204" pitchFamily="18" charset="0"/>
-                      </a:rPr>
-                      <m:t>±1</m:t>
-                    </m:r>
-                  </m:oMath>
-                </a14:m>
-                <a:r>
-                  <a:rPr lang="ko-KR" altLang="en-US" dirty="0"/>
-                  <a:t>임</a:t>
-                </a:r>
-                <a:r>
-                  <a:rPr lang="en-US" altLang="ko-KR" dirty="0"/>
-                  <a:t>.</a:t>
-                </a:r>
-              </a:p>
-              <a:p>
-                <a:pPr marL="342900" indent="-342900">
-                  <a:buFont typeface="+mj-lt"/>
-                  <a:buAutoNum type="arabicPeriod"/>
-                </a:pPr>
-                <a:r>
                   <a:rPr lang="ko-KR" altLang="en-US" b="1" dirty="0"/>
-                  <a:t>그렇다면 </a:t>
+                  <a:t>그런데 </a:t>
                 </a:r>
                 <a14:m>
                   <m:oMath xmlns:m="http://schemas.openxmlformats.org/officeDocument/2006/math">
@@ -5450,11 +6333,11 @@
                 </a14:m>
                 <a:r>
                   <a:rPr lang="ko-KR" altLang="en-US" b="1" dirty="0"/>
-                  <a:t>일 수도 있지 않을까</a:t>
+                  <a:t>인 경우도 존재한다</a:t>
                 </a:r>
                 <a:r>
                   <a:rPr lang="en-US" altLang="ko-KR" b="1" dirty="0"/>
-                  <a:t>?</a:t>
+                  <a:t>!</a:t>
                 </a:r>
               </a:p>
             </p:txBody>
@@ -5887,67 +6770,6 @@
                       </p:childTnLst>
                     </p:cTn>
                   </p:par>
-                  <p:par>
-                    <p:cTn id="33" fill="hold">
-                      <p:stCondLst>
-                        <p:cond delay="indefinite"/>
-                      </p:stCondLst>
-                      <p:childTnLst>
-                        <p:par>
-                          <p:cTn id="34" fill="hold">
-                            <p:stCondLst>
-                              <p:cond delay="0"/>
-                            </p:stCondLst>
-                            <p:childTnLst>
-                              <p:par>
-                                <p:cTn id="35" presetID="22" presetClass="entr" presetSubtype="8" fill="hold" grpId="0" nodeType="clickEffect">
-                                  <p:stCondLst>
-                                    <p:cond delay="0"/>
-                                  </p:stCondLst>
-                                  <p:childTnLst>
-                                    <p:set>
-                                      <p:cBhvr>
-                                        <p:cTn id="36" dur="1" fill="hold">
-                                          <p:stCondLst>
-                                            <p:cond delay="0"/>
-                                          </p:stCondLst>
-                                        </p:cTn>
-                                        <p:tgtEl>
-                                          <p:spTgt spid="5">
-                                            <p:txEl>
-                                              <p:pRg st="6" end="6"/>
-                                            </p:txEl>
-                                          </p:spTgt>
-                                        </p:tgtEl>
-                                        <p:attrNameLst>
-                                          <p:attrName>style.visibility</p:attrName>
-                                        </p:attrNameLst>
-                                      </p:cBhvr>
-                                      <p:to>
-                                        <p:strVal val="visible"/>
-                                      </p:to>
-                                    </p:set>
-                                    <p:animEffect transition="in" filter="wipe(left)">
-                                      <p:cBhvr>
-                                        <p:cTn id="37" dur="500"/>
-                                        <p:tgtEl>
-                                          <p:spTgt spid="5">
-                                            <p:txEl>
-                                              <p:pRg st="6" end="6"/>
-                                            </p:txEl>
-                                          </p:spTgt>
-                                        </p:tgtEl>
-                                      </p:cBhvr>
-                                    </p:animEffect>
-                                  </p:childTnLst>
-                                </p:cTn>
-                              </p:par>
-                            </p:childTnLst>
-                          </p:cTn>
-                        </p:par>
-                      </p:childTnLst>
-                    </p:cTn>
-                  </p:par>
                 </p:childTnLst>
               </p:cTn>
               <p:prevCondLst>
@@ -5976,7 +6798,7 @@
 </p:sld>
 </file>
 
-<file path=ppt/slides/slide11.xml><?xml version="1.0" encoding="utf-8"?>
+<file path=ppt/slides/slide12.xml><?xml version="1.0" encoding="utf-8"?>
 <p:sld xmlns:a="http://schemas.openxmlformats.org/drawingml/2006/main" xmlns:r="http://schemas.openxmlformats.org/officeDocument/2006/relationships" xmlns:p="http://schemas.openxmlformats.org/presentationml/2006/main">
   <p:cSld>
     <p:spTree>
@@ -6036,7 +6858,7 @@
                 <a:spLocks noGrp="1"/>
               </p:cNvSpPr>
               <p:nvPr>
-                <p:ph sz="half" idx="1"/>
+                <p:ph idx="1"/>
               </p:nvPr>
             </p:nvSpPr>
             <p:spPr/>
@@ -6214,7 +7036,7 @@
                 </a14:m>
                 <a:r>
                   <a:rPr lang="ko-KR" altLang="en-US" dirty="0"/>
-                  <a:t>일 때 </a:t>
+                  <a:t>일 때의 </a:t>
                 </a:r>
                 <a14:m>
                   <m:oMath xmlns:m="http://schemas.openxmlformats.org/officeDocument/2006/math">
@@ -6228,7 +7050,7 @@
                 </a14:m>
                 <a:r>
                   <a:rPr lang="ko-KR" altLang="en-US" dirty="0"/>
-                  <a:t>를 법 </a:t>
+                  <a:t>가 법 </a:t>
                 </a:r>
                 <a14:m>
                   <m:oMath xmlns:m="http://schemas.openxmlformats.org/officeDocument/2006/math">
@@ -6245,12 +7067,8 @@
                   <a:t>에 대한 </a:t>
                 </a:r>
                 <a:r>
-                  <a:rPr lang="ko-KR" altLang="en-US" b="1" dirty="0"/>
+                  <a:rPr lang="ko-KR" altLang="en-US" b="1" dirty="0" err="1"/>
                   <a:t>원시근</a:t>
-                </a:r>
-                <a:r>
-                  <a:rPr lang="ko-KR" altLang="en-US" dirty="0"/>
-                  <a:t>이라고 한다</a:t>
                 </a:r>
                 <a:r>
                   <a:rPr lang="en-US" altLang="ko-KR" dirty="0"/>
@@ -6264,16 +7082,12 @@
                 </a:pPr>
                 <a:r>
                   <a:rPr lang="ko-KR" altLang="en-US" dirty="0"/>
-                  <a:t>그런데 원시근이 존재할 필요충분조건은</a:t>
-                </a:r>
-                <a:r>
-                  <a:rPr lang="en-US" altLang="ko-KR" dirty="0"/>
-                  <a:t> </a:t>
+                  <a:t>그런데 원시근의 존재는 어떤 홀수인 소수 </a:t>
                 </a:r>
                 <a14:m>
                   <m:oMath xmlns:m="http://schemas.openxmlformats.org/officeDocument/2006/math">
                     <m:r>
-                      <a:rPr lang="en-US" altLang="ko-KR" i="1">
+                      <a:rPr lang="en-US" altLang="ko-KR" b="0" i="1" smtClean="0">
                         <a:latin typeface="Cambria Math" panose="02040503050406030204" pitchFamily="18" charset="0"/>
                       </a:rPr>
                       <m:t>𝑝</m:t>
@@ -6282,12 +7096,12 @@
                 </a14:m>
                 <a:r>
                   <a:rPr lang="ko-KR" altLang="en-US" dirty="0"/>
-                  <a:t>가 홀수인 소수이며 임의의 </a:t>
+                  <a:t>와 임의의 </a:t>
                 </a:r>
                 <a14:m>
                   <m:oMath xmlns:m="http://schemas.openxmlformats.org/officeDocument/2006/math">
                     <m:r>
-                      <a:rPr lang="en-US" altLang="ko-KR" i="1">
+                      <a:rPr lang="en-US" altLang="ko-KR" b="0" i="1" smtClean="0">
                         <a:latin typeface="Cambria Math" panose="02040503050406030204" pitchFamily="18" charset="0"/>
                       </a:rPr>
                       <m:t>𝑘</m:t>
@@ -6296,11 +7110,7 @@
                 </a14:m>
                 <a:r>
                   <a:rPr lang="ko-KR" altLang="en-US" dirty="0"/>
-                  <a:t>에 대하여</a:t>
-                </a:r>
-                <a:r>
-                  <a:rPr lang="en-US" altLang="ko-KR" dirty="0"/>
-                  <a:t> </a:t>
+                  <a:t>에 대하여 </a:t>
                 </a:r>
                 <a14:m>
                   <m:oMath xmlns:m="http://schemas.openxmlformats.org/officeDocument/2006/math">
@@ -6322,30 +7132,39 @@
                       <a:rPr lang="en-US" altLang="ko-KR" b="0" i="1" smtClean="0">
                         <a:latin typeface="Cambria Math" panose="02040503050406030204" pitchFamily="18" charset="0"/>
                       </a:rPr>
-                      <m:t>2</m:t>
+                      <m:t>2,4,</m:t>
                     </m:r>
-                  </m:oMath>
-                </a14:m>
-                <a:r>
-                  <a:rPr lang="en-US" altLang="ko-KR" dirty="0"/>
-                  <a:t>, </a:t>
-                </a:r>
-                <a14:m>
-                  <m:oMath xmlns:m="http://schemas.openxmlformats.org/officeDocument/2006/math">
+                    <m:sSup>
+                      <m:sSupPr>
+                        <m:ctrlPr>
+                          <a:rPr lang="en-US" altLang="ko-KR" b="0" i="1" smtClean="0">
+                            <a:latin typeface="Cambria Math" panose="02040503050406030204" pitchFamily="18" charset="0"/>
+                          </a:rPr>
+                        </m:ctrlPr>
+                      </m:sSupPr>
+                      <m:e>
+                        <m:r>
+                          <a:rPr lang="en-US" altLang="ko-KR" b="0" i="1" smtClean="0">
+                            <a:latin typeface="Cambria Math" panose="02040503050406030204" pitchFamily="18" charset="0"/>
+                          </a:rPr>
+                          <m:t>𝑝</m:t>
+                        </m:r>
+                      </m:e>
+                      <m:sup>
+                        <m:r>
+                          <a:rPr lang="en-US" altLang="ko-KR" b="0" i="1" smtClean="0">
+                            <a:latin typeface="Cambria Math" panose="02040503050406030204" pitchFamily="18" charset="0"/>
+                          </a:rPr>
+                          <m:t>𝑘</m:t>
+                        </m:r>
+                      </m:sup>
+                    </m:sSup>
                     <m:r>
                       <a:rPr lang="en-US" altLang="ko-KR" b="0" i="1" smtClean="0">
                         <a:latin typeface="Cambria Math" panose="02040503050406030204" pitchFamily="18" charset="0"/>
                       </a:rPr>
-                      <m:t>4</m:t>
+                      <m:t>,2</m:t>
                     </m:r>
-                  </m:oMath>
-                </a14:m>
-                <a:r>
-                  <a:rPr lang="en-US" altLang="ko-KR" dirty="0"/>
-                  <a:t>, </a:t>
-                </a:r>
-                <a14:m>
-                  <m:oMath xmlns:m="http://schemas.openxmlformats.org/officeDocument/2006/math">
                     <m:sSup>
                       <m:sSupPr>
                         <m:ctrlPr>
@@ -6375,46 +7194,15 @@
                 </a14:m>
                 <a:r>
                   <a:rPr lang="en-US" altLang="ko-KR" dirty="0"/>
-                  <a:t>, </a:t>
+                  <a:t> </a:t>
                 </a:r>
-                <a14:m>
-                  <m:oMath xmlns:m="http://schemas.openxmlformats.org/officeDocument/2006/math">
-                    <m:r>
-                      <a:rPr lang="en-US" altLang="ko-KR" b="0" i="1" smtClean="0">
-                        <a:latin typeface="Cambria Math" panose="02040503050406030204" pitchFamily="18" charset="0"/>
-                      </a:rPr>
-                      <m:t>2</m:t>
-                    </m:r>
-                    <m:sSup>
-                      <m:sSupPr>
-                        <m:ctrlPr>
-                          <a:rPr lang="en-US" altLang="ko-KR" b="0" i="1" smtClean="0">
-                            <a:latin typeface="Cambria Math" panose="02040503050406030204" pitchFamily="18" charset="0"/>
-                          </a:rPr>
-                        </m:ctrlPr>
-                      </m:sSupPr>
-                      <m:e>
-                        <m:r>
-                          <a:rPr lang="en-US" altLang="ko-KR" b="0" i="1" smtClean="0">
-                            <a:latin typeface="Cambria Math" panose="02040503050406030204" pitchFamily="18" charset="0"/>
-                          </a:rPr>
-                          <m:t>𝑝</m:t>
-                        </m:r>
-                      </m:e>
-                      <m:sup>
-                        <m:r>
-                          <a:rPr lang="en-US" altLang="ko-KR" b="0" i="1" smtClean="0">
-                            <a:latin typeface="Cambria Math" panose="02040503050406030204" pitchFamily="18" charset="0"/>
-                          </a:rPr>
-                          <m:t>𝑘</m:t>
-                        </m:r>
-                      </m:sup>
-                    </m:sSup>
-                  </m:oMath>
-                </a14:m>
                 <a:r>
                   <a:rPr lang="ko-KR" altLang="en-US" dirty="0"/>
-                  <a:t> 꼴 중 하나라는 것이다</a:t>
+                  <a:t>중 하나의 꼴을 취한다는 것과 </a:t>
+                </a:r>
+                <a:r>
+                  <a:rPr lang="ko-KR" altLang="en-US" u="sng" dirty="0"/>
+                  <a:t>동치이다</a:t>
                 </a:r>
                 <a:r>
                   <a:rPr lang="en-US" altLang="ko-KR" dirty="0"/>
@@ -6428,7 +7216,7 @@
                 </a:pPr>
                 <a:r>
                   <a:rPr lang="ko-KR" altLang="en-US" dirty="0"/>
-                  <a:t>사용되는 제수는 서로 다른 여러 소수들의 곱이므로 위 </a:t>
+                  <a:t>문장론에 사용되는 제수는 </a:t>
                 </a:r>
                 <a:r>
                   <a:rPr lang="en-US" altLang="ko-KR" dirty="0"/>
@@ -6436,10 +7224,48 @@
                 </a:r>
                 <a:r>
                   <a:rPr lang="ko-KR" altLang="en-US" dirty="0"/>
-                  <a:t>개 꼴 중 어느 하나에도 해당하지 않는다</a:t>
+                  <a:t>보다 크면서 서로 다른 여러 소수의 곱이므로 위 </a:t>
                 </a:r>
                 <a:r>
                   <a:rPr lang="en-US" altLang="ko-KR" dirty="0"/>
+                  <a:t>4</a:t>
+                </a:r>
+                <a:r>
+                  <a:rPr lang="ko-KR" altLang="en-US" dirty="0"/>
+                  <a:t>개의 꼴 중 어느 것에도 속하지 않는다</a:t>
+                </a:r>
+                <a:r>
+                  <a:rPr lang="en-US" altLang="ko-KR" dirty="0"/>
+                  <a:t>.</a:t>
+                </a:r>
+              </a:p>
+              <a:p>
+                <a:pPr marL="342900" indent="-342900">
+                  <a:buFont typeface="+mj-lt"/>
+                  <a:buAutoNum type="arabicPeriod"/>
+                </a:pPr>
+                <a:r>
+                  <a:rPr lang="ko-KR" altLang="en-US" b="1" dirty="0"/>
+                  <a:t>그러므로 모든</a:t>
+                </a:r>
+                <a:r>
+                  <a:rPr lang="en-US" altLang="ko-KR" b="1" dirty="0"/>
+                  <a:t> </a:t>
+                </a:r>
+                <a:r>
+                  <a:rPr lang="ko-KR" altLang="en-US" b="1" dirty="0"/>
+                  <a:t>정수를</a:t>
+                </a:r>
+                <a:r>
+                  <a:rPr lang="en-US" altLang="ko-KR" b="1" dirty="0"/>
+                  <a:t> </a:t>
+                </a:r>
+                <a:r>
+                  <a:rPr lang="ko-KR" altLang="en-US" b="1" dirty="0"/>
+                  <a:t>일련번호로 쓰는 것은 불가능하다</a:t>
+                </a:r>
+                <a:r>
+                  <a:rPr lang="en-US" altLang="ko-KR" b="1" dirty="0"/>
                   <a:t>.</a:t>
                 </a:r>
               </a:p>
@@ -6460,236 +7286,14 @@
                 <a:spLocks noGrp="1" noRot="1" noChangeAspect="1" noMove="1" noResize="1" noEditPoints="1" noAdjustHandles="1" noChangeArrowheads="1" noChangeShapeType="1" noTextEdit="1"/>
               </p:cNvSpPr>
               <p:nvPr>
-                <p:ph sz="half" idx="1"/>
+                <p:ph idx="1"/>
               </p:nvPr>
             </p:nvSpPr>
             <p:spPr>
               <a:blipFill>
                 <a:blip r:embed="rId2"/>
                 <a:stretch>
-                  <a:fillRect l="-962" t="-157"/>
-                </a:stretch>
-              </a:blipFill>
-            </p:spPr>
-            <p:txBody>
-              <a:bodyPr/>
-              <a:lstStyle/>
-              <a:p>
-                <a:r>
-                  <a:rPr lang="ko-KR" altLang="en-US">
-                    <a:noFill/>
-                  </a:rPr>
-                  <a:t> </a:t>
-                </a:r>
-              </a:p>
-            </p:txBody>
-          </p:sp>
-        </mc:Fallback>
-      </mc:AlternateContent>
-      <mc:AlternateContent xmlns:mc="http://schemas.openxmlformats.org/markup-compatibility/2006">
-        <mc:Choice xmlns:a14="http://schemas.microsoft.com/office/drawing/2010/main" Requires="a14">
-          <p:sp>
-            <p:nvSpPr>
-              <p:cNvPr id="4" name="내용 개체 틀 3">
-                <a:extLst>
-                  <a:ext uri="{FF2B5EF4-FFF2-40B4-BE49-F238E27FC236}">
-                    <a16:creationId xmlns:a16="http://schemas.microsoft.com/office/drawing/2014/main" id="{2985D211-A52F-13DC-F09A-2FF9725F1024}"/>
-                  </a:ext>
-                </a:extLst>
-              </p:cNvPr>
-              <p:cNvSpPr>
-                <a:spLocks noGrp="1"/>
-              </p:cNvSpPr>
-              <p:nvPr>
-                <p:ph sz="half" idx="2"/>
-              </p:nvPr>
-            </p:nvSpPr>
-            <p:spPr/>
-            <p:txBody>
-              <a:bodyPr>
-                <a:normAutofit/>
-              </a:bodyPr>
-              <a:lstStyle/>
-              <a:p>
-                <a:pPr marL="342900" indent="-342900">
-                  <a:buFont typeface="+mj-lt"/>
-                  <a:buAutoNum type="arabicPeriod" startAt="5"/>
-                </a:pPr>
-                <a:r>
-                  <a:rPr lang="ko-KR" altLang="en-US" dirty="0"/>
-                  <a:t>오일러 정리에 의해 </a:t>
-                </a:r>
-                <a14:m>
-                  <m:oMath xmlns:m="http://schemas.openxmlformats.org/officeDocument/2006/math">
-                    <m:func>
-                      <m:funcPr>
-                        <m:ctrlPr>
-                          <a:rPr lang="en-US" altLang="ko-KR" b="0" i="1" smtClean="0">
-                            <a:latin typeface="Cambria Math" panose="02040503050406030204" pitchFamily="18" charset="0"/>
-                          </a:rPr>
-                        </m:ctrlPr>
-                      </m:funcPr>
-                      <m:fName>
-                        <m:r>
-                          <m:rPr>
-                            <m:sty m:val="p"/>
-                          </m:rPr>
-                          <a:rPr lang="en-US" altLang="ko-KR" b="0" i="0" smtClean="0">
-                            <a:latin typeface="Cambria Math" panose="02040503050406030204" pitchFamily="18" charset="0"/>
-                          </a:rPr>
-                          <m:t>gcd</m:t>
-                        </m:r>
-                      </m:fName>
-                      <m:e>
-                        <m:d>
-                          <m:dPr>
-                            <m:ctrlPr>
-                              <a:rPr lang="en-US" altLang="ko-KR" b="0" i="1" smtClean="0">
-                                <a:latin typeface="Cambria Math" panose="02040503050406030204" pitchFamily="18" charset="0"/>
-                              </a:rPr>
-                            </m:ctrlPr>
-                          </m:dPr>
-                          <m:e>
-                            <m:r>
-                              <a:rPr lang="en-US" altLang="ko-KR" b="0" i="1" smtClean="0">
-                                <a:latin typeface="Cambria Math" panose="02040503050406030204" pitchFamily="18" charset="0"/>
-                              </a:rPr>
-                              <m:t>𝑎</m:t>
-                            </m:r>
-                            <m:r>
-                              <a:rPr lang="en-US" altLang="ko-KR" b="0" i="1" smtClean="0">
-                                <a:latin typeface="Cambria Math" panose="02040503050406030204" pitchFamily="18" charset="0"/>
-                              </a:rPr>
-                              <m:t>,</m:t>
-                            </m:r>
-                            <m:r>
-                              <a:rPr lang="en-US" altLang="ko-KR" b="0" i="1" smtClean="0">
-                                <a:latin typeface="Cambria Math" panose="02040503050406030204" pitchFamily="18" charset="0"/>
-                              </a:rPr>
-                              <m:t>𝑛</m:t>
-                            </m:r>
-                          </m:e>
-                        </m:d>
-                      </m:e>
-                    </m:func>
-                    <m:r>
-                      <a:rPr lang="en-US" altLang="ko-KR" b="0" i="1" smtClean="0">
-                        <a:latin typeface="Cambria Math" panose="02040503050406030204" pitchFamily="18" charset="0"/>
-                      </a:rPr>
-                      <m:t>=1⇒</m:t>
-                    </m:r>
-                    <m:sSup>
-                      <m:sSupPr>
-                        <m:ctrlPr>
-                          <a:rPr lang="en-US" altLang="ko-KR" b="0" i="1" smtClean="0">
-                            <a:latin typeface="Cambria Math" panose="02040503050406030204" pitchFamily="18" charset="0"/>
-                          </a:rPr>
-                        </m:ctrlPr>
-                      </m:sSupPr>
-                      <m:e>
-                        <m:r>
-                          <a:rPr lang="en-US" altLang="ko-KR" b="0" i="1" smtClean="0">
-                            <a:latin typeface="Cambria Math" panose="02040503050406030204" pitchFamily="18" charset="0"/>
-                          </a:rPr>
-                          <m:t>𝑎</m:t>
-                        </m:r>
-                      </m:e>
-                      <m:sup>
-                        <m:r>
-                          <a:rPr lang="en-US" altLang="ko-KR" b="0" i="1" smtClean="0">
-                            <a:latin typeface="Cambria Math" panose="02040503050406030204" pitchFamily="18" charset="0"/>
-                          </a:rPr>
-                          <m:t>𝜙</m:t>
-                        </m:r>
-                        <m:d>
-                          <m:dPr>
-                            <m:ctrlPr>
-                              <a:rPr lang="en-US" altLang="ko-KR" b="0" i="1" smtClean="0">
-                                <a:latin typeface="Cambria Math" panose="02040503050406030204" pitchFamily="18" charset="0"/>
-                              </a:rPr>
-                            </m:ctrlPr>
-                          </m:dPr>
-                          <m:e>
-                            <m:r>
-                              <a:rPr lang="en-US" altLang="ko-KR" b="0" i="1" smtClean="0">
-                                <a:latin typeface="Cambria Math" panose="02040503050406030204" pitchFamily="18" charset="0"/>
-                              </a:rPr>
-                              <m:t>𝑛</m:t>
-                            </m:r>
-                          </m:e>
-                        </m:d>
-                      </m:sup>
-                    </m:sSup>
-                    <m:r>
-                      <a:rPr lang="en-US" altLang="ko-KR" b="0" i="1" smtClean="0">
-                        <a:latin typeface="Cambria Math" panose="02040503050406030204" pitchFamily="18" charset="0"/>
-                      </a:rPr>
-                      <m:t>≡1</m:t>
-                    </m:r>
-                    <m:d>
-                      <m:dPr>
-                        <m:ctrlPr>
-                          <a:rPr lang="en-US" altLang="ko-KR" b="0" i="1" smtClean="0">
-                            <a:latin typeface="Cambria Math" panose="02040503050406030204" pitchFamily="18" charset="0"/>
-                          </a:rPr>
-                        </m:ctrlPr>
-                      </m:dPr>
-                      <m:e>
-                        <m:r>
-                          <m:rPr>
-                            <m:sty m:val="p"/>
-                          </m:rPr>
-                          <a:rPr lang="en-US" altLang="ko-KR" b="0" i="1" smtClean="0">
-                            <a:latin typeface="Cambria Math" panose="02040503050406030204" pitchFamily="18" charset="0"/>
-                          </a:rPr>
-                          <m:t>mod</m:t>
-                        </m:r>
-                        <m:r>
-                          <a:rPr lang="en-US" altLang="ko-KR" b="0" i="1" smtClean="0">
-                            <a:latin typeface="Cambria Math" panose="02040503050406030204" pitchFamily="18" charset="0"/>
-                          </a:rPr>
-                          <m:t> </m:t>
-                        </m:r>
-                        <m:r>
-                          <a:rPr lang="en-US" altLang="ko-KR" b="0" i="1" smtClean="0">
-                            <a:latin typeface="Cambria Math" panose="02040503050406030204" pitchFamily="18" charset="0"/>
-                          </a:rPr>
-                          <m:t>𝑛</m:t>
-                        </m:r>
-                      </m:e>
-                    </m:d>
-                  </m:oMath>
-                </a14:m>
-                <a:r>
-                  <a:rPr lang="en-US" altLang="ko-KR" dirty="0"/>
-                  <a:t>.</a:t>
-                </a:r>
-              </a:p>
-            </p:txBody>
-          </p:sp>
-        </mc:Choice>
-        <mc:Fallback>
-          <p:sp>
-            <p:nvSpPr>
-              <p:cNvPr id="4" name="내용 개체 틀 3">
-                <a:extLst>
-                  <a:ext uri="{FF2B5EF4-FFF2-40B4-BE49-F238E27FC236}">
-                    <a16:creationId xmlns:a16="http://schemas.microsoft.com/office/drawing/2014/main" id="{2985D211-A52F-13DC-F09A-2FF9725F1024}"/>
-                  </a:ext>
-                </a:extLst>
-              </p:cNvPr>
-              <p:cNvSpPr>
-                <a:spLocks noGrp="1" noRot="1" noChangeAspect="1" noMove="1" noResize="1" noEditPoints="1" noAdjustHandles="1" noChangeArrowheads="1" noChangeShapeType="1" noTextEdit="1"/>
-              </p:cNvSpPr>
-              <p:nvPr>
-                <p:ph sz="half" idx="2"/>
-              </p:nvPr>
-            </p:nvSpPr>
-            <p:spPr>
-              <a:blipFill>
-                <a:blip r:embed="rId3"/>
-                <a:stretch>
-                  <a:fillRect l="-963"/>
+                  <a:fillRect l="-474" t="-157"/>
                 </a:stretch>
               </a:blipFill>
             </p:spPr>
@@ -6721,9 +7325,9 @@
           <p:nvPr/>
         </p:nvSpPr>
         <p:spPr>
-          <a:xfrm rot="20700000">
-            <a:off x="3403806" y="388896"/>
-            <a:ext cx="2528596" cy="1597090"/>
+          <a:xfrm>
+            <a:off x="8710904" y="4579356"/>
+            <a:ext cx="2528596" cy="2278644"/>
           </a:xfrm>
           <a:prstGeom prst="irregularSeal1">
             <a:avLst/>
@@ -6778,15 +7382,31 @@
             <a:pPr algn="ctr"/>
             <a:r>
               <a:rPr lang="ko-KR" altLang="en-US" dirty="0"/>
-              <a:t>고마워요</a:t>
-            </a:r>
-            <a:r>
-              <a:rPr lang="en-US" altLang="ko-KR" dirty="0"/>
-              <a:t>,</a:t>
-            </a:r>
+              <a:t>도와줘서</a:t>
+            </a:r>
+            <a:endParaRPr lang="en-US" altLang="ko-KR" dirty="0"/>
           </a:p>
           <a:p>
             <a:pPr algn="ctr"/>
+            <a:r>
+              <a:rPr lang="ko-KR" altLang="en-US" dirty="0"/>
+              <a:t>고마워요</a:t>
+            </a:r>
+            <a:r>
+              <a:rPr lang="en-US" altLang="ko-KR" dirty="0"/>
+              <a:t>,</a:t>
+            </a:r>
+          </a:p>
+          <a:p>
+            <a:pPr algn="ctr"/>
+            <a:r>
+              <a:rPr lang="ko-KR" altLang="en-US" dirty="0"/>
+              <a:t>달뜬 </a:t>
+            </a:r>
+            <a:r>
+              <a:rPr lang="en-US" altLang="ko-KR" dirty="0"/>
+              <a:t>&amp; </a:t>
+            </a:r>
             <a:r>
               <a:rPr lang="ko-KR" altLang="en-US" dirty="0" err="1"/>
               <a:t>렌보</a:t>
@@ -7090,9 +7710,9 @@
                                           </p:stCondLst>
                                         </p:cTn>
                                         <p:tgtEl>
-                                          <p:spTgt spid="4">
+                                          <p:spTgt spid="3">
                                             <p:txEl>
-                                              <p:pRg st="0" end="0"/>
+                                              <p:pRg st="4" end="4"/>
                                             </p:txEl>
                                           </p:spTgt>
                                         </p:tgtEl>
@@ -7108,9 +7728,9 @@
                                       <p:cBhvr>
                                         <p:cTn id="27" dur="500"/>
                                         <p:tgtEl>
-                                          <p:spTgt spid="4">
+                                          <p:spTgt spid="3">
                                             <p:txEl>
-                                              <p:pRg st="0" end="0"/>
+                                              <p:pRg st="4" end="4"/>
                                             </p:txEl>
                                           </p:spTgt>
                                         </p:tgtEl>
@@ -7247,14 +7867,3946 @@
     </p:tnLst>
     <p:bldLst>
       <p:bldP spid="3" grpId="0" uiExpand="1" build="p"/>
-      <p:bldP spid="4" grpId="0" build="p"/>
       <p:bldP spid="5" grpId="0" animBg="1"/>
     </p:bldLst>
   </p:timing>
 </p:sld>
 </file>
 
+<file path=ppt/slides/slide13.xml><?xml version="1.0" encoding="utf-8"?>
+<p:sld xmlns:a="http://schemas.openxmlformats.org/drawingml/2006/main" xmlns:r="http://schemas.openxmlformats.org/officeDocument/2006/relationships" xmlns:p="http://schemas.openxmlformats.org/presentationml/2006/main">
+  <p:cSld>
+    <p:spTree>
+      <p:nvGrpSpPr>
+        <p:cNvPr id="1" name=""/>
+        <p:cNvGrpSpPr/>
+        <p:nvPr/>
+      </p:nvGrpSpPr>
+      <p:grpSpPr>
+        <a:xfrm>
+          <a:off x="0" y="0"/>
+          <a:ext cx="0" cy="0"/>
+          <a:chOff x="0" y="0"/>
+          <a:chExt cx="0" cy="0"/>
+        </a:xfrm>
+      </p:grpSpPr>
+      <p:sp>
+        <p:nvSpPr>
+          <p:cNvPr id="2" name="제목 1">
+            <a:extLst>
+              <a:ext uri="{FF2B5EF4-FFF2-40B4-BE49-F238E27FC236}">
+                <a16:creationId xmlns:a16="http://schemas.microsoft.com/office/drawing/2014/main" id="{3084E042-3254-FFDE-6797-104F4E258560}"/>
+              </a:ext>
+            </a:extLst>
+          </p:cNvPr>
+          <p:cNvSpPr>
+            <a:spLocks noGrp="1"/>
+          </p:cNvSpPr>
+          <p:nvPr>
+            <p:ph type="title"/>
+          </p:nvPr>
+        </p:nvSpPr>
+        <p:spPr/>
+        <p:txBody>
+          <a:bodyPr/>
+          <a:lstStyle/>
+          <a:p>
+            <a:r>
+              <a:rPr lang="ko-KR" altLang="en-US" dirty="0"/>
+              <a:t>한계의 보완</a:t>
+            </a:r>
+          </a:p>
+        </p:txBody>
+      </p:sp>
+      <p:sp>
+        <p:nvSpPr>
+          <p:cNvPr id="3" name="내용 개체 틀 2">
+            <a:extLst>
+              <a:ext uri="{FF2B5EF4-FFF2-40B4-BE49-F238E27FC236}">
+                <a16:creationId xmlns:a16="http://schemas.microsoft.com/office/drawing/2014/main" id="{28ED4005-BDFD-84EA-9566-A7081F10CB4B}"/>
+              </a:ext>
+            </a:extLst>
+          </p:cNvPr>
+          <p:cNvSpPr>
+            <a:spLocks noGrp="1"/>
+          </p:cNvSpPr>
+          <p:nvPr>
+            <p:ph idx="1"/>
+          </p:nvPr>
+        </p:nvSpPr>
+        <p:spPr/>
+        <p:txBody>
+          <a:bodyPr/>
+          <a:lstStyle/>
+          <a:p>
+            <a:pPr marL="342900" indent="-342900">
+              <a:buFont typeface="+mj-lt"/>
+              <a:buAutoNum type="arabicPeriod"/>
+            </a:pPr>
+            <a:r>
+              <a:rPr lang="ko-KR" altLang="en-US" dirty="0"/>
+              <a:t>단어의 위수에 맞는 소수를 고르도록 코드를 작성</a:t>
+            </a:r>
+            <a:r>
+              <a:rPr lang="en-US" altLang="ko-KR" dirty="0"/>
+              <a:t>.</a:t>
+            </a:r>
+          </a:p>
+          <a:p>
+            <a:pPr marL="342900" indent="-342900">
+              <a:buFont typeface="+mj-lt"/>
+              <a:buAutoNum type="arabicPeriod"/>
+            </a:pPr>
+            <a:r>
+              <a:rPr lang="ko-KR" altLang="en-US" dirty="0"/>
+              <a:t>코드 활용으로써 더 다양한 단어 굴절이 가능</a:t>
+            </a:r>
+            <a:r>
+              <a:rPr lang="en-US" altLang="ko-KR" dirty="0"/>
+              <a:t>.</a:t>
+            </a:r>
+          </a:p>
+          <a:p>
+            <a:pPr marL="342900" indent="-342900">
+              <a:buFont typeface="+mj-lt"/>
+              <a:buAutoNum type="arabicPeriod"/>
+            </a:pPr>
+            <a:r>
+              <a:rPr lang="ko-KR" altLang="en-US" dirty="0"/>
+              <a:t>그런데 대부분의 프로그래밍 언어는 정수 크기에 제한이 있음</a:t>
+            </a:r>
+            <a:r>
+              <a:rPr lang="en-US" altLang="ko-KR" dirty="0"/>
+              <a:t>.</a:t>
+            </a:r>
+          </a:p>
+          <a:p>
+            <a:pPr marL="342900" indent="-342900">
+              <a:buFont typeface="+mj-lt"/>
+              <a:buAutoNum type="arabicPeriod"/>
+            </a:pPr>
+            <a:r>
+              <a:rPr lang="en-US" altLang="ko-KR" dirty="0"/>
+              <a:t>Python</a:t>
+            </a:r>
+            <a:r>
+              <a:rPr lang="ko-KR" altLang="en-US" dirty="0"/>
+              <a:t>의 정수 자료형은 그 크기에 제한이 없음</a:t>
+            </a:r>
+            <a:r>
+              <a:rPr lang="en-US" altLang="ko-KR" dirty="0"/>
+              <a:t>.</a:t>
+            </a:r>
+          </a:p>
+          <a:p>
+            <a:pPr marL="342900" indent="-342900">
+              <a:buFont typeface="+mj-lt"/>
+              <a:buAutoNum type="arabicPeriod"/>
+            </a:pPr>
+            <a:r>
+              <a:rPr lang="en-US" altLang="ko-KR" dirty="0"/>
+              <a:t>Python</a:t>
+            </a:r>
+            <a:r>
+              <a:rPr lang="ko-KR" altLang="en-US" dirty="0"/>
+              <a:t>을 웹페이지에서 구동하는 </a:t>
+            </a:r>
+            <a:r>
+              <a:rPr lang="en-US" altLang="ko-KR" dirty="0" err="1"/>
+              <a:t>PyScript</a:t>
+            </a:r>
+            <a:r>
+              <a:rPr lang="ko-KR" altLang="en-US" dirty="0"/>
+              <a:t>를 사용</a:t>
+            </a:r>
+            <a:r>
+              <a:rPr lang="en-US" altLang="ko-KR" dirty="0"/>
+              <a:t>.</a:t>
+            </a:r>
+          </a:p>
+          <a:p>
+            <a:pPr marL="342900" indent="-342900">
+              <a:buFont typeface="+mj-lt"/>
+              <a:buAutoNum type="arabicPeriod"/>
+            </a:pPr>
+            <a:r>
+              <a:rPr lang="ko-KR" altLang="en-US" dirty="0" err="1"/>
+              <a:t>합동식</a:t>
+            </a:r>
+            <a:r>
+              <a:rPr lang="ko-KR" altLang="en-US" dirty="0"/>
+              <a:t> 굴절어 사이트에 여러 도구를 구현하여 손쉬운 구사가 가능</a:t>
+            </a:r>
+            <a:r>
+              <a:rPr lang="en-US" altLang="ko-KR" dirty="0"/>
+              <a:t>. (</a:t>
+            </a:r>
+            <a:r>
+              <a:rPr lang="ko-KR" altLang="en-US" dirty="0"/>
+              <a:t>현재 개발 중</a:t>
+            </a:r>
+            <a:r>
+              <a:rPr lang="en-US" altLang="ko-KR" dirty="0"/>
+              <a:t>)</a:t>
+            </a:r>
+          </a:p>
+        </p:txBody>
+      </p:sp>
+    </p:spTree>
+    <p:extLst>
+      <p:ext uri="{BB962C8B-B14F-4D97-AF65-F5344CB8AC3E}">
+        <p14:creationId xmlns:p14="http://schemas.microsoft.com/office/powerpoint/2010/main" val="3120414312"/>
+      </p:ext>
+    </p:extLst>
+  </p:cSld>
+  <p:clrMapOvr>
+    <a:masterClrMapping/>
+  </p:clrMapOvr>
+  <p:transition spd="slow">
+    <p:push/>
+  </p:transition>
+  <p:timing>
+    <p:tnLst>
+      <p:par>
+        <p:cTn id="1" dur="indefinite" restart="never" nodeType="tmRoot">
+          <p:childTnLst>
+            <p:seq concurrent="1" nextAc="seek">
+              <p:cTn id="2" dur="indefinite" nodeType="mainSeq">
+                <p:childTnLst>
+                  <p:par>
+                    <p:cTn id="3" fill="hold">
+                      <p:stCondLst>
+                        <p:cond delay="indefinite"/>
+                      </p:stCondLst>
+                      <p:childTnLst>
+                        <p:par>
+                          <p:cTn id="4" fill="hold">
+                            <p:stCondLst>
+                              <p:cond delay="0"/>
+                            </p:stCondLst>
+                            <p:childTnLst>
+                              <p:par>
+                                <p:cTn id="5" presetID="22" presetClass="entr" presetSubtype="8" fill="hold" grpId="0" nodeType="clickEffect">
+                                  <p:stCondLst>
+                                    <p:cond delay="0"/>
+                                  </p:stCondLst>
+                                  <p:childTnLst>
+                                    <p:set>
+                                      <p:cBhvr>
+                                        <p:cTn id="6" dur="1" fill="hold">
+                                          <p:stCondLst>
+                                            <p:cond delay="0"/>
+                                          </p:stCondLst>
+                                        </p:cTn>
+                                        <p:tgtEl>
+                                          <p:spTgt spid="3">
+                                            <p:txEl>
+                                              <p:pRg st="0" end="0"/>
+                                            </p:txEl>
+                                          </p:spTgt>
+                                        </p:tgtEl>
+                                        <p:attrNameLst>
+                                          <p:attrName>style.visibility</p:attrName>
+                                        </p:attrNameLst>
+                                      </p:cBhvr>
+                                      <p:to>
+                                        <p:strVal val="visible"/>
+                                      </p:to>
+                                    </p:set>
+                                    <p:animEffect transition="in" filter="wipe(left)">
+                                      <p:cBhvr>
+                                        <p:cTn id="7" dur="500"/>
+                                        <p:tgtEl>
+                                          <p:spTgt spid="3">
+                                            <p:txEl>
+                                              <p:pRg st="0" end="0"/>
+                                            </p:txEl>
+                                          </p:spTgt>
+                                        </p:tgtEl>
+                                      </p:cBhvr>
+                                    </p:animEffect>
+                                  </p:childTnLst>
+                                </p:cTn>
+                              </p:par>
+                            </p:childTnLst>
+                          </p:cTn>
+                        </p:par>
+                      </p:childTnLst>
+                    </p:cTn>
+                  </p:par>
+                  <p:par>
+                    <p:cTn id="8" fill="hold">
+                      <p:stCondLst>
+                        <p:cond delay="indefinite"/>
+                      </p:stCondLst>
+                      <p:childTnLst>
+                        <p:par>
+                          <p:cTn id="9" fill="hold">
+                            <p:stCondLst>
+                              <p:cond delay="0"/>
+                            </p:stCondLst>
+                            <p:childTnLst>
+                              <p:par>
+                                <p:cTn id="10" presetID="22" presetClass="entr" presetSubtype="8" fill="hold" grpId="0" nodeType="clickEffect">
+                                  <p:stCondLst>
+                                    <p:cond delay="0"/>
+                                  </p:stCondLst>
+                                  <p:childTnLst>
+                                    <p:set>
+                                      <p:cBhvr>
+                                        <p:cTn id="11" dur="1" fill="hold">
+                                          <p:stCondLst>
+                                            <p:cond delay="0"/>
+                                          </p:stCondLst>
+                                        </p:cTn>
+                                        <p:tgtEl>
+                                          <p:spTgt spid="3">
+                                            <p:txEl>
+                                              <p:pRg st="1" end="1"/>
+                                            </p:txEl>
+                                          </p:spTgt>
+                                        </p:tgtEl>
+                                        <p:attrNameLst>
+                                          <p:attrName>style.visibility</p:attrName>
+                                        </p:attrNameLst>
+                                      </p:cBhvr>
+                                      <p:to>
+                                        <p:strVal val="visible"/>
+                                      </p:to>
+                                    </p:set>
+                                    <p:animEffect transition="in" filter="wipe(left)">
+                                      <p:cBhvr>
+                                        <p:cTn id="12" dur="500"/>
+                                        <p:tgtEl>
+                                          <p:spTgt spid="3">
+                                            <p:txEl>
+                                              <p:pRg st="1" end="1"/>
+                                            </p:txEl>
+                                          </p:spTgt>
+                                        </p:tgtEl>
+                                      </p:cBhvr>
+                                    </p:animEffect>
+                                  </p:childTnLst>
+                                </p:cTn>
+                              </p:par>
+                            </p:childTnLst>
+                          </p:cTn>
+                        </p:par>
+                      </p:childTnLst>
+                    </p:cTn>
+                  </p:par>
+                  <p:par>
+                    <p:cTn id="13" fill="hold">
+                      <p:stCondLst>
+                        <p:cond delay="indefinite"/>
+                      </p:stCondLst>
+                      <p:childTnLst>
+                        <p:par>
+                          <p:cTn id="14" fill="hold">
+                            <p:stCondLst>
+                              <p:cond delay="0"/>
+                            </p:stCondLst>
+                            <p:childTnLst>
+                              <p:par>
+                                <p:cTn id="15" presetID="22" presetClass="entr" presetSubtype="8" fill="hold" grpId="0" nodeType="clickEffect">
+                                  <p:stCondLst>
+                                    <p:cond delay="0"/>
+                                  </p:stCondLst>
+                                  <p:childTnLst>
+                                    <p:set>
+                                      <p:cBhvr>
+                                        <p:cTn id="16" dur="1" fill="hold">
+                                          <p:stCondLst>
+                                            <p:cond delay="0"/>
+                                          </p:stCondLst>
+                                        </p:cTn>
+                                        <p:tgtEl>
+                                          <p:spTgt spid="3">
+                                            <p:txEl>
+                                              <p:pRg st="2" end="2"/>
+                                            </p:txEl>
+                                          </p:spTgt>
+                                        </p:tgtEl>
+                                        <p:attrNameLst>
+                                          <p:attrName>style.visibility</p:attrName>
+                                        </p:attrNameLst>
+                                      </p:cBhvr>
+                                      <p:to>
+                                        <p:strVal val="visible"/>
+                                      </p:to>
+                                    </p:set>
+                                    <p:animEffect transition="in" filter="wipe(left)">
+                                      <p:cBhvr>
+                                        <p:cTn id="17" dur="500"/>
+                                        <p:tgtEl>
+                                          <p:spTgt spid="3">
+                                            <p:txEl>
+                                              <p:pRg st="2" end="2"/>
+                                            </p:txEl>
+                                          </p:spTgt>
+                                        </p:tgtEl>
+                                      </p:cBhvr>
+                                    </p:animEffect>
+                                  </p:childTnLst>
+                                </p:cTn>
+                              </p:par>
+                            </p:childTnLst>
+                          </p:cTn>
+                        </p:par>
+                      </p:childTnLst>
+                    </p:cTn>
+                  </p:par>
+                  <p:par>
+                    <p:cTn id="18" fill="hold">
+                      <p:stCondLst>
+                        <p:cond delay="indefinite"/>
+                      </p:stCondLst>
+                      <p:childTnLst>
+                        <p:par>
+                          <p:cTn id="19" fill="hold">
+                            <p:stCondLst>
+                              <p:cond delay="0"/>
+                            </p:stCondLst>
+                            <p:childTnLst>
+                              <p:par>
+                                <p:cTn id="20" presetID="22" presetClass="entr" presetSubtype="8" fill="hold" grpId="0" nodeType="clickEffect">
+                                  <p:stCondLst>
+                                    <p:cond delay="0"/>
+                                  </p:stCondLst>
+                                  <p:childTnLst>
+                                    <p:set>
+                                      <p:cBhvr>
+                                        <p:cTn id="21" dur="1" fill="hold">
+                                          <p:stCondLst>
+                                            <p:cond delay="0"/>
+                                          </p:stCondLst>
+                                        </p:cTn>
+                                        <p:tgtEl>
+                                          <p:spTgt spid="3">
+                                            <p:txEl>
+                                              <p:pRg st="3" end="3"/>
+                                            </p:txEl>
+                                          </p:spTgt>
+                                        </p:tgtEl>
+                                        <p:attrNameLst>
+                                          <p:attrName>style.visibility</p:attrName>
+                                        </p:attrNameLst>
+                                      </p:cBhvr>
+                                      <p:to>
+                                        <p:strVal val="visible"/>
+                                      </p:to>
+                                    </p:set>
+                                    <p:animEffect transition="in" filter="wipe(left)">
+                                      <p:cBhvr>
+                                        <p:cTn id="22" dur="500"/>
+                                        <p:tgtEl>
+                                          <p:spTgt spid="3">
+                                            <p:txEl>
+                                              <p:pRg st="3" end="3"/>
+                                            </p:txEl>
+                                          </p:spTgt>
+                                        </p:tgtEl>
+                                      </p:cBhvr>
+                                    </p:animEffect>
+                                  </p:childTnLst>
+                                </p:cTn>
+                              </p:par>
+                            </p:childTnLst>
+                          </p:cTn>
+                        </p:par>
+                      </p:childTnLst>
+                    </p:cTn>
+                  </p:par>
+                  <p:par>
+                    <p:cTn id="23" fill="hold">
+                      <p:stCondLst>
+                        <p:cond delay="indefinite"/>
+                      </p:stCondLst>
+                      <p:childTnLst>
+                        <p:par>
+                          <p:cTn id="24" fill="hold">
+                            <p:stCondLst>
+                              <p:cond delay="0"/>
+                            </p:stCondLst>
+                            <p:childTnLst>
+                              <p:par>
+                                <p:cTn id="25" presetID="22" presetClass="entr" presetSubtype="8" fill="hold" grpId="0" nodeType="clickEffect">
+                                  <p:stCondLst>
+                                    <p:cond delay="0"/>
+                                  </p:stCondLst>
+                                  <p:childTnLst>
+                                    <p:set>
+                                      <p:cBhvr>
+                                        <p:cTn id="26" dur="1" fill="hold">
+                                          <p:stCondLst>
+                                            <p:cond delay="0"/>
+                                          </p:stCondLst>
+                                        </p:cTn>
+                                        <p:tgtEl>
+                                          <p:spTgt spid="3">
+                                            <p:txEl>
+                                              <p:pRg st="4" end="4"/>
+                                            </p:txEl>
+                                          </p:spTgt>
+                                        </p:tgtEl>
+                                        <p:attrNameLst>
+                                          <p:attrName>style.visibility</p:attrName>
+                                        </p:attrNameLst>
+                                      </p:cBhvr>
+                                      <p:to>
+                                        <p:strVal val="visible"/>
+                                      </p:to>
+                                    </p:set>
+                                    <p:animEffect transition="in" filter="wipe(left)">
+                                      <p:cBhvr>
+                                        <p:cTn id="27" dur="500"/>
+                                        <p:tgtEl>
+                                          <p:spTgt spid="3">
+                                            <p:txEl>
+                                              <p:pRg st="4" end="4"/>
+                                            </p:txEl>
+                                          </p:spTgt>
+                                        </p:tgtEl>
+                                      </p:cBhvr>
+                                    </p:animEffect>
+                                  </p:childTnLst>
+                                </p:cTn>
+                              </p:par>
+                            </p:childTnLst>
+                          </p:cTn>
+                        </p:par>
+                      </p:childTnLst>
+                    </p:cTn>
+                  </p:par>
+                  <p:par>
+                    <p:cTn id="28" fill="hold">
+                      <p:stCondLst>
+                        <p:cond delay="indefinite"/>
+                      </p:stCondLst>
+                      <p:childTnLst>
+                        <p:par>
+                          <p:cTn id="29" fill="hold">
+                            <p:stCondLst>
+                              <p:cond delay="0"/>
+                            </p:stCondLst>
+                            <p:childTnLst>
+                              <p:par>
+                                <p:cTn id="30" presetID="22" presetClass="entr" presetSubtype="8" fill="hold" grpId="0" nodeType="clickEffect">
+                                  <p:stCondLst>
+                                    <p:cond delay="0"/>
+                                  </p:stCondLst>
+                                  <p:childTnLst>
+                                    <p:set>
+                                      <p:cBhvr>
+                                        <p:cTn id="31" dur="1" fill="hold">
+                                          <p:stCondLst>
+                                            <p:cond delay="0"/>
+                                          </p:stCondLst>
+                                        </p:cTn>
+                                        <p:tgtEl>
+                                          <p:spTgt spid="3">
+                                            <p:txEl>
+                                              <p:pRg st="5" end="5"/>
+                                            </p:txEl>
+                                          </p:spTgt>
+                                        </p:tgtEl>
+                                        <p:attrNameLst>
+                                          <p:attrName>style.visibility</p:attrName>
+                                        </p:attrNameLst>
+                                      </p:cBhvr>
+                                      <p:to>
+                                        <p:strVal val="visible"/>
+                                      </p:to>
+                                    </p:set>
+                                    <p:animEffect transition="in" filter="wipe(left)">
+                                      <p:cBhvr>
+                                        <p:cTn id="32" dur="500"/>
+                                        <p:tgtEl>
+                                          <p:spTgt spid="3">
+                                            <p:txEl>
+                                              <p:pRg st="5" end="5"/>
+                                            </p:txEl>
+                                          </p:spTgt>
+                                        </p:tgtEl>
+                                      </p:cBhvr>
+                                    </p:animEffect>
+                                  </p:childTnLst>
+                                </p:cTn>
+                              </p:par>
+                            </p:childTnLst>
+                          </p:cTn>
+                        </p:par>
+                      </p:childTnLst>
+                    </p:cTn>
+                  </p:par>
+                </p:childTnLst>
+              </p:cTn>
+              <p:prevCondLst>
+                <p:cond evt="onPrev" delay="0">
+                  <p:tgtEl>
+                    <p:sldTgt/>
+                  </p:tgtEl>
+                </p:cond>
+              </p:prevCondLst>
+              <p:nextCondLst>
+                <p:cond evt="onNext" delay="0">
+                  <p:tgtEl>
+                    <p:sldTgt/>
+                  </p:tgtEl>
+                </p:cond>
+              </p:nextCondLst>
+            </p:seq>
+          </p:childTnLst>
+        </p:cTn>
+      </p:par>
+    </p:tnLst>
+    <p:bldLst>
+      <p:bldP spid="3" grpId="0" build="p"/>
+    </p:bldLst>
+  </p:timing>
+</p:sld>
+</file>
+
+<file path=ppt/slides/slide14.xml><?xml version="1.0" encoding="utf-8"?>
+<p:sld xmlns:a="http://schemas.openxmlformats.org/drawingml/2006/main" xmlns:r="http://schemas.openxmlformats.org/officeDocument/2006/relationships" xmlns:p="http://schemas.openxmlformats.org/presentationml/2006/main">
+  <p:cSld>
+    <p:bg>
+      <p:bgPr>
+        <a:solidFill>
+          <a:schemeClr val="bg1"/>
+        </a:solidFill>
+        <a:effectLst/>
+      </p:bgPr>
+    </p:bg>
+    <p:spTree>
+      <p:nvGrpSpPr>
+        <p:cNvPr id="1" name=""/>
+        <p:cNvGrpSpPr/>
+        <p:nvPr/>
+      </p:nvGrpSpPr>
+      <p:grpSpPr>
+        <a:xfrm>
+          <a:off x="0" y="0"/>
+          <a:ext cx="0" cy="0"/>
+          <a:chOff x="0" y="0"/>
+          <a:chExt cx="0" cy="0"/>
+        </a:xfrm>
+      </p:grpSpPr>
+      <p:sp useBgFill="1">
+        <p:nvSpPr>
+          <p:cNvPr id="11" name="Rectangle 10">
+            <a:extLst>
+              <a:ext uri="{FF2B5EF4-FFF2-40B4-BE49-F238E27FC236}">
+                <a16:creationId xmlns:a16="http://schemas.microsoft.com/office/drawing/2014/main" id="{0760E4C7-47B8-4356-ABCA-CC9C79E2D2B6}"/>
+              </a:ext>
+              <a:ext uri="{C183D7F6-B498-43B3-948B-1728B52AA6E4}">
+                <adec:decorative xmlns:adec="http://schemas.microsoft.com/office/drawing/2017/decorative" val="1"/>
+              </a:ext>
+            </a:extLst>
+          </p:cNvPr>
+          <p:cNvSpPr>
+            <a:spLocks noGrp="1" noRot="1" noChangeAspect="1" noMove="1" noResize="1" noEditPoints="1" noAdjustHandles="1" noChangeArrowheads="1" noChangeShapeType="1" noTextEdit="1"/>
+          </p:cNvSpPr>
+          <p:nvPr>
+            <p:extLst>
+              <p:ext uri="{386F3935-93C4-4BCD-93E2-E3B085C9AB24}">
+                <p16:designElem xmlns:p16="http://schemas.microsoft.com/office/powerpoint/2015/main" val="1"/>
+              </p:ext>
+            </p:extLst>
+          </p:nvPr>
+        </p:nvSpPr>
+        <p:spPr>
+          <a:xfrm>
+            <a:off x="0" y="0"/>
+            <a:ext cx="12192000" cy="6858000"/>
+          </a:xfrm>
+          <a:prstGeom prst="rect">
+            <a:avLst/>
+          </a:prstGeom>
+          <a:ln w="12700" cap="flat" cmpd="sng" algn="ctr">
+            <a:noFill/>
+            <a:prstDash val="solid"/>
+            <a:miter lim="800000"/>
+          </a:ln>
+          <a:effectLst/>
+          <a:extLst>
+            <a:ext uri="{91240B29-F687-4F45-9708-019B960494DF}">
+              <a14:hiddenLine xmlns:a14="http://schemas.microsoft.com/office/drawing/2010/main" w="12700" cap="flat" cmpd="sng" algn="ctr">
+                <a:solidFill>
+                  <a:schemeClr val="accent1">
+                    <a:shade val="50000"/>
+                  </a:schemeClr>
+                </a:solidFill>
+                <a:prstDash val="solid"/>
+                <a:miter lim="800000"/>
+              </a14:hiddenLine>
+            </a:ext>
+          </a:extLst>
+        </p:spPr>
+        <p:style>
+          <a:lnRef idx="2">
+            <a:schemeClr val="accent1">
+              <a:shade val="50000"/>
+            </a:schemeClr>
+          </a:lnRef>
+          <a:fillRef idx="1">
+            <a:schemeClr val="accent1"/>
+          </a:fillRef>
+          <a:effectRef idx="0">
+            <a:schemeClr val="accent1"/>
+          </a:effectRef>
+          <a:fontRef idx="minor">
+            <a:schemeClr val="lt1"/>
+          </a:fontRef>
+        </p:style>
+        <p:txBody>
+          <a:bodyPr rtlCol="0" anchor="ctr"/>
+          <a:lstStyle/>
+          <a:p>
+            <a:pPr algn="ctr"/>
+            <a:endParaRPr lang="en-US"/>
+          </a:p>
+        </p:txBody>
+      </p:sp>
+      <p:pic>
+        <p:nvPicPr>
+          <p:cNvPr id="7" name="Picture 6">
+            <a:extLst>
+              <a:ext uri="{FF2B5EF4-FFF2-40B4-BE49-F238E27FC236}">
+                <a16:creationId xmlns:a16="http://schemas.microsoft.com/office/drawing/2014/main" id="{6BA0DD11-9E68-543A-8016-D47E5AB030DC}"/>
+              </a:ext>
+            </a:extLst>
+          </p:cNvPr>
+          <p:cNvPicPr>
+            <a:picLocks noChangeAspect="1"/>
+          </p:cNvPicPr>
+          <p:nvPr/>
+        </p:nvPicPr>
+        <p:blipFill rotWithShape="1">
+          <a:blip r:embed="rId2">
+            <a:alphaModFix/>
+          </a:blip>
+          <a:srcRect t="6795" b="2865"/>
+          <a:stretch/>
+        </p:blipFill>
+        <p:spPr>
+          <a:xfrm>
+            <a:off x="20" y="1571"/>
+            <a:ext cx="12191980" cy="6856429"/>
+          </a:xfrm>
+          <a:prstGeom prst="rect">
+            <a:avLst/>
+          </a:prstGeom>
+        </p:spPr>
+      </p:pic>
+      <p:sp>
+        <p:nvSpPr>
+          <p:cNvPr id="13" name="Rectangle 12">
+            <a:extLst>
+              <a:ext uri="{FF2B5EF4-FFF2-40B4-BE49-F238E27FC236}">
+                <a16:creationId xmlns:a16="http://schemas.microsoft.com/office/drawing/2014/main" id="{ED0A0432-F95F-6441-CC5D-B6BB755FABF8}"/>
+              </a:ext>
+              <a:ext uri="{C183D7F6-B498-43B3-948B-1728B52AA6E4}">
+                <adec:decorative xmlns:adec="http://schemas.microsoft.com/office/drawing/2017/decorative" val="1"/>
+              </a:ext>
+            </a:extLst>
+          </p:cNvPr>
+          <p:cNvSpPr>
+            <a:spLocks noGrp="1" noRot="1" noChangeAspect="1" noMove="1" noResize="1" noEditPoints="1" noAdjustHandles="1" noChangeArrowheads="1" noChangeShapeType="1" noTextEdit="1"/>
+          </p:cNvSpPr>
+          <p:nvPr>
+            <p:extLst>
+              <p:ext uri="{386F3935-93C4-4BCD-93E2-E3B085C9AB24}">
+                <p16:designElem xmlns:p16="http://schemas.microsoft.com/office/powerpoint/2015/main" val="1"/>
+              </p:ext>
+            </p:extLst>
+          </p:nvPr>
+        </p:nvSpPr>
+        <p:spPr>
+          <a:xfrm>
+            <a:off x="1" y="3742985"/>
+            <a:ext cx="12192000" cy="3120318"/>
+          </a:xfrm>
+          <a:prstGeom prst="rect">
+            <a:avLst/>
+          </a:prstGeom>
+          <a:gradFill>
+            <a:gsLst>
+              <a:gs pos="14000">
+                <a:schemeClr val="accent1">
+                  <a:lumMod val="60000"/>
+                  <a:lumOff val="40000"/>
+                  <a:alpha val="0"/>
+                </a:schemeClr>
+              </a:gs>
+              <a:gs pos="100000">
+                <a:schemeClr val="accent1">
+                  <a:lumMod val="60000"/>
+                  <a:lumOff val="40000"/>
+                </a:schemeClr>
+              </a:gs>
+            </a:gsLst>
+            <a:lin ang="5400000" scaled="1"/>
+          </a:gradFill>
+          <a:ln>
+            <a:noFill/>
+          </a:ln>
+        </p:spPr>
+        <p:style>
+          <a:lnRef idx="2">
+            <a:schemeClr val="accent1">
+              <a:shade val="50000"/>
+            </a:schemeClr>
+          </a:lnRef>
+          <a:fillRef idx="1">
+            <a:schemeClr val="accent1"/>
+          </a:fillRef>
+          <a:effectRef idx="0">
+            <a:schemeClr val="accent1"/>
+          </a:effectRef>
+          <a:fontRef idx="minor">
+            <a:schemeClr val="lt1"/>
+          </a:fontRef>
+        </p:style>
+        <p:txBody>
+          <a:bodyPr rtlCol="0" anchor="ctr"/>
+          <a:lstStyle/>
+          <a:p>
+            <a:pPr algn="ctr"/>
+            <a:endParaRPr lang="en-US"/>
+          </a:p>
+        </p:txBody>
+      </p:sp>
+      <p:sp>
+        <p:nvSpPr>
+          <p:cNvPr id="15" name="Freeform: Shape 14">
+            <a:extLst>
+              <a:ext uri="{FF2B5EF4-FFF2-40B4-BE49-F238E27FC236}">
+                <a16:creationId xmlns:a16="http://schemas.microsoft.com/office/drawing/2014/main" id="{3F0586C3-A19F-D214-ABDE-30AD5B6669E5}"/>
+              </a:ext>
+              <a:ext uri="{C183D7F6-B498-43B3-948B-1728B52AA6E4}">
+                <adec:decorative xmlns:adec="http://schemas.microsoft.com/office/drawing/2017/decorative" val="1"/>
+              </a:ext>
+            </a:extLst>
+          </p:cNvPr>
+          <p:cNvSpPr>
+            <a:spLocks noGrp="1" noRot="1" noChangeAspect="1" noMove="1" noResize="1" noEditPoints="1" noAdjustHandles="1" noChangeArrowheads="1" noChangeShapeType="1" noTextEdit="1"/>
+          </p:cNvSpPr>
+          <p:nvPr>
+            <p:extLst>
+              <p:ext uri="{386F3935-93C4-4BCD-93E2-E3B085C9AB24}">
+                <p16:designElem xmlns:p16="http://schemas.microsoft.com/office/powerpoint/2015/main" val="1"/>
+              </p:ext>
+            </p:extLst>
+          </p:nvPr>
+        </p:nvSpPr>
+        <p:spPr>
+          <a:xfrm>
+            <a:off x="869342" y="1250342"/>
+            <a:ext cx="4357316" cy="4357316"/>
+          </a:xfrm>
+          <a:custGeom>
+            <a:avLst/>
+            <a:gdLst>
+              <a:gd name="connsiteX0" fmla="*/ 2178658 w 4357316"/>
+              <a:gd name="connsiteY0" fmla="*/ 0 h 4357316"/>
+              <a:gd name="connsiteX1" fmla="*/ 4357316 w 4357316"/>
+              <a:gd name="connsiteY1" fmla="*/ 2178658 h 4357316"/>
+              <a:gd name="connsiteX2" fmla="*/ 2178658 w 4357316"/>
+              <a:gd name="connsiteY2" fmla="*/ 4357316 h 4357316"/>
+              <a:gd name="connsiteX3" fmla="*/ 0 w 4357316"/>
+              <a:gd name="connsiteY3" fmla="*/ 2178658 h 4357316"/>
+              <a:gd name="connsiteX4" fmla="*/ 2178658 w 4357316"/>
+              <a:gd name="connsiteY4" fmla="*/ 0 h 4357316"/>
+            </a:gdLst>
+            <a:ahLst/>
+            <a:cxnLst>
+              <a:cxn ang="0">
+                <a:pos x="connsiteX0" y="connsiteY0"/>
+              </a:cxn>
+              <a:cxn ang="0">
+                <a:pos x="connsiteX1" y="connsiteY1"/>
+              </a:cxn>
+              <a:cxn ang="0">
+                <a:pos x="connsiteX2" y="connsiteY2"/>
+              </a:cxn>
+              <a:cxn ang="0">
+                <a:pos x="connsiteX3" y="connsiteY3"/>
+              </a:cxn>
+              <a:cxn ang="0">
+                <a:pos x="connsiteX4" y="connsiteY4"/>
+              </a:cxn>
+            </a:cxnLst>
+            <a:rect l="l" t="t" r="r" b="b"/>
+            <a:pathLst>
+              <a:path w="4357316" h="4357316">
+                <a:moveTo>
+                  <a:pt x="2178658" y="0"/>
+                </a:moveTo>
+                <a:cubicBezTo>
+                  <a:pt x="3381898" y="0"/>
+                  <a:pt x="4357316" y="975418"/>
+                  <a:pt x="4357316" y="2178658"/>
+                </a:cubicBezTo>
+                <a:cubicBezTo>
+                  <a:pt x="4357316" y="3381898"/>
+                  <a:pt x="3381898" y="4357316"/>
+                  <a:pt x="2178658" y="4357316"/>
+                </a:cubicBezTo>
+                <a:cubicBezTo>
+                  <a:pt x="975418" y="4357316"/>
+                  <a:pt x="0" y="3381898"/>
+                  <a:pt x="0" y="2178658"/>
+                </a:cubicBezTo>
+                <a:cubicBezTo>
+                  <a:pt x="0" y="975418"/>
+                  <a:pt x="975418" y="0"/>
+                  <a:pt x="2178658" y="0"/>
+                </a:cubicBezTo>
+                <a:close/>
+              </a:path>
+            </a:pathLst>
+          </a:custGeom>
+          <a:solidFill>
+            <a:schemeClr val="bg1"/>
+          </a:solidFill>
+          <a:ln>
+            <a:noFill/>
+          </a:ln>
+        </p:spPr>
+        <p:style>
+          <a:lnRef idx="2">
+            <a:schemeClr val="accent1">
+              <a:shade val="50000"/>
+            </a:schemeClr>
+          </a:lnRef>
+          <a:fillRef idx="1">
+            <a:schemeClr val="accent1"/>
+          </a:fillRef>
+          <a:effectRef idx="0">
+            <a:schemeClr val="accent1"/>
+          </a:effectRef>
+          <a:fontRef idx="minor">
+            <a:schemeClr val="lt1"/>
+          </a:fontRef>
+        </p:style>
+        <p:txBody>
+          <a:bodyPr wrap="square" rtlCol="0" anchor="ctr">
+            <a:noAutofit/>
+          </a:bodyPr>
+          <a:lstStyle/>
+          <a:p>
+            <a:pPr algn="ctr"/>
+            <a:endParaRPr lang="en-US"/>
+          </a:p>
+        </p:txBody>
+      </p:sp>
+      <p:sp>
+        <p:nvSpPr>
+          <p:cNvPr id="4" name="제목 3">
+            <a:extLst>
+              <a:ext uri="{FF2B5EF4-FFF2-40B4-BE49-F238E27FC236}">
+                <a16:creationId xmlns:a16="http://schemas.microsoft.com/office/drawing/2014/main" id="{75A327E7-20EE-E5B8-9C6E-D6B99235ECB0}"/>
+              </a:ext>
+            </a:extLst>
+          </p:cNvPr>
+          <p:cNvSpPr>
+            <a:spLocks noGrp="1"/>
+          </p:cNvSpPr>
+          <p:nvPr>
+            <p:ph type="ctrTitle"/>
+          </p:nvPr>
+        </p:nvSpPr>
+        <p:spPr>
+          <a:xfrm>
+            <a:off x="1280161" y="2211978"/>
+            <a:ext cx="3535679" cy="1425728"/>
+          </a:xfrm>
+        </p:spPr>
+        <p:txBody>
+          <a:bodyPr anchor="b">
+            <a:normAutofit/>
+          </a:bodyPr>
+          <a:lstStyle/>
+          <a:p>
+            <a:pPr algn="ctr"/>
+            <a:r>
+              <a:rPr lang="ko-KR" altLang="en-US" dirty="0"/>
+              <a:t>문법 개요</a:t>
+            </a:r>
+          </a:p>
+        </p:txBody>
+      </p:sp>
+      <p:sp>
+        <p:nvSpPr>
+          <p:cNvPr id="5" name="부제목 4">
+            <a:extLst>
+              <a:ext uri="{FF2B5EF4-FFF2-40B4-BE49-F238E27FC236}">
+                <a16:creationId xmlns:a16="http://schemas.microsoft.com/office/drawing/2014/main" id="{2244D22E-BF5A-AEAC-0778-62137778AB88}"/>
+              </a:ext>
+            </a:extLst>
+          </p:cNvPr>
+          <p:cNvSpPr>
+            <a:spLocks noGrp="1"/>
+          </p:cNvSpPr>
+          <p:nvPr>
+            <p:ph type="subTitle" idx="1"/>
+          </p:nvPr>
+        </p:nvSpPr>
+        <p:spPr>
+          <a:xfrm>
+            <a:off x="1524000" y="4249360"/>
+            <a:ext cx="3048000" cy="877585"/>
+          </a:xfrm>
+        </p:spPr>
+        <p:txBody>
+          <a:bodyPr>
+            <a:normAutofit/>
+          </a:bodyPr>
+          <a:lstStyle/>
+          <a:p>
+            <a:pPr algn="ctr"/>
+            <a:endParaRPr lang="ko-KR" altLang="en-US"/>
+          </a:p>
+        </p:txBody>
+      </p:sp>
+      <p:cxnSp>
+        <p:nvCxnSpPr>
+          <p:cNvPr id="17" name="Straight Connector 16">
+            <a:extLst>
+              <a:ext uri="{FF2B5EF4-FFF2-40B4-BE49-F238E27FC236}">
+                <a16:creationId xmlns:a16="http://schemas.microsoft.com/office/drawing/2014/main" id="{414C5C93-B9E9-4392-ADCF-ABF21209DD56}"/>
+              </a:ext>
+              <a:ext uri="{C183D7F6-B498-43B3-948B-1728B52AA6E4}">
+                <adec:decorative xmlns:adec="http://schemas.microsoft.com/office/drawing/2017/decorative" val="1"/>
+              </a:ext>
+            </a:extLst>
+          </p:cNvPr>
+          <p:cNvCxnSpPr>
+            <a:cxnSpLocks noGrp="1" noRot="1" noChangeAspect="1" noMove="1" noResize="1" noEditPoints="1" noAdjustHandles="1" noChangeArrowheads="1" noChangeShapeType="1"/>
+          </p:cNvCxnSpPr>
+          <p:nvPr>
+            <p:extLst>
+              <p:ext uri="{386F3935-93C4-4BCD-93E2-E3B085C9AB24}">
+                <p16:designElem xmlns:p16="http://schemas.microsoft.com/office/powerpoint/2015/main" val="1"/>
+              </p:ext>
+            </p:extLst>
+          </p:nvPr>
+        </p:nvCxnSpPr>
+        <p:spPr>
+          <a:xfrm>
+            <a:off x="2562423" y="3960586"/>
+            <a:ext cx="971155" cy="0"/>
+          </a:xfrm>
+          <a:prstGeom prst="line">
+            <a:avLst/>
+          </a:prstGeom>
+          <a:ln w="31750">
+            <a:solidFill>
+              <a:schemeClr val="tx1"/>
+            </a:solidFill>
+          </a:ln>
+        </p:spPr>
+        <p:style>
+          <a:lnRef idx="1">
+            <a:schemeClr val="accent1"/>
+          </a:lnRef>
+          <a:fillRef idx="0">
+            <a:schemeClr val="accent1"/>
+          </a:fillRef>
+          <a:effectRef idx="0">
+            <a:schemeClr val="accent1"/>
+          </a:effectRef>
+          <a:fontRef idx="minor">
+            <a:schemeClr val="tx1"/>
+          </a:fontRef>
+        </p:style>
+      </p:cxnSp>
+    </p:spTree>
+    <p:extLst>
+      <p:ext uri="{BB962C8B-B14F-4D97-AF65-F5344CB8AC3E}">
+        <p14:creationId xmlns:p14="http://schemas.microsoft.com/office/powerpoint/2010/main" val="3554784421"/>
+      </p:ext>
+    </p:extLst>
+  </p:cSld>
+  <p:clrMapOvr>
+    <a:masterClrMapping/>
+  </p:clrMapOvr>
+  <p:transition spd="slow">
+    <p:push/>
+  </p:transition>
+  <p:timing>
+    <p:tnLst>
+      <p:par>
+        <p:cTn id="1" dur="indefinite" restart="never" nodeType="tmRoot">
+          <p:childTnLst>
+            <p:seq concurrent="1" nextAc="seek">
+              <p:cTn id="2" dur="indefinite" nodeType="mainSeq">
+                <p:childTnLst>
+                  <p:par>
+                    <p:cTn id="3" fill="hold">
+                      <p:stCondLst>
+                        <p:cond delay="indefinite"/>
+                        <p:cond evt="onBegin" delay="0">
+                          <p:tn val="2"/>
+                        </p:cond>
+                      </p:stCondLst>
+                      <p:childTnLst>
+                        <p:par>
+                          <p:cTn id="4" fill="hold">
+                            <p:stCondLst>
+                              <p:cond delay="0"/>
+                            </p:stCondLst>
+                            <p:childTnLst>
+                              <p:par>
+                                <p:cTn id="5" presetID="10" presetClass="entr" presetSubtype="0" fill="hold" grpId="0" nodeType="withEffect">
+                                  <p:stCondLst>
+                                    <p:cond delay="1000"/>
+                                  </p:stCondLst>
+                                  <p:iterate>
+                                    <p:tmPct val="10000"/>
+                                  </p:iterate>
+                                  <p:childTnLst>
+                                    <p:set>
+                                      <p:cBhvr>
+                                        <p:cTn id="6" dur="1" fill="hold">
+                                          <p:stCondLst>
+                                            <p:cond delay="0"/>
+                                          </p:stCondLst>
+                                        </p:cTn>
+                                        <p:tgtEl>
+                                          <p:spTgt spid="4"/>
+                                        </p:tgtEl>
+                                        <p:attrNameLst>
+                                          <p:attrName>style.visibility</p:attrName>
+                                        </p:attrNameLst>
+                                      </p:cBhvr>
+                                      <p:to>
+                                        <p:strVal val="visible"/>
+                                      </p:to>
+                                    </p:set>
+                                    <p:animEffect transition="in" filter="fade">
+                                      <p:cBhvr>
+                                        <p:cTn id="7" dur="700"/>
+                                        <p:tgtEl>
+                                          <p:spTgt spid="4"/>
+                                        </p:tgtEl>
+                                      </p:cBhvr>
+                                    </p:animEffect>
+                                  </p:childTnLst>
+                                </p:cTn>
+                              </p:par>
+                            </p:childTnLst>
+                          </p:cTn>
+                        </p:par>
+                      </p:childTnLst>
+                    </p:cTn>
+                  </p:par>
+                </p:childTnLst>
+              </p:cTn>
+              <p:prevCondLst>
+                <p:cond evt="onPrev" delay="0">
+                  <p:tgtEl>
+                    <p:sldTgt/>
+                  </p:tgtEl>
+                </p:cond>
+              </p:prevCondLst>
+              <p:nextCondLst>
+                <p:cond evt="onNext" delay="0">
+                  <p:tgtEl>
+                    <p:sldTgt/>
+                  </p:tgtEl>
+                </p:cond>
+              </p:nextCondLst>
+            </p:seq>
+          </p:childTnLst>
+        </p:cTn>
+      </p:par>
+    </p:tnLst>
+    <p:bldLst>
+      <p:bldP spid="4" grpId="0"/>
+    </p:bldLst>
+  </p:timing>
+</p:sld>
+</file>
+
+<file path=ppt/slides/slide15.xml><?xml version="1.0" encoding="utf-8"?>
+<p:sld xmlns:a="http://schemas.openxmlformats.org/drawingml/2006/main" xmlns:r="http://schemas.openxmlformats.org/officeDocument/2006/relationships" xmlns:p="http://schemas.openxmlformats.org/presentationml/2006/main">
+  <p:cSld>
+    <p:spTree>
+      <p:nvGrpSpPr>
+        <p:cNvPr id="1" name=""/>
+        <p:cNvGrpSpPr/>
+        <p:nvPr/>
+      </p:nvGrpSpPr>
+      <p:grpSpPr>
+        <a:xfrm>
+          <a:off x="0" y="0"/>
+          <a:ext cx="0" cy="0"/>
+          <a:chOff x="0" y="0"/>
+          <a:chExt cx="0" cy="0"/>
+        </a:xfrm>
+      </p:grpSpPr>
+      <p:sp>
+        <p:nvSpPr>
+          <p:cNvPr id="2" name="제목 1">
+            <a:extLst>
+              <a:ext uri="{FF2B5EF4-FFF2-40B4-BE49-F238E27FC236}">
+                <a16:creationId xmlns:a16="http://schemas.microsoft.com/office/drawing/2014/main" id="{7689B151-F221-2313-21AD-B51F8B41C5D7}"/>
+              </a:ext>
+            </a:extLst>
+          </p:cNvPr>
+          <p:cNvSpPr>
+            <a:spLocks noGrp="1"/>
+          </p:cNvSpPr>
+          <p:nvPr>
+            <p:ph type="title"/>
+          </p:nvPr>
+        </p:nvSpPr>
+        <p:spPr/>
+        <p:txBody>
+          <a:bodyPr/>
+          <a:lstStyle/>
+          <a:p>
+            <a:r>
+              <a:rPr lang="ko-KR" altLang="en-US" dirty="0"/>
+              <a:t>문장 구성</a:t>
+            </a:r>
+          </a:p>
+        </p:txBody>
+      </p:sp>
+      <p:sp>
+        <p:nvSpPr>
+          <p:cNvPr id="3" name="내용 개체 틀 2">
+            <a:extLst>
+              <a:ext uri="{FF2B5EF4-FFF2-40B4-BE49-F238E27FC236}">
+                <a16:creationId xmlns:a16="http://schemas.microsoft.com/office/drawing/2014/main" id="{B41AA4E0-F4AE-155C-071F-DCB6F3B4B206}"/>
+              </a:ext>
+            </a:extLst>
+          </p:cNvPr>
+          <p:cNvSpPr>
+            <a:spLocks noGrp="1"/>
+          </p:cNvSpPr>
+          <p:nvPr>
+            <p:ph sz="half" idx="1"/>
+          </p:nvPr>
+        </p:nvSpPr>
+        <p:spPr/>
+        <p:txBody>
+          <a:bodyPr/>
+          <a:lstStyle/>
+          <a:p>
+            <a:pPr marL="342900" indent="-342900">
+              <a:buFont typeface="+mj-lt"/>
+              <a:buAutoNum type="arabicPeriod"/>
+            </a:pPr>
+            <a:r>
+              <a:rPr lang="ko-KR" altLang="en-US" dirty="0" err="1"/>
+              <a:t>합동식</a:t>
+            </a:r>
+            <a:r>
+              <a:rPr lang="ko-KR" altLang="en-US" dirty="0"/>
+              <a:t> 굴절어는 복잡한 형태론에 초점을 맞췄을 뿐</a:t>
+            </a:r>
+            <a:r>
+              <a:rPr lang="en-US" altLang="ko-KR" dirty="0"/>
+              <a:t>, </a:t>
+            </a:r>
+            <a:r>
+              <a:rPr lang="ko-KR" altLang="en-US" dirty="0"/>
+              <a:t>문장의 구성 자체는 단순함</a:t>
+            </a:r>
+            <a:r>
+              <a:rPr lang="en-US" altLang="ko-KR" dirty="0"/>
+              <a:t>.</a:t>
+            </a:r>
+          </a:p>
+          <a:p>
+            <a:pPr marL="342900" indent="-342900">
+              <a:buFont typeface="+mj-lt"/>
+              <a:buAutoNum type="arabicPeriod"/>
+            </a:pPr>
+            <a:r>
+              <a:rPr lang="ko-KR" altLang="en-US" dirty="0"/>
+              <a:t>상대적으로 변화가 가장 다양한 동사에 배정되는 소수가 가장 작음</a:t>
+            </a:r>
+            <a:r>
+              <a:rPr lang="en-US" altLang="ko-KR" dirty="0"/>
+              <a:t>. </a:t>
+            </a:r>
+            <a:r>
+              <a:rPr lang="ko-KR" altLang="en-US" dirty="0"/>
+              <a:t>즉</a:t>
+            </a:r>
+            <a:r>
+              <a:rPr lang="en-US" altLang="ko-KR" dirty="0"/>
+              <a:t>, VSO.</a:t>
+            </a:r>
+          </a:p>
+          <a:p>
+            <a:pPr marL="342900" indent="-342900">
+              <a:buFont typeface="+mj-lt"/>
+              <a:buAutoNum type="arabicPeriod"/>
+            </a:pPr>
+            <a:r>
+              <a:rPr lang="ko-KR" altLang="en-US" dirty="0"/>
+              <a:t>안긴문장은 하나의 정수로 묶은 뒤 안긴문장이라는 표지를 넣어 구분하도록 할 계획</a:t>
+            </a:r>
+            <a:r>
+              <a:rPr lang="en-US" altLang="ko-KR" dirty="0"/>
+              <a:t>.</a:t>
+            </a:r>
+            <a:endParaRPr lang="ko-KR" altLang="en-US" dirty="0"/>
+          </a:p>
+        </p:txBody>
+      </p:sp>
+      <mc:AlternateContent xmlns:mc="http://schemas.openxmlformats.org/markup-compatibility/2006">
+        <mc:Choice xmlns:a14="http://schemas.microsoft.com/office/drawing/2010/main" Requires="a14">
+          <p:sp>
+            <p:nvSpPr>
+              <p:cNvPr id="4" name="내용 개체 틀 3">
+                <a:extLst>
+                  <a:ext uri="{FF2B5EF4-FFF2-40B4-BE49-F238E27FC236}">
+                    <a16:creationId xmlns:a16="http://schemas.microsoft.com/office/drawing/2014/main" id="{2C15614C-3D4E-5C76-E054-89A7C52DAACD}"/>
+                  </a:ext>
+                </a:extLst>
+              </p:cNvPr>
+              <p:cNvSpPr>
+                <a:spLocks noGrp="1"/>
+              </p:cNvSpPr>
+              <p:nvPr>
+                <p:ph sz="half" idx="2"/>
+              </p:nvPr>
+            </p:nvSpPr>
+            <p:spPr/>
+            <p:txBody>
+              <a:bodyPr/>
+              <a:lstStyle/>
+              <a:p>
+                <a:pPr marL="0" indent="0">
+                  <a:buNone/>
+                </a:pPr>
+                <a:r>
+                  <a:rPr lang="ko-KR" altLang="en-US" dirty="0"/>
+                  <a:t>예시</a:t>
+                </a:r>
+                <a:r>
+                  <a:rPr lang="en-US" altLang="ko-KR" dirty="0"/>
+                  <a:t>:</a:t>
+                </a:r>
+              </a:p>
+              <a:p>
+                <a:pPr marL="0" indent="0">
+                  <a:buNone/>
+                </a:pPr>
+                <a14:m>
+                  <m:oMath xmlns:m="http://schemas.openxmlformats.org/officeDocument/2006/math">
+                    <m:sSubSup>
+                      <m:sSubSupPr>
+                        <m:ctrlPr>
+                          <a:rPr lang="en-US" altLang="ko-KR" b="0" i="1" smtClean="0">
+                            <a:latin typeface="Cambria Math" panose="02040503050406030204" pitchFamily="18" charset="0"/>
+                          </a:rPr>
+                        </m:ctrlPr>
+                      </m:sSubSupPr>
+                      <m:e>
+                        <m:r>
+                          <a:rPr lang="en-US" altLang="ko-KR" b="0" i="1" smtClean="0">
+                            <a:latin typeface="Cambria Math" panose="02040503050406030204" pitchFamily="18" charset="0"/>
+                          </a:rPr>
+                          <m:t>𝑎</m:t>
+                        </m:r>
+                      </m:e>
+                      <m:sub>
+                        <m:r>
+                          <a:rPr lang="en-US" altLang="ko-KR" b="0" i="1" smtClean="0">
+                            <a:latin typeface="Cambria Math" panose="02040503050406030204" pitchFamily="18" charset="0"/>
+                          </a:rPr>
+                          <m:t>1</m:t>
+                        </m:r>
+                      </m:sub>
+                      <m:sup>
+                        <m:sSub>
+                          <m:sSubPr>
+                            <m:ctrlPr>
+                              <a:rPr lang="en-US" altLang="ko-KR" b="0" i="1" smtClean="0">
+                                <a:latin typeface="Cambria Math" panose="02040503050406030204" pitchFamily="18" charset="0"/>
+                              </a:rPr>
+                            </m:ctrlPr>
+                          </m:sSubPr>
+                          <m:e>
+                            <m:r>
+                              <a:rPr lang="en-US" altLang="ko-KR" b="0" i="1" smtClean="0">
+                                <a:latin typeface="Cambria Math" panose="02040503050406030204" pitchFamily="18" charset="0"/>
+                              </a:rPr>
+                              <m:t>𝑏</m:t>
+                            </m:r>
+                          </m:e>
+                          <m:sub>
+                            <m:r>
+                              <a:rPr lang="en-US" altLang="ko-KR" b="0" i="1" smtClean="0">
+                                <a:latin typeface="Cambria Math" panose="02040503050406030204" pitchFamily="18" charset="0"/>
+                              </a:rPr>
+                              <m:t>1</m:t>
+                            </m:r>
+                          </m:sub>
+                        </m:sSub>
+                      </m:sup>
+                    </m:sSubSup>
+                    <m:r>
+                      <a:rPr lang="en-US" altLang="ko-KR" b="0" i="1" smtClean="0">
+                        <a:latin typeface="Cambria Math" panose="02040503050406030204" pitchFamily="18" charset="0"/>
+                      </a:rPr>
+                      <m:t>=7</m:t>
+                    </m:r>
+                  </m:oMath>
+                </a14:m>
+                <a:r>
+                  <a:rPr lang="en-US" altLang="ko-KR" dirty="0"/>
+                  <a:t> – </a:t>
+                </a:r>
+                <a:r>
+                  <a:rPr lang="ko-KR" altLang="en-US" dirty="0"/>
+                  <a:t>동사</a:t>
+                </a:r>
+                <a:r>
+                  <a:rPr lang="en-US" altLang="ko-KR" dirty="0"/>
+                  <a:t>: 11</a:t>
+                </a:r>
+              </a:p>
+              <a:p>
+                <a:pPr marL="0" indent="0">
+                  <a:buNone/>
+                </a:pPr>
+                <a14:m>
+                  <m:oMath xmlns:m="http://schemas.openxmlformats.org/officeDocument/2006/math">
+                    <m:sSubSup>
+                      <m:sSubSupPr>
+                        <m:ctrlPr>
+                          <a:rPr lang="en-US" altLang="ko-KR" b="0" i="1" smtClean="0">
+                            <a:latin typeface="Cambria Math" panose="02040503050406030204" pitchFamily="18" charset="0"/>
+                          </a:rPr>
+                        </m:ctrlPr>
+                      </m:sSubSupPr>
+                      <m:e>
+                        <m:r>
+                          <a:rPr lang="en-US" altLang="ko-KR" b="0" i="1" smtClean="0">
+                            <a:latin typeface="Cambria Math" panose="02040503050406030204" pitchFamily="18" charset="0"/>
+                          </a:rPr>
+                          <m:t>𝑎</m:t>
+                        </m:r>
+                      </m:e>
+                      <m:sub>
+                        <m:r>
+                          <a:rPr lang="en-US" altLang="ko-KR" b="0" i="1" smtClean="0">
+                            <a:latin typeface="Cambria Math" panose="02040503050406030204" pitchFamily="18" charset="0"/>
+                          </a:rPr>
+                          <m:t>2</m:t>
+                        </m:r>
+                      </m:sub>
+                      <m:sup>
+                        <m:sSub>
+                          <m:sSubPr>
+                            <m:ctrlPr>
+                              <a:rPr lang="en-US" altLang="ko-KR" b="0" i="1" smtClean="0">
+                                <a:latin typeface="Cambria Math" panose="02040503050406030204" pitchFamily="18" charset="0"/>
+                              </a:rPr>
+                            </m:ctrlPr>
+                          </m:sSubPr>
+                          <m:e>
+                            <m:r>
+                              <a:rPr lang="en-US" altLang="ko-KR" b="0" i="1" smtClean="0">
+                                <a:latin typeface="Cambria Math" panose="02040503050406030204" pitchFamily="18" charset="0"/>
+                              </a:rPr>
+                              <m:t>𝑏</m:t>
+                            </m:r>
+                          </m:e>
+                          <m:sub>
+                            <m:r>
+                              <a:rPr lang="en-US" altLang="ko-KR" b="0" i="1" smtClean="0">
+                                <a:latin typeface="Cambria Math" panose="02040503050406030204" pitchFamily="18" charset="0"/>
+                              </a:rPr>
+                              <m:t>2</m:t>
+                            </m:r>
+                          </m:sub>
+                        </m:sSub>
+                      </m:sup>
+                    </m:sSubSup>
+                    <m:r>
+                      <a:rPr lang="en-US" altLang="ko-KR" b="0" i="1" smtClean="0">
+                        <a:latin typeface="Cambria Math" panose="02040503050406030204" pitchFamily="18" charset="0"/>
+                      </a:rPr>
+                      <m:t>=10</m:t>
+                    </m:r>
+                  </m:oMath>
+                </a14:m>
+                <a:r>
+                  <a:rPr lang="en-US" altLang="ko-KR" dirty="0"/>
+                  <a:t> – </a:t>
+                </a:r>
+                <a:r>
+                  <a:rPr lang="ko-KR" altLang="en-US" dirty="0" err="1"/>
+                  <a:t>능격</a:t>
+                </a:r>
+                <a:r>
+                  <a:rPr lang="en-US" altLang="ko-KR" dirty="0"/>
+                  <a:t>: 13</a:t>
+                </a:r>
+              </a:p>
+              <a:p>
+                <a:pPr marL="0" indent="0">
+                  <a:buNone/>
+                </a:pPr>
+                <a14:m>
+                  <m:oMath xmlns:m="http://schemas.openxmlformats.org/officeDocument/2006/math">
+                    <m:sSubSup>
+                      <m:sSubSupPr>
+                        <m:ctrlPr>
+                          <a:rPr lang="en-US" altLang="ko-KR" b="0" i="1" smtClean="0">
+                            <a:latin typeface="Cambria Math" panose="02040503050406030204" pitchFamily="18" charset="0"/>
+                          </a:rPr>
+                        </m:ctrlPr>
+                      </m:sSubSupPr>
+                      <m:e>
+                        <m:r>
+                          <a:rPr lang="en-US" altLang="ko-KR" b="0" i="1" smtClean="0">
+                            <a:latin typeface="Cambria Math" panose="02040503050406030204" pitchFamily="18" charset="0"/>
+                          </a:rPr>
+                          <m:t>𝑎</m:t>
+                        </m:r>
+                      </m:e>
+                      <m:sub>
+                        <m:r>
+                          <a:rPr lang="en-US" altLang="ko-KR" b="0" i="1" smtClean="0">
+                            <a:latin typeface="Cambria Math" panose="02040503050406030204" pitchFamily="18" charset="0"/>
+                          </a:rPr>
+                          <m:t>3</m:t>
+                        </m:r>
+                      </m:sub>
+                      <m:sup>
+                        <m:sSub>
+                          <m:sSubPr>
+                            <m:ctrlPr>
+                              <a:rPr lang="en-US" altLang="ko-KR" b="0" i="1" smtClean="0">
+                                <a:latin typeface="Cambria Math" panose="02040503050406030204" pitchFamily="18" charset="0"/>
+                              </a:rPr>
+                            </m:ctrlPr>
+                          </m:sSubPr>
+                          <m:e>
+                            <m:r>
+                              <a:rPr lang="en-US" altLang="ko-KR" b="0" i="1" smtClean="0">
+                                <a:latin typeface="Cambria Math" panose="02040503050406030204" pitchFamily="18" charset="0"/>
+                              </a:rPr>
+                              <m:t>𝑏</m:t>
+                            </m:r>
+                          </m:e>
+                          <m:sub>
+                            <m:r>
+                              <a:rPr lang="en-US" altLang="ko-KR" b="0" i="1" smtClean="0">
+                                <a:latin typeface="Cambria Math" panose="02040503050406030204" pitchFamily="18" charset="0"/>
+                              </a:rPr>
+                              <m:t>3</m:t>
+                            </m:r>
+                          </m:sub>
+                        </m:sSub>
+                      </m:sup>
+                    </m:sSubSup>
+                    <m:r>
+                      <a:rPr lang="en-US" altLang="ko-KR" b="0" i="1" smtClean="0">
+                        <a:latin typeface="Cambria Math" panose="02040503050406030204" pitchFamily="18" charset="0"/>
+                      </a:rPr>
+                      <m:t>=8</m:t>
+                    </m:r>
+                  </m:oMath>
+                </a14:m>
+                <a:r>
+                  <a:rPr lang="en-US" altLang="ko-KR" dirty="0"/>
+                  <a:t> – </a:t>
+                </a:r>
+                <a:r>
+                  <a:rPr lang="ko-KR" altLang="en-US" dirty="0" err="1"/>
+                  <a:t>절대격</a:t>
+                </a:r>
+                <a:r>
+                  <a:rPr lang="en-US" altLang="ko-KR" dirty="0"/>
+                  <a:t>: 17</a:t>
+                </a:r>
+              </a:p>
+              <a:p>
+                <a:pPr marL="0" indent="0">
+                  <a:buNone/>
+                </a:pPr>
+                <a:r>
+                  <a:rPr lang="ko-KR" altLang="en-US" dirty="0"/>
+                  <a:t>→ </a:t>
+                </a:r>
+                <a14:m>
+                  <m:oMath xmlns:m="http://schemas.openxmlformats.org/officeDocument/2006/math">
+                    <m:d>
+                      <m:dPr>
+                        <m:begChr m:val="{"/>
+                        <m:endChr m:val=""/>
+                        <m:ctrlPr>
+                          <a:rPr lang="en-US" altLang="ko-KR" i="1" smtClean="0">
+                            <a:latin typeface="Cambria Math" panose="02040503050406030204" pitchFamily="18" charset="0"/>
+                          </a:rPr>
+                        </m:ctrlPr>
+                      </m:dPr>
+                      <m:e>
+                        <m:eqArr>
+                          <m:eqArrPr>
+                            <m:ctrlPr>
+                              <a:rPr lang="en-US" altLang="ko-KR" i="1" smtClean="0">
+                                <a:latin typeface="Cambria Math" panose="02040503050406030204" pitchFamily="18" charset="0"/>
+                              </a:rPr>
+                            </m:ctrlPr>
+                          </m:eqArrPr>
+                          <m:e>
+                            <m:r>
+                              <a:rPr lang="en-US" altLang="ko-KR" b="0" i="1" smtClean="0">
+                                <a:latin typeface="Cambria Math" panose="02040503050406030204" pitchFamily="18" charset="0"/>
+                              </a:rPr>
+                              <m:t>𝑥</m:t>
+                            </m:r>
+                            <m:r>
+                              <a:rPr lang="en-US" altLang="ko-KR" b="0" i="1" smtClean="0">
+                                <a:latin typeface="Cambria Math" panose="02040503050406030204" pitchFamily="18" charset="0"/>
+                              </a:rPr>
+                              <m:t>≡7</m:t>
+                            </m:r>
+                            <m:d>
+                              <m:dPr>
+                                <m:ctrlPr>
+                                  <a:rPr lang="en-US" altLang="ko-KR" b="0" i="1" smtClean="0">
+                                    <a:latin typeface="Cambria Math" panose="02040503050406030204" pitchFamily="18" charset="0"/>
+                                  </a:rPr>
+                                </m:ctrlPr>
+                              </m:dPr>
+                              <m:e>
+                                <m:r>
+                                  <m:rPr>
+                                    <m:sty m:val="p"/>
+                                  </m:rPr>
+                                  <a:rPr lang="en-US" altLang="ko-KR" b="0" i="1" smtClean="0">
+                                    <a:latin typeface="Cambria Math" panose="02040503050406030204" pitchFamily="18" charset="0"/>
+                                  </a:rPr>
+                                  <m:t>mod</m:t>
+                                </m:r>
+                                <m:r>
+                                  <a:rPr lang="en-US" altLang="ko-KR" b="0" i="1" smtClean="0">
+                                    <a:latin typeface="Cambria Math" panose="02040503050406030204" pitchFamily="18" charset="0"/>
+                                  </a:rPr>
+                                  <m:t> 11</m:t>
+                                </m:r>
+                              </m:e>
+                            </m:d>
+                          </m:e>
+                          <m:e>
+                            <m:r>
+                              <a:rPr lang="en-US" altLang="ko-KR" b="0" i="1" smtClean="0">
+                                <a:latin typeface="Cambria Math" panose="02040503050406030204" pitchFamily="18" charset="0"/>
+                              </a:rPr>
+                              <m:t>𝑥</m:t>
+                            </m:r>
+                            <m:r>
+                              <a:rPr lang="en-US" altLang="ko-KR" b="0" i="1" smtClean="0">
+                                <a:latin typeface="Cambria Math" panose="02040503050406030204" pitchFamily="18" charset="0"/>
+                              </a:rPr>
+                              <m:t>≡10</m:t>
+                            </m:r>
+                            <m:d>
+                              <m:dPr>
+                                <m:ctrlPr>
+                                  <a:rPr lang="en-US" altLang="ko-KR" b="0" i="1" smtClean="0">
+                                    <a:latin typeface="Cambria Math" panose="02040503050406030204" pitchFamily="18" charset="0"/>
+                                  </a:rPr>
+                                </m:ctrlPr>
+                              </m:dPr>
+                              <m:e>
+                                <m:r>
+                                  <m:rPr>
+                                    <m:sty m:val="p"/>
+                                  </m:rPr>
+                                  <a:rPr lang="en-US" altLang="ko-KR" b="0" i="1" smtClean="0">
+                                    <a:latin typeface="Cambria Math" panose="02040503050406030204" pitchFamily="18" charset="0"/>
+                                  </a:rPr>
+                                  <m:t>mod</m:t>
+                                </m:r>
+                                <m:r>
+                                  <a:rPr lang="en-US" altLang="ko-KR" b="0" i="1" smtClean="0">
+                                    <a:latin typeface="Cambria Math" panose="02040503050406030204" pitchFamily="18" charset="0"/>
+                                  </a:rPr>
+                                  <m:t> 13</m:t>
+                                </m:r>
+                              </m:e>
+                            </m:d>
+                          </m:e>
+                          <m:e>
+                            <m:r>
+                              <a:rPr lang="en-US" altLang="ko-KR" b="0" i="1" smtClean="0">
+                                <a:latin typeface="Cambria Math" panose="02040503050406030204" pitchFamily="18" charset="0"/>
+                              </a:rPr>
+                              <m:t>𝑥</m:t>
+                            </m:r>
+                            <m:r>
+                              <a:rPr lang="en-US" altLang="ko-KR" b="0" i="1" smtClean="0">
+                                <a:latin typeface="Cambria Math" panose="02040503050406030204" pitchFamily="18" charset="0"/>
+                              </a:rPr>
+                              <m:t>≡8</m:t>
+                            </m:r>
+                            <m:d>
+                              <m:dPr>
+                                <m:ctrlPr>
+                                  <a:rPr lang="en-US" altLang="ko-KR" b="0" i="1" smtClean="0">
+                                    <a:latin typeface="Cambria Math" panose="02040503050406030204" pitchFamily="18" charset="0"/>
+                                  </a:rPr>
+                                </m:ctrlPr>
+                              </m:dPr>
+                              <m:e>
+                                <m:r>
+                                  <m:rPr>
+                                    <m:sty m:val="p"/>
+                                  </m:rPr>
+                                  <a:rPr lang="en-US" altLang="ko-KR" b="0" i="1" smtClean="0">
+                                    <a:latin typeface="Cambria Math" panose="02040503050406030204" pitchFamily="18" charset="0"/>
+                                  </a:rPr>
+                                  <m:t>mod</m:t>
+                                </m:r>
+                                <m:r>
+                                  <a:rPr lang="en-US" altLang="ko-KR" b="0" i="1" smtClean="0">
+                                    <a:latin typeface="Cambria Math" panose="02040503050406030204" pitchFamily="18" charset="0"/>
+                                  </a:rPr>
+                                  <m:t> 17</m:t>
+                                </m:r>
+                              </m:e>
+                            </m:d>
+                          </m:e>
+                        </m:eqArr>
+                      </m:e>
+                    </m:d>
+                    <m:r>
+                      <a:rPr lang="en-US" altLang="ko-KR" b="0" i="1" smtClean="0">
+                        <a:latin typeface="Cambria Math" panose="02040503050406030204" pitchFamily="18" charset="0"/>
+                      </a:rPr>
+                      <m:t>⇔</m:t>
+                    </m:r>
+                    <m:r>
+                      <a:rPr lang="en-US" altLang="ko-KR" b="0" i="1" smtClean="0">
+                        <a:latin typeface="Cambria Math" panose="02040503050406030204" pitchFamily="18" charset="0"/>
+                      </a:rPr>
+                      <m:t>𝑥</m:t>
+                    </m:r>
+                    <m:r>
+                      <a:rPr lang="en-US" altLang="ko-KR" b="0" i="1" smtClean="0">
+                        <a:latin typeface="Cambria Math" panose="02040503050406030204" pitchFamily="18" charset="0"/>
+                      </a:rPr>
+                      <m:t>≡348</m:t>
+                    </m:r>
+                    <m:d>
+                      <m:dPr>
+                        <m:ctrlPr>
+                          <a:rPr lang="en-US" altLang="ko-KR" b="0" i="1" smtClean="0">
+                            <a:latin typeface="Cambria Math" panose="02040503050406030204" pitchFamily="18" charset="0"/>
+                          </a:rPr>
+                        </m:ctrlPr>
+                      </m:dPr>
+                      <m:e>
+                        <m:r>
+                          <m:rPr>
+                            <m:sty m:val="p"/>
+                          </m:rPr>
+                          <a:rPr lang="en-US" altLang="ko-KR" b="0" i="1" smtClean="0">
+                            <a:latin typeface="Cambria Math" panose="02040503050406030204" pitchFamily="18" charset="0"/>
+                          </a:rPr>
+                          <m:t>mod</m:t>
+                        </m:r>
+                        <m:r>
+                          <a:rPr lang="en-US" altLang="ko-KR" b="0" i="1" smtClean="0">
+                            <a:latin typeface="Cambria Math" panose="02040503050406030204" pitchFamily="18" charset="0"/>
+                          </a:rPr>
+                          <m:t> 2431</m:t>
+                        </m:r>
+                      </m:e>
+                    </m:d>
+                  </m:oMath>
+                </a14:m>
+                <a:endParaRPr lang="en-US" altLang="ko-KR" dirty="0"/>
+              </a:p>
+            </p:txBody>
+          </p:sp>
+        </mc:Choice>
+        <mc:Fallback>
+          <p:sp>
+            <p:nvSpPr>
+              <p:cNvPr id="4" name="내용 개체 틀 3">
+                <a:extLst>
+                  <a:ext uri="{FF2B5EF4-FFF2-40B4-BE49-F238E27FC236}">
+                    <a16:creationId xmlns:a16="http://schemas.microsoft.com/office/drawing/2014/main" id="{2C15614C-3D4E-5C76-E054-89A7C52DAACD}"/>
+                  </a:ext>
+                </a:extLst>
+              </p:cNvPr>
+              <p:cNvSpPr>
+                <a:spLocks noGrp="1" noRot="1" noChangeAspect="1" noMove="1" noResize="1" noEditPoints="1" noAdjustHandles="1" noChangeArrowheads="1" noChangeShapeType="1" noTextEdit="1"/>
+              </p:cNvSpPr>
+              <p:nvPr>
+                <p:ph sz="half" idx="2"/>
+              </p:nvPr>
+            </p:nvSpPr>
+            <p:spPr>
+              <a:blipFill>
+                <a:blip r:embed="rId2"/>
+                <a:stretch>
+                  <a:fillRect l="-1083" t="-157"/>
+                </a:stretch>
+              </a:blipFill>
+            </p:spPr>
+            <p:txBody>
+              <a:bodyPr/>
+              <a:lstStyle/>
+              <a:p>
+                <a:r>
+                  <a:rPr lang="ko-KR" altLang="en-US">
+                    <a:noFill/>
+                  </a:rPr>
+                  <a:t> </a:t>
+                </a:r>
+              </a:p>
+            </p:txBody>
+          </p:sp>
+        </mc:Fallback>
+      </mc:AlternateContent>
+    </p:spTree>
+    <p:extLst>
+      <p:ext uri="{BB962C8B-B14F-4D97-AF65-F5344CB8AC3E}">
+        <p14:creationId xmlns:p14="http://schemas.microsoft.com/office/powerpoint/2010/main" val="1888828219"/>
+      </p:ext>
+    </p:extLst>
+  </p:cSld>
+  <p:clrMapOvr>
+    <a:masterClrMapping/>
+  </p:clrMapOvr>
+  <p:transition spd="slow">
+    <p:push/>
+  </p:transition>
+  <p:timing>
+    <p:tnLst>
+      <p:par>
+        <p:cTn id="1" dur="indefinite" restart="never" nodeType="tmRoot">
+          <p:childTnLst>
+            <p:seq concurrent="1" nextAc="seek">
+              <p:cTn id="2" dur="indefinite" nodeType="mainSeq">
+                <p:childTnLst>
+                  <p:par>
+                    <p:cTn id="3" fill="hold">
+                      <p:stCondLst>
+                        <p:cond delay="indefinite"/>
+                      </p:stCondLst>
+                      <p:childTnLst>
+                        <p:par>
+                          <p:cTn id="4" fill="hold">
+                            <p:stCondLst>
+                              <p:cond delay="0"/>
+                            </p:stCondLst>
+                            <p:childTnLst>
+                              <p:par>
+                                <p:cTn id="5" presetID="22" presetClass="entr" presetSubtype="8" fill="hold" grpId="0" nodeType="clickEffect">
+                                  <p:stCondLst>
+                                    <p:cond delay="0"/>
+                                  </p:stCondLst>
+                                  <p:childTnLst>
+                                    <p:set>
+                                      <p:cBhvr>
+                                        <p:cTn id="6" dur="1" fill="hold">
+                                          <p:stCondLst>
+                                            <p:cond delay="0"/>
+                                          </p:stCondLst>
+                                        </p:cTn>
+                                        <p:tgtEl>
+                                          <p:spTgt spid="3">
+                                            <p:txEl>
+                                              <p:pRg st="0" end="0"/>
+                                            </p:txEl>
+                                          </p:spTgt>
+                                        </p:tgtEl>
+                                        <p:attrNameLst>
+                                          <p:attrName>style.visibility</p:attrName>
+                                        </p:attrNameLst>
+                                      </p:cBhvr>
+                                      <p:to>
+                                        <p:strVal val="visible"/>
+                                      </p:to>
+                                    </p:set>
+                                    <p:animEffect transition="in" filter="wipe(left)">
+                                      <p:cBhvr>
+                                        <p:cTn id="7" dur="500"/>
+                                        <p:tgtEl>
+                                          <p:spTgt spid="3">
+                                            <p:txEl>
+                                              <p:pRg st="0" end="0"/>
+                                            </p:txEl>
+                                          </p:spTgt>
+                                        </p:tgtEl>
+                                      </p:cBhvr>
+                                    </p:animEffect>
+                                  </p:childTnLst>
+                                </p:cTn>
+                              </p:par>
+                            </p:childTnLst>
+                          </p:cTn>
+                        </p:par>
+                      </p:childTnLst>
+                    </p:cTn>
+                  </p:par>
+                  <p:par>
+                    <p:cTn id="8" fill="hold">
+                      <p:stCondLst>
+                        <p:cond delay="indefinite"/>
+                      </p:stCondLst>
+                      <p:childTnLst>
+                        <p:par>
+                          <p:cTn id="9" fill="hold">
+                            <p:stCondLst>
+                              <p:cond delay="0"/>
+                            </p:stCondLst>
+                            <p:childTnLst>
+                              <p:par>
+                                <p:cTn id="10" presetID="22" presetClass="entr" presetSubtype="8" fill="hold" grpId="0" nodeType="clickEffect">
+                                  <p:stCondLst>
+                                    <p:cond delay="0"/>
+                                  </p:stCondLst>
+                                  <p:childTnLst>
+                                    <p:set>
+                                      <p:cBhvr>
+                                        <p:cTn id="11" dur="1" fill="hold">
+                                          <p:stCondLst>
+                                            <p:cond delay="0"/>
+                                          </p:stCondLst>
+                                        </p:cTn>
+                                        <p:tgtEl>
+                                          <p:spTgt spid="3">
+                                            <p:txEl>
+                                              <p:pRg st="1" end="1"/>
+                                            </p:txEl>
+                                          </p:spTgt>
+                                        </p:tgtEl>
+                                        <p:attrNameLst>
+                                          <p:attrName>style.visibility</p:attrName>
+                                        </p:attrNameLst>
+                                      </p:cBhvr>
+                                      <p:to>
+                                        <p:strVal val="visible"/>
+                                      </p:to>
+                                    </p:set>
+                                    <p:animEffect transition="in" filter="wipe(left)">
+                                      <p:cBhvr>
+                                        <p:cTn id="12" dur="500"/>
+                                        <p:tgtEl>
+                                          <p:spTgt spid="3">
+                                            <p:txEl>
+                                              <p:pRg st="1" end="1"/>
+                                            </p:txEl>
+                                          </p:spTgt>
+                                        </p:tgtEl>
+                                      </p:cBhvr>
+                                    </p:animEffect>
+                                  </p:childTnLst>
+                                </p:cTn>
+                              </p:par>
+                            </p:childTnLst>
+                          </p:cTn>
+                        </p:par>
+                      </p:childTnLst>
+                    </p:cTn>
+                  </p:par>
+                  <p:par>
+                    <p:cTn id="13" fill="hold">
+                      <p:stCondLst>
+                        <p:cond delay="indefinite"/>
+                      </p:stCondLst>
+                      <p:childTnLst>
+                        <p:par>
+                          <p:cTn id="14" fill="hold">
+                            <p:stCondLst>
+                              <p:cond delay="0"/>
+                            </p:stCondLst>
+                            <p:childTnLst>
+                              <p:par>
+                                <p:cTn id="15" presetID="22" presetClass="entr" presetSubtype="8" fill="hold" grpId="0" nodeType="clickEffect">
+                                  <p:stCondLst>
+                                    <p:cond delay="0"/>
+                                  </p:stCondLst>
+                                  <p:childTnLst>
+                                    <p:set>
+                                      <p:cBhvr>
+                                        <p:cTn id="16" dur="1" fill="hold">
+                                          <p:stCondLst>
+                                            <p:cond delay="0"/>
+                                          </p:stCondLst>
+                                        </p:cTn>
+                                        <p:tgtEl>
+                                          <p:spTgt spid="3">
+                                            <p:txEl>
+                                              <p:pRg st="2" end="2"/>
+                                            </p:txEl>
+                                          </p:spTgt>
+                                        </p:tgtEl>
+                                        <p:attrNameLst>
+                                          <p:attrName>style.visibility</p:attrName>
+                                        </p:attrNameLst>
+                                      </p:cBhvr>
+                                      <p:to>
+                                        <p:strVal val="visible"/>
+                                      </p:to>
+                                    </p:set>
+                                    <p:animEffect transition="in" filter="wipe(left)">
+                                      <p:cBhvr>
+                                        <p:cTn id="17" dur="500"/>
+                                        <p:tgtEl>
+                                          <p:spTgt spid="3">
+                                            <p:txEl>
+                                              <p:pRg st="2" end="2"/>
+                                            </p:txEl>
+                                          </p:spTgt>
+                                        </p:tgtEl>
+                                      </p:cBhvr>
+                                    </p:animEffect>
+                                  </p:childTnLst>
+                                </p:cTn>
+                              </p:par>
+                            </p:childTnLst>
+                          </p:cTn>
+                        </p:par>
+                      </p:childTnLst>
+                    </p:cTn>
+                  </p:par>
+                  <p:par>
+                    <p:cTn id="18" fill="hold">
+                      <p:stCondLst>
+                        <p:cond delay="indefinite"/>
+                      </p:stCondLst>
+                      <p:childTnLst>
+                        <p:par>
+                          <p:cTn id="19" fill="hold">
+                            <p:stCondLst>
+                              <p:cond delay="0"/>
+                            </p:stCondLst>
+                            <p:childTnLst>
+                              <p:par>
+                                <p:cTn id="20" presetID="22" presetClass="entr" presetSubtype="8" fill="hold" grpId="0" nodeType="clickEffect">
+                                  <p:stCondLst>
+                                    <p:cond delay="0"/>
+                                  </p:stCondLst>
+                                  <p:childTnLst>
+                                    <p:set>
+                                      <p:cBhvr>
+                                        <p:cTn id="21" dur="1" fill="hold">
+                                          <p:stCondLst>
+                                            <p:cond delay="0"/>
+                                          </p:stCondLst>
+                                        </p:cTn>
+                                        <p:tgtEl>
+                                          <p:spTgt spid="4">
+                                            <p:txEl>
+                                              <p:pRg st="0" end="0"/>
+                                            </p:txEl>
+                                          </p:spTgt>
+                                        </p:tgtEl>
+                                        <p:attrNameLst>
+                                          <p:attrName>style.visibility</p:attrName>
+                                        </p:attrNameLst>
+                                      </p:cBhvr>
+                                      <p:to>
+                                        <p:strVal val="visible"/>
+                                      </p:to>
+                                    </p:set>
+                                    <p:animEffect transition="in" filter="wipe(left)">
+                                      <p:cBhvr>
+                                        <p:cTn id="22" dur="500"/>
+                                        <p:tgtEl>
+                                          <p:spTgt spid="4">
+                                            <p:txEl>
+                                              <p:pRg st="0" end="0"/>
+                                            </p:txEl>
+                                          </p:spTgt>
+                                        </p:tgtEl>
+                                      </p:cBhvr>
+                                    </p:animEffect>
+                                  </p:childTnLst>
+                                </p:cTn>
+                              </p:par>
+                            </p:childTnLst>
+                          </p:cTn>
+                        </p:par>
+                      </p:childTnLst>
+                    </p:cTn>
+                  </p:par>
+                  <p:par>
+                    <p:cTn id="23" fill="hold">
+                      <p:stCondLst>
+                        <p:cond delay="indefinite"/>
+                      </p:stCondLst>
+                      <p:childTnLst>
+                        <p:par>
+                          <p:cTn id="24" fill="hold">
+                            <p:stCondLst>
+                              <p:cond delay="0"/>
+                            </p:stCondLst>
+                            <p:childTnLst>
+                              <p:par>
+                                <p:cTn id="25" presetID="22" presetClass="entr" presetSubtype="8" fill="hold" grpId="0" nodeType="clickEffect">
+                                  <p:stCondLst>
+                                    <p:cond delay="0"/>
+                                  </p:stCondLst>
+                                  <p:childTnLst>
+                                    <p:set>
+                                      <p:cBhvr>
+                                        <p:cTn id="26" dur="1" fill="hold">
+                                          <p:stCondLst>
+                                            <p:cond delay="0"/>
+                                          </p:stCondLst>
+                                        </p:cTn>
+                                        <p:tgtEl>
+                                          <p:spTgt spid="4">
+                                            <p:txEl>
+                                              <p:pRg st="1" end="1"/>
+                                            </p:txEl>
+                                          </p:spTgt>
+                                        </p:tgtEl>
+                                        <p:attrNameLst>
+                                          <p:attrName>style.visibility</p:attrName>
+                                        </p:attrNameLst>
+                                      </p:cBhvr>
+                                      <p:to>
+                                        <p:strVal val="visible"/>
+                                      </p:to>
+                                    </p:set>
+                                    <p:animEffect transition="in" filter="wipe(left)">
+                                      <p:cBhvr>
+                                        <p:cTn id="27" dur="500"/>
+                                        <p:tgtEl>
+                                          <p:spTgt spid="4">
+                                            <p:txEl>
+                                              <p:pRg st="1" end="1"/>
+                                            </p:txEl>
+                                          </p:spTgt>
+                                        </p:tgtEl>
+                                      </p:cBhvr>
+                                    </p:animEffect>
+                                  </p:childTnLst>
+                                </p:cTn>
+                              </p:par>
+                            </p:childTnLst>
+                          </p:cTn>
+                        </p:par>
+                      </p:childTnLst>
+                    </p:cTn>
+                  </p:par>
+                  <p:par>
+                    <p:cTn id="28" fill="hold">
+                      <p:stCondLst>
+                        <p:cond delay="indefinite"/>
+                      </p:stCondLst>
+                      <p:childTnLst>
+                        <p:par>
+                          <p:cTn id="29" fill="hold">
+                            <p:stCondLst>
+                              <p:cond delay="0"/>
+                            </p:stCondLst>
+                            <p:childTnLst>
+                              <p:par>
+                                <p:cTn id="30" presetID="22" presetClass="entr" presetSubtype="8" fill="hold" grpId="0" nodeType="clickEffect">
+                                  <p:stCondLst>
+                                    <p:cond delay="0"/>
+                                  </p:stCondLst>
+                                  <p:childTnLst>
+                                    <p:set>
+                                      <p:cBhvr>
+                                        <p:cTn id="31" dur="1" fill="hold">
+                                          <p:stCondLst>
+                                            <p:cond delay="0"/>
+                                          </p:stCondLst>
+                                        </p:cTn>
+                                        <p:tgtEl>
+                                          <p:spTgt spid="4">
+                                            <p:txEl>
+                                              <p:pRg st="2" end="2"/>
+                                            </p:txEl>
+                                          </p:spTgt>
+                                        </p:tgtEl>
+                                        <p:attrNameLst>
+                                          <p:attrName>style.visibility</p:attrName>
+                                        </p:attrNameLst>
+                                      </p:cBhvr>
+                                      <p:to>
+                                        <p:strVal val="visible"/>
+                                      </p:to>
+                                    </p:set>
+                                    <p:animEffect transition="in" filter="wipe(left)">
+                                      <p:cBhvr>
+                                        <p:cTn id="32" dur="500"/>
+                                        <p:tgtEl>
+                                          <p:spTgt spid="4">
+                                            <p:txEl>
+                                              <p:pRg st="2" end="2"/>
+                                            </p:txEl>
+                                          </p:spTgt>
+                                        </p:tgtEl>
+                                      </p:cBhvr>
+                                    </p:animEffect>
+                                  </p:childTnLst>
+                                </p:cTn>
+                              </p:par>
+                            </p:childTnLst>
+                          </p:cTn>
+                        </p:par>
+                      </p:childTnLst>
+                    </p:cTn>
+                  </p:par>
+                  <p:par>
+                    <p:cTn id="33" fill="hold">
+                      <p:stCondLst>
+                        <p:cond delay="indefinite"/>
+                      </p:stCondLst>
+                      <p:childTnLst>
+                        <p:par>
+                          <p:cTn id="34" fill="hold">
+                            <p:stCondLst>
+                              <p:cond delay="0"/>
+                            </p:stCondLst>
+                            <p:childTnLst>
+                              <p:par>
+                                <p:cTn id="35" presetID="22" presetClass="entr" presetSubtype="8" fill="hold" grpId="0" nodeType="clickEffect">
+                                  <p:stCondLst>
+                                    <p:cond delay="0"/>
+                                  </p:stCondLst>
+                                  <p:childTnLst>
+                                    <p:set>
+                                      <p:cBhvr>
+                                        <p:cTn id="36" dur="1" fill="hold">
+                                          <p:stCondLst>
+                                            <p:cond delay="0"/>
+                                          </p:stCondLst>
+                                        </p:cTn>
+                                        <p:tgtEl>
+                                          <p:spTgt spid="4">
+                                            <p:txEl>
+                                              <p:pRg st="3" end="3"/>
+                                            </p:txEl>
+                                          </p:spTgt>
+                                        </p:tgtEl>
+                                        <p:attrNameLst>
+                                          <p:attrName>style.visibility</p:attrName>
+                                        </p:attrNameLst>
+                                      </p:cBhvr>
+                                      <p:to>
+                                        <p:strVal val="visible"/>
+                                      </p:to>
+                                    </p:set>
+                                    <p:animEffect transition="in" filter="wipe(left)">
+                                      <p:cBhvr>
+                                        <p:cTn id="37" dur="500"/>
+                                        <p:tgtEl>
+                                          <p:spTgt spid="4">
+                                            <p:txEl>
+                                              <p:pRg st="3" end="3"/>
+                                            </p:txEl>
+                                          </p:spTgt>
+                                        </p:tgtEl>
+                                      </p:cBhvr>
+                                    </p:animEffect>
+                                  </p:childTnLst>
+                                </p:cTn>
+                              </p:par>
+                            </p:childTnLst>
+                          </p:cTn>
+                        </p:par>
+                      </p:childTnLst>
+                    </p:cTn>
+                  </p:par>
+                  <p:par>
+                    <p:cTn id="38" fill="hold">
+                      <p:stCondLst>
+                        <p:cond delay="indefinite"/>
+                      </p:stCondLst>
+                      <p:childTnLst>
+                        <p:par>
+                          <p:cTn id="39" fill="hold">
+                            <p:stCondLst>
+                              <p:cond delay="0"/>
+                            </p:stCondLst>
+                            <p:childTnLst>
+                              <p:par>
+                                <p:cTn id="40" presetID="22" presetClass="entr" presetSubtype="8" fill="hold" grpId="0" nodeType="clickEffect">
+                                  <p:stCondLst>
+                                    <p:cond delay="0"/>
+                                  </p:stCondLst>
+                                  <p:childTnLst>
+                                    <p:set>
+                                      <p:cBhvr>
+                                        <p:cTn id="41" dur="1" fill="hold">
+                                          <p:stCondLst>
+                                            <p:cond delay="0"/>
+                                          </p:stCondLst>
+                                        </p:cTn>
+                                        <p:tgtEl>
+                                          <p:spTgt spid="4">
+                                            <p:txEl>
+                                              <p:pRg st="4" end="4"/>
+                                            </p:txEl>
+                                          </p:spTgt>
+                                        </p:tgtEl>
+                                        <p:attrNameLst>
+                                          <p:attrName>style.visibility</p:attrName>
+                                        </p:attrNameLst>
+                                      </p:cBhvr>
+                                      <p:to>
+                                        <p:strVal val="visible"/>
+                                      </p:to>
+                                    </p:set>
+                                    <p:animEffect transition="in" filter="wipe(left)">
+                                      <p:cBhvr>
+                                        <p:cTn id="42" dur="500"/>
+                                        <p:tgtEl>
+                                          <p:spTgt spid="4">
+                                            <p:txEl>
+                                              <p:pRg st="4" end="4"/>
+                                            </p:txEl>
+                                          </p:spTgt>
+                                        </p:tgtEl>
+                                      </p:cBhvr>
+                                    </p:animEffect>
+                                  </p:childTnLst>
+                                </p:cTn>
+                              </p:par>
+                            </p:childTnLst>
+                          </p:cTn>
+                        </p:par>
+                      </p:childTnLst>
+                    </p:cTn>
+                  </p:par>
+                </p:childTnLst>
+              </p:cTn>
+              <p:prevCondLst>
+                <p:cond evt="onPrev" delay="0">
+                  <p:tgtEl>
+                    <p:sldTgt/>
+                  </p:tgtEl>
+                </p:cond>
+              </p:prevCondLst>
+              <p:nextCondLst>
+                <p:cond evt="onNext" delay="0">
+                  <p:tgtEl>
+                    <p:sldTgt/>
+                  </p:tgtEl>
+                </p:cond>
+              </p:nextCondLst>
+            </p:seq>
+          </p:childTnLst>
+        </p:cTn>
+      </p:par>
+    </p:tnLst>
+    <p:bldLst>
+      <p:bldP spid="3" grpId="0" build="p"/>
+      <p:bldP spid="4" grpId="0" build="p"/>
+    </p:bldLst>
+  </p:timing>
+</p:sld>
+</file>
+
+<file path=ppt/slides/slide16.xml><?xml version="1.0" encoding="utf-8"?>
+<p:sld xmlns:a="http://schemas.openxmlformats.org/drawingml/2006/main" xmlns:r="http://schemas.openxmlformats.org/officeDocument/2006/relationships" xmlns:p="http://schemas.openxmlformats.org/presentationml/2006/main">
+  <p:cSld>
+    <p:spTree>
+      <p:nvGrpSpPr>
+        <p:cNvPr id="1" name=""/>
+        <p:cNvGrpSpPr/>
+        <p:nvPr/>
+      </p:nvGrpSpPr>
+      <p:grpSpPr>
+        <a:xfrm>
+          <a:off x="0" y="0"/>
+          <a:ext cx="0" cy="0"/>
+          <a:chOff x="0" y="0"/>
+          <a:chExt cx="0" cy="0"/>
+        </a:xfrm>
+      </p:grpSpPr>
+      <p:sp>
+        <p:nvSpPr>
+          <p:cNvPr id="2" name="제목 1">
+            <a:extLst>
+              <a:ext uri="{FF2B5EF4-FFF2-40B4-BE49-F238E27FC236}">
+                <a16:creationId xmlns:a16="http://schemas.microsoft.com/office/drawing/2014/main" id="{6DB74821-1D1E-3272-4DA9-F2E178DA7DBF}"/>
+              </a:ext>
+            </a:extLst>
+          </p:cNvPr>
+          <p:cNvSpPr>
+            <a:spLocks noGrp="1"/>
+          </p:cNvSpPr>
+          <p:nvPr>
+            <p:ph type="title"/>
+          </p:nvPr>
+        </p:nvSpPr>
+        <p:spPr/>
+        <p:txBody>
+          <a:bodyPr/>
+          <a:lstStyle/>
+          <a:p>
+            <a:r>
+              <a:rPr lang="ko-KR" altLang="en-US" dirty="0"/>
+              <a:t>사전 구성</a:t>
+            </a:r>
+          </a:p>
+        </p:txBody>
+      </p:sp>
+      <p:sp>
+        <p:nvSpPr>
+          <p:cNvPr id="3" name="내용 개체 틀 2">
+            <a:extLst>
+              <a:ext uri="{FF2B5EF4-FFF2-40B4-BE49-F238E27FC236}">
+                <a16:creationId xmlns:a16="http://schemas.microsoft.com/office/drawing/2014/main" id="{23A012C4-AF79-688D-75A8-5CD0D2FF20AE}"/>
+              </a:ext>
+            </a:extLst>
+          </p:cNvPr>
+          <p:cNvSpPr>
+            <a:spLocks noGrp="1"/>
+          </p:cNvSpPr>
+          <p:nvPr>
+            <p:ph sz="half" idx="1"/>
+          </p:nvPr>
+        </p:nvSpPr>
+        <p:spPr/>
+        <p:txBody>
+          <a:bodyPr/>
+          <a:lstStyle/>
+          <a:p>
+            <a:pPr marL="342900" indent="-342900">
+              <a:buFont typeface="+mj-lt"/>
+              <a:buAutoNum type="arabicPeriod"/>
+            </a:pPr>
+            <a:r>
+              <a:rPr lang="en-US" altLang="ko-KR" dirty="0"/>
+              <a:t>Python</a:t>
+            </a:r>
+            <a:r>
+              <a:rPr lang="ko-KR" altLang="en-US" dirty="0"/>
+              <a:t>이 아닌</a:t>
+            </a:r>
+            <a:r>
+              <a:rPr lang="en-US" altLang="ko-KR" dirty="0"/>
+              <a:t>, </a:t>
+            </a:r>
+            <a:r>
+              <a:rPr lang="ko-KR" altLang="en-US" dirty="0"/>
+              <a:t>정수의 크기가 한정된 다른 프로그래밍 언어를 사용한 구현의 가능성을 고려함</a:t>
+            </a:r>
+            <a:r>
+              <a:rPr lang="en-US" altLang="ko-KR" dirty="0"/>
+              <a:t>.</a:t>
+            </a:r>
+          </a:p>
+          <a:p>
+            <a:pPr marL="342900" indent="-342900">
+              <a:buFont typeface="+mj-lt"/>
+              <a:buAutoNum type="arabicPeriod"/>
+            </a:pPr>
+            <a:r>
+              <a:rPr lang="ko-KR" altLang="en-US" dirty="0"/>
+              <a:t>이를 위해 같은 자연수라도 동사 굴절에서 일치된 성에 따라 의미가 달라지도록 하였음</a:t>
+            </a:r>
+            <a:r>
+              <a:rPr lang="en-US" altLang="ko-KR" dirty="0"/>
+              <a:t>.</a:t>
+            </a:r>
+            <a:endParaRPr lang="ko-KR" altLang="en-US" dirty="0"/>
+          </a:p>
+        </p:txBody>
+      </p:sp>
+      <p:sp>
+        <p:nvSpPr>
+          <p:cNvPr id="4" name="내용 개체 틀 3">
+            <a:extLst>
+              <a:ext uri="{FF2B5EF4-FFF2-40B4-BE49-F238E27FC236}">
+                <a16:creationId xmlns:a16="http://schemas.microsoft.com/office/drawing/2014/main" id="{C4B3CB12-50B0-4183-040B-732912CF871F}"/>
+              </a:ext>
+            </a:extLst>
+          </p:cNvPr>
+          <p:cNvSpPr>
+            <a:spLocks noGrp="1"/>
+          </p:cNvSpPr>
+          <p:nvPr>
+            <p:ph sz="half" idx="2"/>
+          </p:nvPr>
+        </p:nvSpPr>
+        <p:spPr/>
+        <p:txBody>
+          <a:bodyPr/>
+          <a:lstStyle/>
+          <a:p>
+            <a:pPr marL="0" indent="0">
+              <a:buNone/>
+            </a:pPr>
+            <a:r>
+              <a:rPr lang="ko-KR" altLang="en-US" dirty="0"/>
+              <a:t>예시</a:t>
+            </a:r>
+            <a:r>
+              <a:rPr lang="en-US" altLang="ko-KR" dirty="0"/>
+              <a:t>:</a:t>
+            </a:r>
+          </a:p>
+          <a:p>
+            <a:pPr marL="0" indent="0">
+              <a:buNone/>
+            </a:pPr>
+            <a:r>
+              <a:rPr lang="en-US" altLang="ko-KR" dirty="0"/>
+              <a:t>43</a:t>
+            </a:r>
+          </a:p>
+          <a:p>
+            <a:pPr marL="342900" indent="-342900">
+              <a:buFont typeface="+mj-lt"/>
+              <a:buAutoNum type="arabicPeriod"/>
+            </a:pPr>
+            <a:r>
+              <a:rPr lang="en-US" altLang="ko-KR" dirty="0"/>
+              <a:t>[</a:t>
+            </a:r>
+            <a:r>
+              <a:rPr lang="ko-KR" altLang="en-US" dirty="0"/>
+              <a:t>명사</a:t>
+            </a:r>
+            <a:r>
+              <a:rPr lang="en-US" altLang="ko-KR" dirty="0"/>
+              <a:t>] </a:t>
+            </a:r>
+            <a:r>
+              <a:rPr lang="ko-KR" altLang="en-US" dirty="0"/>
+              <a:t>가축 개</a:t>
+            </a:r>
+            <a:r>
+              <a:rPr lang="en-US" altLang="ko-KR" dirty="0"/>
+              <a:t>.</a:t>
+            </a:r>
+          </a:p>
+          <a:p>
+            <a:pPr marL="342900" indent="-342900">
+              <a:buFont typeface="+mj-lt"/>
+              <a:buAutoNum type="arabicPeriod"/>
+            </a:pPr>
+            <a:r>
+              <a:rPr lang="en-US" altLang="ko-KR" dirty="0"/>
+              <a:t>[</a:t>
+            </a:r>
+            <a:r>
+              <a:rPr lang="ko-KR" altLang="en-US" dirty="0"/>
+              <a:t>명사</a:t>
+            </a:r>
+            <a:r>
+              <a:rPr lang="en-US" altLang="ko-KR" dirty="0"/>
+              <a:t>] </a:t>
+            </a:r>
+            <a:r>
+              <a:rPr lang="ko-KR" altLang="en-US" dirty="0"/>
+              <a:t>들개</a:t>
+            </a:r>
+            <a:r>
+              <a:rPr lang="en-US" altLang="ko-KR" dirty="0"/>
+              <a:t>.</a:t>
+            </a:r>
+          </a:p>
+          <a:p>
+            <a:pPr marL="342900" indent="-342900">
+              <a:buFont typeface="+mj-lt"/>
+              <a:buAutoNum type="arabicPeriod"/>
+            </a:pPr>
+            <a:r>
+              <a:rPr lang="en-US" altLang="ko-KR" dirty="0"/>
+              <a:t>[</a:t>
+            </a:r>
+            <a:r>
+              <a:rPr lang="ko-KR" altLang="en-US" dirty="0"/>
+              <a:t>명사</a:t>
+            </a:r>
+            <a:r>
+              <a:rPr lang="en-US" altLang="ko-KR" dirty="0"/>
+              <a:t>] </a:t>
+            </a:r>
+            <a:r>
+              <a:rPr lang="ko-KR" altLang="en-US" dirty="0"/>
+              <a:t>늑대</a:t>
+            </a:r>
+            <a:r>
+              <a:rPr lang="en-US" altLang="ko-KR" dirty="0"/>
+              <a:t>.</a:t>
+            </a:r>
+          </a:p>
+          <a:p>
+            <a:pPr marL="0" indent="0">
+              <a:buNone/>
+            </a:pPr>
+            <a:r>
+              <a:rPr lang="en-US" altLang="ko-KR" dirty="0"/>
+              <a:t>…</a:t>
+            </a:r>
+          </a:p>
+          <a:p>
+            <a:pPr marL="342900" indent="-342900">
+              <a:buFont typeface="+mj-lt"/>
+              <a:buAutoNum type="arabicPeriod" startAt="41"/>
+            </a:pPr>
+            <a:r>
+              <a:rPr lang="en-US" altLang="ko-KR" dirty="0"/>
+              <a:t>[</a:t>
+            </a:r>
+            <a:r>
+              <a:rPr lang="ko-KR" altLang="en-US" dirty="0"/>
+              <a:t>동사</a:t>
+            </a:r>
+            <a:r>
+              <a:rPr lang="en-US" altLang="ko-KR" dirty="0"/>
+              <a:t>] </a:t>
+            </a:r>
+            <a:r>
+              <a:rPr lang="ko-KR" altLang="en-US" dirty="0"/>
+              <a:t>휘두르다</a:t>
+            </a:r>
+            <a:r>
+              <a:rPr lang="en-US" altLang="ko-KR" dirty="0"/>
+              <a:t>.</a:t>
+            </a:r>
+          </a:p>
+        </p:txBody>
+      </p:sp>
+    </p:spTree>
+    <p:extLst>
+      <p:ext uri="{BB962C8B-B14F-4D97-AF65-F5344CB8AC3E}">
+        <p14:creationId xmlns:p14="http://schemas.microsoft.com/office/powerpoint/2010/main" val="197938396"/>
+      </p:ext>
+    </p:extLst>
+  </p:cSld>
+  <p:clrMapOvr>
+    <a:masterClrMapping/>
+  </p:clrMapOvr>
+  <p:transition spd="slow">
+    <p:push/>
+  </p:transition>
+  <p:timing>
+    <p:tnLst>
+      <p:par>
+        <p:cTn id="1" dur="indefinite" restart="never" nodeType="tmRoot">
+          <p:childTnLst>
+            <p:seq concurrent="1" nextAc="seek">
+              <p:cTn id="2" dur="indefinite" nodeType="mainSeq">
+                <p:childTnLst>
+                  <p:par>
+                    <p:cTn id="3" fill="hold">
+                      <p:stCondLst>
+                        <p:cond delay="indefinite"/>
+                      </p:stCondLst>
+                      <p:childTnLst>
+                        <p:par>
+                          <p:cTn id="4" fill="hold">
+                            <p:stCondLst>
+                              <p:cond delay="0"/>
+                            </p:stCondLst>
+                            <p:childTnLst>
+                              <p:par>
+                                <p:cTn id="5" presetID="22" presetClass="entr" presetSubtype="8" fill="hold" grpId="0" nodeType="clickEffect">
+                                  <p:stCondLst>
+                                    <p:cond delay="0"/>
+                                  </p:stCondLst>
+                                  <p:childTnLst>
+                                    <p:set>
+                                      <p:cBhvr>
+                                        <p:cTn id="6" dur="1" fill="hold">
+                                          <p:stCondLst>
+                                            <p:cond delay="0"/>
+                                          </p:stCondLst>
+                                        </p:cTn>
+                                        <p:tgtEl>
+                                          <p:spTgt spid="3">
+                                            <p:txEl>
+                                              <p:pRg st="0" end="0"/>
+                                            </p:txEl>
+                                          </p:spTgt>
+                                        </p:tgtEl>
+                                        <p:attrNameLst>
+                                          <p:attrName>style.visibility</p:attrName>
+                                        </p:attrNameLst>
+                                      </p:cBhvr>
+                                      <p:to>
+                                        <p:strVal val="visible"/>
+                                      </p:to>
+                                    </p:set>
+                                    <p:animEffect transition="in" filter="wipe(left)">
+                                      <p:cBhvr>
+                                        <p:cTn id="7" dur="500"/>
+                                        <p:tgtEl>
+                                          <p:spTgt spid="3">
+                                            <p:txEl>
+                                              <p:pRg st="0" end="0"/>
+                                            </p:txEl>
+                                          </p:spTgt>
+                                        </p:tgtEl>
+                                      </p:cBhvr>
+                                    </p:animEffect>
+                                  </p:childTnLst>
+                                </p:cTn>
+                              </p:par>
+                            </p:childTnLst>
+                          </p:cTn>
+                        </p:par>
+                      </p:childTnLst>
+                    </p:cTn>
+                  </p:par>
+                  <p:par>
+                    <p:cTn id="8" fill="hold">
+                      <p:stCondLst>
+                        <p:cond delay="indefinite"/>
+                      </p:stCondLst>
+                      <p:childTnLst>
+                        <p:par>
+                          <p:cTn id="9" fill="hold">
+                            <p:stCondLst>
+                              <p:cond delay="0"/>
+                            </p:stCondLst>
+                            <p:childTnLst>
+                              <p:par>
+                                <p:cTn id="10" presetID="22" presetClass="entr" presetSubtype="8" fill="hold" grpId="0" nodeType="clickEffect">
+                                  <p:stCondLst>
+                                    <p:cond delay="0"/>
+                                  </p:stCondLst>
+                                  <p:childTnLst>
+                                    <p:set>
+                                      <p:cBhvr>
+                                        <p:cTn id="11" dur="1" fill="hold">
+                                          <p:stCondLst>
+                                            <p:cond delay="0"/>
+                                          </p:stCondLst>
+                                        </p:cTn>
+                                        <p:tgtEl>
+                                          <p:spTgt spid="3">
+                                            <p:txEl>
+                                              <p:pRg st="1" end="1"/>
+                                            </p:txEl>
+                                          </p:spTgt>
+                                        </p:tgtEl>
+                                        <p:attrNameLst>
+                                          <p:attrName>style.visibility</p:attrName>
+                                        </p:attrNameLst>
+                                      </p:cBhvr>
+                                      <p:to>
+                                        <p:strVal val="visible"/>
+                                      </p:to>
+                                    </p:set>
+                                    <p:animEffect transition="in" filter="wipe(left)">
+                                      <p:cBhvr>
+                                        <p:cTn id="12" dur="500"/>
+                                        <p:tgtEl>
+                                          <p:spTgt spid="3">
+                                            <p:txEl>
+                                              <p:pRg st="1" end="1"/>
+                                            </p:txEl>
+                                          </p:spTgt>
+                                        </p:tgtEl>
+                                      </p:cBhvr>
+                                    </p:animEffect>
+                                  </p:childTnLst>
+                                </p:cTn>
+                              </p:par>
+                            </p:childTnLst>
+                          </p:cTn>
+                        </p:par>
+                      </p:childTnLst>
+                    </p:cTn>
+                  </p:par>
+                  <p:par>
+                    <p:cTn id="13" fill="hold">
+                      <p:stCondLst>
+                        <p:cond delay="indefinite"/>
+                      </p:stCondLst>
+                      <p:childTnLst>
+                        <p:par>
+                          <p:cTn id="14" fill="hold">
+                            <p:stCondLst>
+                              <p:cond delay="0"/>
+                            </p:stCondLst>
+                            <p:childTnLst>
+                              <p:par>
+                                <p:cTn id="15" presetID="22" presetClass="entr" presetSubtype="1" fill="hold" grpId="0" nodeType="clickEffect">
+                                  <p:stCondLst>
+                                    <p:cond delay="0"/>
+                                  </p:stCondLst>
+                                  <p:childTnLst>
+                                    <p:set>
+                                      <p:cBhvr>
+                                        <p:cTn id="16" dur="1" fill="hold">
+                                          <p:stCondLst>
+                                            <p:cond delay="0"/>
+                                          </p:stCondLst>
+                                        </p:cTn>
+                                        <p:tgtEl>
+                                          <p:spTgt spid="4">
+                                            <p:txEl>
+                                              <p:pRg st="0" end="0"/>
+                                            </p:txEl>
+                                          </p:spTgt>
+                                        </p:tgtEl>
+                                        <p:attrNameLst>
+                                          <p:attrName>style.visibility</p:attrName>
+                                        </p:attrNameLst>
+                                      </p:cBhvr>
+                                      <p:to>
+                                        <p:strVal val="visible"/>
+                                      </p:to>
+                                    </p:set>
+                                    <p:animEffect transition="in" filter="wipe(up)">
+                                      <p:cBhvr>
+                                        <p:cTn id="17" dur="500"/>
+                                        <p:tgtEl>
+                                          <p:spTgt spid="4">
+                                            <p:txEl>
+                                              <p:pRg st="0" end="0"/>
+                                            </p:txEl>
+                                          </p:spTgt>
+                                        </p:tgtEl>
+                                      </p:cBhvr>
+                                    </p:animEffect>
+                                  </p:childTnLst>
+                                </p:cTn>
+                              </p:par>
+                              <p:par>
+                                <p:cTn id="18" presetID="22" presetClass="entr" presetSubtype="1" fill="hold" grpId="0" nodeType="withEffect">
+                                  <p:stCondLst>
+                                    <p:cond delay="0"/>
+                                  </p:stCondLst>
+                                  <p:childTnLst>
+                                    <p:set>
+                                      <p:cBhvr>
+                                        <p:cTn id="19" dur="1" fill="hold">
+                                          <p:stCondLst>
+                                            <p:cond delay="0"/>
+                                          </p:stCondLst>
+                                        </p:cTn>
+                                        <p:tgtEl>
+                                          <p:spTgt spid="4">
+                                            <p:txEl>
+                                              <p:pRg st="1" end="1"/>
+                                            </p:txEl>
+                                          </p:spTgt>
+                                        </p:tgtEl>
+                                        <p:attrNameLst>
+                                          <p:attrName>style.visibility</p:attrName>
+                                        </p:attrNameLst>
+                                      </p:cBhvr>
+                                      <p:to>
+                                        <p:strVal val="visible"/>
+                                      </p:to>
+                                    </p:set>
+                                    <p:animEffect transition="in" filter="wipe(up)">
+                                      <p:cBhvr>
+                                        <p:cTn id="20" dur="500"/>
+                                        <p:tgtEl>
+                                          <p:spTgt spid="4">
+                                            <p:txEl>
+                                              <p:pRg st="1" end="1"/>
+                                            </p:txEl>
+                                          </p:spTgt>
+                                        </p:tgtEl>
+                                      </p:cBhvr>
+                                    </p:animEffect>
+                                  </p:childTnLst>
+                                </p:cTn>
+                              </p:par>
+                              <p:par>
+                                <p:cTn id="21" presetID="22" presetClass="entr" presetSubtype="1" fill="hold" grpId="0" nodeType="withEffect">
+                                  <p:stCondLst>
+                                    <p:cond delay="0"/>
+                                  </p:stCondLst>
+                                  <p:childTnLst>
+                                    <p:set>
+                                      <p:cBhvr>
+                                        <p:cTn id="22" dur="1" fill="hold">
+                                          <p:stCondLst>
+                                            <p:cond delay="0"/>
+                                          </p:stCondLst>
+                                        </p:cTn>
+                                        <p:tgtEl>
+                                          <p:spTgt spid="4">
+                                            <p:txEl>
+                                              <p:pRg st="2" end="2"/>
+                                            </p:txEl>
+                                          </p:spTgt>
+                                        </p:tgtEl>
+                                        <p:attrNameLst>
+                                          <p:attrName>style.visibility</p:attrName>
+                                        </p:attrNameLst>
+                                      </p:cBhvr>
+                                      <p:to>
+                                        <p:strVal val="visible"/>
+                                      </p:to>
+                                    </p:set>
+                                    <p:animEffect transition="in" filter="wipe(up)">
+                                      <p:cBhvr>
+                                        <p:cTn id="23" dur="500"/>
+                                        <p:tgtEl>
+                                          <p:spTgt spid="4">
+                                            <p:txEl>
+                                              <p:pRg st="2" end="2"/>
+                                            </p:txEl>
+                                          </p:spTgt>
+                                        </p:tgtEl>
+                                      </p:cBhvr>
+                                    </p:animEffect>
+                                  </p:childTnLst>
+                                </p:cTn>
+                              </p:par>
+                              <p:par>
+                                <p:cTn id="24" presetID="22" presetClass="entr" presetSubtype="1" fill="hold" grpId="0" nodeType="withEffect">
+                                  <p:stCondLst>
+                                    <p:cond delay="0"/>
+                                  </p:stCondLst>
+                                  <p:childTnLst>
+                                    <p:set>
+                                      <p:cBhvr>
+                                        <p:cTn id="25" dur="1" fill="hold">
+                                          <p:stCondLst>
+                                            <p:cond delay="0"/>
+                                          </p:stCondLst>
+                                        </p:cTn>
+                                        <p:tgtEl>
+                                          <p:spTgt spid="4">
+                                            <p:txEl>
+                                              <p:pRg st="3" end="3"/>
+                                            </p:txEl>
+                                          </p:spTgt>
+                                        </p:tgtEl>
+                                        <p:attrNameLst>
+                                          <p:attrName>style.visibility</p:attrName>
+                                        </p:attrNameLst>
+                                      </p:cBhvr>
+                                      <p:to>
+                                        <p:strVal val="visible"/>
+                                      </p:to>
+                                    </p:set>
+                                    <p:animEffect transition="in" filter="wipe(up)">
+                                      <p:cBhvr>
+                                        <p:cTn id="26" dur="500"/>
+                                        <p:tgtEl>
+                                          <p:spTgt spid="4">
+                                            <p:txEl>
+                                              <p:pRg st="3" end="3"/>
+                                            </p:txEl>
+                                          </p:spTgt>
+                                        </p:tgtEl>
+                                      </p:cBhvr>
+                                    </p:animEffect>
+                                  </p:childTnLst>
+                                </p:cTn>
+                              </p:par>
+                              <p:par>
+                                <p:cTn id="27" presetID="22" presetClass="entr" presetSubtype="1" fill="hold" grpId="0" nodeType="withEffect">
+                                  <p:stCondLst>
+                                    <p:cond delay="0"/>
+                                  </p:stCondLst>
+                                  <p:childTnLst>
+                                    <p:set>
+                                      <p:cBhvr>
+                                        <p:cTn id="28" dur="1" fill="hold">
+                                          <p:stCondLst>
+                                            <p:cond delay="0"/>
+                                          </p:stCondLst>
+                                        </p:cTn>
+                                        <p:tgtEl>
+                                          <p:spTgt spid="4">
+                                            <p:txEl>
+                                              <p:pRg st="4" end="4"/>
+                                            </p:txEl>
+                                          </p:spTgt>
+                                        </p:tgtEl>
+                                        <p:attrNameLst>
+                                          <p:attrName>style.visibility</p:attrName>
+                                        </p:attrNameLst>
+                                      </p:cBhvr>
+                                      <p:to>
+                                        <p:strVal val="visible"/>
+                                      </p:to>
+                                    </p:set>
+                                    <p:animEffect transition="in" filter="wipe(up)">
+                                      <p:cBhvr>
+                                        <p:cTn id="29" dur="500"/>
+                                        <p:tgtEl>
+                                          <p:spTgt spid="4">
+                                            <p:txEl>
+                                              <p:pRg st="4" end="4"/>
+                                            </p:txEl>
+                                          </p:spTgt>
+                                        </p:tgtEl>
+                                      </p:cBhvr>
+                                    </p:animEffect>
+                                  </p:childTnLst>
+                                </p:cTn>
+                              </p:par>
+                              <p:par>
+                                <p:cTn id="30" presetID="22" presetClass="entr" presetSubtype="1" fill="hold" grpId="0" nodeType="withEffect">
+                                  <p:stCondLst>
+                                    <p:cond delay="0"/>
+                                  </p:stCondLst>
+                                  <p:childTnLst>
+                                    <p:set>
+                                      <p:cBhvr>
+                                        <p:cTn id="31" dur="1" fill="hold">
+                                          <p:stCondLst>
+                                            <p:cond delay="0"/>
+                                          </p:stCondLst>
+                                        </p:cTn>
+                                        <p:tgtEl>
+                                          <p:spTgt spid="4">
+                                            <p:txEl>
+                                              <p:pRg st="5" end="5"/>
+                                            </p:txEl>
+                                          </p:spTgt>
+                                        </p:tgtEl>
+                                        <p:attrNameLst>
+                                          <p:attrName>style.visibility</p:attrName>
+                                        </p:attrNameLst>
+                                      </p:cBhvr>
+                                      <p:to>
+                                        <p:strVal val="visible"/>
+                                      </p:to>
+                                    </p:set>
+                                    <p:animEffect transition="in" filter="wipe(up)">
+                                      <p:cBhvr>
+                                        <p:cTn id="32" dur="500"/>
+                                        <p:tgtEl>
+                                          <p:spTgt spid="4">
+                                            <p:txEl>
+                                              <p:pRg st="5" end="5"/>
+                                            </p:txEl>
+                                          </p:spTgt>
+                                        </p:tgtEl>
+                                      </p:cBhvr>
+                                    </p:animEffect>
+                                  </p:childTnLst>
+                                </p:cTn>
+                              </p:par>
+                              <p:par>
+                                <p:cTn id="33" presetID="22" presetClass="entr" presetSubtype="1" fill="hold" grpId="0" nodeType="withEffect">
+                                  <p:stCondLst>
+                                    <p:cond delay="0"/>
+                                  </p:stCondLst>
+                                  <p:childTnLst>
+                                    <p:set>
+                                      <p:cBhvr>
+                                        <p:cTn id="34" dur="1" fill="hold">
+                                          <p:stCondLst>
+                                            <p:cond delay="0"/>
+                                          </p:stCondLst>
+                                        </p:cTn>
+                                        <p:tgtEl>
+                                          <p:spTgt spid="4">
+                                            <p:txEl>
+                                              <p:pRg st="6" end="6"/>
+                                            </p:txEl>
+                                          </p:spTgt>
+                                        </p:tgtEl>
+                                        <p:attrNameLst>
+                                          <p:attrName>style.visibility</p:attrName>
+                                        </p:attrNameLst>
+                                      </p:cBhvr>
+                                      <p:to>
+                                        <p:strVal val="visible"/>
+                                      </p:to>
+                                    </p:set>
+                                    <p:animEffect transition="in" filter="wipe(up)">
+                                      <p:cBhvr>
+                                        <p:cTn id="35" dur="500"/>
+                                        <p:tgtEl>
+                                          <p:spTgt spid="4">
+                                            <p:txEl>
+                                              <p:pRg st="6" end="6"/>
+                                            </p:txEl>
+                                          </p:spTgt>
+                                        </p:tgtEl>
+                                      </p:cBhvr>
+                                    </p:animEffect>
+                                  </p:childTnLst>
+                                </p:cTn>
+                              </p:par>
+                            </p:childTnLst>
+                          </p:cTn>
+                        </p:par>
+                      </p:childTnLst>
+                    </p:cTn>
+                  </p:par>
+                </p:childTnLst>
+              </p:cTn>
+              <p:prevCondLst>
+                <p:cond evt="onPrev" delay="0">
+                  <p:tgtEl>
+                    <p:sldTgt/>
+                  </p:tgtEl>
+                </p:cond>
+              </p:prevCondLst>
+              <p:nextCondLst>
+                <p:cond evt="onNext" delay="0">
+                  <p:tgtEl>
+                    <p:sldTgt/>
+                  </p:tgtEl>
+                </p:cond>
+              </p:nextCondLst>
+            </p:seq>
+          </p:childTnLst>
+        </p:cTn>
+      </p:par>
+    </p:tnLst>
+    <p:bldLst>
+      <p:bldP spid="3" grpId="0" build="p"/>
+      <p:bldP spid="4" grpId="0" build="allAtOnce"/>
+    </p:bldLst>
+  </p:timing>
+</p:sld>
+</file>
+
+<file path=ppt/slides/slide17.xml><?xml version="1.0" encoding="utf-8"?>
+<p:sld xmlns:a="http://schemas.openxmlformats.org/drawingml/2006/main" xmlns:r="http://schemas.openxmlformats.org/officeDocument/2006/relationships" xmlns:p="http://schemas.openxmlformats.org/presentationml/2006/main">
+  <p:cSld>
+    <p:spTree>
+      <p:nvGrpSpPr>
+        <p:cNvPr id="1" name=""/>
+        <p:cNvGrpSpPr/>
+        <p:nvPr/>
+      </p:nvGrpSpPr>
+      <p:grpSpPr>
+        <a:xfrm>
+          <a:off x="0" y="0"/>
+          <a:ext cx="0" cy="0"/>
+          <a:chOff x="0" y="0"/>
+          <a:chExt cx="0" cy="0"/>
+        </a:xfrm>
+      </p:grpSpPr>
+      <p:sp>
+        <p:nvSpPr>
+          <p:cNvPr id="2" name="제목 1">
+            <a:extLst>
+              <a:ext uri="{FF2B5EF4-FFF2-40B4-BE49-F238E27FC236}">
+                <a16:creationId xmlns:a16="http://schemas.microsoft.com/office/drawing/2014/main" id="{CC099F54-DCC2-5CDE-98D7-865269E28199}"/>
+              </a:ext>
+            </a:extLst>
+          </p:cNvPr>
+          <p:cNvSpPr>
+            <a:spLocks noGrp="1"/>
+          </p:cNvSpPr>
+          <p:nvPr>
+            <p:ph type="title"/>
+          </p:nvPr>
+        </p:nvSpPr>
+        <p:spPr/>
+        <p:txBody>
+          <a:bodyPr/>
+          <a:lstStyle/>
+          <a:p>
+            <a:r>
+              <a:rPr lang="ko-KR" altLang="en-US" dirty="0"/>
+              <a:t>격의 형용사화</a:t>
+            </a:r>
+          </a:p>
+        </p:txBody>
+      </p:sp>
+      <p:sp>
+        <p:nvSpPr>
+          <p:cNvPr id="3" name="내용 개체 틀 2">
+            <a:extLst>
+              <a:ext uri="{FF2B5EF4-FFF2-40B4-BE49-F238E27FC236}">
+                <a16:creationId xmlns:a16="http://schemas.microsoft.com/office/drawing/2014/main" id="{3BFAC0BB-B98C-2EF7-C739-AF51EC5F3548}"/>
+              </a:ext>
+            </a:extLst>
+          </p:cNvPr>
+          <p:cNvSpPr>
+            <a:spLocks noGrp="1"/>
+          </p:cNvSpPr>
+          <p:nvPr>
+            <p:ph idx="1"/>
+          </p:nvPr>
+        </p:nvSpPr>
+        <p:spPr/>
+        <p:txBody>
+          <a:bodyPr/>
+          <a:lstStyle/>
+          <a:p>
+            <a:pPr marL="342900" indent="-342900">
+              <a:buFont typeface="+mj-lt"/>
+              <a:buAutoNum type="arabicPeriod"/>
+            </a:pPr>
+            <a:r>
+              <a:rPr lang="ko-KR" altLang="en-US" dirty="0"/>
+              <a:t>격이 다양하게 존재하는 언어들은 격이 수식어로 쓰일 때 무엇을 수식하는지 모호한 경우가 종종 있음</a:t>
+            </a:r>
+            <a:r>
+              <a:rPr lang="en-US" altLang="ko-KR" dirty="0"/>
+              <a:t>.</a:t>
+            </a:r>
+          </a:p>
+          <a:p>
+            <a:pPr marL="342900" indent="-342900">
+              <a:buFont typeface="+mj-lt"/>
+              <a:buAutoNum type="arabicPeriod"/>
+            </a:pPr>
+            <a:r>
+              <a:rPr lang="ko-KR" altLang="en-US" dirty="0"/>
+              <a:t>이를 구분하기 위해 별도의 표지를 넣을 계획</a:t>
+            </a:r>
+            <a:r>
+              <a:rPr lang="en-US" altLang="ko-KR" dirty="0"/>
+              <a:t>.</a:t>
+            </a:r>
+            <a:endParaRPr lang="ko-KR" altLang="en-US" dirty="0"/>
+          </a:p>
+        </p:txBody>
+      </p:sp>
+    </p:spTree>
+    <p:extLst>
+      <p:ext uri="{BB962C8B-B14F-4D97-AF65-F5344CB8AC3E}">
+        <p14:creationId xmlns:p14="http://schemas.microsoft.com/office/powerpoint/2010/main" val="3502972535"/>
+      </p:ext>
+    </p:extLst>
+  </p:cSld>
+  <p:clrMapOvr>
+    <a:masterClrMapping/>
+  </p:clrMapOvr>
+  <p:transition spd="slow">
+    <p:push/>
+  </p:transition>
+  <p:timing>
+    <p:tnLst>
+      <p:par>
+        <p:cTn id="1" dur="indefinite" restart="never" nodeType="tmRoot">
+          <p:childTnLst>
+            <p:seq concurrent="1" nextAc="seek">
+              <p:cTn id="2" dur="indefinite" nodeType="mainSeq">
+                <p:childTnLst>
+                  <p:par>
+                    <p:cTn id="3" fill="hold">
+                      <p:stCondLst>
+                        <p:cond delay="indefinite"/>
+                      </p:stCondLst>
+                      <p:childTnLst>
+                        <p:par>
+                          <p:cTn id="4" fill="hold">
+                            <p:stCondLst>
+                              <p:cond delay="0"/>
+                            </p:stCondLst>
+                            <p:childTnLst>
+                              <p:par>
+                                <p:cTn id="5" presetID="22" presetClass="entr" presetSubtype="8" fill="hold" grpId="0" nodeType="clickEffect">
+                                  <p:stCondLst>
+                                    <p:cond delay="0"/>
+                                  </p:stCondLst>
+                                  <p:childTnLst>
+                                    <p:set>
+                                      <p:cBhvr>
+                                        <p:cTn id="6" dur="1" fill="hold">
+                                          <p:stCondLst>
+                                            <p:cond delay="0"/>
+                                          </p:stCondLst>
+                                        </p:cTn>
+                                        <p:tgtEl>
+                                          <p:spTgt spid="3">
+                                            <p:txEl>
+                                              <p:pRg st="0" end="0"/>
+                                            </p:txEl>
+                                          </p:spTgt>
+                                        </p:tgtEl>
+                                        <p:attrNameLst>
+                                          <p:attrName>style.visibility</p:attrName>
+                                        </p:attrNameLst>
+                                      </p:cBhvr>
+                                      <p:to>
+                                        <p:strVal val="visible"/>
+                                      </p:to>
+                                    </p:set>
+                                    <p:animEffect transition="in" filter="wipe(left)">
+                                      <p:cBhvr>
+                                        <p:cTn id="7" dur="500"/>
+                                        <p:tgtEl>
+                                          <p:spTgt spid="3">
+                                            <p:txEl>
+                                              <p:pRg st="0" end="0"/>
+                                            </p:txEl>
+                                          </p:spTgt>
+                                        </p:tgtEl>
+                                      </p:cBhvr>
+                                    </p:animEffect>
+                                  </p:childTnLst>
+                                </p:cTn>
+                              </p:par>
+                            </p:childTnLst>
+                          </p:cTn>
+                        </p:par>
+                      </p:childTnLst>
+                    </p:cTn>
+                  </p:par>
+                  <p:par>
+                    <p:cTn id="8" fill="hold">
+                      <p:stCondLst>
+                        <p:cond delay="indefinite"/>
+                      </p:stCondLst>
+                      <p:childTnLst>
+                        <p:par>
+                          <p:cTn id="9" fill="hold">
+                            <p:stCondLst>
+                              <p:cond delay="0"/>
+                            </p:stCondLst>
+                            <p:childTnLst>
+                              <p:par>
+                                <p:cTn id="10" presetID="22" presetClass="entr" presetSubtype="8" fill="hold" grpId="0" nodeType="clickEffect">
+                                  <p:stCondLst>
+                                    <p:cond delay="0"/>
+                                  </p:stCondLst>
+                                  <p:childTnLst>
+                                    <p:set>
+                                      <p:cBhvr>
+                                        <p:cTn id="11" dur="1" fill="hold">
+                                          <p:stCondLst>
+                                            <p:cond delay="0"/>
+                                          </p:stCondLst>
+                                        </p:cTn>
+                                        <p:tgtEl>
+                                          <p:spTgt spid="3">
+                                            <p:txEl>
+                                              <p:pRg st="1" end="1"/>
+                                            </p:txEl>
+                                          </p:spTgt>
+                                        </p:tgtEl>
+                                        <p:attrNameLst>
+                                          <p:attrName>style.visibility</p:attrName>
+                                        </p:attrNameLst>
+                                      </p:cBhvr>
+                                      <p:to>
+                                        <p:strVal val="visible"/>
+                                      </p:to>
+                                    </p:set>
+                                    <p:animEffect transition="in" filter="wipe(left)">
+                                      <p:cBhvr>
+                                        <p:cTn id="12" dur="500"/>
+                                        <p:tgtEl>
+                                          <p:spTgt spid="3">
+                                            <p:txEl>
+                                              <p:pRg st="1" end="1"/>
+                                            </p:txEl>
+                                          </p:spTgt>
+                                        </p:tgtEl>
+                                      </p:cBhvr>
+                                    </p:animEffect>
+                                  </p:childTnLst>
+                                </p:cTn>
+                              </p:par>
+                            </p:childTnLst>
+                          </p:cTn>
+                        </p:par>
+                      </p:childTnLst>
+                    </p:cTn>
+                  </p:par>
+                </p:childTnLst>
+              </p:cTn>
+              <p:prevCondLst>
+                <p:cond evt="onPrev" delay="0">
+                  <p:tgtEl>
+                    <p:sldTgt/>
+                  </p:tgtEl>
+                </p:cond>
+              </p:prevCondLst>
+              <p:nextCondLst>
+                <p:cond evt="onNext" delay="0">
+                  <p:tgtEl>
+                    <p:sldTgt/>
+                  </p:tgtEl>
+                </p:cond>
+              </p:nextCondLst>
+            </p:seq>
+          </p:childTnLst>
+        </p:cTn>
+      </p:par>
+    </p:tnLst>
+    <p:bldLst>
+      <p:bldP spid="3" grpId="0" build="p"/>
+    </p:bldLst>
+  </p:timing>
+</p:sld>
+</file>
+
 <file path=ppt/slides/slide2.xml><?xml version="1.0" encoding="utf-8"?>
+<p:sld xmlns:a="http://schemas.openxmlformats.org/drawingml/2006/main" xmlns:r="http://schemas.openxmlformats.org/officeDocument/2006/relationships" xmlns:p="http://schemas.openxmlformats.org/presentationml/2006/main">
+  <p:cSld>
+    <p:bg>
+      <p:bgPr>
+        <a:solidFill>
+          <a:schemeClr val="bg1"/>
+        </a:solidFill>
+        <a:effectLst/>
+      </p:bgPr>
+    </p:bg>
+    <p:spTree>
+      <p:nvGrpSpPr>
+        <p:cNvPr id="1" name=""/>
+        <p:cNvGrpSpPr/>
+        <p:nvPr/>
+      </p:nvGrpSpPr>
+      <p:grpSpPr>
+        <a:xfrm>
+          <a:off x="0" y="0"/>
+          <a:ext cx="0" cy="0"/>
+          <a:chOff x="0" y="0"/>
+          <a:chExt cx="0" cy="0"/>
+        </a:xfrm>
+      </p:grpSpPr>
+      <p:sp useBgFill="1">
+        <p:nvSpPr>
+          <p:cNvPr id="22" name="Rectangle 10">
+            <a:extLst>
+              <a:ext uri="{FF2B5EF4-FFF2-40B4-BE49-F238E27FC236}">
+                <a16:creationId xmlns:a16="http://schemas.microsoft.com/office/drawing/2014/main" id="{0760E4C7-47B8-4356-ABCA-CC9C79E2D2B6}"/>
+              </a:ext>
+              <a:ext uri="{C183D7F6-B498-43B3-948B-1728B52AA6E4}">
+                <adec:decorative xmlns:adec="http://schemas.microsoft.com/office/drawing/2017/decorative" val="1"/>
+              </a:ext>
+            </a:extLst>
+          </p:cNvPr>
+          <p:cNvSpPr>
+            <a:spLocks noGrp="1" noRot="1" noChangeAspect="1" noMove="1" noResize="1" noEditPoints="1" noAdjustHandles="1" noChangeArrowheads="1" noChangeShapeType="1" noTextEdit="1"/>
+          </p:cNvSpPr>
+          <p:nvPr>
+            <p:extLst>
+              <p:ext uri="{386F3935-93C4-4BCD-93E2-E3B085C9AB24}">
+                <p16:designElem xmlns:p16="http://schemas.microsoft.com/office/powerpoint/2015/main" val="1"/>
+              </p:ext>
+            </p:extLst>
+          </p:nvPr>
+        </p:nvSpPr>
+        <p:spPr>
+          <a:xfrm>
+            <a:off x="0" y="0"/>
+            <a:ext cx="12192000" cy="6858000"/>
+          </a:xfrm>
+          <a:prstGeom prst="rect">
+            <a:avLst/>
+          </a:prstGeom>
+          <a:ln w="12700" cap="flat" cmpd="sng" algn="ctr">
+            <a:noFill/>
+            <a:prstDash val="solid"/>
+            <a:miter lim="800000"/>
+          </a:ln>
+          <a:effectLst/>
+          <a:extLst>
+            <a:ext uri="{91240B29-F687-4F45-9708-019B960494DF}">
+              <a14:hiddenLine xmlns:a14="http://schemas.microsoft.com/office/drawing/2010/main" w="12700" cap="flat" cmpd="sng" algn="ctr">
+                <a:solidFill>
+                  <a:schemeClr val="accent1">
+                    <a:shade val="50000"/>
+                  </a:schemeClr>
+                </a:solidFill>
+                <a:prstDash val="solid"/>
+                <a:miter lim="800000"/>
+              </a14:hiddenLine>
+            </a:ext>
+          </a:extLst>
+        </p:spPr>
+        <p:style>
+          <a:lnRef idx="2">
+            <a:schemeClr val="accent1">
+              <a:shade val="50000"/>
+            </a:schemeClr>
+          </a:lnRef>
+          <a:fillRef idx="1">
+            <a:schemeClr val="accent1"/>
+          </a:fillRef>
+          <a:effectRef idx="0">
+            <a:schemeClr val="accent1"/>
+          </a:effectRef>
+          <a:fontRef idx="minor">
+            <a:schemeClr val="lt1"/>
+          </a:fontRef>
+        </p:style>
+        <p:txBody>
+          <a:bodyPr rtlCol="0" anchor="ctr"/>
+          <a:lstStyle/>
+          <a:p>
+            <a:pPr algn="ctr"/>
+            <a:endParaRPr lang="en-US"/>
+          </a:p>
+        </p:txBody>
+      </p:sp>
+      <p:pic>
+        <p:nvPicPr>
+          <p:cNvPr id="23" name="Picture 6">
+            <a:extLst>
+              <a:ext uri="{FF2B5EF4-FFF2-40B4-BE49-F238E27FC236}">
+                <a16:creationId xmlns:a16="http://schemas.microsoft.com/office/drawing/2014/main" id="{9677328A-C404-0319-8B2E-39B052E0CF14}"/>
+              </a:ext>
+            </a:extLst>
+          </p:cNvPr>
+          <p:cNvPicPr>
+            <a:picLocks noChangeAspect="1"/>
+          </p:cNvPicPr>
+          <p:nvPr/>
+        </p:nvPicPr>
+        <p:blipFill rotWithShape="1">
+          <a:blip r:embed="rId2">
+            <a:alphaModFix/>
+          </a:blip>
+          <a:srcRect t="28910" b="13411"/>
+          <a:stretch/>
+        </p:blipFill>
+        <p:spPr>
+          <a:xfrm>
+            <a:off x="20" y="1571"/>
+            <a:ext cx="12191980" cy="6856429"/>
+          </a:xfrm>
+          <a:prstGeom prst="rect">
+            <a:avLst/>
+          </a:prstGeom>
+        </p:spPr>
+      </p:pic>
+      <p:sp>
+        <p:nvSpPr>
+          <p:cNvPr id="24" name="Rectangle 12">
+            <a:extLst>
+              <a:ext uri="{FF2B5EF4-FFF2-40B4-BE49-F238E27FC236}">
+                <a16:creationId xmlns:a16="http://schemas.microsoft.com/office/drawing/2014/main" id="{ED0A0432-F95F-6441-CC5D-B6BB755FABF8}"/>
+              </a:ext>
+              <a:ext uri="{C183D7F6-B498-43B3-948B-1728B52AA6E4}">
+                <adec:decorative xmlns:adec="http://schemas.microsoft.com/office/drawing/2017/decorative" val="1"/>
+              </a:ext>
+            </a:extLst>
+          </p:cNvPr>
+          <p:cNvSpPr>
+            <a:spLocks noGrp="1" noRot="1" noChangeAspect="1" noMove="1" noResize="1" noEditPoints="1" noAdjustHandles="1" noChangeArrowheads="1" noChangeShapeType="1" noTextEdit="1"/>
+          </p:cNvSpPr>
+          <p:nvPr>
+            <p:extLst>
+              <p:ext uri="{386F3935-93C4-4BCD-93E2-E3B085C9AB24}">
+                <p16:designElem xmlns:p16="http://schemas.microsoft.com/office/powerpoint/2015/main" val="1"/>
+              </p:ext>
+            </p:extLst>
+          </p:nvPr>
+        </p:nvSpPr>
+        <p:spPr>
+          <a:xfrm>
+            <a:off x="1" y="3742985"/>
+            <a:ext cx="12192000" cy="3120318"/>
+          </a:xfrm>
+          <a:prstGeom prst="rect">
+            <a:avLst/>
+          </a:prstGeom>
+          <a:gradFill>
+            <a:gsLst>
+              <a:gs pos="14000">
+                <a:schemeClr val="accent1">
+                  <a:lumMod val="60000"/>
+                  <a:lumOff val="40000"/>
+                  <a:alpha val="0"/>
+                </a:schemeClr>
+              </a:gs>
+              <a:gs pos="100000">
+                <a:schemeClr val="accent1">
+                  <a:lumMod val="60000"/>
+                  <a:lumOff val="40000"/>
+                </a:schemeClr>
+              </a:gs>
+            </a:gsLst>
+            <a:lin ang="5400000" scaled="1"/>
+          </a:gradFill>
+          <a:ln>
+            <a:noFill/>
+          </a:ln>
+        </p:spPr>
+        <p:style>
+          <a:lnRef idx="2">
+            <a:schemeClr val="accent1">
+              <a:shade val="50000"/>
+            </a:schemeClr>
+          </a:lnRef>
+          <a:fillRef idx="1">
+            <a:schemeClr val="accent1"/>
+          </a:fillRef>
+          <a:effectRef idx="0">
+            <a:schemeClr val="accent1"/>
+          </a:effectRef>
+          <a:fontRef idx="minor">
+            <a:schemeClr val="lt1"/>
+          </a:fontRef>
+        </p:style>
+        <p:txBody>
+          <a:bodyPr rtlCol="0" anchor="ctr"/>
+          <a:lstStyle/>
+          <a:p>
+            <a:pPr algn="ctr"/>
+            <a:endParaRPr lang="en-US"/>
+          </a:p>
+        </p:txBody>
+      </p:sp>
+      <p:sp>
+        <p:nvSpPr>
+          <p:cNvPr id="25" name="Freeform: Shape 14">
+            <a:extLst>
+              <a:ext uri="{FF2B5EF4-FFF2-40B4-BE49-F238E27FC236}">
+                <a16:creationId xmlns:a16="http://schemas.microsoft.com/office/drawing/2014/main" id="{3F0586C3-A19F-D214-ABDE-30AD5B6669E5}"/>
+              </a:ext>
+              <a:ext uri="{C183D7F6-B498-43B3-948B-1728B52AA6E4}">
+                <adec:decorative xmlns:adec="http://schemas.microsoft.com/office/drawing/2017/decorative" val="1"/>
+              </a:ext>
+            </a:extLst>
+          </p:cNvPr>
+          <p:cNvSpPr>
+            <a:spLocks noGrp="1" noRot="1" noChangeAspect="1" noMove="1" noResize="1" noEditPoints="1" noAdjustHandles="1" noChangeArrowheads="1" noChangeShapeType="1" noTextEdit="1"/>
+          </p:cNvSpPr>
+          <p:nvPr>
+            <p:extLst>
+              <p:ext uri="{386F3935-93C4-4BCD-93E2-E3B085C9AB24}">
+                <p16:designElem xmlns:p16="http://schemas.microsoft.com/office/powerpoint/2015/main" val="1"/>
+              </p:ext>
+            </p:extLst>
+          </p:nvPr>
+        </p:nvSpPr>
+        <p:spPr>
+          <a:xfrm>
+            <a:off x="3917342" y="1250342"/>
+            <a:ext cx="4357316" cy="4357316"/>
+          </a:xfrm>
+          <a:custGeom>
+            <a:avLst/>
+            <a:gdLst>
+              <a:gd name="connsiteX0" fmla="*/ 2178658 w 4357316"/>
+              <a:gd name="connsiteY0" fmla="*/ 0 h 4357316"/>
+              <a:gd name="connsiteX1" fmla="*/ 4357316 w 4357316"/>
+              <a:gd name="connsiteY1" fmla="*/ 2178658 h 4357316"/>
+              <a:gd name="connsiteX2" fmla="*/ 2178658 w 4357316"/>
+              <a:gd name="connsiteY2" fmla="*/ 4357316 h 4357316"/>
+              <a:gd name="connsiteX3" fmla="*/ 0 w 4357316"/>
+              <a:gd name="connsiteY3" fmla="*/ 2178658 h 4357316"/>
+              <a:gd name="connsiteX4" fmla="*/ 2178658 w 4357316"/>
+              <a:gd name="connsiteY4" fmla="*/ 0 h 4357316"/>
+            </a:gdLst>
+            <a:ahLst/>
+            <a:cxnLst>
+              <a:cxn ang="0">
+                <a:pos x="connsiteX0" y="connsiteY0"/>
+              </a:cxn>
+              <a:cxn ang="0">
+                <a:pos x="connsiteX1" y="connsiteY1"/>
+              </a:cxn>
+              <a:cxn ang="0">
+                <a:pos x="connsiteX2" y="connsiteY2"/>
+              </a:cxn>
+              <a:cxn ang="0">
+                <a:pos x="connsiteX3" y="connsiteY3"/>
+              </a:cxn>
+              <a:cxn ang="0">
+                <a:pos x="connsiteX4" y="connsiteY4"/>
+              </a:cxn>
+            </a:cxnLst>
+            <a:rect l="l" t="t" r="r" b="b"/>
+            <a:pathLst>
+              <a:path w="4357316" h="4357316">
+                <a:moveTo>
+                  <a:pt x="2178658" y="0"/>
+                </a:moveTo>
+                <a:cubicBezTo>
+                  <a:pt x="3381898" y="0"/>
+                  <a:pt x="4357316" y="975418"/>
+                  <a:pt x="4357316" y="2178658"/>
+                </a:cubicBezTo>
+                <a:cubicBezTo>
+                  <a:pt x="4357316" y="3381898"/>
+                  <a:pt x="3381898" y="4357316"/>
+                  <a:pt x="2178658" y="4357316"/>
+                </a:cubicBezTo>
+                <a:cubicBezTo>
+                  <a:pt x="975418" y="4357316"/>
+                  <a:pt x="0" y="3381898"/>
+                  <a:pt x="0" y="2178658"/>
+                </a:cubicBezTo>
+                <a:cubicBezTo>
+                  <a:pt x="0" y="975418"/>
+                  <a:pt x="975418" y="0"/>
+                  <a:pt x="2178658" y="0"/>
+                </a:cubicBezTo>
+                <a:close/>
+              </a:path>
+            </a:pathLst>
+          </a:custGeom>
+          <a:solidFill>
+            <a:schemeClr val="bg1"/>
+          </a:solidFill>
+          <a:ln>
+            <a:noFill/>
+          </a:ln>
+        </p:spPr>
+        <p:style>
+          <a:lnRef idx="2">
+            <a:schemeClr val="accent1">
+              <a:shade val="50000"/>
+            </a:schemeClr>
+          </a:lnRef>
+          <a:fillRef idx="1">
+            <a:schemeClr val="accent1"/>
+          </a:fillRef>
+          <a:effectRef idx="0">
+            <a:schemeClr val="accent1"/>
+          </a:effectRef>
+          <a:fontRef idx="minor">
+            <a:schemeClr val="lt1"/>
+          </a:fontRef>
+        </p:style>
+        <p:txBody>
+          <a:bodyPr wrap="square" rtlCol="0" anchor="ctr">
+            <a:noAutofit/>
+          </a:bodyPr>
+          <a:lstStyle/>
+          <a:p>
+            <a:pPr algn="ctr"/>
+            <a:endParaRPr lang="en-US"/>
+          </a:p>
+        </p:txBody>
+      </p:sp>
+      <p:sp>
+        <p:nvSpPr>
+          <p:cNvPr id="4" name="제목 3">
+            <a:extLst>
+              <a:ext uri="{FF2B5EF4-FFF2-40B4-BE49-F238E27FC236}">
+                <a16:creationId xmlns:a16="http://schemas.microsoft.com/office/drawing/2014/main" id="{561388B4-4EDA-BAB5-788A-443CBDFE4DA7}"/>
+              </a:ext>
+            </a:extLst>
+          </p:cNvPr>
+          <p:cNvSpPr>
+            <a:spLocks noGrp="1"/>
+          </p:cNvSpPr>
+          <p:nvPr>
+            <p:ph type="ctrTitle"/>
+          </p:nvPr>
+        </p:nvSpPr>
+        <p:spPr>
+          <a:xfrm>
+            <a:off x="4328161" y="2211978"/>
+            <a:ext cx="3535679" cy="1425728"/>
+          </a:xfrm>
+        </p:spPr>
+        <p:txBody>
+          <a:bodyPr anchor="b">
+            <a:normAutofit/>
+          </a:bodyPr>
+          <a:lstStyle/>
+          <a:p>
+            <a:pPr algn="ctr"/>
+            <a:r>
+              <a:rPr lang="ko-KR" altLang="en-US"/>
+              <a:t>기초 이론</a:t>
+            </a:r>
+          </a:p>
+        </p:txBody>
+      </p:sp>
+      <p:sp>
+        <p:nvSpPr>
+          <p:cNvPr id="5" name="부제목 4">
+            <a:extLst>
+              <a:ext uri="{FF2B5EF4-FFF2-40B4-BE49-F238E27FC236}">
+                <a16:creationId xmlns:a16="http://schemas.microsoft.com/office/drawing/2014/main" id="{B6F0B12C-B228-F259-2327-83C61102A8BD}"/>
+              </a:ext>
+            </a:extLst>
+          </p:cNvPr>
+          <p:cNvSpPr>
+            <a:spLocks noGrp="1"/>
+          </p:cNvSpPr>
+          <p:nvPr>
+            <p:ph type="subTitle" idx="1"/>
+          </p:nvPr>
+        </p:nvSpPr>
+        <p:spPr>
+          <a:xfrm>
+            <a:off x="4572000" y="4249360"/>
+            <a:ext cx="3048000" cy="877585"/>
+          </a:xfrm>
+        </p:spPr>
+        <p:txBody>
+          <a:bodyPr>
+            <a:normAutofit/>
+          </a:bodyPr>
+          <a:lstStyle/>
+          <a:p>
+            <a:pPr algn="ctr"/>
+            <a:r>
+              <a:rPr lang="ko-KR" altLang="en-US" dirty="0" err="1"/>
+              <a:t>정수론에</a:t>
+            </a:r>
+            <a:r>
+              <a:rPr lang="ko-KR" altLang="en-US" dirty="0"/>
+              <a:t> 대한 소개</a:t>
+            </a:r>
+          </a:p>
+        </p:txBody>
+      </p:sp>
+      <p:cxnSp>
+        <p:nvCxnSpPr>
+          <p:cNvPr id="26" name="Straight Connector 16">
+            <a:extLst>
+              <a:ext uri="{FF2B5EF4-FFF2-40B4-BE49-F238E27FC236}">
+                <a16:creationId xmlns:a16="http://schemas.microsoft.com/office/drawing/2014/main" id="{414C5C93-B9E9-4392-ADCF-ABF21209DD56}"/>
+              </a:ext>
+              <a:ext uri="{C183D7F6-B498-43B3-948B-1728B52AA6E4}">
+                <adec:decorative xmlns:adec="http://schemas.microsoft.com/office/drawing/2017/decorative" val="1"/>
+              </a:ext>
+            </a:extLst>
+          </p:cNvPr>
+          <p:cNvCxnSpPr>
+            <a:cxnSpLocks noGrp="1" noRot="1" noChangeAspect="1" noMove="1" noResize="1" noEditPoints="1" noAdjustHandles="1" noChangeArrowheads="1" noChangeShapeType="1"/>
+          </p:cNvCxnSpPr>
+          <p:nvPr>
+            <p:extLst>
+              <p:ext uri="{386F3935-93C4-4BCD-93E2-E3B085C9AB24}">
+                <p16:designElem xmlns:p16="http://schemas.microsoft.com/office/powerpoint/2015/main" val="1"/>
+              </p:ext>
+            </p:extLst>
+          </p:nvPr>
+        </p:nvCxnSpPr>
+        <p:spPr>
+          <a:xfrm>
+            <a:off x="5610423" y="3960586"/>
+            <a:ext cx="971155" cy="0"/>
+          </a:xfrm>
+          <a:prstGeom prst="line">
+            <a:avLst/>
+          </a:prstGeom>
+          <a:ln w="31750">
+            <a:solidFill>
+              <a:schemeClr val="tx1"/>
+            </a:solidFill>
+          </a:ln>
+        </p:spPr>
+        <p:style>
+          <a:lnRef idx="1">
+            <a:schemeClr val="accent1"/>
+          </a:lnRef>
+          <a:fillRef idx="0">
+            <a:schemeClr val="accent1"/>
+          </a:fillRef>
+          <a:effectRef idx="0">
+            <a:schemeClr val="accent1"/>
+          </a:effectRef>
+          <a:fontRef idx="minor">
+            <a:schemeClr val="tx1"/>
+          </a:fontRef>
+        </p:style>
+      </p:cxnSp>
+    </p:spTree>
+    <p:extLst>
+      <p:ext uri="{BB962C8B-B14F-4D97-AF65-F5344CB8AC3E}">
+        <p14:creationId xmlns:p14="http://schemas.microsoft.com/office/powerpoint/2010/main" val="3217295091"/>
+      </p:ext>
+    </p:extLst>
+  </p:cSld>
+  <p:clrMapOvr>
+    <a:masterClrMapping/>
+  </p:clrMapOvr>
+  <p:transition spd="slow">
+    <p:push/>
+  </p:transition>
+  <p:timing>
+    <p:tnLst>
+      <p:par>
+        <p:cTn id="1" dur="indefinite" restart="never" nodeType="tmRoot">
+          <p:childTnLst>
+            <p:seq concurrent="1" nextAc="seek">
+              <p:cTn id="2" dur="indefinite" nodeType="mainSeq">
+                <p:childTnLst>
+                  <p:par>
+                    <p:cTn id="3" fill="hold">
+                      <p:stCondLst>
+                        <p:cond delay="indefinite"/>
+                        <p:cond evt="onBegin" delay="0">
+                          <p:tn val="2"/>
+                        </p:cond>
+                      </p:stCondLst>
+                      <p:childTnLst>
+                        <p:par>
+                          <p:cTn id="4" fill="hold">
+                            <p:stCondLst>
+                              <p:cond delay="0"/>
+                            </p:stCondLst>
+                            <p:childTnLst>
+                              <p:par>
+                                <p:cTn id="5" presetID="10" presetClass="entr" presetSubtype="0" fill="hold" grpId="0" nodeType="withEffect">
+                                  <p:stCondLst>
+                                    <p:cond delay="1000"/>
+                                  </p:stCondLst>
+                                  <p:iterate>
+                                    <p:tmPct val="10000"/>
+                                  </p:iterate>
+                                  <p:childTnLst>
+                                    <p:set>
+                                      <p:cBhvr>
+                                        <p:cTn id="6" dur="1" fill="hold">
+                                          <p:stCondLst>
+                                            <p:cond delay="0"/>
+                                          </p:stCondLst>
+                                        </p:cTn>
+                                        <p:tgtEl>
+                                          <p:spTgt spid="4"/>
+                                        </p:tgtEl>
+                                        <p:attrNameLst>
+                                          <p:attrName>style.visibility</p:attrName>
+                                        </p:attrNameLst>
+                                      </p:cBhvr>
+                                      <p:to>
+                                        <p:strVal val="visible"/>
+                                      </p:to>
+                                    </p:set>
+                                    <p:animEffect transition="in" filter="fade">
+                                      <p:cBhvr>
+                                        <p:cTn id="7" dur="700"/>
+                                        <p:tgtEl>
+                                          <p:spTgt spid="4"/>
+                                        </p:tgtEl>
+                                      </p:cBhvr>
+                                    </p:animEffect>
+                                  </p:childTnLst>
+                                </p:cTn>
+                              </p:par>
+                            </p:childTnLst>
+                          </p:cTn>
+                        </p:par>
+                      </p:childTnLst>
+                    </p:cTn>
+                  </p:par>
+                </p:childTnLst>
+              </p:cTn>
+              <p:prevCondLst>
+                <p:cond evt="onPrev" delay="0">
+                  <p:tgtEl>
+                    <p:sldTgt/>
+                  </p:tgtEl>
+                </p:cond>
+              </p:prevCondLst>
+              <p:nextCondLst>
+                <p:cond evt="onNext" delay="0">
+                  <p:tgtEl>
+                    <p:sldTgt/>
+                  </p:tgtEl>
+                </p:cond>
+              </p:nextCondLst>
+            </p:seq>
+          </p:childTnLst>
+        </p:cTn>
+      </p:par>
+    </p:tnLst>
+    <p:bldLst>
+      <p:bldP spid="4" grpId="0"/>
+    </p:bldLst>
+  </p:timing>
+</p:sld>
+</file>
+
+<file path=ppt/slides/slide3.xml><?xml version="1.0" encoding="utf-8"?>
 <p:sld xmlns:a="http://schemas.openxmlformats.org/drawingml/2006/main" xmlns:r="http://schemas.openxmlformats.org/officeDocument/2006/relationships" xmlns:p="http://schemas.openxmlformats.org/presentationml/2006/main">
   <p:cSld>
     <p:spTree>
@@ -7385,8 +11937,8 @@
           </a:p>
         </p:txBody>
       </p:sp>
-      <mc:AlternateContent xmlns:mc="http://schemas.openxmlformats.org/markup-compatibility/2006">
-        <mc:Choice xmlns:a14="http://schemas.microsoft.com/office/drawing/2010/main" Requires="a14">
+      <mc:AlternateContent xmlns:mc="http://schemas.openxmlformats.org/markup-compatibility/2006" xmlns:a14="http://schemas.microsoft.com/office/drawing/2010/main">
+        <mc:Choice Requires="a14">
           <p:sp>
             <p:nvSpPr>
               <p:cNvPr id="5" name="내용 개체 틀 4">
@@ -7551,7 +12103,7 @@
             </p:txBody>
           </p:sp>
         </mc:Choice>
-        <mc:Fallback>
+        <mc:Fallback xmlns="">
           <p:sp>
             <p:nvSpPr>
               <p:cNvPr id="5" name="내용 개체 틀 4">
@@ -8007,7 +12559,7 @@
 </p:sld>
 </file>
 
-<file path=ppt/slides/slide3.xml><?xml version="1.0" encoding="utf-8"?>
+<file path=ppt/slides/slide4.xml><?xml version="1.0" encoding="utf-8"?>
 <p:sld xmlns:a="http://schemas.openxmlformats.org/drawingml/2006/main" xmlns:r="http://schemas.openxmlformats.org/officeDocument/2006/relationships" xmlns:p="http://schemas.openxmlformats.org/presentationml/2006/main">
   <p:cSld>
     <p:spTree>
@@ -8146,11 +12698,15 @@
                 </a:pPr>
                 <a:r>
                   <a:rPr lang="ko-KR" altLang="en-US" dirty="0"/>
-                  <a:t>나누어지는 수의 밑과 나누는 수가 서로 소일 때</a:t>
+                  <a:t>피제수의 밑과 제수가 서로 소일 때</a:t>
                 </a:r>
                 <a:r>
                   <a:rPr lang="en-US" altLang="ko-KR" dirty="0"/>
                   <a:t>, </a:t>
+                </a:r>
+                <a:r>
+                  <a:rPr lang="ko-KR" altLang="en-US" dirty="0"/>
+                  <a:t>피제수의 밑을 </a:t>
                 </a:r>
                 <a14:m>
                   <m:oMath xmlns:m="http://schemas.openxmlformats.org/officeDocument/2006/math">
@@ -8181,7 +12737,7 @@
                 </a14:m>
                 <a:r>
                   <a:rPr lang="ko-KR" altLang="en-US" dirty="0"/>
-                  <a:t>만큼 나누어지는 수의 밑을 제곱한 수를 나누는 수로 나누면 </a:t>
+                  <a:t>만큼 제곱한 수를 나누면 </a:t>
                 </a:r>
                 <a:r>
                   <a:rPr lang="en-US" altLang="ko-KR" dirty="0"/>
@@ -8240,8 +12796,8 @@
           </p:sp>
         </mc:Fallback>
       </mc:AlternateContent>
-      <mc:AlternateContent xmlns:mc="http://schemas.openxmlformats.org/markup-compatibility/2006">
-        <mc:Choice xmlns:a14="http://schemas.microsoft.com/office/drawing/2010/main" Requires="a14">
+      <mc:AlternateContent xmlns:mc="http://schemas.openxmlformats.org/markup-compatibility/2006" xmlns:a14="http://schemas.microsoft.com/office/drawing/2010/main">
+        <mc:Choice Requires="a14">
           <p:sp>
             <p:nvSpPr>
               <p:cNvPr id="4" name="내용 개체 틀 3">
@@ -8362,7 +12918,7 @@
             </p:txBody>
           </p:sp>
         </mc:Choice>
-        <mc:Fallback>
+        <mc:Fallback xmlns="">
           <p:sp>
             <p:nvSpPr>
               <p:cNvPr id="4" name="내용 개체 틀 3">
@@ -8635,7 +13191,7 @@
 </p:sld>
 </file>
 
-<file path=ppt/slides/slide4.xml><?xml version="1.0" encoding="utf-8"?>
+<file path=ppt/slides/slide5.xml><?xml version="1.0" encoding="utf-8"?>
 <p:sld xmlns:a="http://schemas.openxmlformats.org/drawingml/2006/main" xmlns:r="http://schemas.openxmlformats.org/officeDocument/2006/relationships" xmlns:p="http://schemas.openxmlformats.org/presentationml/2006/main">
   <p:cSld>
     <p:spTree>
@@ -8716,7 +13272,35 @@
             </a:pPr>
             <a:r>
               <a:rPr lang="ko-KR" altLang="en-US" dirty="0"/>
-              <a:t>연립합동식의 해를 구하는 방법</a:t>
+              <a:t>쌍마다 서로 소인 정수들이 있음</a:t>
+            </a:r>
+            <a:r>
+              <a:rPr lang="en-US" altLang="ko-KR" dirty="0"/>
+              <a:t>.</a:t>
+            </a:r>
+          </a:p>
+          <a:p>
+            <a:pPr marL="342900" indent="-342900">
+              <a:buFont typeface="+mj-lt"/>
+              <a:buAutoNum type="arabicPeriod"/>
+            </a:pPr>
+            <a:r>
+              <a:rPr lang="ko-KR" altLang="en-US" dirty="0"/>
+              <a:t>그 정수들의 곱으로 나눈 나머지들의 집합이 존재함</a:t>
+            </a:r>
+            <a:r>
+              <a:rPr lang="en-US" altLang="ko-KR" dirty="0"/>
+              <a:t>.</a:t>
+            </a:r>
+          </a:p>
+          <a:p>
+            <a:pPr marL="342900" indent="-342900">
+              <a:buFont typeface="+mj-lt"/>
+              <a:buAutoNum type="arabicPeriod"/>
+            </a:pPr>
+            <a:r>
+              <a:rPr lang="ko-KR" altLang="en-US" dirty="0"/>
+              <a:t>이때 연립합동식의 해가 그 집합 내에서 유일하게 존재한다는 정리</a:t>
             </a:r>
             <a:r>
               <a:rPr lang="en-US" altLang="ko-KR" dirty="0"/>
@@ -8726,8 +13310,8 @@
           </a:p>
         </p:txBody>
       </p:sp>
-      <mc:AlternateContent xmlns:mc="http://schemas.openxmlformats.org/markup-compatibility/2006">
-        <mc:Choice xmlns:a14="http://schemas.microsoft.com/office/drawing/2010/main" Requires="a14">
+      <mc:AlternateContent xmlns:mc="http://schemas.openxmlformats.org/markup-compatibility/2006" xmlns:a14="http://schemas.microsoft.com/office/drawing/2010/main">
+        <mc:Choice Requires="a14">
           <p:sp>
             <p:nvSpPr>
               <p:cNvPr id="4" name="내용 개체 틀 3">
@@ -9104,7 +13688,7 @@
             </p:txBody>
           </p:sp>
         </mc:Choice>
-        <mc:Fallback>
+        <mc:Fallback xmlns="">
           <p:sp>
             <p:nvSpPr>
               <p:cNvPr id="4" name="내용 개체 틀 3">
@@ -9252,9 +13836,9 @@
                                           </p:stCondLst>
                                         </p:cTn>
                                         <p:tgtEl>
-                                          <p:spTgt spid="4">
+                                          <p:spTgt spid="3">
                                             <p:txEl>
-                                              <p:pRg st="0" end="0"/>
+                                              <p:pRg st="1" end="1"/>
                                             </p:txEl>
                                           </p:spTgt>
                                         </p:tgtEl>
@@ -9270,9 +13854,9 @@
                                       <p:cBhvr>
                                         <p:cTn id="12" dur="500"/>
                                         <p:tgtEl>
-                                          <p:spTgt spid="4">
+                                          <p:spTgt spid="3">
                                             <p:txEl>
-                                              <p:pRg st="0" end="0"/>
+                                              <p:pRg st="1" end="1"/>
                                             </p:txEl>
                                           </p:spTgt>
                                         </p:tgtEl>
@@ -9313,6 +13897,128 @@
                                           </p:stCondLst>
                                         </p:cTn>
                                         <p:tgtEl>
+                                          <p:spTgt spid="3">
+                                            <p:txEl>
+                                              <p:pRg st="2" end="2"/>
+                                            </p:txEl>
+                                          </p:spTgt>
+                                        </p:tgtEl>
+                                        <p:attrNameLst>
+                                          <p:attrName>style.visibility</p:attrName>
+                                        </p:attrNameLst>
+                                      </p:cBhvr>
+                                      <p:to>
+                                        <p:strVal val="visible"/>
+                                      </p:to>
+                                    </p:set>
+                                    <p:animEffect transition="in" filter="wipe(left)">
+                                      <p:cBhvr>
+                                        <p:cTn id="17" dur="500"/>
+                                        <p:tgtEl>
+                                          <p:spTgt spid="3">
+                                            <p:txEl>
+                                              <p:pRg st="2" end="2"/>
+                                            </p:txEl>
+                                          </p:spTgt>
+                                        </p:tgtEl>
+                                      </p:cBhvr>
+                                    </p:animEffect>
+                                  </p:childTnLst>
+                                </p:cTn>
+                              </p:par>
+                            </p:childTnLst>
+                          </p:cTn>
+                        </p:par>
+                      </p:childTnLst>
+                    </p:cTn>
+                  </p:par>
+                  <p:par>
+                    <p:cTn id="18" fill="hold">
+                      <p:stCondLst>
+                        <p:cond delay="indefinite"/>
+                      </p:stCondLst>
+                      <p:childTnLst>
+                        <p:par>
+                          <p:cTn id="19" fill="hold">
+                            <p:stCondLst>
+                              <p:cond delay="0"/>
+                            </p:stCondLst>
+                            <p:childTnLst>
+                              <p:par>
+                                <p:cTn id="20" presetID="22" presetClass="entr" presetSubtype="8" fill="hold" grpId="0" nodeType="clickEffect">
+                                  <p:stCondLst>
+                                    <p:cond delay="0"/>
+                                  </p:stCondLst>
+                                  <p:childTnLst>
+                                    <p:set>
+                                      <p:cBhvr>
+                                        <p:cTn id="21" dur="1" fill="hold">
+                                          <p:stCondLst>
+                                            <p:cond delay="0"/>
+                                          </p:stCondLst>
+                                        </p:cTn>
+                                        <p:tgtEl>
+                                          <p:spTgt spid="4">
+                                            <p:txEl>
+                                              <p:pRg st="0" end="0"/>
+                                            </p:txEl>
+                                          </p:spTgt>
+                                        </p:tgtEl>
+                                        <p:attrNameLst>
+                                          <p:attrName>style.visibility</p:attrName>
+                                        </p:attrNameLst>
+                                      </p:cBhvr>
+                                      <p:to>
+                                        <p:strVal val="visible"/>
+                                      </p:to>
+                                    </p:set>
+                                    <p:animEffect transition="in" filter="wipe(left)">
+                                      <p:cBhvr>
+                                        <p:cTn id="22" dur="500"/>
+                                        <p:tgtEl>
+                                          <p:spTgt spid="4">
+                                            <p:txEl>
+                                              <p:pRg st="0" end="0"/>
+                                            </p:txEl>
+                                          </p:spTgt>
+                                        </p:tgtEl>
+                                      </p:cBhvr>
+                                    </p:animEffect>
+                                  </p:childTnLst>
+                                </p:cTn>
+                              </p:par>
+                            </p:childTnLst>
+                          </p:cTn>
+                        </p:par>
+                      </p:childTnLst>
+                    </p:cTn>
+                  </p:par>
+                  <p:par>
+                    <p:cTn id="23" fill="hold">
+                      <p:stCondLst>
+                        <p:cond delay="indefinite"/>
+                      </p:stCondLst>
+                      <p:childTnLst>
+                        <p:par>
+                          <p:cTn id="24" fill="hold">
+                            <p:stCondLst>
+                              <p:cond delay="0"/>
+                            </p:stCondLst>
+                            <p:childTnLst>
+                              <p:par>
+                                <p:cTn id="25" presetID="22" presetClass="entr" presetSubtype="8" fill="hold" grpId="0" nodeType="clickEffect">
+                                  <p:stCondLst>
+                                    <p:cond delay="0"/>
+                                  </p:stCondLst>
+                                  <p:childTnLst>
+                                    <p:set>
+                                      <p:cBhvr>
+                                        <p:cTn id="26" dur="1" fill="hold">
+                                          <p:stCondLst>
+                                            <p:cond delay="0"/>
+                                          </p:stCondLst>
+                                        </p:cTn>
+                                        <p:tgtEl>
                                           <p:spTgt spid="4">
                                             <p:txEl>
                                               <p:pRg st="1" end="1"/>
@@ -9329,7 +14035,7 @@
                                     </p:set>
                                     <p:animEffect transition="in" filter="wipe(left)">
                                       <p:cBhvr>
-                                        <p:cTn id="17" dur="500"/>
+                                        <p:cTn id="27" dur="500"/>
                                         <p:tgtEl>
                                           <p:spTgt spid="4">
                                             <p:txEl>
@@ -9377,7 +14083,7 @@
 </p:sld>
 </file>
 
-<file path=ppt/slides/slide5.xml><?xml version="1.0" encoding="utf-8"?>
+<file path=ppt/slides/slide6.xml><?xml version="1.0" encoding="utf-8"?>
 <p:sld xmlns:a="http://schemas.openxmlformats.org/drawingml/2006/main" xmlns:r="http://schemas.openxmlformats.org/officeDocument/2006/relationships" xmlns:p="http://schemas.openxmlformats.org/presentationml/2006/main">
   <p:cSld>
     <p:spTree>
@@ -9416,8 +14122,12 @@
           <a:lstStyle/>
           <a:p>
             <a:r>
+              <a:rPr lang="ko-KR" altLang="en-US" dirty="0" err="1"/>
+              <a:t>합동식</a:t>
+            </a:r>
+            <a:r>
               <a:rPr lang="ko-KR" altLang="en-US" dirty="0"/>
-              <a:t>합동어의 구상</a:t>
+              <a:t> 굴절어의 구상</a:t>
             </a:r>
           </a:p>
         </p:txBody>
@@ -9929,7 +14639,7 @@
 </p:sld>
 </file>
 
-<file path=ppt/slides/slide6.xml><?xml version="1.0" encoding="utf-8"?>
+<file path=ppt/slides/slide7.xml><?xml version="1.0" encoding="utf-8"?>
 <p:sld xmlns:a="http://schemas.openxmlformats.org/drawingml/2006/main" xmlns:r="http://schemas.openxmlformats.org/officeDocument/2006/relationships" xmlns:p="http://schemas.openxmlformats.org/presentationml/2006/main">
   <p:cSld>
     <p:spTree>
@@ -9969,11 +14679,11 @@
           <a:p>
             <a:r>
               <a:rPr lang="ko-KR" altLang="en-US" dirty="0" err="1"/>
-              <a:t>합동어</a:t>
+              <a:t>합동식</a:t>
             </a:r>
             <a:r>
               <a:rPr lang="ko-KR" altLang="en-US" dirty="0"/>
-              <a:t> 형태론</a:t>
+              <a:t> 굴절어 형태론</a:t>
             </a:r>
           </a:p>
         </p:txBody>
@@ -10002,20 +14712,6 @@
                 <a:normAutofit/>
               </a:bodyPr>
               <a:lstStyle/>
-              <a:p>
-                <a:pPr marL="457200" indent="-457200">
-                  <a:buFont typeface="+mj-lt"/>
-                  <a:buAutoNum type="arabicPeriod"/>
-                </a:pPr>
-                <a:r>
-                  <a:rPr lang="ko-KR" altLang="en-US" sz="2000" dirty="0"/>
-                  <a:t>형태론 및 문장론이 합동식에 의하는 언어</a:t>
-                </a:r>
-                <a:r>
-                  <a:rPr lang="en-US" altLang="ko-KR" sz="2000" dirty="0"/>
-                  <a:t>.</a:t>
-                </a:r>
-              </a:p>
               <a:p>
                 <a:pPr marL="457200" indent="-457200">
                   <a:buFont typeface="+mj-lt"/>
@@ -10190,7 +14886,7 @@
               <a:blipFill>
                 <a:blip r:embed="rId2"/>
                 <a:stretch>
-                  <a:fillRect l="-1202" t="-157"/>
+                  <a:fillRect l="-1202"/>
                 </a:stretch>
               </a:blipFill>
             </p:spPr>
@@ -10209,8 +14905,8 @@
           </p:sp>
         </mc:Fallback>
       </mc:AlternateContent>
-      <mc:AlternateContent xmlns:mc="http://schemas.openxmlformats.org/markup-compatibility/2006">
-        <mc:Choice xmlns:a14="http://schemas.microsoft.com/office/drawing/2010/main" Requires="a14">
+      <mc:AlternateContent xmlns:mc="http://schemas.openxmlformats.org/markup-compatibility/2006" xmlns:a14="http://schemas.microsoft.com/office/drawing/2010/main">
+        <mc:Choice Requires="a14">
           <p:sp>
             <p:nvSpPr>
               <p:cNvPr id="8" name="내용 개체 틀 7">
@@ -10315,7 +15011,7 @@
             </p:txBody>
           </p:sp>
         </mc:Choice>
-        <mc:Fallback>
+        <mc:Fallback xmlns="">
           <p:sp>
             <p:nvSpPr>
               <p:cNvPr id="8" name="내용 개체 틀 7">
@@ -10524,67 +15220,6 @@
                                           </p:stCondLst>
                                         </p:cTn>
                                         <p:tgtEl>
-                                          <p:spTgt spid="7">
-                                            <p:txEl>
-                                              <p:pRg st="2" end="2"/>
-                                            </p:txEl>
-                                          </p:spTgt>
-                                        </p:tgtEl>
-                                        <p:attrNameLst>
-                                          <p:attrName>style.visibility</p:attrName>
-                                        </p:attrNameLst>
-                                      </p:cBhvr>
-                                      <p:to>
-                                        <p:strVal val="visible"/>
-                                      </p:to>
-                                    </p:set>
-                                    <p:animEffect transition="in" filter="wipe(left)">
-                                      <p:cBhvr>
-                                        <p:cTn id="17" dur="500"/>
-                                        <p:tgtEl>
-                                          <p:spTgt spid="7">
-                                            <p:txEl>
-                                              <p:pRg st="2" end="2"/>
-                                            </p:txEl>
-                                          </p:spTgt>
-                                        </p:tgtEl>
-                                      </p:cBhvr>
-                                    </p:animEffect>
-                                  </p:childTnLst>
-                                </p:cTn>
-                              </p:par>
-                            </p:childTnLst>
-                          </p:cTn>
-                        </p:par>
-                      </p:childTnLst>
-                    </p:cTn>
-                  </p:par>
-                  <p:par>
-                    <p:cTn id="18" fill="hold">
-                      <p:stCondLst>
-                        <p:cond delay="indefinite"/>
-                      </p:stCondLst>
-                      <p:childTnLst>
-                        <p:par>
-                          <p:cTn id="19" fill="hold">
-                            <p:stCondLst>
-                              <p:cond delay="0"/>
-                            </p:stCondLst>
-                            <p:childTnLst>
-                              <p:par>
-                                <p:cTn id="20" presetID="22" presetClass="entr" presetSubtype="8" fill="hold" grpId="0" nodeType="clickEffect">
-                                  <p:stCondLst>
-                                    <p:cond delay="0"/>
-                                  </p:stCondLst>
-                                  <p:childTnLst>
-                                    <p:set>
-                                      <p:cBhvr>
-                                        <p:cTn id="21" dur="1" fill="hold">
-                                          <p:stCondLst>
-                                            <p:cond delay="0"/>
-                                          </p:stCondLst>
-                                        </p:cTn>
-                                        <p:tgtEl>
                                           <p:spTgt spid="8">
                                             <p:txEl>
                                               <p:pRg st="0" end="0"/>
@@ -10601,7 +15236,7 @@
                                     </p:set>
                                     <p:animEffect transition="in" filter="wipe(left)">
                                       <p:cBhvr>
-                                        <p:cTn id="22" dur="500"/>
+                                        <p:cTn id="17" dur="500"/>
                                         <p:tgtEl>
                                           <p:spTgt spid="8">
                                             <p:txEl>
@@ -10649,7 +15284,7 @@
 </p:sld>
 </file>
 
-<file path=ppt/slides/slide7.xml><?xml version="1.0" encoding="utf-8"?>
+<file path=ppt/slides/slide8.xml><?xml version="1.0" encoding="utf-8"?>
 <p:sld xmlns:a="http://schemas.openxmlformats.org/drawingml/2006/main" xmlns:r="http://schemas.openxmlformats.org/officeDocument/2006/relationships" xmlns:p="http://schemas.openxmlformats.org/presentationml/2006/main">
   <p:cSld>
     <p:spTree>
@@ -10689,11 +15324,11 @@
           <a:p>
             <a:r>
               <a:rPr lang="ko-KR" altLang="en-US" dirty="0" err="1"/>
-              <a:t>합동어</a:t>
+              <a:t>합동식</a:t>
             </a:r>
             <a:r>
               <a:rPr lang="ko-KR" altLang="en-US" dirty="0"/>
-              <a:t> 문장론</a:t>
+              <a:t> 굴절어 문장론</a:t>
             </a:r>
           </a:p>
         </p:txBody>
@@ -10777,8 +15412,8 @@
           </a:p>
         </p:txBody>
       </p:sp>
-      <mc:AlternateContent xmlns:mc="http://schemas.openxmlformats.org/markup-compatibility/2006">
-        <mc:Choice xmlns:a14="http://schemas.microsoft.com/office/drawing/2010/main" Requires="a14">
+      <mc:AlternateContent xmlns:mc="http://schemas.openxmlformats.org/markup-compatibility/2006" xmlns:a14="http://schemas.microsoft.com/office/drawing/2010/main">
+        <mc:Choice Requires="a14">
           <p:sp>
             <p:nvSpPr>
               <p:cNvPr id="4" name="내용 개체 틀 3">
@@ -11123,7 +15758,7 @@
             </p:txBody>
           </p:sp>
         </mc:Choice>
-        <mc:Fallback>
+        <mc:Fallback xmlns="">
           <p:sp>
             <p:nvSpPr>
               <p:cNvPr id="4" name="내용 개체 틀 3">
@@ -11579,7 +16214,7 @@
 </p:sld>
 </file>
 
-<file path=ppt/slides/slide8.xml><?xml version="1.0" encoding="utf-8"?>
+<file path=ppt/slides/slide9.xml><?xml version="1.0" encoding="utf-8"?>
 <p:sld xmlns:a="http://schemas.openxmlformats.org/drawingml/2006/main" xmlns:r="http://schemas.openxmlformats.org/officeDocument/2006/relationships" xmlns:p="http://schemas.openxmlformats.org/presentationml/2006/main">
   <p:cSld>
     <p:spTree>
@@ -12156,634 +16791,6 @@
 </p:sld>
 </file>
 
-<file path=ppt/slides/slide9.xml><?xml version="1.0" encoding="utf-8"?>
-<p:sld xmlns:a="http://schemas.openxmlformats.org/drawingml/2006/main" xmlns:r="http://schemas.openxmlformats.org/officeDocument/2006/relationships" xmlns:p="http://schemas.openxmlformats.org/presentationml/2006/main">
-  <p:cSld>
-    <p:spTree>
-      <p:nvGrpSpPr>
-        <p:cNvPr id="1" name=""/>
-        <p:cNvGrpSpPr/>
-        <p:nvPr/>
-      </p:nvGrpSpPr>
-      <p:grpSpPr>
-        <a:xfrm>
-          <a:off x="0" y="0"/>
-          <a:ext cx="0" cy="0"/>
-          <a:chOff x="0" y="0"/>
-          <a:chExt cx="0" cy="0"/>
-        </a:xfrm>
-      </p:grpSpPr>
-      <p:sp>
-        <p:nvSpPr>
-          <p:cNvPr id="2" name="제목 1">
-            <a:extLst>
-              <a:ext uri="{FF2B5EF4-FFF2-40B4-BE49-F238E27FC236}">
-                <a16:creationId xmlns:a16="http://schemas.microsoft.com/office/drawing/2014/main" id="{2E2E8794-54C9-4CA6-1A39-28C65AE4B9E7}"/>
-              </a:ext>
-            </a:extLst>
-          </p:cNvPr>
-          <p:cNvSpPr>
-            <a:spLocks noGrp="1"/>
-          </p:cNvSpPr>
-          <p:nvPr>
-            <p:ph type="title"/>
-          </p:nvPr>
-        </p:nvSpPr>
-        <p:spPr/>
-        <p:txBody>
-          <a:bodyPr/>
-          <a:lstStyle/>
-          <a:p>
-            <a:r>
-              <a:rPr lang="ko-KR" altLang="en-US" dirty="0" err="1"/>
-              <a:t>오일러</a:t>
-            </a:r>
-            <a:r>
-              <a:rPr lang="ko-KR" altLang="en-US" dirty="0"/>
-              <a:t> </a:t>
-            </a:r>
-            <a:r>
-              <a:rPr lang="ko-KR" altLang="en-US" dirty="0" err="1"/>
-              <a:t>정리란</a:t>
-            </a:r>
-            <a:r>
-              <a:rPr lang="en-US" altLang="ko-KR" dirty="0"/>
-              <a:t>? (</a:t>
-            </a:r>
-            <a:r>
-              <a:rPr lang="ko-KR" altLang="en-US" dirty="0"/>
-              <a:t>복기</a:t>
-            </a:r>
-            <a:r>
-              <a:rPr lang="en-US" altLang="ko-KR" dirty="0"/>
-              <a:t>)</a:t>
-            </a:r>
-            <a:endParaRPr lang="ko-KR" altLang="en-US" dirty="0"/>
-          </a:p>
-        </p:txBody>
-      </p:sp>
-      <mc:AlternateContent xmlns:mc="http://schemas.openxmlformats.org/markup-compatibility/2006">
-        <mc:Choice xmlns:a14="http://schemas.microsoft.com/office/drawing/2010/main" Requires="a14">
-          <p:sp>
-            <p:nvSpPr>
-              <p:cNvPr id="3" name="내용 개체 틀 2">
-                <a:extLst>
-                  <a:ext uri="{FF2B5EF4-FFF2-40B4-BE49-F238E27FC236}">
-                    <a16:creationId xmlns:a16="http://schemas.microsoft.com/office/drawing/2014/main" id="{8AACC597-3729-14FB-85AC-2869E4515444}"/>
-                  </a:ext>
-                </a:extLst>
-              </p:cNvPr>
-              <p:cNvSpPr>
-                <a:spLocks noGrp="1"/>
-              </p:cNvSpPr>
-              <p:nvPr>
-                <p:ph sz="half" idx="1"/>
-              </p:nvPr>
-            </p:nvSpPr>
-            <p:spPr/>
-            <p:txBody>
-              <a:bodyPr anchor="t"/>
-              <a:lstStyle/>
-              <a:p>
-                <a:pPr marL="342900" indent="-342900">
-                  <a:buFont typeface="+mj-lt"/>
-                  <a:buAutoNum type="arabicPeriod"/>
-                </a:pPr>
-                <a14:m>
-                  <m:oMath xmlns:m="http://schemas.openxmlformats.org/officeDocument/2006/math">
-                    <m:r>
-                      <a:rPr lang="en-US" altLang="ko-KR" b="0" i="1" smtClean="0">
-                        <a:latin typeface="Cambria Math" panose="02040503050406030204" pitchFamily="18" charset="0"/>
-                      </a:rPr>
-                      <m:t>𝜙</m:t>
-                    </m:r>
-                    <m:d>
-                      <m:dPr>
-                        <m:ctrlPr>
-                          <a:rPr lang="en-US" altLang="ko-KR" b="0" i="1" smtClean="0">
-                            <a:latin typeface="Cambria Math" panose="02040503050406030204" pitchFamily="18" charset="0"/>
-                          </a:rPr>
-                        </m:ctrlPr>
-                      </m:dPr>
-                      <m:e>
-                        <m:r>
-                          <a:rPr lang="en-US" altLang="ko-KR" b="0" i="1" smtClean="0">
-                            <a:latin typeface="Cambria Math" panose="02040503050406030204" pitchFamily="18" charset="0"/>
-                          </a:rPr>
-                          <m:t>𝑛</m:t>
-                        </m:r>
-                      </m:e>
-                    </m:d>
-                  </m:oMath>
-                </a14:m>
-                <a:r>
-                  <a:rPr lang="en-US" altLang="ko-KR" dirty="0"/>
-                  <a:t>: </a:t>
-                </a:r>
-                <a14:m>
-                  <m:oMath xmlns:m="http://schemas.openxmlformats.org/officeDocument/2006/math">
-                    <m:r>
-                      <a:rPr lang="en-US" altLang="ko-KR" b="0" i="1" smtClean="0">
-                        <a:latin typeface="Cambria Math" panose="02040503050406030204" pitchFamily="18" charset="0"/>
-                      </a:rPr>
-                      <m:t>𝑛</m:t>
-                    </m:r>
-                  </m:oMath>
-                </a14:m>
-                <a:r>
-                  <a:rPr lang="ko-KR" altLang="en-US" dirty="0"/>
-                  <a:t>보다 작으면서 그와 서로 소인 자연수들의 개수</a:t>
-                </a:r>
-                <a:endParaRPr lang="en-US" altLang="ko-KR" dirty="0"/>
-              </a:p>
-              <a:p>
-                <a:pPr marL="342900" indent="-342900">
-                  <a:buFont typeface="+mj-lt"/>
-                  <a:buAutoNum type="arabicPeriod"/>
-                </a:pPr>
-                <a:r>
-                  <a:rPr lang="ko-KR" altLang="en-US" dirty="0"/>
-                  <a:t>나누어지는 수의 밑과 나누는 수가 서로 소일 때</a:t>
-                </a:r>
-                <a:r>
-                  <a:rPr lang="en-US" altLang="ko-KR" dirty="0"/>
-                  <a:t>, </a:t>
-                </a:r>
-                <a14:m>
-                  <m:oMath xmlns:m="http://schemas.openxmlformats.org/officeDocument/2006/math">
-                    <m:r>
-                      <a:rPr lang="en-US" altLang="ko-KR" b="0" i="1" smtClean="0">
-                        <a:latin typeface="Cambria Math" panose="02040503050406030204" pitchFamily="18" charset="0"/>
-                      </a:rPr>
-                      <m:t>𝜙</m:t>
-                    </m:r>
-                    <m:d>
-                      <m:dPr>
-                        <m:ctrlPr>
-                          <a:rPr lang="en-US" altLang="ko-KR" b="0" i="1" smtClean="0">
-                            <a:latin typeface="Cambria Math" panose="02040503050406030204" pitchFamily="18" charset="0"/>
-                          </a:rPr>
-                        </m:ctrlPr>
-                      </m:dPr>
-                      <m:e>
-                        <m:r>
-                          <a:rPr lang="en-US" altLang="ko-KR" b="0" i="1" smtClean="0">
-                            <a:latin typeface="Cambria Math" panose="02040503050406030204" pitchFamily="18" charset="0"/>
-                          </a:rPr>
-                          <m:t>𝑛</m:t>
-                        </m:r>
-                      </m:e>
-                    </m:d>
-                  </m:oMath>
-                </a14:m>
-                <a:r>
-                  <a:rPr lang="ko-KR" altLang="en-US" dirty="0"/>
-                  <a:t>만큼 나누어지는 수의 밑을 제곱한 수를 나누는 수로 나누면 </a:t>
-                </a:r>
-                <a:r>
-                  <a:rPr lang="en-US" altLang="ko-KR" dirty="0"/>
-                  <a:t>1</a:t>
-                </a:r>
-                <a:r>
-                  <a:rPr lang="ko-KR" altLang="en-US" dirty="0"/>
-                  <a:t>이 된다는 정리</a:t>
-                </a:r>
-                <a:r>
-                  <a:rPr lang="en-US" altLang="ko-KR" dirty="0"/>
-                  <a:t>.</a:t>
-                </a:r>
-                <a:endParaRPr lang="ko-KR" altLang="en-US" dirty="0"/>
-              </a:p>
-            </p:txBody>
-          </p:sp>
-        </mc:Choice>
-        <mc:Fallback>
-          <p:sp>
-            <p:nvSpPr>
-              <p:cNvPr id="3" name="내용 개체 틀 2">
-                <a:extLst>
-                  <a:ext uri="{FF2B5EF4-FFF2-40B4-BE49-F238E27FC236}">
-                    <a16:creationId xmlns:a16="http://schemas.microsoft.com/office/drawing/2014/main" id="{8AACC597-3729-14FB-85AC-2869E4515444}"/>
-                  </a:ext>
-                </a:extLst>
-              </p:cNvPr>
-              <p:cNvSpPr>
-                <a:spLocks noGrp="1" noRot="1" noChangeAspect="1" noMove="1" noResize="1" noEditPoints="1" noAdjustHandles="1" noChangeArrowheads="1" noChangeShapeType="1" noTextEdit="1"/>
-              </p:cNvSpPr>
-              <p:nvPr>
-                <p:ph sz="half" idx="1"/>
-              </p:nvPr>
-            </p:nvSpPr>
-            <p:spPr>
-              <a:blipFill>
-                <a:blip r:embed="rId2"/>
-                <a:stretch>
-                  <a:fillRect l="-962" t="-157"/>
-                </a:stretch>
-              </a:blipFill>
-            </p:spPr>
-            <p:txBody>
-              <a:bodyPr/>
-              <a:lstStyle/>
-              <a:p>
-                <a:r>
-                  <a:rPr lang="ko-KR" altLang="en-US">
-                    <a:noFill/>
-                  </a:rPr>
-                  <a:t> </a:t>
-                </a:r>
-              </a:p>
-            </p:txBody>
-          </p:sp>
-        </mc:Fallback>
-      </mc:AlternateContent>
-      <mc:AlternateContent xmlns:mc="http://schemas.openxmlformats.org/markup-compatibility/2006">
-        <mc:Choice xmlns:a14="http://schemas.microsoft.com/office/drawing/2010/main" Requires="a14">
-          <p:sp>
-            <p:nvSpPr>
-              <p:cNvPr id="4" name="내용 개체 틀 3">
-                <a:extLst>
-                  <a:ext uri="{FF2B5EF4-FFF2-40B4-BE49-F238E27FC236}">
-                    <a16:creationId xmlns:a16="http://schemas.microsoft.com/office/drawing/2014/main" id="{F91ED0E4-2F99-63C2-0990-38752ECCF870}"/>
-                  </a:ext>
-                </a:extLst>
-              </p:cNvPr>
-              <p:cNvSpPr>
-                <a:spLocks noGrp="1"/>
-              </p:cNvSpPr>
-              <p:nvPr>
-                <p:ph sz="half" idx="2"/>
-              </p:nvPr>
-            </p:nvSpPr>
-            <p:spPr/>
-            <p:txBody>
-              <a:bodyPr anchor="t">
-                <a:normAutofit/>
-              </a:bodyPr>
-              <a:lstStyle/>
-              <a:p>
-                <a:pPr marL="0" indent="0" algn="ctr">
-                  <a:buNone/>
-                </a:pPr>
-                <a14:m>
-                  <m:oMathPara xmlns:m="http://schemas.openxmlformats.org/officeDocument/2006/math">
-                    <m:oMathParaPr>
-                      <m:jc m:val="centerGroup"/>
-                    </m:oMathParaPr>
-                    <m:oMath xmlns:m="http://schemas.openxmlformats.org/officeDocument/2006/math">
-                      <m:sSup>
-                        <m:sSupPr>
-                          <m:ctrlPr>
-                            <a:rPr lang="en-US" altLang="ko-KR" sz="4000" b="0" i="1" smtClean="0">
-                              <a:latin typeface="Cambria Math" panose="02040503050406030204" pitchFamily="18" charset="0"/>
-                            </a:rPr>
-                          </m:ctrlPr>
-                        </m:sSupPr>
-                        <m:e>
-                          <m:r>
-                            <a:rPr lang="en-US" altLang="ko-KR" sz="4000" b="0" i="1" smtClean="0">
-                              <a:latin typeface="Cambria Math" panose="02040503050406030204" pitchFamily="18" charset="0"/>
-                            </a:rPr>
-                            <m:t>𝑎</m:t>
-                          </m:r>
-                        </m:e>
-                        <m:sup>
-                          <m:r>
-                            <a:rPr lang="en-US" altLang="ko-KR" sz="4000" b="0" i="1" smtClean="0">
-                              <a:latin typeface="Cambria Math" panose="02040503050406030204" pitchFamily="18" charset="0"/>
-                            </a:rPr>
-                            <m:t>𝜙</m:t>
-                          </m:r>
-                          <m:d>
-                            <m:dPr>
-                              <m:ctrlPr>
-                                <a:rPr lang="en-US" altLang="ko-KR" sz="4000" b="0" i="1" smtClean="0">
-                                  <a:latin typeface="Cambria Math" panose="02040503050406030204" pitchFamily="18" charset="0"/>
-                                </a:rPr>
-                              </m:ctrlPr>
-                            </m:dPr>
-                            <m:e>
-                              <m:r>
-                                <a:rPr lang="en-US" altLang="ko-KR" sz="4000" b="0" i="1" smtClean="0">
-                                  <a:latin typeface="Cambria Math" panose="02040503050406030204" pitchFamily="18" charset="0"/>
-                                </a:rPr>
-                                <m:t>𝑛</m:t>
-                              </m:r>
-                            </m:e>
-                          </m:d>
-                        </m:sup>
-                      </m:sSup>
-                      <m:r>
-                        <a:rPr lang="en-US" altLang="ko-KR" sz="4000" b="0" i="1" smtClean="0">
-                          <a:latin typeface="Cambria Math" panose="02040503050406030204" pitchFamily="18" charset="0"/>
-                        </a:rPr>
-                        <m:t>≡1 </m:t>
-                      </m:r>
-                      <m:d>
-                        <m:dPr>
-                          <m:ctrlPr>
-                            <a:rPr lang="en-US" altLang="ko-KR" sz="4000" b="0" i="1" smtClean="0">
-                              <a:latin typeface="Cambria Math" panose="02040503050406030204" pitchFamily="18" charset="0"/>
-                            </a:rPr>
-                          </m:ctrlPr>
-                        </m:dPr>
-                        <m:e>
-                          <m:r>
-                            <m:rPr>
-                              <m:sty m:val="p"/>
-                            </m:rPr>
-                            <a:rPr lang="en-US" altLang="ko-KR" sz="4000" b="0" i="1" smtClean="0">
-                              <a:latin typeface="Cambria Math" panose="02040503050406030204" pitchFamily="18" charset="0"/>
-                            </a:rPr>
-                            <m:t>mod</m:t>
-                          </m:r>
-                          <m:r>
-                            <a:rPr lang="en-US" altLang="ko-KR" sz="4000" b="0" i="1" smtClean="0">
-                              <a:latin typeface="Cambria Math" panose="02040503050406030204" pitchFamily="18" charset="0"/>
-                            </a:rPr>
-                            <m:t> </m:t>
-                          </m:r>
-                          <m:r>
-                            <a:rPr lang="en-US" altLang="ko-KR" sz="4000" b="0" i="1" smtClean="0">
-                              <a:latin typeface="Cambria Math" panose="02040503050406030204" pitchFamily="18" charset="0"/>
-                            </a:rPr>
-                            <m:t>𝑛</m:t>
-                          </m:r>
-                        </m:e>
-                      </m:d>
-                    </m:oMath>
-                  </m:oMathPara>
-                </a14:m>
-                <a:endParaRPr lang="en-US" altLang="ko-KR" sz="4000" dirty="0"/>
-              </a:p>
-            </p:txBody>
-          </p:sp>
-        </mc:Choice>
-        <mc:Fallback>
-          <p:sp>
-            <p:nvSpPr>
-              <p:cNvPr id="4" name="내용 개체 틀 3">
-                <a:extLst>
-                  <a:ext uri="{FF2B5EF4-FFF2-40B4-BE49-F238E27FC236}">
-                    <a16:creationId xmlns:a16="http://schemas.microsoft.com/office/drawing/2014/main" id="{F91ED0E4-2F99-63C2-0990-38752ECCF870}"/>
-                  </a:ext>
-                </a:extLst>
-              </p:cNvPr>
-              <p:cNvSpPr>
-                <a:spLocks noGrp="1" noRot="1" noChangeAspect="1" noMove="1" noResize="1" noEditPoints="1" noAdjustHandles="1" noChangeArrowheads="1" noChangeShapeType="1" noTextEdit="1"/>
-              </p:cNvSpPr>
-              <p:nvPr>
-                <p:ph sz="half" idx="2"/>
-              </p:nvPr>
-            </p:nvSpPr>
-            <p:spPr>
-              <a:blipFill>
-                <a:blip r:embed="rId3"/>
-                <a:stretch>
-                  <a:fillRect/>
-                </a:stretch>
-              </a:blipFill>
-            </p:spPr>
-            <p:txBody>
-              <a:bodyPr/>
-              <a:lstStyle/>
-              <a:p>
-                <a:r>
-                  <a:rPr lang="ko-KR" altLang="en-US">
-                    <a:noFill/>
-                  </a:rPr>
-                  <a:t> </a:t>
-                </a:r>
-              </a:p>
-            </p:txBody>
-          </p:sp>
-        </mc:Fallback>
-      </mc:AlternateContent>
-    </p:spTree>
-    <p:extLst>
-      <p:ext uri="{BB962C8B-B14F-4D97-AF65-F5344CB8AC3E}">
-        <p14:creationId xmlns:p14="http://schemas.microsoft.com/office/powerpoint/2010/main" val="635459666"/>
-      </p:ext>
-    </p:extLst>
-  </p:cSld>
-  <p:clrMapOvr>
-    <a:masterClrMapping/>
-  </p:clrMapOvr>
-  <p:transition spd="slow">
-    <p:push/>
-  </p:transition>
-  <p:timing>
-    <p:tnLst>
-      <p:par>
-        <p:cTn id="1" dur="indefinite" restart="never" nodeType="tmRoot">
-          <p:childTnLst>
-            <p:seq concurrent="1" nextAc="seek">
-              <p:cTn id="2" dur="indefinite" nodeType="mainSeq">
-                <p:childTnLst>
-                  <p:par>
-                    <p:cTn id="3" fill="hold">
-                      <p:stCondLst>
-                        <p:cond delay="indefinite"/>
-                      </p:stCondLst>
-                      <p:childTnLst>
-                        <p:par>
-                          <p:cTn id="4" fill="hold">
-                            <p:stCondLst>
-                              <p:cond delay="0"/>
-                            </p:stCondLst>
-                            <p:childTnLst>
-                              <p:par>
-                                <p:cTn id="5" presetID="16" presetClass="emph" presetSubtype="0" fill="hold" grpId="0" nodeType="clickEffect">
-                                  <p:stCondLst>
-                                    <p:cond delay="0"/>
-                                  </p:stCondLst>
-                                  <p:iterate type="lt">
-                                    <p:tmPct val="4000"/>
-                                  </p:iterate>
-                                  <p:childTnLst>
-                                    <p:set>
-                                      <p:cBhvr override="childStyle">
-                                        <p:cTn id="6" dur="500" fill="hold"/>
-                                        <p:tgtEl>
-                                          <p:spTgt spid="3">
-                                            <p:txEl>
-                                              <p:pRg st="0" end="0"/>
-                                            </p:txEl>
-                                          </p:spTgt>
-                                        </p:tgtEl>
-                                        <p:attrNameLst>
-                                          <p:attrName>style.color</p:attrName>
-                                        </p:attrNameLst>
-                                      </p:cBhvr>
-                                      <p:to>
-                                        <p:clrVal>
-                                          <a:srgbClr val="FF0000"/>
-                                        </p:clrVal>
-                                      </p:to>
-                                    </p:set>
-                                    <p:set>
-                                      <p:cBhvr>
-                                        <p:cTn id="7" dur="500" fill="hold"/>
-                                        <p:tgtEl>
-                                          <p:spTgt spid="3">
-                                            <p:txEl>
-                                              <p:pRg st="0" end="0"/>
-                                            </p:txEl>
-                                          </p:spTgt>
-                                        </p:tgtEl>
-                                        <p:attrNameLst>
-                                          <p:attrName>fillcolor</p:attrName>
-                                        </p:attrNameLst>
-                                      </p:cBhvr>
-                                      <p:to>
-                                        <p:clrVal>
-                                          <a:srgbClr val="FF0000"/>
-                                        </p:clrVal>
-                                      </p:to>
-                                    </p:set>
-                                    <p:set>
-                                      <p:cBhvr>
-                                        <p:cTn id="8" dur="500" fill="hold"/>
-                                        <p:tgtEl>
-                                          <p:spTgt spid="3">
-                                            <p:txEl>
-                                              <p:pRg st="0" end="0"/>
-                                            </p:txEl>
-                                          </p:spTgt>
-                                        </p:tgtEl>
-                                        <p:attrNameLst>
-                                          <p:attrName>fill.type</p:attrName>
-                                        </p:attrNameLst>
-                                      </p:cBhvr>
-                                      <p:to>
-                                        <p:strVal val="solid"/>
-                                      </p:to>
-                                    </p:set>
-                                  </p:childTnLst>
-                                </p:cTn>
-                              </p:par>
-                            </p:childTnLst>
-                          </p:cTn>
-                        </p:par>
-                      </p:childTnLst>
-                    </p:cTn>
-                  </p:par>
-                  <p:par>
-                    <p:cTn id="9" fill="hold">
-                      <p:stCondLst>
-                        <p:cond delay="indefinite"/>
-                      </p:stCondLst>
-                      <p:childTnLst>
-                        <p:par>
-                          <p:cTn id="10" fill="hold">
-                            <p:stCondLst>
-                              <p:cond delay="0"/>
-                            </p:stCondLst>
-                            <p:childTnLst>
-                              <p:par>
-                                <p:cTn id="11" presetID="16" presetClass="emph" presetSubtype="0" fill="hold" grpId="0" nodeType="clickEffect">
-                                  <p:stCondLst>
-                                    <p:cond delay="0"/>
-                                  </p:stCondLst>
-                                  <p:iterate type="lt">
-                                    <p:tmPct val="4000"/>
-                                  </p:iterate>
-                                  <p:childTnLst>
-                                    <p:set>
-                                      <p:cBhvr override="childStyle">
-                                        <p:cTn id="12" dur="500" fill="hold"/>
-                                        <p:tgtEl>
-                                          <p:spTgt spid="3">
-                                            <p:txEl>
-                                              <p:pRg st="1" end="1"/>
-                                            </p:txEl>
-                                          </p:spTgt>
-                                        </p:tgtEl>
-                                        <p:attrNameLst>
-                                          <p:attrName>style.color</p:attrName>
-                                        </p:attrNameLst>
-                                      </p:cBhvr>
-                                      <p:to>
-                                        <p:clrVal>
-                                          <a:srgbClr val="FF0000"/>
-                                        </p:clrVal>
-                                      </p:to>
-                                    </p:set>
-                                    <p:set>
-                                      <p:cBhvr>
-                                        <p:cTn id="13" dur="500" fill="hold"/>
-                                        <p:tgtEl>
-                                          <p:spTgt spid="3">
-                                            <p:txEl>
-                                              <p:pRg st="1" end="1"/>
-                                            </p:txEl>
-                                          </p:spTgt>
-                                        </p:tgtEl>
-                                        <p:attrNameLst>
-                                          <p:attrName>fillcolor</p:attrName>
-                                        </p:attrNameLst>
-                                      </p:cBhvr>
-                                      <p:to>
-                                        <p:clrVal>
-                                          <a:srgbClr val="FF0000"/>
-                                        </p:clrVal>
-                                      </p:to>
-                                    </p:set>
-                                    <p:set>
-                                      <p:cBhvr>
-                                        <p:cTn id="14" dur="500" fill="hold"/>
-                                        <p:tgtEl>
-                                          <p:spTgt spid="3">
-                                            <p:txEl>
-                                              <p:pRg st="1" end="1"/>
-                                            </p:txEl>
-                                          </p:spTgt>
-                                        </p:tgtEl>
-                                        <p:attrNameLst>
-                                          <p:attrName>fill.type</p:attrName>
-                                        </p:attrNameLst>
-                                      </p:cBhvr>
-                                      <p:to>
-                                        <p:strVal val="solid"/>
-                                      </p:to>
-                                    </p:set>
-                                  </p:childTnLst>
-                                </p:cTn>
-                              </p:par>
-                            </p:childTnLst>
-                          </p:cTn>
-                        </p:par>
-                      </p:childTnLst>
-                    </p:cTn>
-                  </p:par>
-                </p:childTnLst>
-              </p:cTn>
-              <p:prevCondLst>
-                <p:cond evt="onPrev" delay="0">
-                  <p:tgtEl>
-                    <p:sldTgt/>
-                  </p:tgtEl>
-                </p:cond>
-              </p:prevCondLst>
-              <p:nextCondLst>
-                <p:cond evt="onNext" delay="0">
-                  <p:tgtEl>
-                    <p:sldTgt/>
-                  </p:tgtEl>
-                </p:cond>
-              </p:nextCondLst>
-            </p:seq>
-          </p:childTnLst>
-        </p:cTn>
-      </p:par>
-    </p:tnLst>
-    <p:bldLst>
-      <p:bldP spid="3" grpId="0" build="p"/>
-    </p:bldLst>
-  </p:timing>
-</p:sld>
-</file>
-
 <file path=ppt/theme/theme1.xml><?xml version="1.0" encoding="utf-8"?>
 <a:theme xmlns:a="http://schemas.openxmlformats.org/drawingml/2006/main" name="AfterglowVTI">
   <a:themeElements>

--- a/congrlang.pptx
+++ b/congrlang.pptx
@@ -131,7 +131,7 @@
 <file path=ppt/revisionInfo.xml><?xml version="1.0" encoding="utf-8"?>
 <p1510:revInfo xmlns:a="http://schemas.openxmlformats.org/drawingml/2006/main" xmlns:r="http://schemas.openxmlformats.org/officeDocument/2006/relationships" xmlns:p1510="http://schemas.microsoft.com/office/powerpoint/2015/10/main">
   <p1510:revLst>
-    <p1510:client id="{1829BA35-5CAC-4DC2-A547-CB71A6C40FF1}" v="11507" dt="2022-12-26T13:12:23.431"/>
+    <p1510:client id="{1829BA35-5CAC-4DC2-A547-CB71A6C40FF1}" v="11550" dt="2022-12-27T19:44:00.175"/>
   </p1510:revLst>
 </p1510:revInfo>
 </file>
@@ -141,7 +141,7 @@
   <pc:docChgLst>
     <pc:chgData name="이예주" userId="b627a05d-d457-425d-97ed-887cc9a3c15f" providerId="ADAL" clId="{1829BA35-5CAC-4DC2-A547-CB71A6C40FF1}"/>
     <pc:docChg chg="undo custSel addSld modSld sldOrd">
-      <pc:chgData name="이예주" userId="b627a05d-d457-425d-97ed-887cc9a3c15f" providerId="ADAL" clId="{1829BA35-5CAC-4DC2-A547-CB71A6C40FF1}" dt="2022-12-26T13:12:23.431" v="14854"/>
+      <pc:chgData name="이예주" userId="b627a05d-d457-425d-97ed-887cc9a3c15f" providerId="ADAL" clId="{1829BA35-5CAC-4DC2-A547-CB71A6C40FF1}" dt="2022-12-27T19:44:00.171" v="14897" actId="20577"/>
       <pc:docMkLst>
         <pc:docMk/>
       </pc:docMkLst>
@@ -510,7 +510,7 @@
         </pc:spChg>
       </pc:sldChg>
       <pc:sldChg chg="addSp modSp new mod modTransition modClrScheme modAnim chgLayout">
-        <pc:chgData name="이예주" userId="b627a05d-d457-425d-97ed-887cc9a3c15f" providerId="ADAL" clId="{1829BA35-5CAC-4DC2-A547-CB71A6C40FF1}" dt="2022-12-26T13:11:32.397" v="14837"/>
+        <pc:chgData name="이예주" userId="b627a05d-d457-425d-97ed-887cc9a3c15f" providerId="ADAL" clId="{1829BA35-5CAC-4DC2-A547-CB71A6C40FF1}" dt="2022-12-27T19:44:00.171" v="14897" actId="20577"/>
         <pc:sldMkLst>
           <pc:docMk/>
           <pc:sldMk cId="1888828219" sldId="268"/>
@@ -524,7 +524,7 @@
           </ac:spMkLst>
         </pc:spChg>
         <pc:spChg chg="mod ord">
-          <ac:chgData name="이예주" userId="b627a05d-d457-425d-97ed-887cc9a3c15f" providerId="ADAL" clId="{1829BA35-5CAC-4DC2-A547-CB71A6C40FF1}" dt="2022-12-26T12:55:33.448" v="13991" actId="20577"/>
+          <ac:chgData name="이예주" userId="b627a05d-d457-425d-97ed-887cc9a3c15f" providerId="ADAL" clId="{1829BA35-5CAC-4DC2-A547-CB71A6C40FF1}" dt="2022-12-27T19:44:00.171" v="14897" actId="20577"/>
           <ac:spMkLst>
             <pc:docMk/>
             <pc:sldMk cId="1888828219" sldId="268"/>
@@ -532,7 +532,7 @@
           </ac:spMkLst>
         </pc:spChg>
         <pc:spChg chg="add mod ord">
-          <ac:chgData name="이예주" userId="b627a05d-d457-425d-97ed-887cc9a3c15f" providerId="ADAL" clId="{1829BA35-5CAC-4DC2-A547-CB71A6C40FF1}" dt="2022-12-26T12:49:19.387" v="13733" actId="20577"/>
+          <ac:chgData name="이예주" userId="b627a05d-d457-425d-97ed-887cc9a3c15f" providerId="ADAL" clId="{1829BA35-5CAC-4DC2-A547-CB71A6C40FF1}" dt="2022-12-27T19:42:43.945" v="14872" actId="20577"/>
           <ac:spMkLst>
             <pc:docMk/>
             <pc:sldMk cId="1888828219" sldId="268"/>
@@ -980,7 +980,7 @@
           <a:p>
             <a:fld id="{9D0D92BC-42A9-434B-8530-ADBF4485E407}" type="datetimeFigureOut">
               <a:rPr lang="en-US" smtClean="0"/>
-              <a:t>12/26/2022</a:t>
+              <a:t>12/28/2022</a:t>
             </a:fld>
             <a:endParaRPr lang="en-US"/>
           </a:p>
@@ -1231,7 +1231,7 @@
           <a:p>
             <a:fld id="{9D0D92BC-42A9-434B-8530-ADBF4485E407}" type="datetimeFigureOut">
               <a:rPr lang="en-US" smtClean="0"/>
-              <a:t>12/26/2022</a:t>
+              <a:t>12/28/2022</a:t>
             </a:fld>
             <a:endParaRPr lang="en-US"/>
           </a:p>
@@ -1439,7 +1439,7 @@
           <a:p>
             <a:fld id="{9D0D92BC-42A9-434B-8530-ADBF4485E407}" type="datetimeFigureOut">
               <a:rPr lang="en-US" smtClean="0"/>
-              <a:t>12/26/2022</a:t>
+              <a:t>12/28/2022</a:t>
             </a:fld>
             <a:endParaRPr lang="en-US"/>
           </a:p>
@@ -1637,7 +1637,7 @@
           <a:p>
             <a:fld id="{9D0D92BC-42A9-434B-8530-ADBF4485E407}" type="datetimeFigureOut">
               <a:rPr lang="en-US" smtClean="0"/>
-              <a:t>12/26/2022</a:t>
+              <a:t>12/28/2022</a:t>
             </a:fld>
             <a:endParaRPr lang="en-US"/>
           </a:p>
@@ -1917,7 +1917,7 @@
           <a:p>
             <a:fld id="{9D0D92BC-42A9-434B-8530-ADBF4485E407}" type="datetimeFigureOut">
               <a:rPr lang="en-US" smtClean="0"/>
-              <a:t>12/26/2022</a:t>
+              <a:t>12/28/2022</a:t>
             </a:fld>
             <a:endParaRPr lang="en-US"/>
           </a:p>
@@ -2225,7 +2225,7 @@
           <a:p>
             <a:fld id="{9D0D92BC-42A9-434B-8530-ADBF4485E407}" type="datetimeFigureOut">
               <a:rPr lang="en-US" smtClean="0"/>
-              <a:t>12/26/2022</a:t>
+              <a:t>12/28/2022</a:t>
             </a:fld>
             <a:endParaRPr lang="en-US"/>
           </a:p>
@@ -2645,7 +2645,7 @@
           <a:p>
             <a:fld id="{9D0D92BC-42A9-434B-8530-ADBF4485E407}" type="datetimeFigureOut">
               <a:rPr lang="en-US" smtClean="0"/>
-              <a:t>12/26/2022</a:t>
+              <a:t>12/28/2022</a:t>
             </a:fld>
             <a:endParaRPr lang="en-US"/>
           </a:p>
@@ -2877,7 +2877,7 @@
           <a:p>
             <a:fld id="{9D0D92BC-42A9-434B-8530-ADBF4485E407}" type="datetimeFigureOut">
               <a:rPr lang="en-US" smtClean="0"/>
-              <a:t>12/26/2022</a:t>
+              <a:t>12/28/2022</a:t>
             </a:fld>
             <a:endParaRPr lang="en-US"/>
           </a:p>
@@ -2990,7 +2990,7 @@
           <a:p>
             <a:fld id="{9D0D92BC-42A9-434B-8530-ADBF4485E407}" type="datetimeFigureOut">
               <a:rPr lang="en-US" smtClean="0"/>
-              <a:t>12/26/2022</a:t>
+              <a:t>12/28/2022</a:t>
             </a:fld>
             <a:endParaRPr lang="en-US"/>
           </a:p>
@@ -3307,7 +3307,7 @@
           <a:p>
             <a:fld id="{9D0D92BC-42A9-434B-8530-ADBF4485E407}" type="datetimeFigureOut">
               <a:rPr lang="en-US" smtClean="0"/>
-              <a:t>12/26/2022</a:t>
+              <a:t>12/28/2022</a:t>
             </a:fld>
             <a:endParaRPr lang="en-US"/>
           </a:p>
@@ -3599,7 +3599,7 @@
           <a:p>
             <a:fld id="{9D0D92BC-42A9-434B-8530-ADBF4485E407}" type="datetimeFigureOut">
               <a:rPr lang="en-US" smtClean="0"/>
-              <a:t>12/26/2022</a:t>
+              <a:t>12/28/2022</a:t>
             </a:fld>
             <a:endParaRPr lang="en-US"/>
           </a:p>
@@ -3906,7 +3906,7 @@
             <a:fld id="{9D0D92BC-42A9-434B-8530-ADBF4485E407}" type="datetimeFigureOut">
               <a:rPr lang="en-US" smtClean="0"/>
               <a:pPr/>
-              <a:t>12/26/2022</a:t>
+              <a:t>12/28/2022</a:t>
             </a:fld>
             <a:endParaRPr lang="en-US" dirty="0"/>
           </a:p>
@@ -4988,8 +4988,8 @@
           </a:p>
         </p:txBody>
       </p:sp>
-      <mc:AlternateContent xmlns:mc="http://schemas.openxmlformats.org/markup-compatibility/2006">
-        <mc:Choice xmlns:a14="http://schemas.microsoft.com/office/drawing/2010/main" Requires="a14">
+      <mc:AlternateContent xmlns:mc="http://schemas.openxmlformats.org/markup-compatibility/2006" xmlns:a14="http://schemas.microsoft.com/office/drawing/2010/main">
+        <mc:Choice Requires="a14">
           <p:sp>
             <p:nvSpPr>
               <p:cNvPr id="3" name="내용 개체 틀 2">
@@ -5127,7 +5127,7 @@
             </p:txBody>
           </p:sp>
         </mc:Choice>
-        <mc:Fallback>
+        <mc:Fallback xmlns="">
           <p:sp>
             <p:nvSpPr>
               <p:cNvPr id="3" name="내용 개체 틀 2">
@@ -5599,8 +5599,8 @@
           </a:p>
         </p:txBody>
       </p:sp>
-      <mc:AlternateContent xmlns:mc="http://schemas.openxmlformats.org/markup-compatibility/2006">
-        <mc:Choice xmlns:a14="http://schemas.microsoft.com/office/drawing/2010/main" Requires="a14">
+      <mc:AlternateContent xmlns:mc="http://schemas.openxmlformats.org/markup-compatibility/2006" xmlns:a14="http://schemas.microsoft.com/office/drawing/2010/main">
+        <mc:Choice Requires="a14">
           <p:sp>
             <p:nvSpPr>
               <p:cNvPr id="5" name="내용 개체 틀 4">
@@ -6343,7 +6343,7 @@
             </p:txBody>
           </p:sp>
         </mc:Choice>
-        <mc:Fallback>
+        <mc:Fallback xmlns="">
           <p:sp>
             <p:nvSpPr>
               <p:cNvPr id="5" name="내용 개체 틀 4">
@@ -6843,8 +6843,8 @@
           </a:p>
         </p:txBody>
       </p:sp>
-      <mc:AlternateContent xmlns:mc="http://schemas.openxmlformats.org/markup-compatibility/2006">
-        <mc:Choice xmlns:a14="http://schemas.microsoft.com/office/drawing/2010/main" Requires="a14">
+      <mc:AlternateContent xmlns:mc="http://schemas.openxmlformats.org/markup-compatibility/2006" xmlns:a14="http://schemas.microsoft.com/office/drawing/2010/main">
+        <mc:Choice Requires="a14">
           <p:sp>
             <p:nvSpPr>
               <p:cNvPr id="3" name="내용 개체 틀 2">
@@ -7272,7 +7272,7 @@
             </p:txBody>
           </p:sp>
         </mc:Choice>
-        <mc:Fallback>
+        <mc:Fallback xmlns="">
           <p:sp>
             <p:nvSpPr>
               <p:cNvPr id="3" name="내용 개체 틀 2">
@@ -9128,7 +9128,7 @@
             </a:pPr>
             <a:r>
               <a:rPr lang="ko-KR" altLang="en-US" dirty="0"/>
-              <a:t>상대적으로 변화가 가장 다양한 동사에 배정되는 소수가 가장 작음</a:t>
+              <a:t>상대적으로 변화가 가장 다양한 동사에 배정되는 소수가 가장 큼</a:t>
             </a:r>
             <a:r>
               <a:rPr lang="en-US" altLang="ko-KR" dirty="0"/>
@@ -9140,8 +9140,17 @@
             </a:r>
             <a:r>
               <a:rPr lang="en-US" altLang="ko-KR" dirty="0"/>
-              <a:t>, VSO.</a:t>
-            </a:r>
+              <a:t>, AEV </a:t>
+            </a:r>
+            <a:r>
+              <a:rPr lang="ko-KR" altLang="en-US" dirty="0"/>
+              <a:t>어순</a:t>
+            </a:r>
+            <a:r>
+              <a:rPr lang="en-US" altLang="ko-KR"/>
+              <a:t>.</a:t>
+            </a:r>
+            <a:endParaRPr lang="en-US" altLang="ko-KR" dirty="0"/>
           </a:p>
           <a:p>
             <a:pPr marL="342900" indent="-342900">
@@ -9266,8 +9275,8 @@
                   <a:t> – </a:t>
                 </a:r>
                 <a:r>
-                  <a:rPr lang="ko-KR" altLang="en-US" dirty="0"/>
-                  <a:t>동사</a:t>
+                  <a:rPr lang="ko-KR" altLang="en-US" dirty="0" err="1"/>
+                  <a:t>절대격</a:t>
                 </a:r>
                 <a:r>
                   <a:rPr lang="en-US" altLang="ko-KR" dirty="0"/>
@@ -9424,8 +9433,8 @@
                   <a:t> – </a:t>
                 </a:r>
                 <a:r>
-                  <a:rPr lang="ko-KR" altLang="en-US" dirty="0" err="1"/>
-                  <a:t>절대격</a:t>
+                  <a:rPr lang="ko-KR" altLang="en-US" dirty="0"/>
+                  <a:t>동사</a:t>
                 </a:r>
                 <a:r>
                   <a:rPr lang="en-US" altLang="ko-KR" dirty="0"/>
@@ -12617,8 +12626,8 @@
           </a:p>
         </p:txBody>
       </p:sp>
-      <mc:AlternateContent xmlns:mc="http://schemas.openxmlformats.org/markup-compatibility/2006">
-        <mc:Choice xmlns:a14="http://schemas.microsoft.com/office/drawing/2010/main" Requires="a14">
+      <mc:AlternateContent xmlns:mc="http://schemas.openxmlformats.org/markup-compatibility/2006" xmlns:a14="http://schemas.microsoft.com/office/drawing/2010/main">
+        <mc:Choice Requires="a14">
           <p:sp>
             <p:nvSpPr>
               <p:cNvPr id="3" name="내용 개체 틀 2">
@@ -12756,7 +12765,7 @@
             </p:txBody>
           </p:sp>
         </mc:Choice>
-        <mc:Fallback>
+        <mc:Fallback xmlns="">
           <p:sp>
             <p:nvSpPr>
               <p:cNvPr id="3" name="내용 개체 틀 2">
@@ -14688,8 +14697,8 @@
           </a:p>
         </p:txBody>
       </p:sp>
-      <mc:AlternateContent xmlns:mc="http://schemas.openxmlformats.org/markup-compatibility/2006">
-        <mc:Choice xmlns:a14="http://schemas.microsoft.com/office/drawing/2010/main" Requires="a14">
+      <mc:AlternateContent xmlns:mc="http://schemas.openxmlformats.org/markup-compatibility/2006" xmlns:a14="http://schemas.microsoft.com/office/drawing/2010/main">
+        <mc:Choice Requires="a14">
           <p:sp>
             <p:nvSpPr>
               <p:cNvPr id="7" name="내용 개체 틀 6">
@@ -14865,7 +14874,7 @@
             </p:txBody>
           </p:sp>
         </mc:Choice>
-        <mc:Fallback>
+        <mc:Fallback xmlns="">
           <p:sp>
             <p:nvSpPr>
               <p:cNvPr id="7" name="내용 개체 틀 6">

--- a/congrlang.pptx
+++ b/congrlang.pptx
@@ -131,7 +131,7 @@
 <file path=ppt/revisionInfo.xml><?xml version="1.0" encoding="utf-8"?>
 <p1510:revInfo xmlns:a="http://schemas.openxmlformats.org/drawingml/2006/main" xmlns:r="http://schemas.openxmlformats.org/officeDocument/2006/relationships" xmlns:p1510="http://schemas.microsoft.com/office/powerpoint/2015/10/main">
   <p1510:revLst>
-    <p1510:client id="{1829BA35-5CAC-4DC2-A547-CB71A6C40FF1}" v="11550" dt="2022-12-27T19:44:00.175"/>
+    <p1510:client id="{1829BA35-5CAC-4DC2-A547-CB71A6C40FF1}" v="11552" dt="2022-12-27T21:59:46.072"/>
   </p1510:revLst>
 </p1510:revInfo>
 </file>
@@ -141,7 +141,7 @@
   <pc:docChgLst>
     <pc:chgData name="이예주" userId="b627a05d-d457-425d-97ed-887cc9a3c15f" providerId="ADAL" clId="{1829BA35-5CAC-4DC2-A547-CB71A6C40FF1}"/>
     <pc:docChg chg="undo custSel addSld modSld sldOrd">
-      <pc:chgData name="이예주" userId="b627a05d-d457-425d-97ed-887cc9a3c15f" providerId="ADAL" clId="{1829BA35-5CAC-4DC2-A547-CB71A6C40FF1}" dt="2022-12-27T19:44:00.171" v="14897" actId="20577"/>
+      <pc:chgData name="이예주" userId="b627a05d-d457-425d-97ed-887cc9a3c15f" providerId="ADAL" clId="{1829BA35-5CAC-4DC2-A547-CB71A6C40FF1}" dt="2022-12-27T21:59:46.072" v="14899"/>
       <pc:docMkLst>
         <pc:docMk/>
       </pc:docMkLst>
@@ -763,7 +763,7 @@
         </pc:cxnChg>
       </pc:sldChg>
       <pc:sldChg chg="modSp new mod modTransition modAnim">
-        <pc:chgData name="이예주" userId="b627a05d-d457-425d-97ed-887cc9a3c15f" providerId="ADAL" clId="{1829BA35-5CAC-4DC2-A547-CB71A6C40FF1}" dt="2022-12-26T13:12:16.118" v="14852"/>
+        <pc:chgData name="이예주" userId="b627a05d-d457-425d-97ed-887cc9a3c15f" providerId="ADAL" clId="{1829BA35-5CAC-4DC2-A547-CB71A6C40FF1}" dt="2022-12-27T21:59:46.072" v="14899"/>
         <pc:sldMkLst>
           <pc:docMk/>
           <pc:sldMk cId="197938396" sldId="271"/>
@@ -9169,8 +9169,8 @@
           </a:p>
         </p:txBody>
       </p:sp>
-      <mc:AlternateContent xmlns:mc="http://schemas.openxmlformats.org/markup-compatibility/2006">
-        <mc:Choice xmlns:a14="http://schemas.microsoft.com/office/drawing/2010/main" Requires="a14">
+      <mc:AlternateContent xmlns:mc="http://schemas.openxmlformats.org/markup-compatibility/2006" xmlns:a14="http://schemas.microsoft.com/office/drawing/2010/main">
+        <mc:Choice Requires="a14">
           <p:sp>
             <p:nvSpPr>
               <p:cNvPr id="4" name="내용 개체 틀 3">
@@ -9644,7 +9644,7 @@
             </p:txBody>
           </p:sp>
         </mc:Choice>
-        <mc:Fallback>
+        <mc:Fallback xmlns="">
           <p:sp>
             <p:nvSpPr>
               <p:cNvPr id="4" name="내용 개체 틀 3">
@@ -10643,7 +10643,7 @@
                             </p:stCondLst>
                             <p:childTnLst>
                               <p:par>
-                                <p:cTn id="15" presetID="22" presetClass="entr" presetSubtype="1" fill="hold" grpId="0" nodeType="clickEffect">
+                                <p:cTn id="15" presetID="22" presetClass="entr" presetSubtype="8" fill="hold" grpId="0" nodeType="clickEffect">
                                   <p:stCondLst>
                                     <p:cond delay="0"/>
                                   </p:stCondLst>
@@ -10670,7 +10670,7 @@
                                         <p:strVal val="visible"/>
                                       </p:to>
                                     </p:set>
-                                    <p:animEffect transition="in" filter="wipe(up)">
+                                    <p:animEffect transition="in" filter="wipe(left)">
                                       <p:cBhvr>
                                         <p:cTn id="17" dur="500"/>
                                         <p:tgtEl>
@@ -10685,15 +10685,33 @@
                                   </p:childTnLst>
                                 </p:cTn>
                               </p:par>
+                            </p:childTnLst>
+                          </p:cTn>
+                        </p:par>
+                      </p:childTnLst>
+                    </p:cTn>
+                  </p:par>
+                  <p:par>
+                    <p:cTn id="18" fill="hold">
+                      <p:stCondLst>
+                        <p:cond delay="indefinite"/>
+                      </p:stCondLst>
+                      <p:childTnLst>
+                        <p:par>
+                          <p:cTn id="19" fill="hold">
+                            <p:stCondLst>
+                              <p:cond delay="0"/>
+                            </p:stCondLst>
+                            <p:childTnLst>
                               <p:par>
-                                <p:cTn id="18" presetID="22" presetClass="entr" presetSubtype="1" fill="hold" grpId="0" nodeType="withEffect">
+                                <p:cTn id="20" presetID="22" presetClass="entr" presetSubtype="8" fill="hold" grpId="0" nodeType="clickEffect">
                                   <p:stCondLst>
                                     <p:cond delay="0"/>
                                   </p:stCondLst>
                                   <p:childTnLst>
                                     <p:set>
                                       <p:cBhvr>
-                                        <p:cTn id="19" dur="1" fill="hold">
+                                        <p:cTn id="21" dur="1" fill="hold">
                                           <p:stCondLst>
                                             <p:cond delay="0"/>
                                           </p:stCondLst>
@@ -10713,9 +10731,9 @@
                                         <p:strVal val="visible"/>
                                       </p:to>
                                     </p:set>
-                                    <p:animEffect transition="in" filter="wipe(up)">
+                                    <p:animEffect transition="in" filter="wipe(left)">
                                       <p:cBhvr>
-                                        <p:cTn id="20" dur="500"/>
+                                        <p:cTn id="22" dur="500"/>
                                         <p:tgtEl>
                                           <p:spTgt spid="4">
                                             <p:txEl>
@@ -10728,15 +10746,33 @@
                                   </p:childTnLst>
                                 </p:cTn>
                               </p:par>
+                            </p:childTnLst>
+                          </p:cTn>
+                        </p:par>
+                      </p:childTnLst>
+                    </p:cTn>
+                  </p:par>
+                  <p:par>
+                    <p:cTn id="23" fill="hold">
+                      <p:stCondLst>
+                        <p:cond delay="indefinite"/>
+                      </p:stCondLst>
+                      <p:childTnLst>
+                        <p:par>
+                          <p:cTn id="24" fill="hold">
+                            <p:stCondLst>
+                              <p:cond delay="0"/>
+                            </p:stCondLst>
+                            <p:childTnLst>
                               <p:par>
-                                <p:cTn id="21" presetID="22" presetClass="entr" presetSubtype="1" fill="hold" grpId="0" nodeType="withEffect">
+                                <p:cTn id="25" presetID="22" presetClass="entr" presetSubtype="8" fill="hold" grpId="0" nodeType="clickEffect">
                                   <p:stCondLst>
                                     <p:cond delay="0"/>
                                   </p:stCondLst>
                                   <p:childTnLst>
                                     <p:set>
                                       <p:cBhvr>
-                                        <p:cTn id="22" dur="1" fill="hold">
+                                        <p:cTn id="26" dur="1" fill="hold">
                                           <p:stCondLst>
                                             <p:cond delay="0"/>
                                           </p:stCondLst>
@@ -10756,9 +10792,9 @@
                                         <p:strVal val="visible"/>
                                       </p:to>
                                     </p:set>
-                                    <p:animEffect transition="in" filter="wipe(up)">
+                                    <p:animEffect transition="in" filter="wipe(left)">
                                       <p:cBhvr>
-                                        <p:cTn id="23" dur="500"/>
+                                        <p:cTn id="27" dur="500"/>
                                         <p:tgtEl>
                                           <p:spTgt spid="4">
                                             <p:txEl>
@@ -10771,15 +10807,33 @@
                                   </p:childTnLst>
                                 </p:cTn>
                               </p:par>
+                            </p:childTnLst>
+                          </p:cTn>
+                        </p:par>
+                      </p:childTnLst>
+                    </p:cTn>
+                  </p:par>
+                  <p:par>
+                    <p:cTn id="28" fill="hold">
+                      <p:stCondLst>
+                        <p:cond delay="indefinite"/>
+                      </p:stCondLst>
+                      <p:childTnLst>
+                        <p:par>
+                          <p:cTn id="29" fill="hold">
+                            <p:stCondLst>
+                              <p:cond delay="0"/>
+                            </p:stCondLst>
+                            <p:childTnLst>
                               <p:par>
-                                <p:cTn id="24" presetID="22" presetClass="entr" presetSubtype="1" fill="hold" grpId="0" nodeType="withEffect">
+                                <p:cTn id="30" presetID="22" presetClass="entr" presetSubtype="8" fill="hold" grpId="0" nodeType="clickEffect">
                                   <p:stCondLst>
                                     <p:cond delay="0"/>
                                   </p:stCondLst>
                                   <p:childTnLst>
                                     <p:set>
                                       <p:cBhvr>
-                                        <p:cTn id="25" dur="1" fill="hold">
+                                        <p:cTn id="31" dur="1" fill="hold">
                                           <p:stCondLst>
                                             <p:cond delay="0"/>
                                           </p:stCondLst>
@@ -10799,9 +10853,9 @@
                                         <p:strVal val="visible"/>
                                       </p:to>
                                     </p:set>
-                                    <p:animEffect transition="in" filter="wipe(up)">
+                                    <p:animEffect transition="in" filter="wipe(left)">
                                       <p:cBhvr>
-                                        <p:cTn id="26" dur="500"/>
+                                        <p:cTn id="32" dur="500"/>
                                         <p:tgtEl>
                                           <p:spTgt spid="4">
                                             <p:txEl>
@@ -10814,15 +10868,33 @@
                                   </p:childTnLst>
                                 </p:cTn>
                               </p:par>
+                            </p:childTnLst>
+                          </p:cTn>
+                        </p:par>
+                      </p:childTnLst>
+                    </p:cTn>
+                  </p:par>
+                  <p:par>
+                    <p:cTn id="33" fill="hold">
+                      <p:stCondLst>
+                        <p:cond delay="indefinite"/>
+                      </p:stCondLst>
+                      <p:childTnLst>
+                        <p:par>
+                          <p:cTn id="34" fill="hold">
+                            <p:stCondLst>
+                              <p:cond delay="0"/>
+                            </p:stCondLst>
+                            <p:childTnLst>
                               <p:par>
-                                <p:cTn id="27" presetID="22" presetClass="entr" presetSubtype="1" fill="hold" grpId="0" nodeType="withEffect">
+                                <p:cTn id="35" presetID="22" presetClass="entr" presetSubtype="8" fill="hold" grpId="0" nodeType="clickEffect">
                                   <p:stCondLst>
                                     <p:cond delay="0"/>
                                   </p:stCondLst>
                                   <p:childTnLst>
                                     <p:set>
                                       <p:cBhvr>
-                                        <p:cTn id="28" dur="1" fill="hold">
+                                        <p:cTn id="36" dur="1" fill="hold">
                                           <p:stCondLst>
                                             <p:cond delay="0"/>
                                           </p:stCondLst>
@@ -10842,9 +10914,9 @@
                                         <p:strVal val="visible"/>
                                       </p:to>
                                     </p:set>
-                                    <p:animEffect transition="in" filter="wipe(up)">
+                                    <p:animEffect transition="in" filter="wipe(left)">
                                       <p:cBhvr>
-                                        <p:cTn id="29" dur="500"/>
+                                        <p:cTn id="37" dur="500"/>
                                         <p:tgtEl>
                                           <p:spTgt spid="4">
                                             <p:txEl>
@@ -10857,15 +10929,33 @@
                                   </p:childTnLst>
                                 </p:cTn>
                               </p:par>
+                            </p:childTnLst>
+                          </p:cTn>
+                        </p:par>
+                      </p:childTnLst>
+                    </p:cTn>
+                  </p:par>
+                  <p:par>
+                    <p:cTn id="38" fill="hold">
+                      <p:stCondLst>
+                        <p:cond delay="indefinite"/>
+                      </p:stCondLst>
+                      <p:childTnLst>
+                        <p:par>
+                          <p:cTn id="39" fill="hold">
+                            <p:stCondLst>
+                              <p:cond delay="0"/>
+                            </p:stCondLst>
+                            <p:childTnLst>
                               <p:par>
-                                <p:cTn id="30" presetID="22" presetClass="entr" presetSubtype="1" fill="hold" grpId="0" nodeType="withEffect">
+                                <p:cTn id="40" presetID="22" presetClass="entr" presetSubtype="8" fill="hold" grpId="0" nodeType="clickEffect">
                                   <p:stCondLst>
                                     <p:cond delay="0"/>
                                   </p:stCondLst>
                                   <p:childTnLst>
                                     <p:set>
                                       <p:cBhvr>
-                                        <p:cTn id="31" dur="1" fill="hold">
+                                        <p:cTn id="41" dur="1" fill="hold">
                                           <p:stCondLst>
                                             <p:cond delay="0"/>
                                           </p:stCondLst>
@@ -10885,9 +10975,9 @@
                                         <p:strVal val="visible"/>
                                       </p:to>
                                     </p:set>
-                                    <p:animEffect transition="in" filter="wipe(up)">
+                                    <p:animEffect transition="in" filter="wipe(left)">
                                       <p:cBhvr>
-                                        <p:cTn id="32" dur="500"/>
+                                        <p:cTn id="42" dur="500"/>
                                         <p:tgtEl>
                                           <p:spTgt spid="4">
                                             <p:txEl>
@@ -10900,15 +10990,33 @@
                                   </p:childTnLst>
                                 </p:cTn>
                               </p:par>
+                            </p:childTnLst>
+                          </p:cTn>
+                        </p:par>
+                      </p:childTnLst>
+                    </p:cTn>
+                  </p:par>
+                  <p:par>
+                    <p:cTn id="43" fill="hold">
+                      <p:stCondLst>
+                        <p:cond delay="indefinite"/>
+                      </p:stCondLst>
+                      <p:childTnLst>
+                        <p:par>
+                          <p:cTn id="44" fill="hold">
+                            <p:stCondLst>
+                              <p:cond delay="0"/>
+                            </p:stCondLst>
+                            <p:childTnLst>
                               <p:par>
-                                <p:cTn id="33" presetID="22" presetClass="entr" presetSubtype="1" fill="hold" grpId="0" nodeType="withEffect">
+                                <p:cTn id="45" presetID="22" presetClass="entr" presetSubtype="8" fill="hold" grpId="0" nodeType="clickEffect">
                                   <p:stCondLst>
                                     <p:cond delay="0"/>
                                   </p:stCondLst>
                                   <p:childTnLst>
                                     <p:set>
                                       <p:cBhvr>
-                                        <p:cTn id="34" dur="1" fill="hold">
+                                        <p:cTn id="46" dur="1" fill="hold">
                                           <p:stCondLst>
                                             <p:cond delay="0"/>
                                           </p:stCondLst>
@@ -10928,9 +11036,9 @@
                                         <p:strVal val="visible"/>
                                       </p:to>
                                     </p:set>
-                                    <p:animEffect transition="in" filter="wipe(up)">
+                                    <p:animEffect transition="in" filter="wipe(left)">
                                       <p:cBhvr>
-                                        <p:cTn id="35" dur="500"/>
+                                        <p:cTn id="47" dur="500"/>
                                         <p:tgtEl>
                                           <p:spTgt spid="4">
                                             <p:txEl>
@@ -10972,7 +11080,7 @@
     </p:tnLst>
     <p:bldLst>
       <p:bldP spid="3" grpId="0" build="p"/>
-      <p:bldP spid="4" grpId="0" build="allAtOnce"/>
+      <p:bldP spid="4" grpId="0" build="p"/>
     </p:bldLst>
   </p:timing>
 </p:sld>

--- a/congrlang.pptx
+++ b/congrlang.pptx
@@ -131,7 +131,7 @@
 <file path=ppt/revisionInfo.xml><?xml version="1.0" encoding="utf-8"?>
 <p1510:revInfo xmlns:a="http://schemas.openxmlformats.org/drawingml/2006/main" xmlns:r="http://schemas.openxmlformats.org/officeDocument/2006/relationships" xmlns:p1510="http://schemas.microsoft.com/office/powerpoint/2015/10/main">
   <p1510:revLst>
-    <p1510:client id="{1829BA35-5CAC-4DC2-A547-CB71A6C40FF1}" v="11552" dt="2022-12-27T21:59:46.072"/>
+    <p1510:client id="{1829BA35-5CAC-4DC2-A547-CB71A6C40FF1}" v="11602" dt="2022-12-29T18:36:57.275"/>
   </p1510:revLst>
 </p1510:revInfo>
 </file>
@@ -141,7 +141,7 @@
   <pc:docChgLst>
     <pc:chgData name="이예주" userId="b627a05d-d457-425d-97ed-887cc9a3c15f" providerId="ADAL" clId="{1829BA35-5CAC-4DC2-A547-CB71A6C40FF1}"/>
     <pc:docChg chg="undo custSel addSld modSld sldOrd">
-      <pc:chgData name="이예주" userId="b627a05d-d457-425d-97ed-887cc9a3c15f" providerId="ADAL" clId="{1829BA35-5CAC-4DC2-A547-CB71A6C40FF1}" dt="2022-12-27T21:59:46.072" v="14899"/>
+      <pc:chgData name="이예주" userId="b627a05d-d457-425d-97ed-887cc9a3c15f" providerId="ADAL" clId="{1829BA35-5CAC-4DC2-A547-CB71A6C40FF1}" dt="2022-12-29T18:36:57.275" v="14949" actId="6549"/>
       <pc:docMkLst>
         <pc:docMk/>
       </pc:docMkLst>
@@ -510,7 +510,7 @@
         </pc:spChg>
       </pc:sldChg>
       <pc:sldChg chg="addSp modSp new mod modTransition modClrScheme modAnim chgLayout">
-        <pc:chgData name="이예주" userId="b627a05d-d457-425d-97ed-887cc9a3c15f" providerId="ADAL" clId="{1829BA35-5CAC-4DC2-A547-CB71A6C40FF1}" dt="2022-12-27T19:44:00.171" v="14897" actId="20577"/>
+        <pc:chgData name="이예주" userId="b627a05d-d457-425d-97ed-887cc9a3c15f" providerId="ADAL" clId="{1829BA35-5CAC-4DC2-A547-CB71A6C40FF1}" dt="2022-12-29T18:36:57.275" v="14949" actId="6549"/>
         <pc:sldMkLst>
           <pc:docMk/>
           <pc:sldMk cId="1888828219" sldId="268"/>
@@ -524,7 +524,7 @@
           </ac:spMkLst>
         </pc:spChg>
         <pc:spChg chg="mod ord">
-          <ac:chgData name="이예주" userId="b627a05d-d457-425d-97ed-887cc9a3c15f" providerId="ADAL" clId="{1829BA35-5CAC-4DC2-A547-CB71A6C40FF1}" dt="2022-12-27T19:44:00.171" v="14897" actId="20577"/>
+          <ac:chgData name="이예주" userId="b627a05d-d457-425d-97ed-887cc9a3c15f" providerId="ADAL" clId="{1829BA35-5CAC-4DC2-A547-CB71A6C40FF1}" dt="2022-12-29T18:36:57.275" v="14949" actId="6549"/>
           <ac:spMkLst>
             <pc:docMk/>
             <pc:sldMk cId="1888828219" sldId="268"/>
@@ -980,7 +980,7 @@
           <a:p>
             <a:fld id="{9D0D92BC-42A9-434B-8530-ADBF4485E407}" type="datetimeFigureOut">
               <a:rPr lang="en-US" smtClean="0"/>
-              <a:t>12/28/2022</a:t>
+              <a:t>12/30/2022</a:t>
             </a:fld>
             <a:endParaRPr lang="en-US"/>
           </a:p>
@@ -1231,7 +1231,7 @@
           <a:p>
             <a:fld id="{9D0D92BC-42A9-434B-8530-ADBF4485E407}" type="datetimeFigureOut">
               <a:rPr lang="en-US" smtClean="0"/>
-              <a:t>12/28/2022</a:t>
+              <a:t>12/30/2022</a:t>
             </a:fld>
             <a:endParaRPr lang="en-US"/>
           </a:p>
@@ -1439,7 +1439,7 @@
           <a:p>
             <a:fld id="{9D0D92BC-42A9-434B-8530-ADBF4485E407}" type="datetimeFigureOut">
               <a:rPr lang="en-US" smtClean="0"/>
-              <a:t>12/28/2022</a:t>
+              <a:t>12/30/2022</a:t>
             </a:fld>
             <a:endParaRPr lang="en-US"/>
           </a:p>
@@ -1637,7 +1637,7 @@
           <a:p>
             <a:fld id="{9D0D92BC-42A9-434B-8530-ADBF4485E407}" type="datetimeFigureOut">
               <a:rPr lang="en-US" smtClean="0"/>
-              <a:t>12/28/2022</a:t>
+              <a:t>12/30/2022</a:t>
             </a:fld>
             <a:endParaRPr lang="en-US"/>
           </a:p>
@@ -1917,7 +1917,7 @@
           <a:p>
             <a:fld id="{9D0D92BC-42A9-434B-8530-ADBF4485E407}" type="datetimeFigureOut">
               <a:rPr lang="en-US" smtClean="0"/>
-              <a:t>12/28/2022</a:t>
+              <a:t>12/30/2022</a:t>
             </a:fld>
             <a:endParaRPr lang="en-US"/>
           </a:p>
@@ -2225,7 +2225,7 @@
           <a:p>
             <a:fld id="{9D0D92BC-42A9-434B-8530-ADBF4485E407}" type="datetimeFigureOut">
               <a:rPr lang="en-US" smtClean="0"/>
-              <a:t>12/28/2022</a:t>
+              <a:t>12/30/2022</a:t>
             </a:fld>
             <a:endParaRPr lang="en-US"/>
           </a:p>
@@ -2645,7 +2645,7 @@
           <a:p>
             <a:fld id="{9D0D92BC-42A9-434B-8530-ADBF4485E407}" type="datetimeFigureOut">
               <a:rPr lang="en-US" smtClean="0"/>
-              <a:t>12/28/2022</a:t>
+              <a:t>12/30/2022</a:t>
             </a:fld>
             <a:endParaRPr lang="en-US"/>
           </a:p>
@@ -2877,7 +2877,7 @@
           <a:p>
             <a:fld id="{9D0D92BC-42A9-434B-8530-ADBF4485E407}" type="datetimeFigureOut">
               <a:rPr lang="en-US" smtClean="0"/>
-              <a:t>12/28/2022</a:t>
+              <a:t>12/30/2022</a:t>
             </a:fld>
             <a:endParaRPr lang="en-US"/>
           </a:p>
@@ -2990,7 +2990,7 @@
           <a:p>
             <a:fld id="{9D0D92BC-42A9-434B-8530-ADBF4485E407}" type="datetimeFigureOut">
               <a:rPr lang="en-US" smtClean="0"/>
-              <a:t>12/28/2022</a:t>
+              <a:t>12/30/2022</a:t>
             </a:fld>
             <a:endParaRPr lang="en-US"/>
           </a:p>
@@ -3307,7 +3307,7 @@
           <a:p>
             <a:fld id="{9D0D92BC-42A9-434B-8530-ADBF4485E407}" type="datetimeFigureOut">
               <a:rPr lang="en-US" smtClean="0"/>
-              <a:t>12/28/2022</a:t>
+              <a:t>12/30/2022</a:t>
             </a:fld>
             <a:endParaRPr lang="en-US"/>
           </a:p>
@@ -3599,7 +3599,7 @@
           <a:p>
             <a:fld id="{9D0D92BC-42A9-434B-8530-ADBF4485E407}" type="datetimeFigureOut">
               <a:rPr lang="en-US" smtClean="0"/>
-              <a:t>12/28/2022</a:t>
+              <a:t>12/30/2022</a:t>
             </a:fld>
             <a:endParaRPr lang="en-US"/>
           </a:p>
@@ -3906,7 +3906,7 @@
             <a:fld id="{9D0D92BC-42A9-434B-8530-ADBF4485E407}" type="datetimeFigureOut">
               <a:rPr lang="en-US" smtClean="0"/>
               <a:pPr/>
-              <a:t>12/28/2022</a:t>
+              <a:t>12/30/2022</a:t>
             </a:fld>
             <a:endParaRPr lang="en-US" dirty="0"/>
           </a:p>
@@ -9113,6 +9113,14 @@
               <a:t>, </a:t>
             </a:r>
             <a:r>
+              <a:rPr lang="ko-KR" altLang="en-US"/>
+              <a:t>뜻만 통하면 되므로</a:t>
+            </a:r>
+            <a:r>
+              <a:rPr lang="en-US" altLang="ko-KR"/>
+              <a:t> </a:t>
+            </a:r>
+            <a:r>
               <a:rPr lang="ko-KR" altLang="en-US" dirty="0"/>
               <a:t>문장의 구성 자체는 단순함</a:t>
             </a:r>
@@ -9147,10 +9155,9 @@
               <a:t>어순</a:t>
             </a:r>
             <a:r>
-              <a:rPr lang="en-US" altLang="ko-KR"/>
+              <a:rPr lang="en-US" altLang="ko-KR" dirty="0"/>
               <a:t>.</a:t>
             </a:r>
-            <a:endParaRPr lang="en-US" altLang="ko-KR" dirty="0"/>
           </a:p>
           <a:p>
             <a:pPr marL="342900" indent="-342900">

--- a/congrlang.pptx
+++ b/congrlang.pptx
@@ -4,6 +4,9 @@
   <p:sldMasterIdLst>
     <p:sldMasterId id="2147483686" r:id="rId1"/>
   </p:sldMasterIdLst>
+  <p:notesMasterIdLst>
+    <p:notesMasterId r:id="rId14"/>
+  </p:notesMasterIdLst>
   <p:sldIdLst>
     <p:sldId id="256" r:id="rId2"/>
     <p:sldId id="257" r:id="rId3"/>
@@ -16,6 +19,7 @@
     <p:sldId id="265" r:id="rId10"/>
     <p:sldId id="264" r:id="rId11"/>
     <p:sldId id="266" r:id="rId12"/>
+    <p:sldId id="267" r:id="rId13"/>
   </p:sldIdLst>
   <p:sldSz cx="12192000" cy="6858000"/>
   <p:notesSz cx="6858000" cy="9144000"/>
@@ -125,7 +129,7 @@
 <file path=ppt/revisionInfo.xml><?xml version="1.0" encoding="utf-8"?>
 <p1510:revInfo xmlns:a="http://schemas.openxmlformats.org/drawingml/2006/main" xmlns:r="http://schemas.openxmlformats.org/officeDocument/2006/relationships" xmlns:p1510="http://schemas.microsoft.com/office/powerpoint/2015/10/main">
   <p1510:revLst>
-    <p1510:client id="{D0C19147-B880-463A-8741-281AC59606EA}" v="1816" dt="2023-02-12T09:59:22.175"/>
+    <p1510:client id="{D0C19147-B880-463A-8741-281AC59606EA}" v="2467" dt="2023-02-25T12:40:08.916"/>
   </p1510:revLst>
 </p1510:revInfo>
 </file>
@@ -134,13 +138,13 @@
 <pc:chgInfo xmlns:a="http://schemas.openxmlformats.org/drawingml/2006/main" xmlns:r="http://schemas.openxmlformats.org/officeDocument/2006/relationships" xmlns:ac="http://schemas.microsoft.com/office/drawing/2013/main/command" xmlns:pc="http://schemas.microsoft.com/office/powerpoint/2013/main/command">
   <pc:docChgLst>
     <pc:chgData name="이예주" userId="b627a05d-d457-425d-97ed-887cc9a3c15f" providerId="ADAL" clId="{D0C19147-B880-463A-8741-281AC59606EA}"/>
-    <pc:docChg chg="undo custSel addSld modSld addMainMaster delMainMaster">
-      <pc:chgData name="이예주" userId="b627a05d-d457-425d-97ed-887cc9a3c15f" providerId="ADAL" clId="{D0C19147-B880-463A-8741-281AC59606EA}" dt="2023-02-12T09:59:22.175" v="6029" actId="20577"/>
+    <pc:docChg chg="undo custSel addSld delSld modSld addMainMaster delMainMaster">
+      <pc:chgData name="이예주" userId="b627a05d-d457-425d-97ed-887cc9a3c15f" providerId="ADAL" clId="{D0C19147-B880-463A-8741-281AC59606EA}" dt="2023-02-25T12:41:21.591" v="7062" actId="207"/>
       <pc:docMkLst>
         <pc:docMk/>
       </pc:docMkLst>
       <pc:sldChg chg="addSp delSp modSp new mod setBg modClrScheme setClrOvrMap chgLayout">
-        <pc:chgData name="이예주" userId="b627a05d-d457-425d-97ed-887cc9a3c15f" providerId="ADAL" clId="{D0C19147-B880-463A-8741-281AC59606EA}" dt="2023-02-08T14:25:42.190" v="67" actId="26606"/>
+        <pc:chgData name="이예주" userId="b627a05d-d457-425d-97ed-887cc9a3c15f" providerId="ADAL" clId="{D0C19147-B880-463A-8741-281AC59606EA}" dt="2023-02-21T14:07:40.937" v="6580" actId="255"/>
         <pc:sldMkLst>
           <pc:docMk/>
           <pc:sldMk cId="1080819485" sldId="256"/>
@@ -159,6 +163,14 @@
             <pc:docMk/>
             <pc:sldMk cId="1080819485" sldId="256"/>
             <ac:spMk id="3" creationId="{A0A68A81-3EED-8129-8696-C6D3E0A81E37}"/>
+          </ac:spMkLst>
+        </pc:spChg>
+        <pc:spChg chg="mod">
+          <ac:chgData name="이예주" userId="b627a05d-d457-425d-97ed-887cc9a3c15f" providerId="ADAL" clId="{D0C19147-B880-463A-8741-281AC59606EA}" dt="2023-02-21T14:07:40.937" v="6580" actId="255"/>
+          <ac:spMkLst>
+            <pc:docMk/>
+            <pc:sldMk cId="1080819485" sldId="256"/>
+            <ac:spMk id="4" creationId="{903450A3-8FB1-010A-8290-A6411286EFB0}"/>
           </ac:spMkLst>
         </pc:spChg>
         <pc:spChg chg="add del">
@@ -874,7 +886,7 @@
         </pc:spChg>
       </pc:sldChg>
       <pc:sldChg chg="addSp delSp modSp new mod modClrScheme chgLayout">
-        <pc:chgData name="이예주" userId="b627a05d-d457-425d-97ed-887cc9a3c15f" providerId="ADAL" clId="{D0C19147-B880-463A-8741-281AC59606EA}" dt="2023-02-12T08:50:28.601" v="4754" actId="20577"/>
+        <pc:chgData name="이예주" userId="b627a05d-d457-425d-97ed-887cc9a3c15f" providerId="ADAL" clId="{D0C19147-B880-463A-8741-281AC59606EA}" dt="2023-02-25T12:41:21.591" v="7062" actId="207"/>
         <pc:sldMkLst>
           <pc:docMk/>
           <pc:sldMk cId="1907025701" sldId="258"/>
@@ -896,7 +908,7 @@
           </ac:spMkLst>
         </pc:spChg>
         <pc:spChg chg="add mod ord">
-          <ac:chgData name="이예주" userId="b627a05d-d457-425d-97ed-887cc9a3c15f" providerId="ADAL" clId="{D0C19147-B880-463A-8741-281AC59606EA}" dt="2023-02-12T08:50:28.601" v="4754" actId="20577"/>
+          <ac:chgData name="이예주" userId="b627a05d-d457-425d-97ed-887cc9a3c15f" providerId="ADAL" clId="{D0C19147-B880-463A-8741-281AC59606EA}" dt="2023-02-25T12:41:21.591" v="7062" actId="207"/>
           <ac:spMkLst>
             <pc:docMk/>
             <pc:sldMk cId="1907025701" sldId="258"/>
@@ -913,7 +925,7 @@
         </pc:spChg>
       </pc:sldChg>
       <pc:sldChg chg="delSp modSp new mod modClrScheme chgLayout">
-        <pc:chgData name="이예주" userId="b627a05d-d457-425d-97ed-887cc9a3c15f" providerId="ADAL" clId="{D0C19147-B880-463A-8741-281AC59606EA}" dt="2023-02-11T13:30:11.634" v="3733"/>
+        <pc:chgData name="이예주" userId="b627a05d-d457-425d-97ed-887cc9a3c15f" providerId="ADAL" clId="{D0C19147-B880-463A-8741-281AC59606EA}" dt="2023-02-25T12:40:08.916" v="6963" actId="20577"/>
         <pc:sldMkLst>
           <pc:docMk/>
           <pc:sldMk cId="3645582246" sldId="259"/>
@@ -927,7 +939,7 @@
           </ac:spMkLst>
         </pc:spChg>
         <pc:spChg chg="mod ord">
-          <ac:chgData name="이예주" userId="b627a05d-d457-425d-97ed-887cc9a3c15f" providerId="ADAL" clId="{D0C19147-B880-463A-8741-281AC59606EA}" dt="2023-02-11T13:30:11.634" v="3733"/>
+          <ac:chgData name="이예주" userId="b627a05d-d457-425d-97ed-887cc9a3c15f" providerId="ADAL" clId="{D0C19147-B880-463A-8741-281AC59606EA}" dt="2023-02-25T12:40:08.916" v="6963" actId="20577"/>
           <ac:spMkLst>
             <pc:docMk/>
             <pc:sldMk cId="3645582246" sldId="259"/>
@@ -944,7 +956,7 @@
         </pc:spChg>
       </pc:sldChg>
       <pc:sldChg chg="modSp new mod">
-        <pc:chgData name="이예주" userId="b627a05d-d457-425d-97ed-887cc9a3c15f" providerId="ADAL" clId="{D0C19147-B880-463A-8741-281AC59606EA}" dt="2023-02-11T13:29:54.841" v="3730"/>
+        <pc:chgData name="이예주" userId="b627a05d-d457-425d-97ed-887cc9a3c15f" providerId="ADAL" clId="{D0C19147-B880-463A-8741-281AC59606EA}" dt="2023-02-21T14:01:52.415" v="6559" actId="20577"/>
         <pc:sldMkLst>
           <pc:docMk/>
           <pc:sldMk cId="302610884" sldId="260"/>
@@ -958,7 +970,7 @@
           </ac:spMkLst>
         </pc:spChg>
         <pc:spChg chg="mod">
-          <ac:chgData name="이예주" userId="b627a05d-d457-425d-97ed-887cc9a3c15f" providerId="ADAL" clId="{D0C19147-B880-463A-8741-281AC59606EA}" dt="2023-02-11T13:29:54.841" v="3730"/>
+          <ac:chgData name="이예주" userId="b627a05d-d457-425d-97ed-887cc9a3c15f" providerId="ADAL" clId="{D0C19147-B880-463A-8741-281AC59606EA}" dt="2023-02-21T14:01:52.415" v="6559" actId="20577"/>
           <ac:spMkLst>
             <pc:docMk/>
             <pc:sldMk cId="302610884" sldId="260"/>
@@ -967,7 +979,7 @@
         </pc:spChg>
       </pc:sldChg>
       <pc:sldChg chg="modSp new mod">
-        <pc:chgData name="이예주" userId="b627a05d-d457-425d-97ed-887cc9a3c15f" providerId="ADAL" clId="{D0C19147-B880-463A-8741-281AC59606EA}" dt="2023-02-11T13:37:40.723" v="4281" actId="20577"/>
+        <pc:chgData name="이예주" userId="b627a05d-d457-425d-97ed-887cc9a3c15f" providerId="ADAL" clId="{D0C19147-B880-463A-8741-281AC59606EA}" dt="2023-02-24T13:58:52.004" v="6888" actId="20577"/>
         <pc:sldMkLst>
           <pc:docMk/>
           <pc:sldMk cId="2191225837" sldId="261"/>
@@ -981,7 +993,7 @@
           </ac:spMkLst>
         </pc:spChg>
         <pc:spChg chg="mod">
-          <ac:chgData name="이예주" userId="b627a05d-d457-425d-97ed-887cc9a3c15f" providerId="ADAL" clId="{D0C19147-B880-463A-8741-281AC59606EA}" dt="2023-02-11T13:37:40.723" v="4281" actId="20577"/>
+          <ac:chgData name="이예주" userId="b627a05d-d457-425d-97ed-887cc9a3c15f" providerId="ADAL" clId="{D0C19147-B880-463A-8741-281AC59606EA}" dt="2023-02-24T13:58:52.004" v="6888" actId="20577"/>
           <ac:spMkLst>
             <pc:docMk/>
             <pc:sldMk cId="2191225837" sldId="261"/>
@@ -990,7 +1002,7 @@
         </pc:spChg>
       </pc:sldChg>
       <pc:sldChg chg="modSp new mod">
-        <pc:chgData name="이예주" userId="b627a05d-d457-425d-97ed-887cc9a3c15f" providerId="ADAL" clId="{D0C19147-B880-463A-8741-281AC59606EA}" dt="2023-02-11T13:51:01.097" v="4716" actId="20577"/>
+        <pc:chgData name="이예주" userId="b627a05d-d457-425d-97ed-887cc9a3c15f" providerId="ADAL" clId="{D0C19147-B880-463A-8741-281AC59606EA}" dt="2023-02-21T13:58:28.370" v="6431" actId="20577"/>
         <pc:sldMkLst>
           <pc:docMk/>
           <pc:sldMk cId="1158959608" sldId="262"/>
@@ -1004,7 +1016,7 @@
           </ac:spMkLst>
         </pc:spChg>
         <pc:spChg chg="mod">
-          <ac:chgData name="이예주" userId="b627a05d-d457-425d-97ed-887cc9a3c15f" providerId="ADAL" clId="{D0C19147-B880-463A-8741-281AC59606EA}" dt="2023-02-11T13:51:01.097" v="4716" actId="20577"/>
+          <ac:chgData name="이예주" userId="b627a05d-d457-425d-97ed-887cc9a3c15f" providerId="ADAL" clId="{D0C19147-B880-463A-8741-281AC59606EA}" dt="2023-02-21T13:58:28.370" v="6431" actId="20577"/>
           <ac:spMkLst>
             <pc:docMk/>
             <pc:sldMk cId="1158959608" sldId="262"/>
@@ -1012,26 +1024,34 @@
           </ac:spMkLst>
         </pc:spChg>
       </pc:sldChg>
-      <pc:sldChg chg="modSp new mod">
-        <pc:chgData name="이예주" userId="b627a05d-d457-425d-97ed-887cc9a3c15f" providerId="ADAL" clId="{D0C19147-B880-463A-8741-281AC59606EA}" dt="2023-02-12T08:47:36.985" v="4746" actId="20577"/>
+      <pc:sldChg chg="addSp modSp new mod modClrScheme chgLayout">
+        <pc:chgData name="이예주" userId="b627a05d-d457-425d-97ed-887cc9a3c15f" providerId="ADAL" clId="{D0C19147-B880-463A-8741-281AC59606EA}" dt="2023-02-24T13:59:41.600" v="6890" actId="20577"/>
         <pc:sldMkLst>
           <pc:docMk/>
           <pc:sldMk cId="3195281568" sldId="263"/>
         </pc:sldMkLst>
-        <pc:spChg chg="mod">
-          <ac:chgData name="이예주" userId="b627a05d-d457-425d-97ed-887cc9a3c15f" providerId="ADAL" clId="{D0C19147-B880-463A-8741-281AC59606EA}" dt="2023-02-11T13:38:18.336" v="4310" actId="20577"/>
+        <pc:spChg chg="mod ord">
+          <ac:chgData name="이예주" userId="b627a05d-d457-425d-97ed-887cc9a3c15f" providerId="ADAL" clId="{D0C19147-B880-463A-8741-281AC59606EA}" dt="2023-02-21T14:04:29.956" v="6560" actId="700"/>
           <ac:spMkLst>
             <pc:docMk/>
             <pc:sldMk cId="3195281568" sldId="263"/>
             <ac:spMk id="2" creationId="{CE429C9E-89EB-56AA-FC7A-9BC0AA6C7A4E}"/>
           </ac:spMkLst>
         </pc:spChg>
-        <pc:spChg chg="mod">
-          <ac:chgData name="이예주" userId="b627a05d-d457-425d-97ed-887cc9a3c15f" providerId="ADAL" clId="{D0C19147-B880-463A-8741-281AC59606EA}" dt="2023-02-12T08:47:36.985" v="4746" actId="20577"/>
+        <pc:spChg chg="mod ord">
+          <ac:chgData name="이예주" userId="b627a05d-d457-425d-97ed-887cc9a3c15f" providerId="ADAL" clId="{D0C19147-B880-463A-8741-281AC59606EA}" dt="2023-02-24T13:59:41.600" v="6890" actId="20577"/>
           <ac:spMkLst>
             <pc:docMk/>
             <pc:sldMk cId="3195281568" sldId="263"/>
             <ac:spMk id="3" creationId="{D42FE8AC-5E80-C6F2-EAE4-D9BD3F4A1550}"/>
+          </ac:spMkLst>
+        </pc:spChg>
+        <pc:spChg chg="add mod ord">
+          <ac:chgData name="이예주" userId="b627a05d-d457-425d-97ed-887cc9a3c15f" providerId="ADAL" clId="{D0C19147-B880-463A-8741-281AC59606EA}" dt="2023-02-21T14:05:05.710" v="6579" actId="20577"/>
+          <ac:spMkLst>
+            <pc:docMk/>
+            <pc:sldMk cId="3195281568" sldId="263"/>
+            <ac:spMk id="4" creationId="{20A760A2-1C5C-AFF2-2561-CF35411BF05B}"/>
           </ac:spMkLst>
         </pc:spChg>
       </pc:sldChg>
@@ -1082,7 +1102,7 @@
         </pc:spChg>
       </pc:sldChg>
       <pc:sldChg chg="modSp new mod">
-        <pc:chgData name="이예주" userId="b627a05d-d457-425d-97ed-887cc9a3c15f" providerId="ADAL" clId="{D0C19147-B880-463A-8741-281AC59606EA}" dt="2023-02-12T09:59:22.175" v="6029" actId="20577"/>
+        <pc:chgData name="이예주" userId="b627a05d-d457-425d-97ed-887cc9a3c15f" providerId="ADAL" clId="{D0C19147-B880-463A-8741-281AC59606EA}" dt="2023-02-24T14:02:00.915" v="6937" actId="20577"/>
         <pc:sldMkLst>
           <pc:docMk/>
           <pc:sldMk cId="3288837945" sldId="266"/>
@@ -1096,11 +1116,121 @@
           </ac:spMkLst>
         </pc:spChg>
         <pc:spChg chg="mod">
-          <ac:chgData name="이예주" userId="b627a05d-d457-425d-97ed-887cc9a3c15f" providerId="ADAL" clId="{D0C19147-B880-463A-8741-281AC59606EA}" dt="2023-02-12T09:59:22.175" v="6029" actId="20577"/>
+          <ac:chgData name="이예주" userId="b627a05d-d457-425d-97ed-887cc9a3c15f" providerId="ADAL" clId="{D0C19147-B880-463A-8741-281AC59606EA}" dt="2023-02-24T14:02:00.915" v="6937" actId="20577"/>
           <ac:spMkLst>
             <pc:docMk/>
             <pc:sldMk cId="3288837945" sldId="266"/>
             <ac:spMk id="3" creationId="{0B791F18-9051-93B5-86C8-C6FDDB583BFF}"/>
+          </ac:spMkLst>
+        </pc:spChg>
+      </pc:sldChg>
+      <pc:sldChg chg="addSp delSp modSp new mod setBg modClrScheme chgLayout">
+        <pc:chgData name="이예주" userId="b627a05d-d457-425d-97ed-887cc9a3c15f" providerId="ADAL" clId="{D0C19147-B880-463A-8741-281AC59606EA}" dt="2023-02-21T14:09:26.187" v="6591" actId="26606"/>
+        <pc:sldMkLst>
+          <pc:docMk/>
+          <pc:sldMk cId="1965395098" sldId="267"/>
+        </pc:sldMkLst>
+        <pc:spChg chg="del mod ord">
+          <ac:chgData name="이예주" userId="b627a05d-d457-425d-97ed-887cc9a3c15f" providerId="ADAL" clId="{D0C19147-B880-463A-8741-281AC59606EA}" dt="2023-02-21T14:09:09.101" v="6582" actId="700"/>
+          <ac:spMkLst>
+            <pc:docMk/>
+            <pc:sldMk cId="1965395098" sldId="267"/>
+            <ac:spMk id="2" creationId="{2378CA35-0D1D-F8D0-3E54-F52CEAA9F39A}"/>
+          </ac:spMkLst>
+        </pc:spChg>
+        <pc:spChg chg="del mod ord">
+          <ac:chgData name="이예주" userId="b627a05d-d457-425d-97ed-887cc9a3c15f" providerId="ADAL" clId="{D0C19147-B880-463A-8741-281AC59606EA}" dt="2023-02-21T14:09:09.101" v="6582" actId="700"/>
+          <ac:spMkLst>
+            <pc:docMk/>
+            <pc:sldMk cId="1965395098" sldId="267"/>
+            <ac:spMk id="3" creationId="{ADFC92C5-04C4-A4D8-DFAD-4C1BCDAB38B8}"/>
+          </ac:spMkLst>
+        </pc:spChg>
+        <pc:spChg chg="mod ord">
+          <ac:chgData name="이예주" userId="b627a05d-d457-425d-97ed-887cc9a3c15f" providerId="ADAL" clId="{D0C19147-B880-463A-8741-281AC59606EA}" dt="2023-02-21T14:09:26.187" v="6591" actId="26606"/>
+          <ac:spMkLst>
+            <pc:docMk/>
+            <pc:sldMk cId="1965395098" sldId="267"/>
+            <ac:spMk id="4" creationId="{BABD6AE6-802F-99BA-B1F2-F80969F6C187}"/>
+          </ac:spMkLst>
+        </pc:spChg>
+        <pc:spChg chg="add mod ord">
+          <ac:chgData name="이예주" userId="b627a05d-d457-425d-97ed-887cc9a3c15f" providerId="ADAL" clId="{D0C19147-B880-463A-8741-281AC59606EA}" dt="2023-02-21T14:09:26.187" v="6591" actId="26606"/>
+          <ac:spMkLst>
+            <pc:docMk/>
+            <pc:sldMk cId="1965395098" sldId="267"/>
+            <ac:spMk id="5" creationId="{A11A7D61-AB9F-DA66-FF1D-D1FDF5FC9370}"/>
+          </ac:spMkLst>
+        </pc:spChg>
+        <pc:spChg chg="add mod ord">
+          <ac:chgData name="이예주" userId="b627a05d-d457-425d-97ed-887cc9a3c15f" providerId="ADAL" clId="{D0C19147-B880-463A-8741-281AC59606EA}" dt="2023-02-21T14:09:26.187" v="6591" actId="26606"/>
+          <ac:spMkLst>
+            <pc:docMk/>
+            <pc:sldMk cId="1965395098" sldId="267"/>
+            <ac:spMk id="6" creationId="{9D6A6260-67C4-585E-4A43-D13772FCD8D4}"/>
+          </ac:spMkLst>
+        </pc:spChg>
+        <pc:spChg chg="add">
+          <ac:chgData name="이예주" userId="b627a05d-d457-425d-97ed-887cc9a3c15f" providerId="ADAL" clId="{D0C19147-B880-463A-8741-281AC59606EA}" dt="2023-02-21T14:09:26.187" v="6591" actId="26606"/>
+          <ac:spMkLst>
+            <pc:docMk/>
+            <pc:sldMk cId="1965395098" sldId="267"/>
+            <ac:spMk id="11" creationId="{D278ADA9-6383-4BDD-80D2-8899A402687B}"/>
+          </ac:spMkLst>
+        </pc:spChg>
+        <pc:spChg chg="add">
+          <ac:chgData name="이예주" userId="b627a05d-d457-425d-97ed-887cc9a3c15f" providerId="ADAL" clId="{D0C19147-B880-463A-8741-281AC59606EA}" dt="2023-02-21T14:09:26.187" v="6591" actId="26606"/>
+          <ac:spMkLst>
+            <pc:docMk/>
+            <pc:sldMk cId="1965395098" sldId="267"/>
+            <ac:spMk id="13" creationId="{484B7147-B0F6-40ED-B5A2-FF72BC8198B6}"/>
+          </ac:spMkLst>
+        </pc:spChg>
+        <pc:spChg chg="add">
+          <ac:chgData name="이예주" userId="b627a05d-d457-425d-97ed-887cc9a3c15f" providerId="ADAL" clId="{D0C19147-B880-463A-8741-281AC59606EA}" dt="2023-02-21T14:09:26.187" v="6591" actId="26606"/>
+          <ac:spMkLst>
+            <pc:docMk/>
+            <pc:sldMk cId="1965395098" sldId="267"/>
+            <ac:spMk id="15" creationId="{B36D2DE0-0628-4A9A-A59D-7BA8B5EB3022}"/>
+          </ac:spMkLst>
+        </pc:spChg>
+        <pc:spChg chg="add">
+          <ac:chgData name="이예주" userId="b627a05d-d457-425d-97ed-887cc9a3c15f" providerId="ADAL" clId="{D0C19147-B880-463A-8741-281AC59606EA}" dt="2023-02-21T14:09:26.187" v="6591" actId="26606"/>
+          <ac:spMkLst>
+            <pc:docMk/>
+            <pc:sldMk cId="1965395098" sldId="267"/>
+            <ac:spMk id="17" creationId="{48E405C9-94BE-41DA-928C-DEC9A8550E9F}"/>
+          </ac:spMkLst>
+        </pc:spChg>
+        <pc:spChg chg="add">
+          <ac:chgData name="이예주" userId="b627a05d-d457-425d-97ed-887cc9a3c15f" providerId="ADAL" clId="{D0C19147-B880-463A-8741-281AC59606EA}" dt="2023-02-21T14:09:26.187" v="6591" actId="26606"/>
+          <ac:spMkLst>
+            <pc:docMk/>
+            <pc:sldMk cId="1965395098" sldId="267"/>
+            <ac:spMk id="19" creationId="{D2091A72-D5BB-42AC-8FD3-F7747D90861E}"/>
+          </ac:spMkLst>
+        </pc:spChg>
+        <pc:spChg chg="add">
+          <ac:chgData name="이예주" userId="b627a05d-d457-425d-97ed-887cc9a3c15f" providerId="ADAL" clId="{D0C19147-B880-463A-8741-281AC59606EA}" dt="2023-02-21T14:09:26.187" v="6591" actId="26606"/>
+          <ac:spMkLst>
+            <pc:docMk/>
+            <pc:sldMk cId="1965395098" sldId="267"/>
+            <ac:spMk id="21" creationId="{6ED12BFC-A737-46AF-8411-481112D54B0C}"/>
+          </ac:spMkLst>
+        </pc:spChg>
+      </pc:sldChg>
+      <pc:sldChg chg="modSp new del mod">
+        <pc:chgData name="이예주" userId="b627a05d-d457-425d-97ed-887cc9a3c15f" providerId="ADAL" clId="{D0C19147-B880-463A-8741-281AC59606EA}" dt="2023-02-21T14:14:14.848" v="6604" actId="2696"/>
+        <pc:sldMkLst>
+          <pc:docMk/>
+          <pc:sldMk cId="2997937922" sldId="268"/>
+        </pc:sldMkLst>
+        <pc:spChg chg="mod">
+          <ac:chgData name="이예주" userId="b627a05d-d457-425d-97ed-887cc9a3c15f" providerId="ADAL" clId="{D0C19147-B880-463A-8741-281AC59606EA}" dt="2023-02-21T14:09:55.191" v="6603" actId="20577"/>
+          <ac:spMkLst>
+            <pc:docMk/>
+            <pc:sldMk cId="2997937922" sldId="268"/>
+            <ac:spMk id="2" creationId="{26F95440-694C-290C-D00A-F48BBB143293}"/>
           </ac:spMkLst>
         </pc:spChg>
       </pc:sldChg>
@@ -2152,6 +2282,355 @@
     </pc:docChg>
   </pc:docChgLst>
 </pc:chgInfo>
+</file>
+
+<file path=ppt/notesMasters/notesMaster1.xml><?xml version="1.0" encoding="utf-8"?>
+<p:notesMaster xmlns:a="http://schemas.openxmlformats.org/drawingml/2006/main" xmlns:r="http://schemas.openxmlformats.org/officeDocument/2006/relationships" xmlns:p="http://schemas.openxmlformats.org/presentationml/2006/main">
+  <p:cSld>
+    <p:bg>
+      <p:bgRef idx="1001">
+        <a:schemeClr val="bg1"/>
+      </p:bgRef>
+    </p:bg>
+    <p:spTree>
+      <p:nvGrpSpPr>
+        <p:cNvPr id="1" name=""/>
+        <p:cNvGrpSpPr/>
+        <p:nvPr/>
+      </p:nvGrpSpPr>
+      <p:grpSpPr>
+        <a:xfrm>
+          <a:off x="0" y="0"/>
+          <a:ext cx="0" cy="0"/>
+          <a:chOff x="0" y="0"/>
+          <a:chExt cx="0" cy="0"/>
+        </a:xfrm>
+      </p:grpSpPr>
+      <p:sp>
+        <p:nvSpPr>
+          <p:cNvPr id="2" name="머리글 개체 틀 1"/>
+          <p:cNvSpPr>
+            <a:spLocks noGrp="1"/>
+          </p:cNvSpPr>
+          <p:nvPr>
+            <p:ph type="hdr" sz="quarter"/>
+          </p:nvPr>
+        </p:nvSpPr>
+        <p:spPr>
+          <a:xfrm>
+            <a:off x="0" y="0"/>
+            <a:ext cx="2971800" cy="458788"/>
+          </a:xfrm>
+          <a:prstGeom prst="rect">
+            <a:avLst/>
+          </a:prstGeom>
+        </p:spPr>
+        <p:txBody>
+          <a:bodyPr vert="horz" lIns="91440" tIns="45720" rIns="91440" bIns="45720" rtlCol="0"/>
+          <a:lstStyle>
+            <a:lvl1pPr algn="l">
+              <a:defRPr sz="1200"/>
+            </a:lvl1pPr>
+          </a:lstStyle>
+          <a:p>
+            <a:endParaRPr lang="ko-KR" altLang="en-US"/>
+          </a:p>
+        </p:txBody>
+      </p:sp>
+      <p:sp>
+        <p:nvSpPr>
+          <p:cNvPr id="3" name="날짜 개체 틀 2"/>
+          <p:cNvSpPr>
+            <a:spLocks noGrp="1"/>
+          </p:cNvSpPr>
+          <p:nvPr>
+            <p:ph type="dt" idx="1"/>
+          </p:nvPr>
+        </p:nvSpPr>
+        <p:spPr>
+          <a:xfrm>
+            <a:off x="3884613" y="0"/>
+            <a:ext cx="2971800" cy="458788"/>
+          </a:xfrm>
+          <a:prstGeom prst="rect">
+            <a:avLst/>
+          </a:prstGeom>
+        </p:spPr>
+        <p:txBody>
+          <a:bodyPr vert="horz" lIns="91440" tIns="45720" rIns="91440" bIns="45720" rtlCol="0"/>
+          <a:lstStyle>
+            <a:lvl1pPr algn="r">
+              <a:defRPr sz="1200"/>
+            </a:lvl1pPr>
+          </a:lstStyle>
+          <a:p>
+            <a:fld id="{FD685584-418A-4E17-B9B7-9730B7AC427D}" type="datetimeFigureOut">
+              <a:rPr lang="ko-KR" altLang="en-US" smtClean="0"/>
+              <a:t>2023-02-25</a:t>
+            </a:fld>
+            <a:endParaRPr lang="ko-KR" altLang="en-US"/>
+          </a:p>
+        </p:txBody>
+      </p:sp>
+      <p:sp>
+        <p:nvSpPr>
+          <p:cNvPr id="4" name="슬라이드 이미지 개체 틀 3"/>
+          <p:cNvSpPr>
+            <a:spLocks noGrp="1" noRot="1" noChangeAspect="1"/>
+          </p:cNvSpPr>
+          <p:nvPr>
+            <p:ph type="sldImg" idx="2"/>
+          </p:nvPr>
+        </p:nvSpPr>
+        <p:spPr>
+          <a:xfrm>
+            <a:off x="685800" y="1143000"/>
+            <a:ext cx="5486400" cy="3086100"/>
+          </a:xfrm>
+          <a:prstGeom prst="rect">
+            <a:avLst/>
+          </a:prstGeom>
+          <a:noFill/>
+          <a:ln w="12700">
+            <a:solidFill>
+              <a:prstClr val="black"/>
+            </a:solidFill>
+          </a:ln>
+        </p:spPr>
+        <p:txBody>
+          <a:bodyPr vert="horz" lIns="91440" tIns="45720" rIns="91440" bIns="45720" rtlCol="0" anchor="ctr"/>
+          <a:lstStyle/>
+          <a:p>
+            <a:endParaRPr lang="ko-KR" altLang="en-US"/>
+          </a:p>
+        </p:txBody>
+      </p:sp>
+      <p:sp>
+        <p:nvSpPr>
+          <p:cNvPr id="5" name="슬라이드 노트 개체 틀 4"/>
+          <p:cNvSpPr>
+            <a:spLocks noGrp="1"/>
+          </p:cNvSpPr>
+          <p:nvPr>
+            <p:ph type="body" sz="quarter" idx="3"/>
+          </p:nvPr>
+        </p:nvSpPr>
+        <p:spPr>
+          <a:xfrm>
+            <a:off x="685800" y="4400550"/>
+            <a:ext cx="5486400" cy="3600450"/>
+          </a:xfrm>
+          <a:prstGeom prst="rect">
+            <a:avLst/>
+          </a:prstGeom>
+        </p:spPr>
+        <p:txBody>
+          <a:bodyPr vert="horz" lIns="91440" tIns="45720" rIns="91440" bIns="45720" rtlCol="0"/>
+          <a:lstStyle/>
+          <a:p>
+            <a:pPr lvl="0"/>
+            <a:r>
+              <a:rPr lang="ko-KR" altLang="en-US"/>
+              <a:t>마스터 텍스트 스타일을 편집하려면 클릭</a:t>
+            </a:r>
+          </a:p>
+          <a:p>
+            <a:pPr lvl="1"/>
+            <a:r>
+              <a:rPr lang="ko-KR" altLang="en-US"/>
+              <a:t>두 번째 수준</a:t>
+            </a:r>
+          </a:p>
+          <a:p>
+            <a:pPr lvl="2"/>
+            <a:r>
+              <a:rPr lang="ko-KR" altLang="en-US"/>
+              <a:t>세 번째 수준</a:t>
+            </a:r>
+          </a:p>
+          <a:p>
+            <a:pPr lvl="3"/>
+            <a:r>
+              <a:rPr lang="ko-KR" altLang="en-US"/>
+              <a:t>네 번째 수준</a:t>
+            </a:r>
+          </a:p>
+          <a:p>
+            <a:pPr lvl="4"/>
+            <a:r>
+              <a:rPr lang="ko-KR" altLang="en-US"/>
+              <a:t>다섯 번째 수준</a:t>
+            </a:r>
+          </a:p>
+        </p:txBody>
+      </p:sp>
+      <p:sp>
+        <p:nvSpPr>
+          <p:cNvPr id="6" name="바닥글 개체 틀 5"/>
+          <p:cNvSpPr>
+            <a:spLocks noGrp="1"/>
+          </p:cNvSpPr>
+          <p:nvPr>
+            <p:ph type="ftr" sz="quarter" idx="4"/>
+          </p:nvPr>
+        </p:nvSpPr>
+        <p:spPr>
+          <a:xfrm>
+            <a:off x="0" y="8685213"/>
+            <a:ext cx="2971800" cy="458787"/>
+          </a:xfrm>
+          <a:prstGeom prst="rect">
+            <a:avLst/>
+          </a:prstGeom>
+        </p:spPr>
+        <p:txBody>
+          <a:bodyPr vert="horz" lIns="91440" tIns="45720" rIns="91440" bIns="45720" rtlCol="0" anchor="b"/>
+          <a:lstStyle>
+            <a:lvl1pPr algn="l">
+              <a:defRPr sz="1200"/>
+            </a:lvl1pPr>
+          </a:lstStyle>
+          <a:p>
+            <a:endParaRPr lang="ko-KR" altLang="en-US"/>
+          </a:p>
+        </p:txBody>
+      </p:sp>
+      <p:sp>
+        <p:nvSpPr>
+          <p:cNvPr id="7" name="슬라이드 번호 개체 틀 6"/>
+          <p:cNvSpPr>
+            <a:spLocks noGrp="1"/>
+          </p:cNvSpPr>
+          <p:nvPr>
+            <p:ph type="sldNum" sz="quarter" idx="5"/>
+          </p:nvPr>
+        </p:nvSpPr>
+        <p:spPr>
+          <a:xfrm>
+            <a:off x="3884613" y="8685213"/>
+            <a:ext cx="2971800" cy="458787"/>
+          </a:xfrm>
+          <a:prstGeom prst="rect">
+            <a:avLst/>
+          </a:prstGeom>
+        </p:spPr>
+        <p:txBody>
+          <a:bodyPr vert="horz" lIns="91440" tIns="45720" rIns="91440" bIns="45720" rtlCol="0" anchor="b"/>
+          <a:lstStyle>
+            <a:lvl1pPr algn="r">
+              <a:defRPr sz="1200"/>
+            </a:lvl1pPr>
+          </a:lstStyle>
+          <a:p>
+            <a:fld id="{8097A33C-3E46-4484-917A-820BEBFE7759}" type="slidenum">
+              <a:rPr lang="ko-KR" altLang="en-US" smtClean="0"/>
+              <a:t>‹#›</a:t>
+            </a:fld>
+            <a:endParaRPr lang="ko-KR" altLang="en-US"/>
+          </a:p>
+        </p:txBody>
+      </p:sp>
+    </p:spTree>
+    <p:extLst>
+      <p:ext uri="{BB962C8B-B14F-4D97-AF65-F5344CB8AC3E}">
+        <p14:creationId xmlns:p14="http://schemas.microsoft.com/office/powerpoint/2010/main" val="3299280493"/>
+      </p:ext>
+    </p:extLst>
+  </p:cSld>
+  <p:clrMap bg1="lt1" tx1="dk1" bg2="lt2" tx2="dk2" accent1="accent1" accent2="accent2" accent3="accent3" accent4="accent4" accent5="accent5" accent6="accent6" hlink="hlink" folHlink="folHlink"/>
+  <p:notesStyle>
+    <a:lvl1pPr marL="0" algn="l" defTabSz="914400" rtl="0" eaLnBrk="1" latinLnBrk="1" hangingPunct="1">
+      <a:defRPr sz="1200" kern="1200">
+        <a:solidFill>
+          <a:schemeClr val="tx1"/>
+        </a:solidFill>
+        <a:latin typeface="+mn-lt"/>
+        <a:ea typeface="+mn-ea"/>
+        <a:cs typeface="+mn-cs"/>
+      </a:defRPr>
+    </a:lvl1pPr>
+    <a:lvl2pPr marL="457200" algn="l" defTabSz="914400" rtl="0" eaLnBrk="1" latinLnBrk="1" hangingPunct="1">
+      <a:defRPr sz="1200" kern="1200">
+        <a:solidFill>
+          <a:schemeClr val="tx1"/>
+        </a:solidFill>
+        <a:latin typeface="+mn-lt"/>
+        <a:ea typeface="+mn-ea"/>
+        <a:cs typeface="+mn-cs"/>
+      </a:defRPr>
+    </a:lvl2pPr>
+    <a:lvl3pPr marL="914400" algn="l" defTabSz="914400" rtl="0" eaLnBrk="1" latinLnBrk="1" hangingPunct="1">
+      <a:defRPr sz="1200" kern="1200">
+        <a:solidFill>
+          <a:schemeClr val="tx1"/>
+        </a:solidFill>
+        <a:latin typeface="+mn-lt"/>
+        <a:ea typeface="+mn-ea"/>
+        <a:cs typeface="+mn-cs"/>
+      </a:defRPr>
+    </a:lvl3pPr>
+    <a:lvl4pPr marL="1371600" algn="l" defTabSz="914400" rtl="0" eaLnBrk="1" latinLnBrk="1" hangingPunct="1">
+      <a:defRPr sz="1200" kern="1200">
+        <a:solidFill>
+          <a:schemeClr val="tx1"/>
+        </a:solidFill>
+        <a:latin typeface="+mn-lt"/>
+        <a:ea typeface="+mn-ea"/>
+        <a:cs typeface="+mn-cs"/>
+      </a:defRPr>
+    </a:lvl4pPr>
+    <a:lvl5pPr marL="1828800" algn="l" defTabSz="914400" rtl="0" eaLnBrk="1" latinLnBrk="1" hangingPunct="1">
+      <a:defRPr sz="1200" kern="1200">
+        <a:solidFill>
+          <a:schemeClr val="tx1"/>
+        </a:solidFill>
+        <a:latin typeface="+mn-lt"/>
+        <a:ea typeface="+mn-ea"/>
+        <a:cs typeface="+mn-cs"/>
+      </a:defRPr>
+    </a:lvl5pPr>
+    <a:lvl6pPr marL="2286000" algn="l" defTabSz="914400" rtl="0" eaLnBrk="1" latinLnBrk="1" hangingPunct="1">
+      <a:defRPr sz="1200" kern="1200">
+        <a:solidFill>
+          <a:schemeClr val="tx1"/>
+        </a:solidFill>
+        <a:latin typeface="+mn-lt"/>
+        <a:ea typeface="+mn-ea"/>
+        <a:cs typeface="+mn-cs"/>
+      </a:defRPr>
+    </a:lvl6pPr>
+    <a:lvl7pPr marL="2743200" algn="l" defTabSz="914400" rtl="0" eaLnBrk="1" latinLnBrk="1" hangingPunct="1">
+      <a:defRPr sz="1200" kern="1200">
+        <a:solidFill>
+          <a:schemeClr val="tx1"/>
+        </a:solidFill>
+        <a:latin typeface="+mn-lt"/>
+        <a:ea typeface="+mn-ea"/>
+        <a:cs typeface="+mn-cs"/>
+      </a:defRPr>
+    </a:lvl7pPr>
+    <a:lvl8pPr marL="3200400" algn="l" defTabSz="914400" rtl="0" eaLnBrk="1" latinLnBrk="1" hangingPunct="1">
+      <a:defRPr sz="1200" kern="1200">
+        <a:solidFill>
+          <a:schemeClr val="tx1"/>
+        </a:solidFill>
+        <a:latin typeface="+mn-lt"/>
+        <a:ea typeface="+mn-ea"/>
+        <a:cs typeface="+mn-cs"/>
+      </a:defRPr>
+    </a:lvl8pPr>
+    <a:lvl9pPr marL="3657600" algn="l" defTabSz="914400" rtl="0" eaLnBrk="1" latinLnBrk="1" hangingPunct="1">
+      <a:defRPr sz="1200" kern="1200">
+        <a:solidFill>
+          <a:schemeClr val="tx1"/>
+        </a:solidFill>
+        <a:latin typeface="+mn-lt"/>
+        <a:ea typeface="+mn-ea"/>
+        <a:cs typeface="+mn-cs"/>
+      </a:defRPr>
+    </a:lvl9pPr>
+  </p:notesStyle>
+</p:notesMaster>
 </file>
 
 <file path=ppt/slideLayouts/slideLayout1.xml><?xml version="1.0" encoding="utf-8"?>
@@ -2299,9 +2778,9 @@
           <a:bodyPr/>
           <a:lstStyle/>
           <a:p>
-            <a:fld id="{82EDB8D0-98ED-4B86-9D5F-E61ADC70144D}" type="datetimeFigureOut">
-              <a:rPr lang="en-US" smtClean="0"/>
-              <a:t>2/12/2023</a:t>
+            <a:fld id="{E98C9B11-B066-4B6B-8DAB-E1F640A4BEA7}" type="datetime1">
+              <a:rPr lang="en-US" altLang="ko-KR" smtClean="0"/>
+              <a:t>2/25/2023</a:t>
             </a:fld>
             <a:endParaRPr lang="en-US" dirty="0"/>
           </a:p>
@@ -2714,9 +3193,9 @@
           <a:bodyPr/>
           <a:lstStyle/>
           <a:p>
-            <a:fld id="{82EDB8D0-98ED-4B86-9D5F-E61ADC70144D}" type="datetimeFigureOut">
-              <a:rPr lang="en-US" smtClean="0"/>
-              <a:t>2/12/2023</a:t>
+            <a:fld id="{495465B5-139D-42A1-9C8B-5BD901B06992}" type="datetime1">
+              <a:rPr lang="en-US" altLang="ko-KR" smtClean="0"/>
+              <a:t>2/25/2023</a:t>
             </a:fld>
             <a:endParaRPr lang="en-US"/>
           </a:p>
@@ -3206,9 +3685,9 @@
           <a:bodyPr/>
           <a:lstStyle/>
           <a:p>
-            <a:fld id="{82EDB8D0-98ED-4B86-9D5F-E61ADC70144D}" type="datetimeFigureOut">
-              <a:rPr lang="en-US" smtClean="0"/>
-              <a:t>2/12/2023</a:t>
+            <a:fld id="{30D2D8EB-893B-48FA-9369-B819BA553A1A}" type="datetime1">
+              <a:rPr lang="en-US" altLang="ko-KR" smtClean="0"/>
+              <a:t>2/25/2023</a:t>
             </a:fld>
             <a:endParaRPr lang="en-US"/>
           </a:p>
@@ -3693,9 +4172,9 @@
           <a:bodyPr/>
           <a:lstStyle/>
           <a:p>
-            <a:fld id="{82EDB8D0-98ED-4B86-9D5F-E61ADC70144D}" type="datetimeFigureOut">
-              <a:rPr lang="en-US" smtClean="0"/>
-              <a:t>2/12/2023</a:t>
+            <a:fld id="{C7D21B4E-9DB1-44E3-AA2B-D7D46404B27F}" type="datetime1">
+              <a:rPr lang="en-US" altLang="ko-KR" smtClean="0"/>
+              <a:t>2/25/2023</a:t>
             </a:fld>
             <a:endParaRPr lang="en-US" dirty="0"/>
           </a:p>
@@ -4462,9 +4941,9 @@
           <a:bodyPr/>
           <a:lstStyle/>
           <a:p>
-            <a:fld id="{82EDB8D0-98ED-4B86-9D5F-E61ADC70144D}" type="datetimeFigureOut">
-              <a:rPr lang="en-US" smtClean="0"/>
-              <a:t>2/12/2023</a:t>
+            <a:fld id="{9B39D91B-78CE-4C63-A316-5512F991D5E4}" type="datetime1">
+              <a:rPr lang="en-US" altLang="ko-KR" smtClean="0"/>
+              <a:t>2/25/2023</a:t>
             </a:fld>
             <a:endParaRPr lang="en-US"/>
           </a:p>
@@ -4944,9 +5423,9 @@
           <a:bodyPr/>
           <a:lstStyle/>
           <a:p>
-            <a:fld id="{82EDB8D0-98ED-4B86-9D5F-E61ADC70144D}" type="datetimeFigureOut">
-              <a:rPr lang="en-US" smtClean="0"/>
-              <a:t>2/12/2023</a:t>
+            <a:fld id="{1D132707-BDD0-4BFC-BEDE-426693C2308E}" type="datetime1">
+              <a:rPr lang="en-US" altLang="ko-KR" smtClean="0"/>
+              <a:t>2/25/2023</a:t>
             </a:fld>
             <a:endParaRPr lang="en-US"/>
           </a:p>
@@ -5640,9 +6119,9 @@
           <a:bodyPr/>
           <a:lstStyle/>
           <a:p>
-            <a:fld id="{82EDB8D0-98ED-4B86-9D5F-E61ADC70144D}" type="datetimeFigureOut">
-              <a:rPr lang="en-US" smtClean="0"/>
-              <a:t>2/12/2023</a:t>
+            <a:fld id="{5E9B9B30-7960-464C-B6C1-898FED1AE82A}" type="datetime1">
+              <a:rPr lang="en-US" altLang="ko-KR" smtClean="0"/>
+              <a:t>2/25/2023</a:t>
             </a:fld>
             <a:endParaRPr lang="en-US"/>
           </a:p>
@@ -6065,9 +6544,9 @@
           <a:bodyPr/>
           <a:lstStyle/>
           <a:p>
-            <a:fld id="{82EDB8D0-98ED-4B86-9D5F-E61ADC70144D}" type="datetimeFigureOut">
-              <a:rPr lang="en-US" smtClean="0"/>
-              <a:t>2/12/2023</a:t>
+            <a:fld id="{9F37CB6C-4AC6-41CF-941C-CF7752E49CAD}" type="datetime1">
+              <a:rPr lang="en-US" altLang="ko-KR" smtClean="0"/>
+              <a:t>2/25/2023</a:t>
             </a:fld>
             <a:endParaRPr lang="en-US"/>
           </a:p>
@@ -6462,9 +6941,9 @@
           <a:bodyPr/>
           <a:lstStyle/>
           <a:p>
-            <a:fld id="{82EDB8D0-98ED-4B86-9D5F-E61ADC70144D}" type="datetimeFigureOut">
-              <a:rPr lang="en-US" smtClean="0"/>
-              <a:t>2/12/2023</a:t>
+            <a:fld id="{A02F139B-51FC-4BF4-B49E-43C4BB9FBE3C}" type="datetime1">
+              <a:rPr lang="en-US" altLang="ko-KR" smtClean="0"/>
+              <a:t>2/25/2023</a:t>
             </a:fld>
             <a:endParaRPr lang="en-US"/>
           </a:p>
@@ -7057,9 +7536,9 @@
           <a:bodyPr/>
           <a:lstStyle/>
           <a:p>
-            <a:fld id="{82EDB8D0-98ED-4B86-9D5F-E61ADC70144D}" type="datetimeFigureOut">
-              <a:rPr lang="en-US" smtClean="0"/>
-              <a:t>2/12/2023</a:t>
+            <a:fld id="{CD54F33E-1DE3-43B9-9D2E-8B9F60B33411}" type="datetime1">
+              <a:rPr lang="en-US" altLang="ko-KR" smtClean="0"/>
+              <a:t>2/25/2023</a:t>
             </a:fld>
             <a:endParaRPr lang="en-US"/>
           </a:p>
@@ -7632,9 +8111,9 @@
           <a:bodyPr/>
           <a:lstStyle/>
           <a:p>
-            <a:fld id="{82EDB8D0-98ED-4B86-9D5F-E61ADC70144D}" type="datetimeFigureOut">
-              <a:rPr lang="en-US" smtClean="0"/>
-              <a:t>2/12/2023</a:t>
+            <a:fld id="{989A6FB3-C62E-4145-83E0-43266E3B50A7}" type="datetime1">
+              <a:rPr lang="en-US" altLang="ko-KR" smtClean="0"/>
+              <a:t>2/25/2023</a:t>
             </a:fld>
             <a:endParaRPr lang="en-US"/>
           </a:p>
@@ -8154,10 +8633,9 @@
             </a:lvl1pPr>
           </a:lstStyle>
           <a:p>
-            <a:fld id="{82EDB8D0-98ED-4B86-9D5F-E61ADC70144D}" type="datetimeFigureOut">
-              <a:rPr lang="en-US" smtClean="0"/>
-              <a:pPr/>
-              <a:t>2/12/2023</a:t>
+            <a:fld id="{03E38480-C353-4FF4-B580-4EE95179AC20}" type="datetime1">
+              <a:rPr lang="en-US" altLang="ko-KR" smtClean="0"/>
+              <a:t>2/25/2023</a:t>
             </a:fld>
             <a:endParaRPr lang="en-US" dirty="0"/>
           </a:p>
@@ -8277,6 +8755,7 @@
     <p:sldLayoutId id="2147483679" r:id="rId10"/>
     <p:sldLayoutId id="2147483681" r:id="rId11"/>
   </p:sldLayoutIdLst>
+  <p:hf hdr="0" ftr="0" dt="0"/>
   <p:txStyles>
     <p:titleStyle>
       <a:lvl1pPr algn="l" defTabSz="914400" rtl="0" eaLnBrk="1" latinLnBrk="0" hangingPunct="1">
@@ -9068,6 +9547,35 @@
           </a:p>
         </p:txBody>
       </p:sp>
+      <p:sp>
+        <p:nvSpPr>
+          <p:cNvPr id="5" name="슬라이드 번호 개체 틀 4">
+            <a:extLst>
+              <a:ext uri="{FF2B5EF4-FFF2-40B4-BE49-F238E27FC236}">
+                <a16:creationId xmlns:a16="http://schemas.microsoft.com/office/drawing/2014/main" id="{AD80D3C9-8A50-6E14-B2D0-BF0D45397F1D}"/>
+              </a:ext>
+            </a:extLst>
+          </p:cNvPr>
+          <p:cNvSpPr>
+            <a:spLocks noGrp="1"/>
+          </p:cNvSpPr>
+          <p:nvPr>
+            <p:ph type="sldNum" sz="quarter" idx="12"/>
+          </p:nvPr>
+        </p:nvSpPr>
+        <p:spPr/>
+        <p:txBody>
+          <a:bodyPr/>
+          <a:lstStyle/>
+          <a:p>
+            <a:fld id="{4854181D-6920-4594-9A5D-6CE56DC9F8B2}" type="slidenum">
+              <a:rPr lang="en-US" smtClean="0"/>
+              <a:t>1</a:t>
+            </a:fld>
+            <a:endParaRPr lang="en-US"/>
+          </a:p>
+        </p:txBody>
+      </p:sp>
     </p:spTree>
     <p:extLst>
       <p:ext uri="{BB962C8B-B14F-4D97-AF65-F5344CB8AC3E}">
@@ -9131,8 +9639,8 @@
           </a:p>
         </p:txBody>
       </p:sp>
-      <mc:AlternateContent xmlns:mc="http://schemas.openxmlformats.org/markup-compatibility/2006">
-        <mc:Choice xmlns:a14="http://schemas.microsoft.com/office/drawing/2010/main" Requires="a14">
+      <mc:AlternateContent xmlns:mc="http://schemas.openxmlformats.org/markup-compatibility/2006" xmlns:a14="http://schemas.microsoft.com/office/drawing/2010/main">
+        <mc:Choice Requires="a14">
           <p:sp>
             <p:nvSpPr>
               <p:cNvPr id="3" name="내용 개체 틀 2">
@@ -9185,19 +9693,7 @@
                       <a:rPr lang="en-US" altLang="ko-KR" b="0" i="1" smtClean="0">
                         <a:latin typeface="Cambria Math" panose="02040503050406030204" pitchFamily="18" charset="0"/>
                       </a:rPr>
-                      <m:t>≡</m:t>
-                    </m:r>
-                    <m:r>
-                      <a:rPr lang="en-US" altLang="ko-KR" b="0" i="1" smtClean="0">
-                        <a:latin typeface="Cambria Math" panose="02040503050406030204" pitchFamily="18" charset="0"/>
-                      </a:rPr>
-                      <m:t>1</m:t>
-                    </m:r>
-                    <m:r>
-                      <a:rPr lang="en-US" altLang="ko-KR" b="0" i="1" smtClean="0">
-                        <a:latin typeface="Cambria Math" panose="02040503050406030204" pitchFamily="18" charset="0"/>
-                      </a:rPr>
-                      <m:t> </m:t>
+                      <m:t>≡1 </m:t>
                     </m:r>
                     <m:d>
                       <m:dPr>
@@ -9449,7 +9945,7 @@
             </p:txBody>
           </p:sp>
         </mc:Choice>
-        <mc:Fallback>
+        <mc:Fallback xmlns="">
           <p:sp>
             <p:nvSpPr>
               <p:cNvPr id="3" name="내용 개체 틀 2">
@@ -9489,6 +9985,35 @@
           </p:sp>
         </mc:Fallback>
       </mc:AlternateContent>
+      <p:sp>
+        <p:nvSpPr>
+          <p:cNvPr id="5" name="슬라이드 번호 개체 틀 4">
+            <a:extLst>
+              <a:ext uri="{FF2B5EF4-FFF2-40B4-BE49-F238E27FC236}">
+                <a16:creationId xmlns:a16="http://schemas.microsoft.com/office/drawing/2014/main" id="{F85512E1-557F-8D63-AEB5-6E1ECB1F0718}"/>
+              </a:ext>
+            </a:extLst>
+          </p:cNvPr>
+          <p:cNvSpPr>
+            <a:spLocks noGrp="1"/>
+          </p:cNvSpPr>
+          <p:nvPr>
+            <p:ph type="sldNum" sz="quarter" idx="12"/>
+          </p:nvPr>
+        </p:nvSpPr>
+        <p:spPr/>
+        <p:txBody>
+          <a:bodyPr/>
+          <a:lstStyle/>
+          <a:p>
+            <a:fld id="{4854181D-6920-4594-9A5D-6CE56DC9F8B2}" type="slidenum">
+              <a:rPr lang="en-US" smtClean="0"/>
+              <a:t>10</a:t>
+            </a:fld>
+            <a:endParaRPr lang="en-US"/>
+          </a:p>
+        </p:txBody>
+      </p:sp>
     </p:spTree>
     <p:extLst>
       <p:ext uri="{BB962C8B-B14F-4D97-AF65-F5344CB8AC3E}">
@@ -9547,8 +10072,8 @@
           </a:p>
         </p:txBody>
       </p:sp>
-      <mc:AlternateContent xmlns:mc="http://schemas.openxmlformats.org/markup-compatibility/2006">
-        <mc:Choice xmlns:a14="http://schemas.microsoft.com/office/drawing/2010/main" Requires="a14">
+      <mc:AlternateContent xmlns:mc="http://schemas.openxmlformats.org/markup-compatibility/2006" xmlns:a14="http://schemas.microsoft.com/office/drawing/2010/main">
+        <mc:Choice Requires="a14">
           <p:sp>
             <p:nvSpPr>
               <p:cNvPr id="3" name="내용 개체 틀 2">
@@ -9572,7 +10097,23 @@
               <a:p>
                 <a:r>
                   <a:rPr lang="ko-KR" altLang="en-US" dirty="0"/>
-                  <a:t>연립 합동식의 해가 서로 소인 모든 除數들의 곱보다 작은 음이 아닌 정수 중에서 유일하게 존재한다는 것</a:t>
+                  <a:t>서로 소인 모든 除數들의 곱보다 작은</a:t>
+                </a:r>
+                <a:r>
+                  <a:rPr lang="en-US" altLang="ko-KR" dirty="0"/>
+                  <a:t>,</a:t>
+                </a:r>
+                <a:r>
+                  <a:rPr lang="ko-KR" altLang="en-US" dirty="0"/>
+                  <a:t> 음이 아닌 정수 중에서</a:t>
+                </a:r>
+                <a:r>
+                  <a:rPr lang="en-US" altLang="ko-KR" dirty="0"/>
+                  <a:t>,</a:t>
+                </a:r>
+                <a:r>
+                  <a:rPr lang="ko-KR" altLang="en-US" dirty="0"/>
+                  <a:t> 연립 합동식의 해가 유일하게 존재한다는 것</a:t>
                 </a:r>
                 <a:r>
                   <a:rPr lang="en-US" altLang="ko-KR" dirty="0"/>
@@ -9582,6 +10123,12 @@
               <a:p>
                 <a14:m>
                   <m:oMath xmlns:m="http://schemas.openxmlformats.org/officeDocument/2006/math">
+                    <m:r>
+                      <a:rPr lang="en-US" altLang="ko-KR" b="0" i="1" smtClean="0">
+                        <a:latin typeface="Cambria Math" panose="02040503050406030204" pitchFamily="18" charset="0"/>
+                      </a:rPr>
+                      <m:t> </m:t>
+                    </m:r>
                     <m:d>
                       <m:dPr>
                         <m:begChr m:val="{"/>
@@ -9798,69 +10345,134 @@
                               <a:rPr lang="en-US" altLang="ko-KR" b="0" i="1" smtClean="0">
                                 <a:latin typeface="Cambria Math" panose="02040503050406030204" pitchFamily="18" charset="0"/>
                               </a:rPr>
-                              <m:t>𝑥</m:t>
+                              <m:t>…</m:t>
                             </m:r>
+                          </m:e>
+                        </m:eqArr>
+                      </m:e>
+                    </m:d>
+                    <m:r>
+                      <a:rPr lang="en-US" altLang="ko-KR" b="0" i="1" smtClean="0">
+                        <a:latin typeface="Cambria Math" panose="02040503050406030204" pitchFamily="18" charset="0"/>
+                      </a:rPr>
+                      <m:t>⇔</m:t>
+                    </m:r>
+                    <m:r>
+                      <a:rPr lang="en-US" altLang="ko-KR" b="0" i="1" smtClean="0">
+                        <a:latin typeface="Cambria Math" panose="02040503050406030204" pitchFamily="18" charset="0"/>
+                      </a:rPr>
+                      <m:t>𝑥</m:t>
+                    </m:r>
+                    <m:r>
+                      <a:rPr lang="en-US" altLang="ko-KR" b="0" i="1" smtClean="0">
+                        <a:latin typeface="Cambria Math" panose="02040503050406030204" pitchFamily="18" charset="0"/>
+                      </a:rPr>
+                      <m:t>≡</m:t>
+                    </m:r>
+                    <m:sSub>
+                      <m:sSubPr>
+                        <m:ctrlPr>
+                          <a:rPr lang="en-US" altLang="ko-KR" i="1">
+                            <a:latin typeface="Cambria Math" panose="02040503050406030204" pitchFamily="18" charset="0"/>
+                          </a:rPr>
+                        </m:ctrlPr>
+                      </m:sSubPr>
+                      <m:e>
+                        <m:r>
+                          <a:rPr lang="en-US" altLang="ko-KR" i="1">
+                            <a:latin typeface="Cambria Math" panose="02040503050406030204" pitchFamily="18" charset="0"/>
+                          </a:rPr>
+                          <m:t>𝑟</m:t>
+                        </m:r>
+                      </m:e>
+                      <m:sub>
+                        <m:r>
+                          <a:rPr lang="en-US" altLang="ko-KR" i="1">
+                            <a:latin typeface="Cambria Math" panose="02040503050406030204" pitchFamily="18" charset="0"/>
+                          </a:rPr>
+                          <m:t>1</m:t>
+                        </m:r>
+                      </m:sub>
+                    </m:sSub>
+                    <m:f>
+                      <m:fPr>
+                        <m:ctrlPr>
+                          <a:rPr lang="en-US" altLang="ko-KR" b="0" i="1" smtClean="0">
+                            <a:latin typeface="Cambria Math" panose="02040503050406030204" pitchFamily="18" charset="0"/>
+                          </a:rPr>
+                        </m:ctrlPr>
+                      </m:fPr>
+                      <m:num>
+                        <m:r>
+                          <a:rPr lang="en-US" altLang="ko-KR" b="0" i="1" smtClean="0">
+                            <a:latin typeface="Cambria Math" panose="02040503050406030204" pitchFamily="18" charset="0"/>
+                          </a:rPr>
+                          <m:t>𝑏</m:t>
+                        </m:r>
+                      </m:num>
+                      <m:den>
+                        <m:sSub>
+                          <m:sSubPr>
+                            <m:ctrlPr>
+                              <a:rPr lang="en-US" altLang="ko-KR" b="0" i="1" smtClean="0">
+                                <a:latin typeface="Cambria Math" panose="02040503050406030204" pitchFamily="18" charset="0"/>
+                              </a:rPr>
+                            </m:ctrlPr>
+                          </m:sSubPr>
+                          <m:e>
                             <m:r>
                               <a:rPr lang="en-US" altLang="ko-KR" b="0" i="1" smtClean="0">
                                 <a:latin typeface="Cambria Math" panose="02040503050406030204" pitchFamily="18" charset="0"/>
                               </a:rPr>
-                              <m:t>≡</m:t>
+                              <m:t>𝑏</m:t>
                             </m:r>
-                            <m:sSub>
-                              <m:sSubPr>
+                          </m:e>
+                          <m:sub>
+                            <m:r>
+                              <a:rPr lang="en-US" altLang="ko-KR" b="0" i="1" smtClean="0">
+                                <a:latin typeface="Cambria Math" panose="02040503050406030204" pitchFamily="18" charset="0"/>
+                              </a:rPr>
+                              <m:t>1</m:t>
+                            </m:r>
+                          </m:sub>
+                        </m:sSub>
+                      </m:den>
+                    </m:f>
+                    <m:sSup>
+                      <m:sSupPr>
+                        <m:ctrlPr>
+                          <a:rPr lang="en-US" altLang="ko-KR" b="0" i="1" smtClean="0">
+                            <a:latin typeface="Cambria Math" panose="02040503050406030204" pitchFamily="18" charset="0"/>
+                          </a:rPr>
+                        </m:ctrlPr>
+                      </m:sSupPr>
+                      <m:e>
+                        <m:d>
+                          <m:dPr>
+                            <m:ctrlPr>
+                              <a:rPr lang="en-US" altLang="ko-KR" b="0" i="1" smtClean="0">
+                                <a:latin typeface="Cambria Math" panose="02040503050406030204" pitchFamily="18" charset="0"/>
+                              </a:rPr>
+                            </m:ctrlPr>
+                          </m:dPr>
+                          <m:e>
+                            <m:f>
+                              <m:fPr>
                                 <m:ctrlPr>
                                   <a:rPr lang="en-US" altLang="ko-KR" b="0" i="1" smtClean="0">
                                     <a:latin typeface="Cambria Math" panose="02040503050406030204" pitchFamily="18" charset="0"/>
                                   </a:rPr>
                                 </m:ctrlPr>
-                              </m:sSubPr>
-                              <m:e>
+                              </m:fPr>
+                              <m:num>
                                 <m:r>
                                   <a:rPr lang="en-US" altLang="ko-KR" b="0" i="1" smtClean="0">
                                     <a:latin typeface="Cambria Math" panose="02040503050406030204" pitchFamily="18" charset="0"/>
                                   </a:rPr>
-                                  <m:t>𝑟</m:t>
+                                  <m:t>𝑏</m:t>
                                 </m:r>
-                              </m:e>
-                              <m:sub>
-                                <m:r>
-                                  <a:rPr lang="en-US" altLang="ko-KR" b="0" i="1" smtClean="0">
-                                    <a:latin typeface="Cambria Math" panose="02040503050406030204" pitchFamily="18" charset="0"/>
-                                  </a:rPr>
-                                  <m:t>3</m:t>
-                                </m:r>
-                              </m:sub>
-                            </m:sSub>
-                            <m:r>
-                              <a:rPr lang="en-US" altLang="ko-KR" b="0" i="1" smtClean="0">
-                                <a:latin typeface="Cambria Math" panose="02040503050406030204" pitchFamily="18" charset="0"/>
-                              </a:rPr>
-                              <m:t> </m:t>
-                            </m:r>
-                            <m:d>
-                              <m:dPr>
-                                <m:ctrlPr>
-                                  <a:rPr lang="en-US" altLang="ko-KR" b="0" i="1" smtClean="0">
-                                    <a:latin typeface="Cambria Math" panose="02040503050406030204" pitchFamily="18" charset="0"/>
-                                  </a:rPr>
-                                </m:ctrlPr>
-                              </m:dPr>
-                              <m:e>
-                                <m:r>
-                                  <m:rPr>
-                                    <m:sty m:val="p"/>
-                                  </m:rPr>
-                                  <a:rPr lang="en-US" altLang="ko-KR" b="0" i="1" smtClean="0">
-                                    <a:latin typeface="Cambria Math" panose="02040503050406030204" pitchFamily="18" charset="0"/>
-                                  </a:rPr>
-                                  <m:t>mod</m:t>
-                                </m:r>
-                                <m:r>
-                                  <a:rPr lang="en-US" altLang="ko-KR" b="0" i="1" smtClean="0">
-                                    <a:latin typeface="Cambria Math" panose="02040503050406030204" pitchFamily="18" charset="0"/>
-                                  </a:rPr>
-                                  <m:t> </m:t>
-                                </m:r>
+                              </m:num>
+                              <m:den>
                                 <m:sSub>
                                   <m:sSubPr>
                                     <m:ctrlPr>
@@ -9882,109 +10494,24 @@
                                       <a:rPr lang="en-US" altLang="ko-KR" b="0" i="1" smtClean="0">
                                         <a:latin typeface="Cambria Math" panose="02040503050406030204" pitchFamily="18" charset="0"/>
                                       </a:rPr>
-                                      <m:t>3</m:t>
+                                      <m:t>1</m:t>
                                     </m:r>
                                   </m:sub>
                                 </m:sSub>
-                              </m:e>
-                            </m:d>
+                              </m:den>
+                            </m:f>
                           </m:e>
-                        </m:eqArr>
+                        </m:d>
                       </m:e>
-                    </m:d>
-                    <m:r>
-                      <a:rPr lang="en-US" altLang="ko-KR" b="0" i="1" smtClean="0">
-                        <a:latin typeface="Cambria Math" panose="02040503050406030204" pitchFamily="18" charset="0"/>
-                      </a:rPr>
-                      <m:t>⇔</m:t>
-                    </m:r>
-                    <m:r>
-                      <a:rPr lang="en-US" altLang="ko-KR" b="0" i="1" smtClean="0">
-                        <a:latin typeface="Cambria Math" panose="02040503050406030204" pitchFamily="18" charset="0"/>
-                      </a:rPr>
-                      <m:t>𝑥</m:t>
-                    </m:r>
-                    <m:r>
-                      <a:rPr lang="en-US" altLang="ko-KR" b="0" i="1" smtClean="0">
-                        <a:latin typeface="Cambria Math" panose="02040503050406030204" pitchFamily="18" charset="0"/>
-                      </a:rPr>
-                      <m:t>=</m:t>
-                    </m:r>
-                    <m:sSub>
-                      <m:sSubPr>
-                        <m:ctrlPr>
-                          <a:rPr lang="en-US" altLang="ko-KR" b="0" i="1" smtClean="0">
-                            <a:latin typeface="Cambria Math" panose="02040503050406030204" pitchFamily="18" charset="0"/>
-                          </a:rPr>
-                        </m:ctrlPr>
-                      </m:sSubPr>
-                      <m:e>
+                      <m:sup>
                         <m:r>
                           <a:rPr lang="en-US" altLang="ko-KR" b="0" i="1" smtClean="0">
                             <a:latin typeface="Cambria Math" panose="02040503050406030204" pitchFamily="18" charset="0"/>
                           </a:rPr>
-                          <m:t>𝑟</m:t>
+                          <m:t>−1</m:t>
                         </m:r>
-                      </m:e>
-                      <m:sub>
-                        <m:r>
-                          <a:rPr lang="en-US" altLang="ko-KR" b="0" i="1" smtClean="0">
-                            <a:latin typeface="Cambria Math" panose="02040503050406030204" pitchFamily="18" charset="0"/>
-                          </a:rPr>
-                          <m:t>1</m:t>
-                        </m:r>
-                      </m:sub>
-                    </m:sSub>
-                    <m:sSub>
-                      <m:sSubPr>
-                        <m:ctrlPr>
-                          <a:rPr lang="en-US" altLang="ko-KR" b="0" i="1" smtClean="0">
-                            <a:latin typeface="Cambria Math" panose="02040503050406030204" pitchFamily="18" charset="0"/>
-                          </a:rPr>
-                        </m:ctrlPr>
-                      </m:sSubPr>
-                      <m:e>
-                        <m:r>
-                          <a:rPr lang="en-US" altLang="ko-KR" b="0" i="1" smtClean="0">
-                            <a:latin typeface="Cambria Math" panose="02040503050406030204" pitchFamily="18" charset="0"/>
-                          </a:rPr>
-                          <m:t>𝑏</m:t>
-                        </m:r>
-                      </m:e>
-                      <m:sub>
-                        <m:r>
-                          <a:rPr lang="en-US" altLang="ko-KR" b="0" i="1" smtClean="0">
-                            <a:latin typeface="Cambria Math" panose="02040503050406030204" pitchFamily="18" charset="0"/>
-                          </a:rPr>
-                          <m:t>2</m:t>
-                        </m:r>
-                      </m:sub>
-                    </m:sSub>
-                    <m:sSub>
-                      <m:sSubPr>
-                        <m:ctrlPr>
-                          <a:rPr lang="en-US" altLang="ko-KR" b="0" i="1" smtClean="0">
-                            <a:latin typeface="Cambria Math" panose="02040503050406030204" pitchFamily="18" charset="0"/>
-                          </a:rPr>
-                        </m:ctrlPr>
-                      </m:sSubPr>
-                      <m:e>
-                        <m:r>
-                          <a:rPr lang="en-US" altLang="ko-KR" b="0" i="1" smtClean="0">
-                            <a:latin typeface="Cambria Math" panose="02040503050406030204" pitchFamily="18" charset="0"/>
-                          </a:rPr>
-                          <m:t>𝑏</m:t>
-                        </m:r>
-                      </m:e>
-                      <m:sub>
-                        <m:r>
-                          <a:rPr lang="en-US" altLang="ko-KR" b="0" i="1" smtClean="0">
-                            <a:latin typeface="Cambria Math" panose="02040503050406030204" pitchFamily="18" charset="0"/>
-                          </a:rPr>
-                          <m:t>3</m:t>
-                        </m:r>
-                      </m:sub>
-                    </m:sSub>
+                      </m:sup>
+                    </m:sSup>
                     <m:r>
                       <a:rPr lang="en-US" altLang="ko-KR" b="0" i="1" smtClean="0">
                         <a:latin typeface="Cambria Math" panose="02040503050406030204" pitchFamily="18" charset="0"/>
@@ -9994,39 +10521,14 @@
                     <m:sSub>
                       <m:sSubPr>
                         <m:ctrlPr>
-                          <a:rPr lang="en-US" altLang="ko-KR" b="0" i="1" smtClean="0">
+                          <a:rPr lang="en-US" altLang="ko-KR" i="1">
                             <a:latin typeface="Cambria Math" panose="02040503050406030204" pitchFamily="18" charset="0"/>
                           </a:rPr>
                         </m:ctrlPr>
                       </m:sSubPr>
                       <m:e>
                         <m:r>
-                          <a:rPr lang="en-US" altLang="ko-KR" b="0" i="1" smtClean="0">
-                            <a:latin typeface="Cambria Math" panose="02040503050406030204" pitchFamily="18" charset="0"/>
-                          </a:rPr>
-                          <m:t>𝑏</m:t>
-                        </m:r>
-                      </m:e>
-                      <m:sub>
-                        <m:r>
-                          <a:rPr lang="en-US" altLang="ko-KR" b="0" i="1" smtClean="0">
-                            <a:latin typeface="Cambria Math" panose="02040503050406030204" pitchFamily="18" charset="0"/>
-                          </a:rPr>
-                          <m:t>1</m:t>
-                        </m:r>
-                      </m:sub>
-                    </m:sSub>
-                    <m:sSub>
-                      <m:sSubPr>
-                        <m:ctrlPr>
-                          <a:rPr lang="en-US" altLang="ko-KR" b="0" i="1" smtClean="0">
-                            <a:latin typeface="Cambria Math" panose="02040503050406030204" pitchFamily="18" charset="0"/>
-                          </a:rPr>
-                        </m:ctrlPr>
-                      </m:sSubPr>
-                      <m:e>
-                        <m:r>
-                          <a:rPr lang="en-US" altLang="ko-KR" b="0" i="1" smtClean="0">
+                          <a:rPr lang="en-US" altLang="ko-KR" i="1">
                             <a:latin typeface="Cambria Math" panose="02040503050406030204" pitchFamily="18" charset="0"/>
                           </a:rPr>
                           <m:t>𝑟</m:t>
@@ -10034,127 +10536,441 @@
                       </m:e>
                       <m:sub>
                         <m:r>
-                          <a:rPr lang="en-US" altLang="ko-KR" b="0" i="1" smtClean="0">
+                          <a:rPr lang="en-US" altLang="ko-KR" i="1">
                             <a:latin typeface="Cambria Math" panose="02040503050406030204" pitchFamily="18" charset="0"/>
                           </a:rPr>
                           <m:t>2</m:t>
                         </m:r>
                       </m:sub>
                     </m:sSub>
-                    <m:sSub>
-                      <m:sSubPr>
+                    <m:f>
+                      <m:fPr>
                         <m:ctrlPr>
                           <a:rPr lang="en-US" altLang="ko-KR" b="0" i="1" smtClean="0">
                             <a:latin typeface="Cambria Math" panose="02040503050406030204" pitchFamily="18" charset="0"/>
                           </a:rPr>
                         </m:ctrlPr>
-                      </m:sSubPr>
-                      <m:e>
+                      </m:fPr>
+                      <m:num>
                         <m:r>
                           <a:rPr lang="en-US" altLang="ko-KR" b="0" i="1" smtClean="0">
                             <a:latin typeface="Cambria Math" panose="02040503050406030204" pitchFamily="18" charset="0"/>
                           </a:rPr>
                           <m:t>𝑏</m:t>
                         </m:r>
-                      </m:e>
-                      <m:sub>
-                        <m:r>
-                          <a:rPr lang="en-US" altLang="ko-KR" b="0" i="1" smtClean="0">
-                            <a:latin typeface="Cambria Math" panose="02040503050406030204" pitchFamily="18" charset="0"/>
-                          </a:rPr>
-                          <m:t>3</m:t>
-                        </m:r>
-                      </m:sub>
-                    </m:sSub>
-                    <m:r>
-                      <a:rPr lang="en-US" altLang="ko-KR" b="0" i="1" smtClean="0">
-                        <a:latin typeface="Cambria Math" panose="02040503050406030204" pitchFamily="18" charset="0"/>
-                      </a:rPr>
-                      <m:t>+</m:t>
-                    </m:r>
-                    <m:sSub>
-                      <m:sSubPr>
+                      </m:num>
+                      <m:den>
+                        <m:sSub>
+                          <m:sSubPr>
+                            <m:ctrlPr>
+                              <a:rPr lang="en-US" altLang="ko-KR" b="0" i="1" smtClean="0">
+                                <a:latin typeface="Cambria Math" panose="02040503050406030204" pitchFamily="18" charset="0"/>
+                              </a:rPr>
+                            </m:ctrlPr>
+                          </m:sSubPr>
+                          <m:e>
+                            <m:r>
+                              <a:rPr lang="en-US" altLang="ko-KR" b="0" i="1" smtClean="0">
+                                <a:latin typeface="Cambria Math" panose="02040503050406030204" pitchFamily="18" charset="0"/>
+                              </a:rPr>
+                              <m:t>𝑏</m:t>
+                            </m:r>
+                          </m:e>
+                          <m:sub>
+                            <m:r>
+                              <a:rPr lang="en-US" altLang="ko-KR" b="0" i="1" smtClean="0">
+                                <a:latin typeface="Cambria Math" panose="02040503050406030204" pitchFamily="18" charset="0"/>
+                              </a:rPr>
+                              <m:t>2</m:t>
+                            </m:r>
+                          </m:sub>
+                        </m:sSub>
+                      </m:den>
+                    </m:f>
+                    <m:sSup>
+                      <m:sSupPr>
                         <m:ctrlPr>
                           <a:rPr lang="en-US" altLang="ko-KR" b="0" i="1" smtClean="0">
                             <a:latin typeface="Cambria Math" panose="02040503050406030204" pitchFamily="18" charset="0"/>
                           </a:rPr>
                         </m:ctrlPr>
-                      </m:sSubPr>
+                      </m:sSupPr>
                       <m:e>
+                        <m:d>
+                          <m:dPr>
+                            <m:ctrlPr>
+                              <a:rPr lang="en-US" altLang="ko-KR" b="0" i="1" smtClean="0">
+                                <a:latin typeface="Cambria Math" panose="02040503050406030204" pitchFamily="18" charset="0"/>
+                              </a:rPr>
+                            </m:ctrlPr>
+                          </m:dPr>
+                          <m:e>
+                            <m:f>
+                              <m:fPr>
+                                <m:ctrlPr>
+                                  <a:rPr lang="en-US" altLang="ko-KR" b="0" i="1" smtClean="0">
+                                    <a:latin typeface="Cambria Math" panose="02040503050406030204" pitchFamily="18" charset="0"/>
+                                  </a:rPr>
+                                </m:ctrlPr>
+                              </m:fPr>
+                              <m:num>
+                                <m:r>
+                                  <a:rPr lang="en-US" altLang="ko-KR" b="0" i="1" smtClean="0">
+                                    <a:latin typeface="Cambria Math" panose="02040503050406030204" pitchFamily="18" charset="0"/>
+                                  </a:rPr>
+                                  <m:t>𝑏</m:t>
+                                </m:r>
+                              </m:num>
+                              <m:den>
+                                <m:sSub>
+                                  <m:sSubPr>
+                                    <m:ctrlPr>
+                                      <a:rPr lang="en-US" altLang="ko-KR" b="0" i="1" smtClean="0">
+                                        <a:latin typeface="Cambria Math" panose="02040503050406030204" pitchFamily="18" charset="0"/>
+                                      </a:rPr>
+                                    </m:ctrlPr>
+                                  </m:sSubPr>
+                                  <m:e>
+                                    <m:r>
+                                      <a:rPr lang="en-US" altLang="ko-KR" b="0" i="1" smtClean="0">
+                                        <a:latin typeface="Cambria Math" panose="02040503050406030204" pitchFamily="18" charset="0"/>
+                                      </a:rPr>
+                                      <m:t>𝑏</m:t>
+                                    </m:r>
+                                  </m:e>
+                                  <m:sub>
+                                    <m:r>
+                                      <a:rPr lang="en-US" altLang="ko-KR" b="0" i="1" smtClean="0">
+                                        <a:latin typeface="Cambria Math" panose="02040503050406030204" pitchFamily="18" charset="0"/>
+                                      </a:rPr>
+                                      <m:t>2</m:t>
+                                    </m:r>
+                                  </m:sub>
+                                </m:sSub>
+                              </m:den>
+                            </m:f>
+                          </m:e>
+                        </m:d>
+                      </m:e>
+                      <m:sup>
                         <m:r>
                           <a:rPr lang="en-US" altLang="ko-KR" b="0" i="1" smtClean="0">
                             <a:latin typeface="Cambria Math" panose="02040503050406030204" pitchFamily="18" charset="0"/>
                           </a:rPr>
-                          <m:t>𝑏</m:t>
+                          <m:t>−1</m:t>
                         </m:r>
-                      </m:e>
-                      <m:sub>
-                        <m:r>
-                          <a:rPr lang="en-US" altLang="ko-KR" b="0" i="1" smtClean="0">
-                            <a:latin typeface="Cambria Math" panose="02040503050406030204" pitchFamily="18" charset="0"/>
-                          </a:rPr>
-                          <m:t>1</m:t>
-                        </m:r>
-                      </m:sub>
-                    </m:sSub>
-                    <m:sSub>
-                      <m:sSubPr>
+                      </m:sup>
+                    </m:sSup>
+                    <m:r>
+                      <a:rPr lang="en-US" altLang="ko-KR" b="0" i="1" smtClean="0">
+                        <a:latin typeface="Cambria Math" panose="02040503050406030204" pitchFamily="18" charset="0"/>
+                      </a:rPr>
+                      <m:t>+…</m:t>
+                    </m:r>
+                    <m:d>
+                      <m:dPr>
                         <m:ctrlPr>
                           <a:rPr lang="en-US" altLang="ko-KR" b="0" i="1" smtClean="0">
                             <a:latin typeface="Cambria Math" panose="02040503050406030204" pitchFamily="18" charset="0"/>
                           </a:rPr>
                         </m:ctrlPr>
-                      </m:sSubPr>
+                      </m:dPr>
                       <m:e>
+                        <m:r>
+                          <m:rPr>
+                            <m:sty m:val="p"/>
+                          </m:rPr>
+                          <a:rPr lang="en-US" altLang="ko-KR" b="0" i="1" smtClean="0">
+                            <a:latin typeface="Cambria Math" panose="02040503050406030204" pitchFamily="18" charset="0"/>
+                          </a:rPr>
+                          <m:t>mod</m:t>
+                        </m:r>
                         <m:r>
                           <a:rPr lang="en-US" altLang="ko-KR" b="0" i="1" smtClean="0">
                             <a:latin typeface="Cambria Math" panose="02040503050406030204" pitchFamily="18" charset="0"/>
                           </a:rPr>
-                          <m:t>𝑏</m:t>
+                          <m:t> </m:t>
                         </m:r>
-                      </m:e>
-                      <m:sub>
+                        <m:sSub>
+                          <m:sSubPr>
+                            <m:ctrlPr>
+                              <a:rPr lang="en-US" altLang="ko-KR" b="0" i="1" smtClean="0">
+                                <a:latin typeface="Cambria Math" panose="02040503050406030204" pitchFamily="18" charset="0"/>
+                              </a:rPr>
+                            </m:ctrlPr>
+                          </m:sSubPr>
+                          <m:e>
+                            <m:r>
+                              <a:rPr lang="en-US" altLang="ko-KR" b="0" i="1" smtClean="0">
+                                <a:latin typeface="Cambria Math" panose="02040503050406030204" pitchFamily="18" charset="0"/>
+                              </a:rPr>
+                              <m:t>𝑏</m:t>
+                            </m:r>
+                          </m:e>
+                          <m:sub>
+                            <m:r>
+                              <a:rPr lang="en-US" altLang="ko-KR" b="0" i="1" smtClean="0">
+                                <a:latin typeface="Cambria Math" panose="02040503050406030204" pitchFamily="18" charset="0"/>
+                              </a:rPr>
+                              <m:t>1</m:t>
+                            </m:r>
+                          </m:sub>
+                        </m:sSub>
+                        <m:sSub>
+                          <m:sSubPr>
+                            <m:ctrlPr>
+                              <a:rPr lang="en-US" altLang="ko-KR" b="0" i="1" smtClean="0">
+                                <a:latin typeface="Cambria Math" panose="02040503050406030204" pitchFamily="18" charset="0"/>
+                              </a:rPr>
+                            </m:ctrlPr>
+                          </m:sSubPr>
+                          <m:e>
+                            <m:r>
+                              <a:rPr lang="en-US" altLang="ko-KR" b="0" i="1" smtClean="0">
+                                <a:latin typeface="Cambria Math" panose="02040503050406030204" pitchFamily="18" charset="0"/>
+                              </a:rPr>
+                              <m:t>𝑏</m:t>
+                            </m:r>
+                          </m:e>
+                          <m:sub>
+                            <m:r>
+                              <a:rPr lang="en-US" altLang="ko-KR" b="0" i="1" smtClean="0">
+                                <a:latin typeface="Cambria Math" panose="02040503050406030204" pitchFamily="18" charset="0"/>
+                              </a:rPr>
+                              <m:t>2</m:t>
+                            </m:r>
+                          </m:sub>
+                        </m:sSub>
                         <m:r>
                           <a:rPr lang="en-US" altLang="ko-KR" b="0" i="1" smtClean="0">
                             <a:latin typeface="Cambria Math" panose="02040503050406030204" pitchFamily="18" charset="0"/>
                           </a:rPr>
-                          <m:t>2</m:t>
+                          <m:t>…</m:t>
                         </m:r>
-                      </m:sub>
-                    </m:sSub>
-                    <m:sSub>
-                      <m:sSubPr>
+                      </m:e>
+                    </m:d>
+                  </m:oMath>
+                </a14:m>
+                <a:br>
+                  <a:rPr lang="en-US" altLang="ko-KR" dirty="0"/>
+                </a:br>
+                <a:r>
+                  <a:rPr lang="en-US" altLang="ko-KR" dirty="0"/>
+                  <a:t>(</a:t>
+                </a:r>
+                <a:r>
+                  <a:rPr lang="ko-KR" altLang="en-US" dirty="0"/>
+                  <a:t>단</a:t>
+                </a:r>
+                <a:r>
+                  <a:rPr lang="en-US" altLang="ko-KR" dirty="0"/>
+                  <a:t>, </a:t>
+                </a:r>
+                <a14:m>
+                  <m:oMath xmlns:m="http://schemas.openxmlformats.org/officeDocument/2006/math">
+                    <m:f>
+                      <m:fPr>
+                        <m:ctrlPr>
+                          <a:rPr lang="en-US" altLang="ko-KR" i="1">
+                            <a:latin typeface="Cambria Math" panose="02040503050406030204" pitchFamily="18" charset="0"/>
+                          </a:rPr>
+                        </m:ctrlPr>
+                      </m:fPr>
+                      <m:num>
+                        <m:r>
+                          <a:rPr lang="en-US" altLang="ko-KR" i="1">
+                            <a:latin typeface="Cambria Math" panose="02040503050406030204" pitchFamily="18" charset="0"/>
+                          </a:rPr>
+                          <m:t>𝑏</m:t>
+                        </m:r>
+                      </m:num>
+                      <m:den>
+                        <m:sSub>
+                          <m:sSubPr>
+                            <m:ctrlPr>
+                              <a:rPr lang="en-US" altLang="ko-KR" i="1">
+                                <a:latin typeface="Cambria Math" panose="02040503050406030204" pitchFamily="18" charset="0"/>
+                              </a:rPr>
+                            </m:ctrlPr>
+                          </m:sSubPr>
+                          <m:e>
+                            <m:r>
+                              <a:rPr lang="en-US" altLang="ko-KR" i="1">
+                                <a:latin typeface="Cambria Math" panose="02040503050406030204" pitchFamily="18" charset="0"/>
+                              </a:rPr>
+                              <m:t>𝑏</m:t>
+                            </m:r>
+                          </m:e>
+                          <m:sub>
+                            <m:r>
+                              <a:rPr lang="en-US" altLang="ko-KR" i="1">
+                                <a:latin typeface="Cambria Math" panose="02040503050406030204" pitchFamily="18" charset="0"/>
+                              </a:rPr>
+                              <m:t>𝑛</m:t>
+                            </m:r>
+                          </m:sub>
+                        </m:sSub>
+                      </m:den>
+                    </m:f>
+                    <m:sSup>
+                      <m:sSupPr>
+                        <m:ctrlPr>
+                          <a:rPr lang="en-US" altLang="ko-KR" i="1">
+                            <a:latin typeface="Cambria Math" panose="02040503050406030204" pitchFamily="18" charset="0"/>
+                          </a:rPr>
+                        </m:ctrlPr>
+                      </m:sSupPr>
+                      <m:e>
+                        <m:d>
+                          <m:dPr>
+                            <m:ctrlPr>
+                              <a:rPr lang="en-US" altLang="ko-KR" i="1">
+                                <a:latin typeface="Cambria Math" panose="02040503050406030204" pitchFamily="18" charset="0"/>
+                              </a:rPr>
+                            </m:ctrlPr>
+                          </m:dPr>
+                          <m:e>
+                            <m:f>
+                              <m:fPr>
+                                <m:ctrlPr>
+                                  <a:rPr lang="en-US" altLang="ko-KR" i="1">
+                                    <a:latin typeface="Cambria Math" panose="02040503050406030204" pitchFamily="18" charset="0"/>
+                                  </a:rPr>
+                                </m:ctrlPr>
+                              </m:fPr>
+                              <m:num>
+                                <m:r>
+                                  <a:rPr lang="en-US" altLang="ko-KR" i="1">
+                                    <a:latin typeface="Cambria Math" panose="02040503050406030204" pitchFamily="18" charset="0"/>
+                                  </a:rPr>
+                                  <m:t>𝑏</m:t>
+                                </m:r>
+                              </m:num>
+                              <m:den>
+                                <m:sSub>
+                                  <m:sSubPr>
+                                    <m:ctrlPr>
+                                      <a:rPr lang="en-US" altLang="ko-KR" i="1">
+                                        <a:latin typeface="Cambria Math" panose="02040503050406030204" pitchFamily="18" charset="0"/>
+                                      </a:rPr>
+                                    </m:ctrlPr>
+                                  </m:sSubPr>
+                                  <m:e>
+                                    <m:r>
+                                      <a:rPr lang="en-US" altLang="ko-KR" i="1">
+                                        <a:latin typeface="Cambria Math" panose="02040503050406030204" pitchFamily="18" charset="0"/>
+                                      </a:rPr>
+                                      <m:t>𝑏</m:t>
+                                    </m:r>
+                                  </m:e>
+                                  <m:sub>
+                                    <m:r>
+                                      <a:rPr lang="en-US" altLang="ko-KR" i="1">
+                                        <a:latin typeface="Cambria Math" panose="02040503050406030204" pitchFamily="18" charset="0"/>
+                                      </a:rPr>
+                                      <m:t>𝑛</m:t>
+                                    </m:r>
+                                  </m:sub>
+                                </m:sSub>
+                              </m:den>
+                            </m:f>
+                          </m:e>
+                        </m:d>
+                      </m:e>
+                      <m:sup>
+                        <m:r>
+                          <a:rPr lang="en-US" altLang="ko-KR" i="1">
+                            <a:latin typeface="Cambria Math" panose="02040503050406030204" pitchFamily="18" charset="0"/>
+                          </a:rPr>
+                          <m:t>−1</m:t>
+                        </m:r>
+                      </m:sup>
+                    </m:sSup>
+                    <m:r>
+                      <a:rPr lang="en-US" altLang="ko-KR" b="0" i="1" smtClean="0">
+                        <a:latin typeface="Cambria Math" panose="02040503050406030204" pitchFamily="18" charset="0"/>
+                      </a:rPr>
+                      <m:t>≡1</m:t>
+                    </m:r>
+                    <m:d>
+                      <m:dPr>
                         <m:ctrlPr>
                           <a:rPr lang="en-US" altLang="ko-KR" b="0" i="1" smtClean="0">
                             <a:latin typeface="Cambria Math" panose="02040503050406030204" pitchFamily="18" charset="0"/>
                           </a:rPr>
                         </m:ctrlPr>
-                      </m:sSubPr>
+                      </m:dPr>
                       <m:e>
+                        <m:r>
+                          <m:rPr>
+                            <m:sty m:val="p"/>
+                          </m:rPr>
+                          <a:rPr lang="en-US" altLang="ko-KR" b="0" i="1" smtClean="0">
+                            <a:latin typeface="Cambria Math" panose="02040503050406030204" pitchFamily="18" charset="0"/>
+                          </a:rPr>
+                          <m:t>mod</m:t>
+                        </m:r>
                         <m:r>
                           <a:rPr lang="en-US" altLang="ko-KR" b="0" i="1" smtClean="0">
                             <a:latin typeface="Cambria Math" panose="02040503050406030204" pitchFamily="18" charset="0"/>
                           </a:rPr>
-                          <m:t>𝑟</m:t>
+                          <m:t> </m:t>
                         </m:r>
+                        <m:sSub>
+                          <m:sSubPr>
+                            <m:ctrlPr>
+                              <a:rPr lang="en-US" altLang="ko-KR" b="0" i="1" smtClean="0">
+                                <a:latin typeface="Cambria Math" panose="02040503050406030204" pitchFamily="18" charset="0"/>
+                              </a:rPr>
+                            </m:ctrlPr>
+                          </m:sSubPr>
+                          <m:e>
+                            <m:r>
+                              <a:rPr lang="en-US" altLang="ko-KR" b="0" i="1" smtClean="0">
+                                <a:latin typeface="Cambria Math" panose="02040503050406030204" pitchFamily="18" charset="0"/>
+                              </a:rPr>
+                              <m:t>𝑏</m:t>
+                            </m:r>
+                          </m:e>
+                          <m:sub>
+                            <m:r>
+                              <a:rPr lang="en-US" altLang="ko-KR" b="0" i="1" smtClean="0">
+                                <a:latin typeface="Cambria Math" panose="02040503050406030204" pitchFamily="18" charset="0"/>
+                              </a:rPr>
+                              <m:t>𝑛</m:t>
+                            </m:r>
+                          </m:sub>
+                        </m:sSub>
                       </m:e>
-                      <m:sub>
-                        <m:r>
-                          <a:rPr lang="en-US" altLang="ko-KR" b="0" i="1" smtClean="0">
-                            <a:latin typeface="Cambria Math" panose="02040503050406030204" pitchFamily="18" charset="0"/>
-                          </a:rPr>
-                          <m:t>3</m:t>
-                        </m:r>
-                      </m:sub>
-                    </m:sSub>
+                    </m:d>
                   </m:oMath>
                 </a14:m>
+                <a:r>
+                  <a:rPr lang="en-US" altLang="ko-KR" dirty="0"/>
+                  <a:t>) (</a:t>
+                </a:r>
+                <a:r>
+                  <a:rPr lang="ko-KR" altLang="en-US" dirty="0"/>
+                  <a:t>합동식에서의 역수에 대해서는 </a:t>
+                </a:r>
+                <a:r>
+                  <a:rPr lang="en-US" altLang="ko-KR" dirty="0"/>
+                  <a:t>6</a:t>
+                </a:r>
+                <a:r>
+                  <a:rPr lang="ko-KR" altLang="en-US" dirty="0"/>
+                  <a:t>페이지 참고</a:t>
+                </a:r>
+                <a:r>
+                  <a:rPr lang="en-US" altLang="ko-KR" dirty="0"/>
+                  <a:t>.)</a:t>
+                </a:r>
                 <a:endParaRPr lang="ko-KR" altLang="en-US" dirty="0"/>
               </a:p>
             </p:txBody>
           </p:sp>
         </mc:Choice>
-        <mc:Fallback>
+        <mc:Fallback xmlns="">
           <p:sp>
             <p:nvSpPr>
               <p:cNvPr id="3" name="내용 개체 틀 2">
@@ -10175,7 +10991,7 @@
               <a:blipFill>
                 <a:blip r:embed="rId2"/>
                 <a:stretch>
-                  <a:fillRect l="-638" r="-1391"/>
+                  <a:fillRect l="-638"/>
                 </a:stretch>
               </a:blipFill>
             </p:spPr>
@@ -10194,10 +11010,757 @@
           </p:sp>
         </mc:Fallback>
       </mc:AlternateContent>
+      <p:sp>
+        <p:nvSpPr>
+          <p:cNvPr id="5" name="슬라이드 번호 개체 틀 4">
+            <a:extLst>
+              <a:ext uri="{FF2B5EF4-FFF2-40B4-BE49-F238E27FC236}">
+                <a16:creationId xmlns:a16="http://schemas.microsoft.com/office/drawing/2014/main" id="{CB5779E1-2890-24D5-2A46-C057FE76CF7C}"/>
+              </a:ext>
+            </a:extLst>
+          </p:cNvPr>
+          <p:cNvSpPr>
+            <a:spLocks noGrp="1"/>
+          </p:cNvSpPr>
+          <p:nvPr>
+            <p:ph type="sldNum" sz="quarter" idx="12"/>
+          </p:nvPr>
+        </p:nvSpPr>
+        <p:spPr/>
+        <p:txBody>
+          <a:bodyPr/>
+          <a:lstStyle/>
+          <a:p>
+            <a:fld id="{4854181D-6920-4594-9A5D-6CE56DC9F8B2}" type="slidenum">
+              <a:rPr lang="en-US" smtClean="0"/>
+              <a:t>11</a:t>
+            </a:fld>
+            <a:endParaRPr lang="en-US"/>
+          </a:p>
+        </p:txBody>
+      </p:sp>
     </p:spTree>
     <p:extLst>
       <p:ext uri="{BB962C8B-B14F-4D97-AF65-F5344CB8AC3E}">
         <p14:creationId xmlns:p14="http://schemas.microsoft.com/office/powerpoint/2010/main" val="3288837945"/>
+      </p:ext>
+    </p:extLst>
+  </p:cSld>
+  <p:clrMapOvr>
+    <a:masterClrMapping/>
+  </p:clrMapOvr>
+</p:sld>
+</file>
+
+<file path=ppt/slides/slide12.xml><?xml version="1.0" encoding="utf-8"?>
+<p:sld xmlns:a="http://schemas.openxmlformats.org/drawingml/2006/main" xmlns:r="http://schemas.openxmlformats.org/officeDocument/2006/relationships" xmlns:p="http://schemas.openxmlformats.org/presentationml/2006/main">
+  <p:cSld>
+    <p:bg>
+      <p:bgPr>
+        <a:solidFill>
+          <a:schemeClr val="bg1"/>
+        </a:solidFill>
+        <a:effectLst/>
+      </p:bgPr>
+    </p:bg>
+    <p:spTree>
+      <p:nvGrpSpPr>
+        <p:cNvPr id="1" name=""/>
+        <p:cNvGrpSpPr/>
+        <p:nvPr/>
+      </p:nvGrpSpPr>
+      <p:grpSpPr>
+        <a:xfrm>
+          <a:off x="0" y="0"/>
+          <a:ext cx="0" cy="0"/>
+          <a:chOff x="0" y="0"/>
+          <a:chExt cx="0" cy="0"/>
+        </a:xfrm>
+      </p:grpSpPr>
+      <p:sp useBgFill="1">
+        <p:nvSpPr>
+          <p:cNvPr id="11" name="Rectangle 10">
+            <a:extLst>
+              <a:ext uri="{FF2B5EF4-FFF2-40B4-BE49-F238E27FC236}">
+                <a16:creationId xmlns:a16="http://schemas.microsoft.com/office/drawing/2014/main" id="{D278ADA9-6383-4BDD-80D2-8899A402687B}"/>
+              </a:ext>
+              <a:ext uri="{C183D7F6-B498-43B3-948B-1728B52AA6E4}">
+                <adec:decorative xmlns:adec="http://schemas.microsoft.com/office/drawing/2017/decorative" val="1"/>
+              </a:ext>
+            </a:extLst>
+          </p:cNvPr>
+          <p:cNvSpPr>
+            <a:spLocks noGrp="1" noRot="1" noChangeAspect="1" noMove="1" noResize="1" noEditPoints="1" noAdjustHandles="1" noChangeArrowheads="1" noChangeShapeType="1" noTextEdit="1"/>
+          </p:cNvSpPr>
+          <p:nvPr>
+            <p:extLst>
+              <p:ext uri="{386F3935-93C4-4BCD-93E2-E3B085C9AB24}">
+                <p16:designElem xmlns:p16="http://schemas.microsoft.com/office/powerpoint/2015/main" val="1"/>
+              </p:ext>
+            </p:extLst>
+          </p:nvPr>
+        </p:nvSpPr>
+        <p:spPr>
+          <a:xfrm>
+            <a:off x="3048" y="0"/>
+            <a:ext cx="12188952" cy="6858000"/>
+          </a:xfrm>
+          <a:prstGeom prst="rect">
+            <a:avLst/>
+          </a:prstGeom>
+          <a:ln>
+            <a:noFill/>
+          </a:ln>
+        </p:spPr>
+        <p:style>
+          <a:lnRef idx="2">
+            <a:schemeClr val="accent1">
+              <a:shade val="50000"/>
+            </a:schemeClr>
+          </a:lnRef>
+          <a:fillRef idx="1">
+            <a:schemeClr val="accent1"/>
+          </a:fillRef>
+          <a:effectRef idx="0">
+            <a:schemeClr val="accent1"/>
+          </a:effectRef>
+          <a:fontRef idx="minor">
+            <a:schemeClr val="lt1"/>
+          </a:fontRef>
+        </p:style>
+        <p:txBody>
+          <a:bodyPr rtlCol="0" anchor="ctr"/>
+          <a:lstStyle/>
+          <a:p>
+            <a:pPr marL="0" marR="0" lvl="0" indent="0" algn="ctr" defTabSz="914400" rtl="0" eaLnBrk="1" fontAlgn="auto" latinLnBrk="0" hangingPunct="1">
+              <a:lnSpc>
+                <a:spcPct val="100000"/>
+              </a:lnSpc>
+              <a:spcBef>
+                <a:spcPts val="0"/>
+              </a:spcBef>
+              <a:spcAft>
+                <a:spcPts val="0"/>
+              </a:spcAft>
+              <a:buClrTx/>
+              <a:buSzTx/>
+              <a:buFontTx/>
+              <a:buNone/>
+              <a:tabLst/>
+              <a:defRPr/>
+            </a:pPr>
+            <a:endParaRPr kumimoji="0" lang="en-US" sz="1800" b="0" i="0" u="none" strike="noStrike" kern="1200" cap="none" spc="0" normalizeH="0" baseline="0" noProof="0">
+              <a:ln>
+                <a:noFill/>
+              </a:ln>
+              <a:solidFill>
+                <a:prstClr val="white"/>
+              </a:solidFill>
+              <a:effectLst/>
+              <a:uLnTx/>
+              <a:uFillTx/>
+              <a:latin typeface="Calibri" panose="020F0502020204030204"/>
+              <a:ea typeface="+mn-ea"/>
+              <a:cs typeface="+mn-cs"/>
+            </a:endParaRPr>
+          </a:p>
+        </p:txBody>
+      </p:sp>
+      <p:sp>
+        <p:nvSpPr>
+          <p:cNvPr id="13" name="Rectangle 12">
+            <a:extLst>
+              <a:ext uri="{FF2B5EF4-FFF2-40B4-BE49-F238E27FC236}">
+                <a16:creationId xmlns:a16="http://schemas.microsoft.com/office/drawing/2014/main" id="{484B7147-B0F6-40ED-B5A2-FF72BC8198B6}"/>
+              </a:ext>
+              <a:ext uri="{C183D7F6-B498-43B3-948B-1728B52AA6E4}">
+                <adec:decorative xmlns:adec="http://schemas.microsoft.com/office/drawing/2017/decorative" val="1"/>
+              </a:ext>
+            </a:extLst>
+          </p:cNvPr>
+          <p:cNvSpPr>
+            <a:spLocks noGrp="1" noRot="1" noChangeAspect="1" noMove="1" noResize="1" noEditPoints="1" noAdjustHandles="1" noChangeArrowheads="1" noChangeShapeType="1" noTextEdit="1"/>
+          </p:cNvSpPr>
+          <p:nvPr>
+            <p:extLst>
+              <p:ext uri="{386F3935-93C4-4BCD-93E2-E3B085C9AB24}">
+                <p16:designElem xmlns:p16="http://schemas.microsoft.com/office/powerpoint/2015/main" val="1"/>
+              </p:ext>
+            </p:extLst>
+          </p:nvPr>
+        </p:nvSpPr>
+        <p:spPr>
+          <a:xfrm>
+            <a:off x="0" y="0"/>
+            <a:ext cx="12192000" cy="6858000"/>
+          </a:xfrm>
+          <a:prstGeom prst="rect">
+            <a:avLst/>
+          </a:prstGeom>
+          <a:solidFill>
+            <a:schemeClr val="accent2"/>
+          </a:solidFill>
+          <a:ln>
+            <a:noFill/>
+          </a:ln>
+        </p:spPr>
+        <p:style>
+          <a:lnRef idx="2">
+            <a:schemeClr val="accent1">
+              <a:shade val="50000"/>
+            </a:schemeClr>
+          </a:lnRef>
+          <a:fillRef idx="1">
+            <a:schemeClr val="accent1"/>
+          </a:fillRef>
+          <a:effectRef idx="0">
+            <a:schemeClr val="accent1"/>
+          </a:effectRef>
+          <a:fontRef idx="minor">
+            <a:schemeClr val="lt1"/>
+          </a:fontRef>
+        </p:style>
+        <p:txBody>
+          <a:bodyPr rtlCol="0" anchor="ctr"/>
+          <a:lstStyle/>
+          <a:p>
+            <a:pPr marL="0" marR="0" lvl="0" indent="0" algn="ctr" defTabSz="914400" rtl="0" eaLnBrk="1" fontAlgn="auto" latinLnBrk="0" hangingPunct="1">
+              <a:lnSpc>
+                <a:spcPct val="100000"/>
+              </a:lnSpc>
+              <a:spcBef>
+                <a:spcPts val="0"/>
+              </a:spcBef>
+              <a:spcAft>
+                <a:spcPts val="0"/>
+              </a:spcAft>
+              <a:buClrTx/>
+              <a:buSzTx/>
+              <a:buFontTx/>
+              <a:buNone/>
+              <a:tabLst/>
+              <a:defRPr/>
+            </a:pPr>
+            <a:endParaRPr kumimoji="0" lang="en-US" sz="1800" b="0" i="0" u="none" strike="noStrike" kern="1200" cap="none" spc="0" normalizeH="0" baseline="0" noProof="0">
+              <a:ln>
+                <a:noFill/>
+              </a:ln>
+              <a:solidFill>
+                <a:prstClr val="black"/>
+              </a:solidFill>
+              <a:effectLst/>
+              <a:uLnTx/>
+              <a:uFillTx/>
+              <a:latin typeface="Calibri" panose="020F0502020204030204"/>
+              <a:ea typeface="+mn-ea"/>
+              <a:cs typeface="+mn-cs"/>
+            </a:endParaRPr>
+          </a:p>
+        </p:txBody>
+      </p:sp>
+      <p:sp>
+        <p:nvSpPr>
+          <p:cNvPr id="15" name="Rectangle 14">
+            <a:extLst>
+              <a:ext uri="{FF2B5EF4-FFF2-40B4-BE49-F238E27FC236}">
+                <a16:creationId xmlns:a16="http://schemas.microsoft.com/office/drawing/2014/main" id="{B36D2DE0-0628-4A9A-A59D-7BA8B5EB3022}"/>
+              </a:ext>
+              <a:ext uri="{C183D7F6-B498-43B3-948B-1728B52AA6E4}">
+                <adec:decorative xmlns:adec="http://schemas.microsoft.com/office/drawing/2017/decorative" val="1"/>
+              </a:ext>
+            </a:extLst>
+          </p:cNvPr>
+          <p:cNvSpPr>
+            <a:spLocks noGrp="1" noRot="1" noChangeAspect="1" noMove="1" noResize="1" noEditPoints="1" noAdjustHandles="1" noChangeArrowheads="1" noChangeShapeType="1" noTextEdit="1"/>
+          </p:cNvSpPr>
+          <p:nvPr>
+            <p:extLst>
+              <p:ext uri="{386F3935-93C4-4BCD-93E2-E3B085C9AB24}">
+                <p16:designElem xmlns:p16="http://schemas.microsoft.com/office/powerpoint/2015/main" val="1"/>
+              </p:ext>
+            </p:extLst>
+          </p:nvPr>
+        </p:nvSpPr>
+        <p:spPr>
+          <a:xfrm>
+            <a:off x="0" y="0"/>
+            <a:ext cx="12192000" cy="6858000"/>
+          </a:xfrm>
+          <a:prstGeom prst="rect">
+            <a:avLst/>
+          </a:prstGeom>
+          <a:noFill/>
+          <a:ln>
+            <a:noFill/>
+          </a:ln>
+        </p:spPr>
+        <p:style>
+          <a:lnRef idx="2">
+            <a:schemeClr val="accent1">
+              <a:shade val="50000"/>
+            </a:schemeClr>
+          </a:lnRef>
+          <a:fillRef idx="1">
+            <a:schemeClr val="accent1"/>
+          </a:fillRef>
+          <a:effectRef idx="0">
+            <a:schemeClr val="accent1"/>
+          </a:effectRef>
+          <a:fontRef idx="minor">
+            <a:schemeClr val="lt1"/>
+          </a:fontRef>
+        </p:style>
+        <p:txBody>
+          <a:bodyPr rtlCol="0" anchor="ctr"/>
+          <a:lstStyle/>
+          <a:p>
+            <a:pPr marL="0" marR="0" lvl="0" indent="0" algn="ctr" defTabSz="914400" rtl="0" eaLnBrk="1" fontAlgn="auto" latinLnBrk="0" hangingPunct="1">
+              <a:lnSpc>
+                <a:spcPct val="100000"/>
+              </a:lnSpc>
+              <a:spcBef>
+                <a:spcPts val="0"/>
+              </a:spcBef>
+              <a:spcAft>
+                <a:spcPts val="0"/>
+              </a:spcAft>
+              <a:buClrTx/>
+              <a:buSzTx/>
+              <a:buFontTx/>
+              <a:buNone/>
+              <a:tabLst/>
+              <a:defRPr/>
+            </a:pPr>
+            <a:endParaRPr kumimoji="0" lang="en-US" sz="1800" b="0" i="0" u="none" strike="noStrike" kern="1200" cap="none" spc="0" normalizeH="0" baseline="0" noProof="0">
+              <a:ln>
+                <a:noFill/>
+              </a:ln>
+              <a:solidFill>
+                <a:prstClr val="white"/>
+              </a:solidFill>
+              <a:effectLst/>
+              <a:uLnTx/>
+              <a:uFillTx/>
+              <a:latin typeface="Calibri" panose="020F0502020204030204"/>
+              <a:ea typeface="+mn-ea"/>
+              <a:cs typeface="+mn-cs"/>
+            </a:endParaRPr>
+          </a:p>
+        </p:txBody>
+      </p:sp>
+      <p:sp>
+        <p:nvSpPr>
+          <p:cNvPr id="17" name="Oval 16">
+            <a:extLst>
+              <a:ext uri="{FF2B5EF4-FFF2-40B4-BE49-F238E27FC236}">
+                <a16:creationId xmlns:a16="http://schemas.microsoft.com/office/drawing/2014/main" id="{48E405C9-94BE-41DA-928C-DEC9A8550E9F}"/>
+              </a:ext>
+              <a:ext uri="{C183D7F6-B498-43B3-948B-1728B52AA6E4}">
+                <adec:decorative xmlns:adec="http://schemas.microsoft.com/office/drawing/2017/decorative" val="1"/>
+              </a:ext>
+            </a:extLst>
+          </p:cNvPr>
+          <p:cNvSpPr>
+            <a:spLocks noGrp="1" noRot="1" noChangeAspect="1" noMove="1" noResize="1" noEditPoints="1" noAdjustHandles="1" noChangeArrowheads="1" noChangeShapeType="1" noTextEdit="1"/>
+          </p:cNvSpPr>
+          <p:nvPr>
+            <p:extLst>
+              <p:ext uri="{386F3935-93C4-4BCD-93E2-E3B085C9AB24}">
+                <p16:designElem xmlns:p16="http://schemas.microsoft.com/office/powerpoint/2015/main" val="1"/>
+              </p:ext>
+            </p:extLst>
+          </p:nvPr>
+        </p:nvSpPr>
+        <p:spPr>
+          <a:xfrm>
+            <a:off x="2815929" y="148929"/>
+            <a:ext cx="6560142" cy="6560142"/>
+          </a:xfrm>
+          <a:prstGeom prst="ellipse">
+            <a:avLst/>
+          </a:prstGeom>
+          <a:solidFill>
+            <a:schemeClr val="bg1"/>
+          </a:solidFill>
+          <a:ln>
+            <a:noFill/>
+          </a:ln>
+        </p:spPr>
+        <p:style>
+          <a:lnRef idx="2">
+            <a:schemeClr val="accent1">
+              <a:shade val="50000"/>
+            </a:schemeClr>
+          </a:lnRef>
+          <a:fillRef idx="1">
+            <a:schemeClr val="accent1"/>
+          </a:fillRef>
+          <a:effectRef idx="0">
+            <a:schemeClr val="accent1"/>
+          </a:effectRef>
+          <a:fontRef idx="minor">
+            <a:schemeClr val="lt1"/>
+          </a:fontRef>
+        </p:style>
+        <p:txBody>
+          <a:bodyPr rtlCol="0" anchor="ctr"/>
+          <a:lstStyle/>
+          <a:p>
+            <a:pPr marL="0" marR="0" lvl="0" indent="0" algn="ctr" defTabSz="914400" rtl="0" eaLnBrk="1" fontAlgn="auto" latinLnBrk="0" hangingPunct="1">
+              <a:lnSpc>
+                <a:spcPct val="100000"/>
+              </a:lnSpc>
+              <a:spcBef>
+                <a:spcPts val="0"/>
+              </a:spcBef>
+              <a:spcAft>
+                <a:spcPts val="0"/>
+              </a:spcAft>
+              <a:buClrTx/>
+              <a:buSzTx/>
+              <a:buFontTx/>
+              <a:buNone/>
+              <a:tabLst/>
+              <a:defRPr/>
+            </a:pPr>
+            <a:endParaRPr kumimoji="0" lang="en-US" sz="1800" b="0" i="0" u="none" strike="noStrike" kern="1200" cap="none" spc="0" normalizeH="0" baseline="0" noProof="0">
+              <a:ln>
+                <a:noFill/>
+              </a:ln>
+              <a:solidFill>
+                <a:prstClr val="white"/>
+              </a:solidFill>
+              <a:effectLst/>
+              <a:uLnTx/>
+              <a:uFillTx/>
+              <a:latin typeface="Calibri" panose="020F0502020204030204"/>
+              <a:ea typeface="+mn-ea"/>
+              <a:cs typeface="+mn-cs"/>
+            </a:endParaRPr>
+          </a:p>
+        </p:txBody>
+      </p:sp>
+      <p:sp>
+        <p:nvSpPr>
+          <p:cNvPr id="5" name="제목 4">
+            <a:extLst>
+              <a:ext uri="{FF2B5EF4-FFF2-40B4-BE49-F238E27FC236}">
+                <a16:creationId xmlns:a16="http://schemas.microsoft.com/office/drawing/2014/main" id="{A11A7D61-AB9F-DA66-FF1D-D1FDF5FC9370}"/>
+              </a:ext>
+            </a:extLst>
+          </p:cNvPr>
+          <p:cNvSpPr>
+            <a:spLocks noGrp="1"/>
+          </p:cNvSpPr>
+          <p:nvPr>
+            <p:ph type="ctrTitle"/>
+          </p:nvPr>
+        </p:nvSpPr>
+        <p:spPr>
+          <a:xfrm>
+            <a:off x="3315031" y="1380754"/>
+            <a:ext cx="5561938" cy="2513516"/>
+          </a:xfrm>
+        </p:spPr>
+        <p:txBody>
+          <a:bodyPr>
+            <a:normAutofit/>
+          </a:bodyPr>
+          <a:lstStyle/>
+          <a:p>
+            <a:r>
+              <a:rPr lang="ko-KR" altLang="en-US" dirty="0"/>
+              <a:t>문법</a:t>
+            </a:r>
+          </a:p>
+        </p:txBody>
+      </p:sp>
+      <p:sp>
+        <p:nvSpPr>
+          <p:cNvPr id="6" name="부제목 5">
+            <a:extLst>
+              <a:ext uri="{FF2B5EF4-FFF2-40B4-BE49-F238E27FC236}">
+                <a16:creationId xmlns:a16="http://schemas.microsoft.com/office/drawing/2014/main" id="{9D6A6260-67C4-585E-4A43-D13772FCD8D4}"/>
+              </a:ext>
+            </a:extLst>
+          </p:cNvPr>
+          <p:cNvSpPr>
+            <a:spLocks noGrp="1"/>
+          </p:cNvSpPr>
+          <p:nvPr>
+            <p:ph type="subTitle" idx="1"/>
+          </p:nvPr>
+        </p:nvSpPr>
+        <p:spPr>
+          <a:xfrm>
+            <a:off x="3315031" y="4076802"/>
+            <a:ext cx="5561938" cy="1534587"/>
+          </a:xfrm>
+        </p:spPr>
+        <p:txBody>
+          <a:bodyPr>
+            <a:normAutofit/>
+          </a:bodyPr>
+          <a:lstStyle/>
+          <a:p>
+            <a:endParaRPr lang="ko-KR" altLang="en-US" dirty="0"/>
+          </a:p>
+        </p:txBody>
+      </p:sp>
+      <p:sp>
+        <p:nvSpPr>
+          <p:cNvPr id="4" name="슬라이드 번호 개체 틀 3">
+            <a:extLst>
+              <a:ext uri="{FF2B5EF4-FFF2-40B4-BE49-F238E27FC236}">
+                <a16:creationId xmlns:a16="http://schemas.microsoft.com/office/drawing/2014/main" id="{BABD6AE6-802F-99BA-B1F2-F80969F6C187}"/>
+              </a:ext>
+            </a:extLst>
+          </p:cNvPr>
+          <p:cNvSpPr>
+            <a:spLocks noGrp="1"/>
+          </p:cNvSpPr>
+          <p:nvPr>
+            <p:ph type="sldNum" sz="quarter" idx="12"/>
+          </p:nvPr>
+        </p:nvSpPr>
+        <p:spPr>
+          <a:xfrm>
+            <a:off x="10467444" y="6356350"/>
+            <a:ext cx="886355" cy="365125"/>
+          </a:xfrm>
+        </p:spPr>
+        <p:txBody>
+          <a:bodyPr>
+            <a:normAutofit/>
+          </a:bodyPr>
+          <a:lstStyle/>
+          <a:p>
+            <a:pPr>
+              <a:lnSpc>
+                <a:spcPct val="90000"/>
+              </a:lnSpc>
+              <a:spcAft>
+                <a:spcPts val="600"/>
+              </a:spcAft>
+            </a:pPr>
+            <a:fld id="{4854181D-6920-4594-9A5D-6CE56DC9F8B2}" type="slidenum">
+              <a:rPr lang="en-US" sz="1100">
+                <a:solidFill>
+                  <a:srgbClr val="FFFFFF"/>
+                </a:solidFill>
+              </a:rPr>
+              <a:pPr>
+                <a:lnSpc>
+                  <a:spcPct val="90000"/>
+                </a:lnSpc>
+                <a:spcAft>
+                  <a:spcPts val="600"/>
+                </a:spcAft>
+              </a:pPr>
+              <a:t>12</a:t>
+            </a:fld>
+            <a:endParaRPr lang="en-US" sz="1100">
+              <a:solidFill>
+                <a:srgbClr val="FFFFFF"/>
+              </a:solidFill>
+            </a:endParaRPr>
+          </a:p>
+        </p:txBody>
+      </p:sp>
+      <p:sp>
+        <p:nvSpPr>
+          <p:cNvPr id="19" name="Arc 18">
+            <a:extLst>
+              <a:ext uri="{FF2B5EF4-FFF2-40B4-BE49-F238E27FC236}">
+                <a16:creationId xmlns:a16="http://schemas.microsoft.com/office/drawing/2014/main" id="{D2091A72-D5BB-42AC-8FD3-F7747D90861E}"/>
+              </a:ext>
+              <a:ext uri="{C183D7F6-B498-43B3-948B-1728B52AA6E4}">
+                <adec:decorative xmlns:adec="http://schemas.microsoft.com/office/drawing/2017/decorative" val="1"/>
+              </a:ext>
+            </a:extLst>
+          </p:cNvPr>
+          <p:cNvSpPr>
+            <a:spLocks noGrp="1" noRot="1" noChangeAspect="1" noMove="1" noResize="1" noEditPoints="1" noAdjustHandles="1" noChangeArrowheads="1" noChangeShapeType="1" noTextEdit="1"/>
+          </p:cNvSpPr>
+          <p:nvPr>
+            <p:extLst>
+              <p:ext uri="{386F3935-93C4-4BCD-93E2-E3B085C9AB24}">
+                <p16:designElem xmlns:p16="http://schemas.microsoft.com/office/powerpoint/2015/main" val="1"/>
+              </p:ext>
+            </p:extLst>
+          </p:nvPr>
+        </p:nvSpPr>
+        <p:spPr>
+          <a:xfrm rot="9222429" flipV="1">
+            <a:off x="2494119" y="6170"/>
+            <a:ext cx="6816262" cy="6816262"/>
+          </a:xfrm>
+          <a:prstGeom prst="arc">
+            <a:avLst>
+              <a:gd name="adj1" fmla="val 16200000"/>
+              <a:gd name="adj2" fmla="val 20093138"/>
+            </a:avLst>
+          </a:prstGeom>
+          <a:ln w="127000" cap="rnd">
+            <a:solidFill>
+              <a:schemeClr val="accent2">
+                <a:lumMod val="75000"/>
+                <a:alpha val="95000"/>
+              </a:schemeClr>
+            </a:solidFill>
+            <a:prstDash val="dash"/>
+          </a:ln>
+        </p:spPr>
+        <p:style>
+          <a:lnRef idx="1">
+            <a:schemeClr val="accent1"/>
+          </a:lnRef>
+          <a:fillRef idx="0">
+            <a:schemeClr val="accent1"/>
+          </a:fillRef>
+          <a:effectRef idx="0">
+            <a:schemeClr val="accent1"/>
+          </a:effectRef>
+          <a:fontRef idx="minor">
+            <a:schemeClr val="tx1"/>
+          </a:fontRef>
+        </p:style>
+        <p:txBody>
+          <a:bodyPr rtlCol="0" anchor="ctr"/>
+          <a:lstStyle/>
+          <a:p>
+            <a:pPr marL="0" marR="0" lvl="0" indent="0" algn="ctr" defTabSz="914400" rtl="0" eaLnBrk="1" fontAlgn="auto" latinLnBrk="0" hangingPunct="1">
+              <a:lnSpc>
+                <a:spcPct val="100000"/>
+              </a:lnSpc>
+              <a:spcBef>
+                <a:spcPts val="0"/>
+              </a:spcBef>
+              <a:spcAft>
+                <a:spcPts val="0"/>
+              </a:spcAft>
+              <a:buClrTx/>
+              <a:buSzTx/>
+              <a:buFontTx/>
+              <a:buNone/>
+              <a:tabLst/>
+              <a:defRPr/>
+            </a:pPr>
+            <a:endParaRPr kumimoji="0" lang="en-US" sz="1800" b="0" i="0" u="none" strike="noStrike" kern="1200" cap="none" spc="0" normalizeH="0" baseline="0" noProof="0" dirty="0">
+              <a:ln>
+                <a:noFill/>
+              </a:ln>
+              <a:solidFill>
+                <a:prstClr val="black"/>
+              </a:solidFill>
+              <a:effectLst/>
+              <a:uLnTx/>
+              <a:uFillTx/>
+              <a:latin typeface="Calibri" panose="020F0502020204030204"/>
+              <a:ea typeface="+mn-ea"/>
+              <a:cs typeface="+mn-cs"/>
+            </a:endParaRPr>
+          </a:p>
+        </p:txBody>
+      </p:sp>
+      <p:sp>
+        <p:nvSpPr>
+          <p:cNvPr id="21" name="Oval 20">
+            <a:extLst>
+              <a:ext uri="{FF2B5EF4-FFF2-40B4-BE49-F238E27FC236}">
+                <a16:creationId xmlns:a16="http://schemas.microsoft.com/office/drawing/2014/main" id="{6ED12BFC-A737-46AF-8411-481112D54B0C}"/>
+              </a:ext>
+              <a:ext uri="{C183D7F6-B498-43B3-948B-1728B52AA6E4}">
+                <adec:decorative xmlns:adec="http://schemas.microsoft.com/office/drawing/2017/decorative" val="1"/>
+              </a:ext>
+            </a:extLst>
+          </p:cNvPr>
+          <p:cNvSpPr>
+            <a:spLocks noGrp="1" noRot="1" noChangeAspect="1" noMove="1" noResize="1" noEditPoints="1" noAdjustHandles="1" noChangeArrowheads="1" noChangeShapeType="1" noTextEdit="1"/>
+          </p:cNvSpPr>
+          <p:nvPr>
+            <p:extLst>
+              <p:ext uri="{386F3935-93C4-4BCD-93E2-E3B085C9AB24}">
+                <p16:designElem xmlns:p16="http://schemas.microsoft.com/office/powerpoint/2015/main" val="1"/>
+              </p:ext>
+            </p:extLst>
+          </p:nvPr>
+        </p:nvSpPr>
+        <p:spPr>
+          <a:xfrm>
+            <a:off x="8200995" y="5310973"/>
+            <a:ext cx="705948" cy="686798"/>
+          </a:xfrm>
+          <a:prstGeom prst="ellipse">
+            <a:avLst/>
+          </a:prstGeom>
+          <a:solidFill>
+            <a:schemeClr val="accent2">
+              <a:lumMod val="75000"/>
+            </a:schemeClr>
+          </a:solidFill>
+          <a:ln>
+            <a:noFill/>
+          </a:ln>
+        </p:spPr>
+        <p:style>
+          <a:lnRef idx="2">
+            <a:schemeClr val="accent1">
+              <a:shade val="50000"/>
+            </a:schemeClr>
+          </a:lnRef>
+          <a:fillRef idx="1">
+            <a:schemeClr val="accent1"/>
+          </a:fillRef>
+          <a:effectRef idx="0">
+            <a:schemeClr val="accent1"/>
+          </a:effectRef>
+          <a:fontRef idx="minor">
+            <a:schemeClr val="lt1"/>
+          </a:fontRef>
+        </p:style>
+        <p:txBody>
+          <a:bodyPr rtlCol="0" anchor="ctr"/>
+          <a:lstStyle/>
+          <a:p>
+            <a:pPr marL="0" marR="0" lvl="0" indent="0" algn="ctr" defTabSz="914400" rtl="0" eaLnBrk="1" fontAlgn="auto" latinLnBrk="0" hangingPunct="1">
+              <a:lnSpc>
+                <a:spcPct val="100000"/>
+              </a:lnSpc>
+              <a:spcBef>
+                <a:spcPts val="0"/>
+              </a:spcBef>
+              <a:spcAft>
+                <a:spcPts val="0"/>
+              </a:spcAft>
+              <a:buClrTx/>
+              <a:buSzTx/>
+              <a:buFontTx/>
+              <a:buNone/>
+              <a:tabLst/>
+              <a:defRPr/>
+            </a:pPr>
+            <a:endParaRPr kumimoji="0" lang="en-US" sz="1800" b="0" i="0" u="none" strike="noStrike" kern="1200" cap="none" spc="0" normalizeH="0" baseline="0" noProof="0">
+              <a:ln>
+                <a:noFill/>
+              </a:ln>
+              <a:solidFill>
+                <a:prstClr val="white"/>
+              </a:solidFill>
+              <a:effectLst/>
+              <a:uLnTx/>
+              <a:uFillTx/>
+              <a:latin typeface="Calibri" panose="020F0502020204030204"/>
+              <a:ea typeface="+mn-ea"/>
+              <a:cs typeface="+mn-cs"/>
+            </a:endParaRPr>
+          </a:p>
+        </p:txBody>
+      </p:sp>
+    </p:spTree>
+    <p:extLst>
+      <p:ext uri="{BB962C8B-B14F-4D97-AF65-F5344CB8AC3E}">
+        <p14:creationId xmlns:p14="http://schemas.microsoft.com/office/powerpoint/2010/main" val="1965395098"/>
       </p:ext>
     </p:extLst>
   </p:cSld>
@@ -11052,6 +12615,35 @@
           </a:p>
         </p:txBody>
       </p:sp>
+      <p:sp>
+        <p:nvSpPr>
+          <p:cNvPr id="3" name="슬라이드 번호 개체 틀 2">
+            <a:extLst>
+              <a:ext uri="{FF2B5EF4-FFF2-40B4-BE49-F238E27FC236}">
+                <a16:creationId xmlns:a16="http://schemas.microsoft.com/office/drawing/2014/main" id="{A1E18358-6E14-5B24-E120-20D086E7A8B6}"/>
+              </a:ext>
+            </a:extLst>
+          </p:cNvPr>
+          <p:cNvSpPr>
+            <a:spLocks noGrp="1"/>
+          </p:cNvSpPr>
+          <p:nvPr>
+            <p:ph type="sldNum" sz="quarter" idx="12"/>
+          </p:nvPr>
+        </p:nvSpPr>
+        <p:spPr/>
+        <p:txBody>
+          <a:bodyPr/>
+          <a:lstStyle/>
+          <a:p>
+            <a:fld id="{4854181D-6920-4594-9A5D-6CE56DC9F8B2}" type="slidenum">
+              <a:rPr lang="en-US" smtClean="0"/>
+              <a:t>2</a:t>
+            </a:fld>
+            <a:endParaRPr lang="en-US"/>
+          </a:p>
+        </p:txBody>
+      </p:sp>
     </p:spTree>
     <p:extLst>
       <p:ext uri="{BB962C8B-B14F-4D97-AF65-F5344CB8AC3E}">
@@ -11115,149 +12707,114 @@
           </a:p>
         </p:txBody>
       </p:sp>
-      <mc:AlternateContent xmlns:mc="http://schemas.openxmlformats.org/markup-compatibility/2006">
-        <mc:Choice xmlns:a14="http://schemas.microsoft.com/office/drawing/2010/main" Requires="a14">
-          <p:sp>
-            <p:nvSpPr>
-              <p:cNvPr id="4" name="내용 개체 틀 3">
-                <a:extLst>
-                  <a:ext uri="{FF2B5EF4-FFF2-40B4-BE49-F238E27FC236}">
-                    <a16:creationId xmlns:a16="http://schemas.microsoft.com/office/drawing/2014/main" id="{57AD6063-7DCA-E482-537E-A088D4109AD9}"/>
-                  </a:ext>
-                </a:extLst>
-              </p:cNvPr>
-              <p:cNvSpPr>
-                <a:spLocks noGrp="1"/>
-              </p:cNvSpPr>
-              <p:nvPr>
-                <p:ph sz="half" idx="1"/>
-              </p:nvPr>
-            </p:nvSpPr>
-            <p:spPr/>
-            <p:txBody>
-              <a:bodyPr anchor="ctr"/>
-              <a:lstStyle/>
-              <a:p>
-                <a:r>
-                  <a:rPr lang="ko-KR" altLang="en-US" b="1" dirty="0"/>
-                  <a:t>이항관계</a:t>
-                </a:r>
-                <a:r>
-                  <a:rPr lang="en-US" altLang="ko-KR" dirty="0"/>
-                  <a:t>: </a:t>
-                </a:r>
-                <a:r>
-                  <a:rPr lang="ko-KR" altLang="en-US" dirty="0"/>
-                  <a:t>한 원소를 다른 한 원소에 대해 짝 지은 것</a:t>
-                </a:r>
-                <a:r>
-                  <a:rPr lang="en-US" altLang="ko-KR" dirty="0"/>
-                  <a:t>.</a:t>
-                </a:r>
-              </a:p>
-              <a:p>
-                <a:r>
-                  <a:rPr lang="ko-KR" altLang="en-US" b="1" dirty="0"/>
-                  <a:t>그래프</a:t>
-                </a:r>
-                <a:r>
-                  <a:rPr lang="en-US" altLang="ko-KR" dirty="0"/>
-                  <a:t>: </a:t>
-                </a:r>
-                <a:r>
-                  <a:rPr lang="ko-KR" altLang="en-US" dirty="0"/>
-                  <a:t>관계의 집합</a:t>
-                </a:r>
-                <a:r>
-                  <a:rPr lang="en-US" altLang="ko-KR" dirty="0"/>
-                  <a:t>; </a:t>
-                </a:r>
-                <a:r>
-                  <a:rPr lang="ko-KR" altLang="en-US" dirty="0"/>
-                  <a:t>두 집합의 </a:t>
-                </a:r>
-                <a:r>
-                  <a:rPr lang="ko-KR" altLang="en-US" dirty="0" err="1"/>
-                  <a:t>가위곱으로</a:t>
-                </a:r>
-                <a:r>
-                  <a:rPr lang="ko-KR" altLang="en-US" dirty="0"/>
-                  <a:t> 나타낸다</a:t>
-                </a:r>
-                <a:r>
-                  <a:rPr lang="en-US" altLang="ko-KR" dirty="0"/>
-                  <a:t>.</a:t>
-                </a:r>
-                <a:br>
-                  <a:rPr lang="en-US" altLang="ko-KR" dirty="0"/>
-                </a:br>
-                <a14:m>
-                  <m:oMath xmlns:m="http://schemas.openxmlformats.org/officeDocument/2006/math">
-                    <m:r>
-                      <a:rPr lang="en-US" altLang="ko-KR" b="0" i="1" smtClean="0">
-                        <a:latin typeface="Cambria Math" panose="02040503050406030204" pitchFamily="18" charset="0"/>
-                      </a:rPr>
-                      <m:t>𝐴</m:t>
-                    </m:r>
-                    <m:r>
-                      <a:rPr lang="en-US" altLang="ko-KR" b="0" i="1" smtClean="0">
-                        <a:latin typeface="Cambria Math" panose="02040503050406030204" pitchFamily="18" charset="0"/>
-                      </a:rPr>
-                      <m:t>×</m:t>
-                    </m:r>
-                    <m:r>
-                      <a:rPr lang="en-US" altLang="ko-KR" b="0" i="1" smtClean="0">
-                        <a:latin typeface="Cambria Math" panose="02040503050406030204" pitchFamily="18" charset="0"/>
-                      </a:rPr>
-                      <m:t>𝐵</m:t>
-                    </m:r>
-                  </m:oMath>
-                </a14:m>
-                <a:endParaRPr lang="en-US" altLang="ko-KR" dirty="0"/>
-              </a:p>
-            </p:txBody>
-          </p:sp>
-        </mc:Choice>
-        <mc:Fallback>
-          <p:sp>
-            <p:nvSpPr>
-              <p:cNvPr id="4" name="내용 개체 틀 3">
-                <a:extLst>
-                  <a:ext uri="{FF2B5EF4-FFF2-40B4-BE49-F238E27FC236}">
-                    <a16:creationId xmlns:a16="http://schemas.microsoft.com/office/drawing/2014/main" id="{57AD6063-7DCA-E482-537E-A088D4109AD9}"/>
-                  </a:ext>
-                </a:extLst>
-              </p:cNvPr>
-              <p:cNvSpPr>
-                <a:spLocks noGrp="1" noRot="1" noChangeAspect="1" noMove="1" noResize="1" noEditPoints="1" noAdjustHandles="1" noChangeArrowheads="1" noChangeShapeType="1" noTextEdit="1"/>
-              </p:cNvSpPr>
-              <p:nvPr>
-                <p:ph sz="half" idx="1"/>
-              </p:nvPr>
-            </p:nvSpPr>
-            <p:spPr>
-              <a:blipFill>
-                <a:blip r:embed="rId2"/>
-                <a:stretch>
-                  <a:fillRect l="-1294"/>
-                </a:stretch>
-              </a:blipFill>
-            </p:spPr>
-            <p:txBody>
-              <a:bodyPr/>
-              <a:lstStyle/>
-              <a:p>
-                <a:r>
-                  <a:rPr lang="ko-KR" altLang="en-US">
-                    <a:noFill/>
-                  </a:rPr>
-                  <a:t> </a:t>
-                </a:r>
-              </a:p>
-            </p:txBody>
-          </p:sp>
-        </mc:Fallback>
-      </mc:AlternateContent>
+      <p:sp>
+        <p:nvSpPr>
+          <p:cNvPr id="4" name="내용 개체 틀 3">
+            <a:extLst>
+              <a:ext uri="{FF2B5EF4-FFF2-40B4-BE49-F238E27FC236}">
+                <a16:creationId xmlns:a16="http://schemas.microsoft.com/office/drawing/2014/main" id="{57AD6063-7DCA-E482-537E-A088D4109AD9}"/>
+              </a:ext>
+            </a:extLst>
+          </p:cNvPr>
+          <p:cNvSpPr>
+            <a:spLocks noGrp="1"/>
+          </p:cNvSpPr>
+          <p:nvPr>
+            <p:ph sz="half" idx="1"/>
+          </p:nvPr>
+        </p:nvSpPr>
+        <p:spPr/>
+        <p:txBody>
+          <a:bodyPr anchor="ctr"/>
+          <a:lstStyle/>
+          <a:p>
+            <a:r>
+              <a:rPr lang="ko-KR" altLang="en-US" b="1" dirty="0"/>
+              <a:t>이항관계</a:t>
+            </a:r>
+            <a:r>
+              <a:rPr lang="en-US" altLang="ko-KR" dirty="0"/>
+              <a:t>: </a:t>
+            </a:r>
+            <a:r>
+              <a:rPr lang="ko-KR" altLang="en-US" dirty="0"/>
+              <a:t>한 원소를 다른 한 원소에 대해 짝 지은 것</a:t>
+            </a:r>
+            <a:r>
+              <a:rPr lang="en-US" altLang="ko-KR" dirty="0"/>
+              <a:t>.</a:t>
+            </a:r>
+          </a:p>
+          <a:p>
+            <a:r>
+              <a:rPr lang="ko-KR" altLang="en-US" b="1" dirty="0"/>
+              <a:t>그래프</a:t>
+            </a:r>
+            <a:r>
+              <a:rPr lang="en-US" altLang="ko-KR" dirty="0"/>
+              <a:t>: </a:t>
+            </a:r>
+            <a:r>
+              <a:rPr lang="ko-KR" altLang="en-US" dirty="0"/>
+              <a:t>관계의 집합</a:t>
+            </a:r>
+            <a:r>
+              <a:rPr lang="en-US" altLang="ko-KR" dirty="0"/>
+              <a:t>.</a:t>
+            </a:r>
+          </a:p>
+          <a:p>
+            <a:r>
+              <a:rPr lang="ko-KR" altLang="en-US" dirty="0">
+                <a:solidFill>
+                  <a:srgbClr val="FF0000"/>
+                </a:solidFill>
+              </a:rPr>
+              <a:t>주의</a:t>
+            </a:r>
+            <a:r>
+              <a:rPr lang="en-US" altLang="ko-KR" dirty="0">
+                <a:solidFill>
+                  <a:srgbClr val="FF0000"/>
+                </a:solidFill>
+              </a:rPr>
+              <a:t>: </a:t>
+            </a:r>
+            <a:r>
+              <a:rPr lang="ko-KR" altLang="en-US" dirty="0">
+                <a:solidFill>
+                  <a:srgbClr val="FF0000"/>
+                </a:solidFill>
+              </a:rPr>
+              <a:t>그래프 ⊆ </a:t>
+            </a:r>
+            <a:r>
+              <a:rPr lang="ko-KR" altLang="en-US" dirty="0" err="1">
+                <a:solidFill>
+                  <a:srgbClr val="FF0000"/>
+                </a:solidFill>
+              </a:rPr>
+              <a:t>카르테시안</a:t>
+            </a:r>
+            <a:r>
+              <a:rPr lang="ko-KR" altLang="en-US" dirty="0">
+                <a:solidFill>
+                  <a:srgbClr val="FF0000"/>
+                </a:solidFill>
+              </a:rPr>
+              <a:t> 곱</a:t>
+            </a:r>
+            <a:r>
+              <a:rPr lang="en-US" altLang="ko-KR" dirty="0">
+                <a:solidFill>
+                  <a:srgbClr val="FF0000"/>
+                </a:solidFill>
+              </a:rPr>
+              <a:t>.</a:t>
+            </a:r>
+          </a:p>
+        </p:txBody>
+      </p:sp>
       <mc:AlternateContent xmlns:mc="http://schemas.openxmlformats.org/markup-compatibility/2006" xmlns:a14="http://schemas.microsoft.com/office/drawing/2010/main">
         <mc:Choice Requires="a14">
           <p:sp>
@@ -11342,19 +12899,7 @@
                           <a:rPr lang="en-US" altLang="ko-KR" b="0" i="1" smtClean="0">
                             <a:latin typeface="Cambria Math" panose="02040503050406030204" pitchFamily="18" charset="0"/>
                           </a:rPr>
-                          <m:t>1</m:t>
-                        </m:r>
-                        <m:r>
-                          <a:rPr lang="en-US" altLang="ko-KR" b="0" i="1" smtClean="0">
-                            <a:latin typeface="Cambria Math" panose="02040503050406030204" pitchFamily="18" charset="0"/>
-                          </a:rPr>
-                          <m:t>,</m:t>
-                        </m:r>
-                        <m:r>
-                          <a:rPr lang="en-US" altLang="ko-KR" b="0" i="1" smtClean="0">
-                            <a:latin typeface="Cambria Math" panose="02040503050406030204" pitchFamily="18" charset="0"/>
-                          </a:rPr>
-                          <m:t>2</m:t>
+                          <m:t>1,2</m:t>
                         </m:r>
                       </m:e>
                     </m:d>
@@ -11377,13 +12922,7 @@
                           <a:rPr lang="en-US" altLang="ko-KR" b="0" i="1" smtClean="0">
                             <a:latin typeface="Cambria Math" panose="02040503050406030204" pitchFamily="18" charset="0"/>
                           </a:rPr>
-                          <m:t>1</m:t>
-                        </m:r>
-                        <m:r>
-                          <a:rPr lang="en-US" altLang="ko-KR" b="0" i="1" smtClean="0">
-                            <a:latin typeface="Cambria Math" panose="02040503050406030204" pitchFamily="18" charset="0"/>
-                          </a:rPr>
-                          <m:t>,</m:t>
+                          <m:t>1,</m:t>
                         </m:r>
                         <m:r>
                           <a:rPr lang="en-US" altLang="ko-KR" b="0" i="1" smtClean="0">
@@ -11555,6 +13094,35 @@
           </p:sp>
         </mc:Fallback>
       </mc:AlternateContent>
+      <p:sp>
+        <p:nvSpPr>
+          <p:cNvPr id="6" name="슬라이드 번호 개체 틀 5">
+            <a:extLst>
+              <a:ext uri="{FF2B5EF4-FFF2-40B4-BE49-F238E27FC236}">
+                <a16:creationId xmlns:a16="http://schemas.microsoft.com/office/drawing/2014/main" id="{201713F7-F41E-294F-F1C7-3061444A9B2F}"/>
+              </a:ext>
+            </a:extLst>
+          </p:cNvPr>
+          <p:cNvSpPr>
+            <a:spLocks noGrp="1"/>
+          </p:cNvSpPr>
+          <p:nvPr>
+            <p:ph type="sldNum" sz="quarter" idx="12"/>
+          </p:nvPr>
+        </p:nvSpPr>
+        <p:spPr/>
+        <p:txBody>
+          <a:bodyPr/>
+          <a:lstStyle/>
+          <a:p>
+            <a:fld id="{4854181D-6920-4594-9A5D-6CE56DC9F8B2}" type="slidenum">
+              <a:rPr lang="en-US" smtClean="0"/>
+              <a:t>3</a:t>
+            </a:fld>
+            <a:endParaRPr lang="en-US"/>
+          </a:p>
+        </p:txBody>
+      </p:sp>
     </p:spTree>
     <p:extLst>
       <p:ext uri="{BB962C8B-B14F-4D97-AF65-F5344CB8AC3E}">
@@ -11618,8 +13186,8 @@
           </a:p>
         </p:txBody>
       </p:sp>
-      <mc:AlternateContent xmlns:mc="http://schemas.openxmlformats.org/markup-compatibility/2006" xmlns:a14="http://schemas.microsoft.com/office/drawing/2010/main">
-        <mc:Choice Requires="a14">
+      <mc:AlternateContent xmlns:mc="http://schemas.openxmlformats.org/markup-compatibility/2006">
+        <mc:Choice xmlns:a14="http://schemas.microsoft.com/office/drawing/2010/main" Requires="a14">
           <p:sp>
             <p:nvSpPr>
               <p:cNvPr id="3" name="내용 개체 틀 2">
@@ -11736,21 +13304,7 @@
                           <a:rPr lang="en-US" altLang="ko-KR" sz="2000" b="0" i="1" smtClean="0">
                             <a:latin typeface="Cambria Math" panose="02040503050406030204" pitchFamily="18" charset="0"/>
                           </a:rPr>
-                          <m:t>𝐴</m:t>
-                        </m:r>
-                        <m:r>
-                          <a:rPr lang="en-US" altLang="ko-KR" sz="2000" b="0" i="1" smtClean="0">
-                            <a:latin typeface="Cambria Math" panose="02040503050406030204" pitchFamily="18" charset="0"/>
-                            <a:ea typeface="Cambria Math" panose="02040503050406030204" pitchFamily="18" charset="0"/>
-                          </a:rPr>
-                          <m:t>×</m:t>
-                        </m:r>
-                        <m:r>
-                          <a:rPr lang="en-US" altLang="ko-KR" sz="2000" b="0" i="1" smtClean="0">
-                            <a:latin typeface="Cambria Math" panose="02040503050406030204" pitchFamily="18" charset="0"/>
-                            <a:ea typeface="Cambria Math" panose="02040503050406030204" pitchFamily="18" charset="0"/>
-                          </a:rPr>
-                          <m:t>𝐴</m:t>
+                          <m:t>𝑅</m:t>
                         </m:r>
                       </m:e>
                     </m:d>
@@ -11901,19 +13455,7 @@
                           <a:rPr lang="en-US" altLang="ko-KR" sz="2000" b="0" i="1" smtClean="0">
                             <a:latin typeface="Cambria Math" panose="02040503050406030204" pitchFamily="18" charset="0"/>
                           </a:rPr>
-                          <m:t>𝐴</m:t>
-                        </m:r>
-                        <m:r>
-                          <a:rPr lang="en-US" altLang="ko-KR" sz="2000" b="0" i="1" smtClean="0">
-                            <a:latin typeface="Cambria Math" panose="02040503050406030204" pitchFamily="18" charset="0"/>
-                          </a:rPr>
-                          <m:t>×</m:t>
-                        </m:r>
-                        <m:r>
-                          <a:rPr lang="en-US" altLang="ko-KR" sz="2000" b="0" i="1" smtClean="0">
-                            <a:latin typeface="Cambria Math" panose="02040503050406030204" pitchFamily="18" charset="0"/>
-                          </a:rPr>
-                          <m:t>𝐴</m:t>
+                          <m:t>𝑅</m:t>
                         </m:r>
                       </m:e>
                     </m:d>
@@ -12076,19 +13618,7 @@
                           <a:rPr lang="en-US" altLang="ko-KR" sz="2000" b="0" i="1" smtClean="0">
                             <a:latin typeface="Cambria Math" panose="02040503050406030204" pitchFamily="18" charset="0"/>
                           </a:rPr>
-                          <m:t>𝐴</m:t>
-                        </m:r>
-                        <m:r>
-                          <a:rPr lang="en-US" altLang="ko-KR" sz="2000" b="0" i="1" smtClean="0">
-                            <a:latin typeface="Cambria Math" panose="02040503050406030204" pitchFamily="18" charset="0"/>
-                          </a:rPr>
-                          <m:t>×</m:t>
-                        </m:r>
-                        <m:r>
-                          <a:rPr lang="en-US" altLang="ko-KR" sz="2000" b="0" i="1" smtClean="0">
-                            <a:latin typeface="Cambria Math" panose="02040503050406030204" pitchFamily="18" charset="0"/>
-                          </a:rPr>
-                          <m:t>𝐴</m:t>
+                          <m:t>𝑅</m:t>
                         </m:r>
                         <m:r>
                           <a:rPr lang="en-US" altLang="ko-KR" sz="2000" b="0" i="1" smtClean="0">
@@ -12135,19 +13665,7 @@
                           <a:rPr lang="en-US" altLang="ko-KR" sz="2000" b="0" i="1" smtClean="0">
                             <a:latin typeface="Cambria Math" panose="02040503050406030204" pitchFamily="18" charset="0"/>
                           </a:rPr>
-                          <m:t>𝐴</m:t>
-                        </m:r>
-                        <m:r>
-                          <a:rPr lang="en-US" altLang="ko-KR" sz="2000" b="0" i="1" smtClean="0">
-                            <a:latin typeface="Cambria Math" panose="02040503050406030204" pitchFamily="18" charset="0"/>
-                          </a:rPr>
-                          <m:t>×</m:t>
-                        </m:r>
-                        <m:r>
-                          <a:rPr lang="en-US" altLang="ko-KR" sz="2000" b="0" i="1" smtClean="0">
-                            <a:latin typeface="Cambria Math" panose="02040503050406030204" pitchFamily="18" charset="0"/>
-                          </a:rPr>
-                          <m:t>𝐴</m:t>
+                          <m:t>𝑅</m:t>
                         </m:r>
                       </m:e>
                     </m:d>
@@ -12210,7 +13728,7 @@
             </p:txBody>
           </p:sp>
         </mc:Choice>
-        <mc:Fallback xmlns="">
+        <mc:Fallback>
           <p:sp>
             <p:nvSpPr>
               <p:cNvPr id="3" name="내용 개체 틀 2">
@@ -12250,6 +13768,35 @@
           </p:sp>
         </mc:Fallback>
       </mc:AlternateContent>
+      <p:sp>
+        <p:nvSpPr>
+          <p:cNvPr id="5" name="슬라이드 번호 개체 틀 4">
+            <a:extLst>
+              <a:ext uri="{FF2B5EF4-FFF2-40B4-BE49-F238E27FC236}">
+                <a16:creationId xmlns:a16="http://schemas.microsoft.com/office/drawing/2014/main" id="{4678FF5E-378C-4574-8214-87E0E535EB0C}"/>
+              </a:ext>
+            </a:extLst>
+          </p:cNvPr>
+          <p:cNvSpPr>
+            <a:spLocks noGrp="1"/>
+          </p:cNvSpPr>
+          <p:nvPr>
+            <p:ph type="sldNum" sz="quarter" idx="12"/>
+          </p:nvPr>
+        </p:nvSpPr>
+        <p:spPr/>
+        <p:txBody>
+          <a:bodyPr/>
+          <a:lstStyle/>
+          <a:p>
+            <a:fld id="{4854181D-6920-4594-9A5D-6CE56DC9F8B2}" type="slidenum">
+              <a:rPr lang="en-US" smtClean="0"/>
+              <a:t>4</a:t>
+            </a:fld>
+            <a:endParaRPr lang="en-US"/>
+          </a:p>
+        </p:txBody>
+      </p:sp>
     </p:spTree>
     <p:extLst>
       <p:ext uri="{BB962C8B-B14F-4D97-AF65-F5344CB8AC3E}">
@@ -12491,7 +14038,7 @@
                 </a:r>
                 <a:r>
                   <a:rPr lang="ko-KR" altLang="en-US" dirty="0"/>
-                  <a:t>같다고 간주되는 수들은 그 주기가 나누는 수와 같음</a:t>
+                  <a:t>같다고 간주되는 수들은 그 주기가 제수와 같음</a:t>
                 </a:r>
                 <a:r>
                   <a:rPr lang="en-US" altLang="ko-KR" dirty="0"/>
@@ -12541,6 +14088,35 @@
           </p:sp>
         </mc:Fallback>
       </mc:AlternateContent>
+      <p:sp>
+        <p:nvSpPr>
+          <p:cNvPr id="5" name="슬라이드 번호 개체 틀 4">
+            <a:extLst>
+              <a:ext uri="{FF2B5EF4-FFF2-40B4-BE49-F238E27FC236}">
+                <a16:creationId xmlns:a16="http://schemas.microsoft.com/office/drawing/2014/main" id="{398C3710-EDDB-89EC-BA3E-36E4DDC1BE0B}"/>
+              </a:ext>
+            </a:extLst>
+          </p:cNvPr>
+          <p:cNvSpPr>
+            <a:spLocks noGrp="1"/>
+          </p:cNvSpPr>
+          <p:nvPr>
+            <p:ph type="sldNum" sz="quarter" idx="12"/>
+          </p:nvPr>
+        </p:nvSpPr>
+        <p:spPr/>
+        <p:txBody>
+          <a:bodyPr/>
+          <a:lstStyle/>
+          <a:p>
+            <a:fld id="{4854181D-6920-4594-9A5D-6CE56DC9F8B2}" type="slidenum">
+              <a:rPr lang="en-US" smtClean="0"/>
+              <a:t>5</a:t>
+            </a:fld>
+            <a:endParaRPr lang="en-US"/>
+          </a:p>
+        </p:txBody>
+      </p:sp>
     </p:spTree>
     <p:extLst>
       <p:ext uri="{BB962C8B-B14F-4D97-AF65-F5344CB8AC3E}">
@@ -12709,6 +14285,135 @@
                   <a:t>.</a:t>
                 </a:r>
               </a:p>
+              <a:p>
+                <a:r>
+                  <a:rPr lang="ko-KR" altLang="en-US" dirty="0"/>
+                  <a:t>경우에 따라서는 역수를 정의할 수도 있음</a:t>
+                </a:r>
+                <a:r>
+                  <a:rPr lang="en-US" altLang="ko-KR" dirty="0"/>
+                  <a:t>. (</a:t>
+                </a:r>
+                <a:r>
+                  <a:rPr lang="ko-KR" altLang="en-US" dirty="0"/>
+                  <a:t>중요</a:t>
+                </a:r>
+                <a:r>
+                  <a:rPr lang="en-US" altLang="ko-KR" dirty="0"/>
+                  <a:t>!!)</a:t>
+                </a:r>
+                <a:br>
+                  <a:rPr lang="en-US" altLang="ko-KR" dirty="0"/>
+                </a:br>
+                <a:r>
+                  <a:rPr lang="ko-KR" altLang="en-US" dirty="0"/>
+                  <a:t>예</a:t>
+                </a:r>
+                <a:r>
+                  <a:rPr lang="en-US" altLang="ko-KR" dirty="0"/>
+                  <a:t>) </a:t>
+                </a:r>
+                <a14:m>
+                  <m:oMath xmlns:m="http://schemas.openxmlformats.org/officeDocument/2006/math">
+                    <m:r>
+                      <a:rPr lang="en-US" altLang="ko-KR" b="0" i="1" smtClean="0">
+                        <a:latin typeface="Cambria Math" panose="02040503050406030204" pitchFamily="18" charset="0"/>
+                      </a:rPr>
+                      <m:t>3⋅11≡8</m:t>
+                    </m:r>
+                    <m:d>
+                      <m:dPr>
+                        <m:ctrlPr>
+                          <a:rPr lang="en-US" altLang="ko-KR" b="0" i="1" smtClean="0">
+                            <a:latin typeface="Cambria Math" panose="02040503050406030204" pitchFamily="18" charset="0"/>
+                          </a:rPr>
+                        </m:ctrlPr>
+                      </m:dPr>
+                      <m:e>
+                        <m:r>
+                          <m:rPr>
+                            <m:sty m:val="p"/>
+                          </m:rPr>
+                          <a:rPr lang="en-US" altLang="ko-KR" b="0" i="1" smtClean="0">
+                            <a:latin typeface="Cambria Math" panose="02040503050406030204" pitchFamily="18" charset="0"/>
+                          </a:rPr>
+                          <m:t>mod</m:t>
+                        </m:r>
+                        <m:r>
+                          <a:rPr lang="en-US" altLang="ko-KR" b="0" i="1" smtClean="0">
+                            <a:latin typeface="Cambria Math" panose="02040503050406030204" pitchFamily="18" charset="0"/>
+                          </a:rPr>
+                          <m:t> 25</m:t>
+                        </m:r>
+                      </m:e>
+                    </m:d>
+                    <m:r>
+                      <a:rPr lang="en-US" altLang="ko-KR" b="0" i="1" smtClean="0">
+                        <a:latin typeface="Cambria Math" panose="02040503050406030204" pitchFamily="18" charset="0"/>
+                      </a:rPr>
+                      <m:t>⇔11≡</m:t>
+                    </m:r>
+                    <m:sSup>
+                      <m:sSupPr>
+                        <m:ctrlPr>
+                          <a:rPr lang="en-US" altLang="ko-KR" b="0" i="1" smtClean="0">
+                            <a:latin typeface="Cambria Math" panose="02040503050406030204" pitchFamily="18" charset="0"/>
+                          </a:rPr>
+                        </m:ctrlPr>
+                      </m:sSupPr>
+                      <m:e>
+                        <m:r>
+                          <a:rPr lang="en-US" altLang="ko-KR" b="0" i="1" smtClean="0">
+                            <a:latin typeface="Cambria Math" panose="02040503050406030204" pitchFamily="18" charset="0"/>
+                          </a:rPr>
+                          <m:t>3</m:t>
+                        </m:r>
+                      </m:e>
+                      <m:sup>
+                        <m:r>
+                          <a:rPr lang="en-US" altLang="ko-KR" b="0" i="1" smtClean="0">
+                            <a:latin typeface="Cambria Math" panose="02040503050406030204" pitchFamily="18" charset="0"/>
+                          </a:rPr>
+                          <m:t>−1</m:t>
+                        </m:r>
+                      </m:sup>
+                    </m:sSup>
+                    <m:r>
+                      <a:rPr lang="en-US" altLang="ko-KR" b="0" i="1" smtClean="0">
+                        <a:latin typeface="Cambria Math" panose="02040503050406030204" pitchFamily="18" charset="0"/>
+                      </a:rPr>
+                      <m:t>⋅8</m:t>
+                    </m:r>
+                    <m:d>
+                      <m:dPr>
+                        <m:ctrlPr>
+                          <a:rPr lang="en-US" altLang="ko-KR" b="0" i="1" smtClean="0">
+                            <a:latin typeface="Cambria Math" panose="02040503050406030204" pitchFamily="18" charset="0"/>
+                          </a:rPr>
+                        </m:ctrlPr>
+                      </m:dPr>
+                      <m:e>
+                        <m:r>
+                          <m:rPr>
+                            <m:sty m:val="p"/>
+                          </m:rPr>
+                          <a:rPr lang="en-US" altLang="ko-KR" b="0" i="1" smtClean="0">
+                            <a:latin typeface="Cambria Math" panose="02040503050406030204" pitchFamily="18" charset="0"/>
+                          </a:rPr>
+                          <m:t>mod</m:t>
+                        </m:r>
+                        <m:r>
+                          <a:rPr lang="en-US" altLang="ko-KR" b="0" i="1" smtClean="0">
+                            <a:latin typeface="Cambria Math" panose="02040503050406030204" pitchFamily="18" charset="0"/>
+                          </a:rPr>
+                          <m:t> 25</m:t>
+                        </m:r>
+                      </m:e>
+                    </m:d>
+                  </m:oMath>
+                </a14:m>
+                <a:endParaRPr lang="en-US" altLang="ko-KR" dirty="0"/>
+              </a:p>
             </p:txBody>
           </p:sp>
         </mc:Choice>
@@ -12752,6 +14457,35 @@
           </p:sp>
         </mc:Fallback>
       </mc:AlternateContent>
+      <p:sp>
+        <p:nvSpPr>
+          <p:cNvPr id="5" name="슬라이드 번호 개체 틀 4">
+            <a:extLst>
+              <a:ext uri="{FF2B5EF4-FFF2-40B4-BE49-F238E27FC236}">
+                <a16:creationId xmlns:a16="http://schemas.microsoft.com/office/drawing/2014/main" id="{0192D25B-43AF-5B87-6648-6D28FAB6C242}"/>
+              </a:ext>
+            </a:extLst>
+          </p:cNvPr>
+          <p:cNvSpPr>
+            <a:spLocks noGrp="1"/>
+          </p:cNvSpPr>
+          <p:nvPr>
+            <p:ph type="sldNum" sz="quarter" idx="12"/>
+          </p:nvPr>
+        </p:nvSpPr>
+        <p:spPr/>
+        <p:txBody>
+          <a:bodyPr/>
+          <a:lstStyle/>
+          <a:p>
+            <a:fld id="{4854181D-6920-4594-9A5D-6CE56DC9F8B2}" type="slidenum">
+              <a:rPr lang="en-US" smtClean="0"/>
+              <a:t>6</a:t>
+            </a:fld>
+            <a:endParaRPr lang="en-US"/>
+          </a:p>
+        </p:txBody>
+      </p:sp>
     </p:spTree>
     <p:extLst>
       <p:ext uri="{BB962C8B-B14F-4D97-AF65-F5344CB8AC3E}">
@@ -13038,6 +14772,35 @@
           </p:sp>
         </mc:Fallback>
       </mc:AlternateContent>
+      <p:sp>
+        <p:nvSpPr>
+          <p:cNvPr id="5" name="슬라이드 번호 개체 틀 4">
+            <a:extLst>
+              <a:ext uri="{FF2B5EF4-FFF2-40B4-BE49-F238E27FC236}">
+                <a16:creationId xmlns:a16="http://schemas.microsoft.com/office/drawing/2014/main" id="{BBA8DE8C-578C-66EE-EA18-873F27DE0794}"/>
+              </a:ext>
+            </a:extLst>
+          </p:cNvPr>
+          <p:cNvSpPr>
+            <a:spLocks noGrp="1"/>
+          </p:cNvSpPr>
+          <p:nvPr>
+            <p:ph type="sldNum" sz="quarter" idx="12"/>
+          </p:nvPr>
+        </p:nvSpPr>
+        <p:spPr/>
+        <p:txBody>
+          <a:bodyPr/>
+          <a:lstStyle/>
+          <a:p>
+            <a:fld id="{4854181D-6920-4594-9A5D-6CE56DC9F8B2}" type="slidenum">
+              <a:rPr lang="en-US" smtClean="0"/>
+              <a:t>7</a:t>
+            </a:fld>
+            <a:endParaRPr lang="en-US"/>
+          </a:p>
+        </p:txBody>
+      </p:sp>
     </p:spTree>
     <p:extLst>
       <p:ext uri="{BB962C8B-B14F-4D97-AF65-F5344CB8AC3E}">
@@ -13096,8 +14859,8 @@
           </a:p>
         </p:txBody>
       </p:sp>
-      <mc:AlternateContent xmlns:mc="http://schemas.openxmlformats.org/markup-compatibility/2006">
-        <mc:Choice xmlns:a14="http://schemas.microsoft.com/office/drawing/2010/main" Requires="a14">
+      <mc:AlternateContent xmlns:mc="http://schemas.openxmlformats.org/markup-compatibility/2006" xmlns:a14="http://schemas.microsoft.com/office/drawing/2010/main">
+        <mc:Choice Requires="a14">
           <p:sp>
             <p:nvSpPr>
               <p:cNvPr id="3" name="내용 개체 틀 2">
@@ -13111,7 +14874,7 @@
                 <a:spLocks noGrp="1"/>
               </p:cNvSpPr>
               <p:nvPr>
-                <p:ph idx="1"/>
+                <p:ph sz="half" idx="1"/>
               </p:nvPr>
             </p:nvSpPr>
             <p:spPr/>
@@ -13243,39 +15006,17 @@
                 </a:r>
                 <a:r>
                   <a:rPr lang="ko-KR" altLang="en-US" dirty="0"/>
-                  <a:t>이 나왔을 때의 제수가 최대공약수</a:t>
+                  <a:t>이 나왔을 때의 除數가 최대공약수</a:t>
                 </a:r>
                 <a:r>
                   <a:rPr lang="en-US" altLang="ko-KR" dirty="0"/>
                   <a:t>.</a:t>
                 </a:r>
               </a:p>
-              <a:p>
-                <a:r>
-                  <a:rPr lang="ko-KR" altLang="en-US" dirty="0"/>
-                  <a:t>예</a:t>
-                </a:r>
-                <a:r>
-                  <a:rPr lang="en-US" altLang="ko-KR" dirty="0"/>
-                  <a:t>) 132 mod 84 = 48; 84 mod 48 = 36; 48 mod 36 = 12; 36 mod 12 = 0;</a:t>
-                </a:r>
-                <a:br>
-                  <a:rPr lang="en-US" altLang="ko-KR" dirty="0"/>
-                </a:br>
-                <a:r>
-                  <a:rPr lang="en-US" altLang="ko-KR" dirty="0" err="1"/>
-                  <a:t>gcd</a:t>
-                </a:r>
-                <a:r>
-                  <a:rPr lang="en-US" altLang="ko-KR" dirty="0"/>
-                  <a:t>(132, 84) = 12</a:t>
-                </a:r>
-                <a:endParaRPr lang="ko-KR" altLang="en-US" dirty="0"/>
-              </a:p>
             </p:txBody>
           </p:sp>
         </mc:Choice>
-        <mc:Fallback>
+        <mc:Fallback xmlns="">
           <p:sp>
             <p:nvSpPr>
               <p:cNvPr id="3" name="내용 개체 틀 2">
@@ -13289,14 +15030,14 @@
                 <a:spLocks noGrp="1" noRot="1" noChangeAspect="1" noMove="1" noResize="1" noEditPoints="1" noAdjustHandles="1" noChangeArrowheads="1" noChangeShapeType="1" noTextEdit="1"/>
               </p:cNvSpPr>
               <p:nvPr>
-                <p:ph idx="1"/>
+                <p:ph sz="half" idx="1"/>
               </p:nvPr>
             </p:nvSpPr>
             <p:spPr>
               <a:blipFill>
                 <a:blip r:embed="rId2"/>
                 <a:stretch>
-                  <a:fillRect l="-638"/>
+                  <a:fillRect l="-1294" r="-235"/>
                 </a:stretch>
               </a:blipFill>
             </p:spPr>
@@ -13315,6 +15056,114 @@
           </p:sp>
         </mc:Fallback>
       </mc:AlternateContent>
+      <p:sp>
+        <p:nvSpPr>
+          <p:cNvPr id="4" name="내용 개체 틀 3">
+            <a:extLst>
+              <a:ext uri="{FF2B5EF4-FFF2-40B4-BE49-F238E27FC236}">
+                <a16:creationId xmlns:a16="http://schemas.microsoft.com/office/drawing/2014/main" id="{20A760A2-1C5C-AFF2-2561-CF35411BF05B}"/>
+              </a:ext>
+            </a:extLst>
+          </p:cNvPr>
+          <p:cNvSpPr>
+            <a:spLocks noGrp="1"/>
+          </p:cNvSpPr>
+          <p:nvPr>
+            <p:ph sz="half" idx="2"/>
+          </p:nvPr>
+        </p:nvSpPr>
+        <p:spPr/>
+        <p:txBody>
+          <a:bodyPr anchor="ctr"/>
+          <a:lstStyle/>
+          <a:p>
+            <a:r>
+              <a:rPr lang="ko-KR" altLang="en-US" dirty="0"/>
+              <a:t>예</a:t>
+            </a:r>
+            <a:r>
+              <a:rPr lang="en-US" altLang="ko-KR" dirty="0"/>
+              <a:t>)</a:t>
+            </a:r>
+            <a:br>
+              <a:rPr lang="en-US" altLang="ko-KR" dirty="0"/>
+            </a:br>
+            <a:r>
+              <a:rPr lang="en-US" altLang="ko-KR" dirty="0"/>
+              <a:t>132 mod 84 = 48</a:t>
+            </a:r>
+            <a:br>
+              <a:rPr lang="en-US" altLang="ko-KR" dirty="0"/>
+            </a:br>
+            <a:r>
+              <a:rPr lang="en-US" altLang="ko-KR" dirty="0"/>
+              <a:t>84 mod 48 = 36</a:t>
+            </a:r>
+            <a:br>
+              <a:rPr lang="en-US" altLang="ko-KR" dirty="0"/>
+            </a:br>
+            <a:r>
+              <a:rPr lang="en-US" altLang="ko-KR" dirty="0"/>
+              <a:t>48 mod 36 = 12</a:t>
+            </a:r>
+            <a:br>
+              <a:rPr lang="en-US" altLang="ko-KR" dirty="0"/>
+            </a:br>
+            <a:r>
+              <a:rPr lang="en-US" altLang="ko-KR" dirty="0"/>
+              <a:t>36 mod 12 = 0</a:t>
+            </a:r>
+            <a:br>
+              <a:rPr lang="en-US" altLang="ko-KR" dirty="0"/>
+            </a:br>
+            <a:r>
+              <a:rPr lang="ko-KR" altLang="en-US" dirty="0"/>
+              <a:t>∴ </a:t>
+            </a:r>
+            <a:r>
+              <a:rPr lang="en-US" altLang="ko-KR" dirty="0" err="1"/>
+              <a:t>gcd</a:t>
+            </a:r>
+            <a:r>
+              <a:rPr lang="en-US" altLang="ko-KR" dirty="0"/>
+              <a:t>(132, 84) = 12</a:t>
+            </a:r>
+            <a:endParaRPr lang="ko-KR" altLang="en-US" dirty="0"/>
+          </a:p>
+          <a:p>
+            <a:endParaRPr lang="ko-KR" altLang="en-US" dirty="0"/>
+          </a:p>
+        </p:txBody>
+      </p:sp>
+      <p:sp>
+        <p:nvSpPr>
+          <p:cNvPr id="6" name="슬라이드 번호 개체 틀 5">
+            <a:extLst>
+              <a:ext uri="{FF2B5EF4-FFF2-40B4-BE49-F238E27FC236}">
+                <a16:creationId xmlns:a16="http://schemas.microsoft.com/office/drawing/2014/main" id="{4A267A09-AAB8-520C-605F-F8A25570F50B}"/>
+              </a:ext>
+            </a:extLst>
+          </p:cNvPr>
+          <p:cNvSpPr>
+            <a:spLocks noGrp="1"/>
+          </p:cNvSpPr>
+          <p:nvPr>
+            <p:ph type="sldNum" sz="quarter" idx="12"/>
+          </p:nvPr>
+        </p:nvSpPr>
+        <p:spPr/>
+        <p:txBody>
+          <a:bodyPr/>
+          <a:lstStyle/>
+          <a:p>
+            <a:fld id="{4854181D-6920-4594-9A5D-6CE56DC9F8B2}" type="slidenum">
+              <a:rPr lang="en-US" smtClean="0"/>
+              <a:t>8</a:t>
+            </a:fld>
+            <a:endParaRPr lang="en-US"/>
+          </a:p>
+        </p:txBody>
+      </p:sp>
     </p:spTree>
     <p:extLst>
       <p:ext uri="{BB962C8B-B14F-4D97-AF65-F5344CB8AC3E}">
@@ -13377,8 +15226,8 @@
           </a:p>
         </p:txBody>
       </p:sp>
-      <mc:AlternateContent xmlns:mc="http://schemas.openxmlformats.org/markup-compatibility/2006">
-        <mc:Choice xmlns:a14="http://schemas.microsoft.com/office/drawing/2010/main" Requires="a14">
+      <mc:AlternateContent xmlns:mc="http://schemas.openxmlformats.org/markup-compatibility/2006" xmlns:a14="http://schemas.microsoft.com/office/drawing/2010/main">
+        <mc:Choice Requires="a14">
           <p:sp>
             <p:nvSpPr>
               <p:cNvPr id="3" name="내용 개체 틀 2">
@@ -13448,19 +15297,7 @@
                       <a:rPr lang="en-US" altLang="ko-KR" b="0" i="1" smtClean="0">
                         <a:latin typeface="Cambria Math" panose="02040503050406030204" pitchFamily="18" charset="0"/>
                       </a:rPr>
-                      <m:t>≡</m:t>
-                    </m:r>
-                    <m:r>
-                      <a:rPr lang="en-US" altLang="ko-KR" b="0" i="1" smtClean="0">
-                        <a:latin typeface="Cambria Math" panose="02040503050406030204" pitchFamily="18" charset="0"/>
-                      </a:rPr>
-                      <m:t>1</m:t>
-                    </m:r>
-                    <m:r>
-                      <a:rPr lang="en-US" altLang="ko-KR" b="0" i="1" smtClean="0">
-                        <a:latin typeface="Cambria Math" panose="02040503050406030204" pitchFamily="18" charset="0"/>
-                      </a:rPr>
-                      <m:t> </m:t>
+                      <m:t>≡1 </m:t>
                     </m:r>
                     <m:d>
                       <m:dPr>
@@ -13551,7 +15388,7 @@
             </p:txBody>
           </p:sp>
         </mc:Choice>
-        <mc:Fallback>
+        <mc:Fallback xmlns="">
           <p:sp>
             <p:nvSpPr>
               <p:cNvPr id="3" name="내용 개체 틀 2">
@@ -13591,6 +15428,35 @@
           </p:sp>
         </mc:Fallback>
       </mc:AlternateContent>
+      <p:sp>
+        <p:nvSpPr>
+          <p:cNvPr id="5" name="슬라이드 번호 개체 틀 4">
+            <a:extLst>
+              <a:ext uri="{FF2B5EF4-FFF2-40B4-BE49-F238E27FC236}">
+                <a16:creationId xmlns:a16="http://schemas.microsoft.com/office/drawing/2014/main" id="{B2DD8AFF-2E03-52FA-0249-7F54FB188C6E}"/>
+              </a:ext>
+            </a:extLst>
+          </p:cNvPr>
+          <p:cNvSpPr>
+            <a:spLocks noGrp="1"/>
+          </p:cNvSpPr>
+          <p:nvPr>
+            <p:ph type="sldNum" sz="quarter" idx="12"/>
+          </p:nvPr>
+        </p:nvSpPr>
+        <p:spPr/>
+        <p:txBody>
+          <a:bodyPr/>
+          <a:lstStyle/>
+          <a:p>
+            <a:fld id="{4854181D-6920-4594-9A5D-6CE56DC9F8B2}" type="slidenum">
+              <a:rPr lang="en-US" smtClean="0"/>
+              <a:t>9</a:t>
+            </a:fld>
+            <a:endParaRPr lang="en-US"/>
+          </a:p>
+        </p:txBody>
+      </p:sp>
     </p:spTree>
     <p:extLst>
       <p:ext uri="{BB962C8B-B14F-4D97-AF65-F5344CB8AC3E}">
@@ -13803,4 +15669,299 @@
     </a:ext>
   </a:extLst>
 </a:theme>
+</file>
+
+<file path=ppt/theme/theme2.xml><?xml version="1.0" encoding="utf-8"?>
+<a:theme xmlns:a="http://schemas.openxmlformats.org/drawingml/2006/main" name="Office 테마">
+  <a:themeElements>
+    <a:clrScheme name="Office">
+      <a:dk1>
+        <a:sysClr val="windowText" lastClr="000000"/>
+      </a:dk1>
+      <a:lt1>
+        <a:sysClr val="window" lastClr="FFFFFF"/>
+      </a:lt1>
+      <a:dk2>
+        <a:srgbClr val="44546A"/>
+      </a:dk2>
+      <a:lt2>
+        <a:srgbClr val="E7E6E6"/>
+      </a:lt2>
+      <a:accent1>
+        <a:srgbClr val="4472C4"/>
+      </a:accent1>
+      <a:accent2>
+        <a:srgbClr val="ED7D31"/>
+      </a:accent2>
+      <a:accent3>
+        <a:srgbClr val="A5A5A5"/>
+      </a:accent3>
+      <a:accent4>
+        <a:srgbClr val="FFC000"/>
+      </a:accent4>
+      <a:accent5>
+        <a:srgbClr val="5B9BD5"/>
+      </a:accent5>
+      <a:accent6>
+        <a:srgbClr val="70AD47"/>
+      </a:accent6>
+      <a:hlink>
+        <a:srgbClr val="0563C1"/>
+      </a:hlink>
+      <a:folHlink>
+        <a:srgbClr val="954F72"/>
+      </a:folHlink>
+    </a:clrScheme>
+    <a:fontScheme name="Office">
+      <a:majorFont>
+        <a:latin typeface="맑은 고딕" panose="020F0302020204030204"/>
+        <a:ea typeface=""/>
+        <a:cs typeface=""/>
+        <a:font script="Jpan" typeface="游ゴシック Light"/>
+        <a:font script="Hang" typeface="맑은 고딕"/>
+        <a:font script="Hans" typeface="等线 Light"/>
+        <a:font script="Hant" typeface="新細明體"/>
+        <a:font script="Arab" typeface="Times New Roman"/>
+        <a:font script="Hebr" typeface="Times New Roman"/>
+        <a:font script="Thai" typeface="Angsana New"/>
+        <a:font script="Ethi" typeface="Nyala"/>
+        <a:font script="Beng" typeface="Vrinda"/>
+        <a:font script="Gujr" typeface="Shruti"/>
+        <a:font script="Khmr" typeface="MoolBoran"/>
+        <a:font script="Knda" typeface="Tunga"/>
+        <a:font script="Guru" typeface="Raavi"/>
+        <a:font script="Cans" typeface="Euphemia"/>
+        <a:font script="Cher" typeface="Plantagenet Cherokee"/>
+        <a:font script="Yiii" typeface="Microsoft Yi Baiti"/>
+        <a:font script="Tibt" typeface="Microsoft Himalaya"/>
+        <a:font script="Thaa" typeface="MV Boli"/>
+        <a:font script="Deva" typeface="Mangal"/>
+        <a:font script="Telu" typeface="Gautami"/>
+        <a:font script="Taml" typeface="Latha"/>
+        <a:font script="Syrc" typeface="Estrangelo Edessa"/>
+        <a:font script="Orya" typeface="Kalinga"/>
+        <a:font script="Mlym" typeface="Kartika"/>
+        <a:font script="Laoo" typeface="DokChampa"/>
+        <a:font script="Sinh" typeface="Iskoola Pota"/>
+        <a:font script="Mong" typeface="Mongolian Baiti"/>
+        <a:font script="Viet" typeface="Times New Roman"/>
+        <a:font script="Uigh" typeface="Microsoft Uighur"/>
+        <a:font script="Geor" typeface="Sylfaen"/>
+        <a:font script="Armn" typeface="Arial"/>
+        <a:font script="Bugi" typeface="Leelawadee UI"/>
+        <a:font script="Bopo" typeface="Microsoft JhengHei"/>
+        <a:font script="Java" typeface="Javanese Text"/>
+        <a:font script="Lisu" typeface="Segoe UI"/>
+        <a:font script="Mymr" typeface="Myanmar Text"/>
+        <a:font script="Nkoo" typeface="Ebrima"/>
+        <a:font script="Olck" typeface="Nirmala UI"/>
+        <a:font script="Osma" typeface="Ebrima"/>
+        <a:font script="Phag" typeface="Phagspa"/>
+        <a:font script="Syrn" typeface="Estrangelo Edessa"/>
+        <a:font script="Syrj" typeface="Estrangelo Edessa"/>
+        <a:font script="Syre" typeface="Estrangelo Edessa"/>
+        <a:font script="Sora" typeface="Nirmala UI"/>
+        <a:font script="Tale" typeface="Microsoft Tai Le"/>
+        <a:font script="Talu" typeface="Microsoft New Tai Lue"/>
+        <a:font script="Tfng" typeface="Ebrima"/>
+      </a:majorFont>
+      <a:minorFont>
+        <a:latin typeface="맑은 고딕" panose="020F0502020204030204"/>
+        <a:ea typeface=""/>
+        <a:cs typeface=""/>
+        <a:font script="Jpan" typeface="游ゴシック"/>
+        <a:font script="Hang" typeface="맑은 고딕"/>
+        <a:font script="Hans" typeface="等线"/>
+        <a:font script="Hant" typeface="新細明體"/>
+        <a:font script="Arab" typeface="Arial"/>
+        <a:font script="Hebr" typeface="Arial"/>
+        <a:font script="Thai" typeface="Cordia New"/>
+        <a:font script="Ethi" typeface="Nyala"/>
+        <a:font script="Beng" typeface="Vrinda"/>
+        <a:font script="Gujr" typeface="Shruti"/>
+        <a:font script="Khmr" typeface="DaunPenh"/>
+        <a:font script="Knda" typeface="Tunga"/>
+        <a:font script="Guru" typeface="Raavi"/>
+        <a:font script="Cans" typeface="Euphemia"/>
+        <a:font script="Cher" typeface="Plantagenet Cherokee"/>
+        <a:font script="Yiii" typeface="Microsoft Yi Baiti"/>
+        <a:font script="Tibt" typeface="Microsoft Himalaya"/>
+        <a:font script="Thaa" typeface="MV Boli"/>
+        <a:font script="Deva" typeface="Mangal"/>
+        <a:font script="Telu" typeface="Gautami"/>
+        <a:font script="Taml" typeface="Latha"/>
+        <a:font script="Syrc" typeface="Estrangelo Edessa"/>
+        <a:font script="Orya" typeface="Kalinga"/>
+        <a:font script="Mlym" typeface="Kartika"/>
+        <a:font script="Laoo" typeface="DokChampa"/>
+        <a:font script="Sinh" typeface="Iskoola Pota"/>
+        <a:font script="Mong" typeface="Mongolian Baiti"/>
+        <a:font script="Viet" typeface="Arial"/>
+        <a:font script="Uigh" typeface="Microsoft Uighur"/>
+        <a:font script="Geor" typeface="Sylfaen"/>
+        <a:font script="Armn" typeface="Arial"/>
+        <a:font script="Bugi" typeface="Leelawadee UI"/>
+        <a:font script="Bopo" typeface="Microsoft JhengHei"/>
+        <a:font script="Java" typeface="Javanese Text"/>
+        <a:font script="Lisu" typeface="Segoe UI"/>
+        <a:font script="Mymr" typeface="Myanmar Text"/>
+        <a:font script="Nkoo" typeface="Ebrima"/>
+        <a:font script="Olck" typeface="Nirmala UI"/>
+        <a:font script="Osma" typeface="Ebrima"/>
+        <a:font script="Phag" typeface="Phagspa"/>
+        <a:font script="Syrn" typeface="Estrangelo Edessa"/>
+        <a:font script="Syrj" typeface="Estrangelo Edessa"/>
+        <a:font script="Syre" typeface="Estrangelo Edessa"/>
+        <a:font script="Sora" typeface="Nirmala UI"/>
+        <a:font script="Tale" typeface="Microsoft Tai Le"/>
+        <a:font script="Talu" typeface="Microsoft New Tai Lue"/>
+        <a:font script="Tfng" typeface="Ebrima"/>
+      </a:minorFont>
+    </a:fontScheme>
+    <a:fmtScheme name="Office">
+      <a:fillStyleLst>
+        <a:solidFill>
+          <a:schemeClr val="phClr"/>
+        </a:solidFill>
+        <a:gradFill rotWithShape="1">
+          <a:gsLst>
+            <a:gs pos="0">
+              <a:schemeClr val="phClr">
+                <a:lumMod val="110000"/>
+                <a:satMod val="105000"/>
+                <a:tint val="67000"/>
+              </a:schemeClr>
+            </a:gs>
+            <a:gs pos="50000">
+              <a:schemeClr val="phClr">
+                <a:lumMod val="105000"/>
+                <a:satMod val="103000"/>
+                <a:tint val="73000"/>
+              </a:schemeClr>
+            </a:gs>
+            <a:gs pos="100000">
+              <a:schemeClr val="phClr">
+                <a:lumMod val="105000"/>
+                <a:satMod val="109000"/>
+                <a:tint val="81000"/>
+              </a:schemeClr>
+            </a:gs>
+          </a:gsLst>
+          <a:lin ang="5400000" scaled="0"/>
+        </a:gradFill>
+        <a:gradFill rotWithShape="1">
+          <a:gsLst>
+            <a:gs pos="0">
+              <a:schemeClr val="phClr">
+                <a:satMod val="103000"/>
+                <a:lumMod val="102000"/>
+                <a:tint val="94000"/>
+              </a:schemeClr>
+            </a:gs>
+            <a:gs pos="50000">
+              <a:schemeClr val="phClr">
+                <a:satMod val="110000"/>
+                <a:lumMod val="100000"/>
+                <a:shade val="100000"/>
+              </a:schemeClr>
+            </a:gs>
+            <a:gs pos="100000">
+              <a:schemeClr val="phClr">
+                <a:lumMod val="99000"/>
+                <a:satMod val="120000"/>
+                <a:shade val="78000"/>
+              </a:schemeClr>
+            </a:gs>
+          </a:gsLst>
+          <a:lin ang="5400000" scaled="0"/>
+        </a:gradFill>
+      </a:fillStyleLst>
+      <a:lnStyleLst>
+        <a:ln w="6350" cap="flat" cmpd="sng" algn="ctr">
+          <a:solidFill>
+            <a:schemeClr val="phClr"/>
+          </a:solidFill>
+          <a:prstDash val="solid"/>
+          <a:miter lim="800000"/>
+        </a:ln>
+        <a:ln w="12700" cap="flat" cmpd="sng" algn="ctr">
+          <a:solidFill>
+            <a:schemeClr val="phClr"/>
+          </a:solidFill>
+          <a:prstDash val="solid"/>
+          <a:miter lim="800000"/>
+        </a:ln>
+        <a:ln w="19050" cap="flat" cmpd="sng" algn="ctr">
+          <a:solidFill>
+            <a:schemeClr val="phClr"/>
+          </a:solidFill>
+          <a:prstDash val="solid"/>
+          <a:miter lim="800000"/>
+        </a:ln>
+      </a:lnStyleLst>
+      <a:effectStyleLst>
+        <a:effectStyle>
+          <a:effectLst/>
+        </a:effectStyle>
+        <a:effectStyle>
+          <a:effectLst/>
+        </a:effectStyle>
+        <a:effectStyle>
+          <a:effectLst>
+            <a:outerShdw blurRad="57150" dist="19050" dir="5400000" algn="ctr" rotWithShape="0">
+              <a:srgbClr val="000000">
+                <a:alpha val="63000"/>
+              </a:srgbClr>
+            </a:outerShdw>
+          </a:effectLst>
+        </a:effectStyle>
+      </a:effectStyleLst>
+      <a:bgFillStyleLst>
+        <a:solidFill>
+          <a:schemeClr val="phClr"/>
+        </a:solidFill>
+        <a:solidFill>
+          <a:schemeClr val="phClr">
+            <a:tint val="95000"/>
+            <a:satMod val="170000"/>
+          </a:schemeClr>
+        </a:solidFill>
+        <a:gradFill rotWithShape="1">
+          <a:gsLst>
+            <a:gs pos="0">
+              <a:schemeClr val="phClr">
+                <a:tint val="93000"/>
+                <a:satMod val="150000"/>
+                <a:shade val="98000"/>
+                <a:lumMod val="102000"/>
+              </a:schemeClr>
+            </a:gs>
+            <a:gs pos="50000">
+              <a:schemeClr val="phClr">
+                <a:tint val="98000"/>
+                <a:satMod val="130000"/>
+                <a:shade val="90000"/>
+                <a:lumMod val="103000"/>
+              </a:schemeClr>
+            </a:gs>
+            <a:gs pos="100000">
+              <a:schemeClr val="phClr">
+                <a:shade val="63000"/>
+                <a:satMod val="120000"/>
+              </a:schemeClr>
+            </a:gs>
+          </a:gsLst>
+          <a:lin ang="5400000" scaled="0"/>
+        </a:gradFill>
+      </a:bgFillStyleLst>
+    </a:fmtScheme>
+  </a:themeElements>
+  <a:objectDefaults/>
+  <a:extraClrSchemeLst/>
+  <a:extLst>
+    <a:ext uri="{05A4C25C-085E-4340-85A3-A5531E510DB2}">
+      <thm15:themeFamily xmlns:thm15="http://schemas.microsoft.com/office/thememl/2012/main" name="Office Theme" id="{62F939B6-93AF-4DB8-9C6B-D6C7DFDC589F}" vid="{4A3C46E8-61CC-4603-A589-7422A47A8E4A}"/>
+    </a:ext>
+  </a:extLst>
+</a:theme>
 </file>